--- a/google/about_google_sanjay.pptx
+++ b/google/about_google_sanjay.pptx
@@ -6,6 +6,11 @@
   </p:sldMasterIdLst>
   <p:sldIdLst>
     <p:sldId id="256" r:id="rId2"/>
+    <p:sldId id="259" r:id="rId3"/>
+    <p:sldId id="258" r:id="rId4"/>
+    <p:sldId id="260" r:id="rId5"/>
+    <p:sldId id="261" r:id="rId6"/>
+    <p:sldId id="257" r:id="rId7"/>
   </p:sldIdLst>
   <p:sldSz cx="9144000" cy="6858000" type="screen4x3"/>
   <p:notesSz cx="6858000" cy="9144000"/>
@@ -245,7 +250,7 @@
             <a:fld id="{E6F9B8CD-342D-4579-98EC-A8FD6B7370E1}" type="datetimeFigureOut">
               <a:rPr lang="en-US" smtClean="0"/>
               <a:pPr/>
-              <a:t>17/8/2015</a:t>
+              <a:t>18/8/2015</a:t>
             </a:fld>
             <a:endParaRPr lang="en-US" dirty="0"/>
           </a:p>
@@ -1116,7 +1121,7 @@
             <a:fld id="{E6F9B8CD-342D-4579-98EC-A8FD6B7370E1}" type="datetimeFigureOut">
               <a:rPr lang="en-US" smtClean="0"/>
               <a:pPr/>
-              <a:t>17/8/2015</a:t>
+              <a:t>18/8/2015</a:t>
             </a:fld>
             <a:endParaRPr lang="en-US"/>
           </a:p>
@@ -1293,7 +1298,7 @@
             <a:fld id="{E6F9B8CD-342D-4579-98EC-A8FD6B7370E1}" type="datetimeFigureOut">
               <a:rPr lang="en-US" smtClean="0"/>
               <a:pPr/>
-              <a:t>17/8/2015</a:t>
+              <a:t>18/8/2015</a:t>
             </a:fld>
             <a:endParaRPr lang="en-US"/>
           </a:p>
@@ -1466,7 +1471,7 @@
             <a:fld id="{E6F9B8CD-342D-4579-98EC-A8FD6B7370E1}" type="datetimeFigureOut">
               <a:rPr lang="en-US" smtClean="0"/>
               <a:pPr algn="r" eaLnBrk="1" latinLnBrk="0" hangingPunct="1"/>
-              <a:t>17/8/2015</a:t>
+              <a:t>18/8/2015</a:t>
             </a:fld>
             <a:endParaRPr lang="en-US"/>
           </a:p>
@@ -1679,7 +1684,7 @@
             <a:fld id="{E6F9B8CD-342D-4579-98EC-A8FD6B7370E1}" type="datetimeFigureOut">
               <a:rPr lang="en-US" smtClean="0"/>
               <a:pPr/>
-              <a:t>17/8/2015</a:t>
+              <a:t>18/8/2015</a:t>
             </a:fld>
             <a:endParaRPr lang="en-US"/>
           </a:p>
@@ -2495,7 +2500,7 @@
             <a:fld id="{E6F9B8CD-342D-4579-98EC-A8FD6B7370E1}" type="datetimeFigureOut">
               <a:rPr lang="en-US" smtClean="0"/>
               <a:pPr/>
-              <a:t>17/8/2015</a:t>
+              <a:t>18/8/2015</a:t>
             </a:fld>
             <a:endParaRPr lang="en-US"/>
           </a:p>
@@ -2733,7 +2738,7 @@
             <a:fld id="{E6F9B8CD-342D-4579-98EC-A8FD6B7370E1}" type="datetimeFigureOut">
               <a:rPr lang="en-US" smtClean="0"/>
               <a:pPr/>
-              <a:t>17/8/2015</a:t>
+              <a:t>18/8/2015</a:t>
             </a:fld>
             <a:endParaRPr lang="en-US"/>
           </a:p>
@@ -3059,7 +3064,7 @@
             <a:fld id="{E6F9B8CD-342D-4579-98EC-A8FD6B7370E1}" type="datetimeFigureOut">
               <a:rPr lang="en-US" smtClean="0"/>
               <a:pPr algn="r" eaLnBrk="1" latinLnBrk="0" hangingPunct="1"/>
-              <a:t>17/8/2015</a:t>
+              <a:t>18/8/2015</a:t>
             </a:fld>
             <a:endParaRPr lang="en-US"/>
           </a:p>
@@ -3152,7 +3157,7 @@
             <a:fld id="{E6F9B8CD-342D-4579-98EC-A8FD6B7370E1}" type="datetimeFigureOut">
               <a:rPr lang="en-US" smtClean="0"/>
               <a:pPr/>
-              <a:t>17/8/2015</a:t>
+              <a:t>18/8/2015</a:t>
             </a:fld>
             <a:endParaRPr lang="en-US"/>
           </a:p>
@@ -3672,7 +3677,7 @@
             <a:fld id="{E6F9B8CD-342D-4579-98EC-A8FD6B7370E1}" type="datetimeFigureOut">
               <a:rPr lang="en-US" smtClean="0"/>
               <a:pPr algn="r" eaLnBrk="1" latinLnBrk="0" hangingPunct="1"/>
-              <a:t>17/8/2015</a:t>
+              <a:t>18/8/2015</a:t>
             </a:fld>
             <a:endParaRPr lang="en-US" dirty="0"/>
           </a:p>
@@ -4187,7 +4192,7 @@
             <a:fld id="{E6F9B8CD-342D-4579-98EC-A8FD6B7370E1}" type="datetimeFigureOut">
               <a:rPr lang="en-US" smtClean="0"/>
               <a:pPr algn="r" eaLnBrk="1" latinLnBrk="0" hangingPunct="1"/>
-              <a:t>17/8/2015</a:t>
+              <a:t>18/8/2015</a:t>
             </a:fld>
             <a:endParaRPr lang="en-US"/>
           </a:p>
@@ -4436,7 +4441,7 @@
             <a:fld id="{E6F9B8CD-342D-4579-98EC-A8FD6B7370E1}" type="datetimeFigureOut">
               <a:rPr lang="en-US" smtClean="0"/>
               <a:pPr algn="r" eaLnBrk="1" latinLnBrk="0" hangingPunct="1"/>
-              <a:t>17/8/2015</a:t>
+              <a:t>18/8/2015</a:t>
             </a:fld>
             <a:endParaRPr lang="en-US" dirty="0">
               <a:solidFill>
@@ -5133,6 +5138,3203 @@
 </p:sld>
 </file>
 
+<file path=ppt/slides/slide2.xml><?xml version="1.0" encoding="utf-8"?>
+<p:sld xmlns:a="http://schemas.openxmlformats.org/drawingml/2006/main" xmlns:r="http://schemas.openxmlformats.org/officeDocument/2006/relationships" xmlns:p="http://schemas.openxmlformats.org/presentationml/2006/main">
+  <p:cSld>
+    <p:spTree>
+      <p:nvGrpSpPr>
+        <p:cNvPr id="1" name=""/>
+        <p:cNvGrpSpPr/>
+        <p:nvPr/>
+      </p:nvGrpSpPr>
+      <p:grpSpPr>
+        <a:xfrm>
+          <a:off x="0" y="0"/>
+          <a:ext cx="0" cy="0"/>
+          <a:chOff x="0" y="0"/>
+          <a:chExt cx="0" cy="0"/>
+        </a:xfrm>
+      </p:grpSpPr>
+      <p:sp>
+        <p:nvSpPr>
+          <p:cNvPr id="11" name="Title 10"/>
+          <p:cNvSpPr>
+            <a:spLocks noGrp="1"/>
+          </p:cNvSpPr>
+          <p:nvPr>
+            <p:ph type="title"/>
+          </p:nvPr>
+        </p:nvSpPr>
+        <p:spPr>
+          <a:xfrm>
+            <a:off x="457200" y="274638"/>
+            <a:ext cx="7467600" cy="715962"/>
+          </a:xfrm>
+        </p:spPr>
+        <p:txBody>
+          <a:bodyPr/>
+          <a:lstStyle/>
+          <a:p>
+            <a:r>
+              <a:rPr lang="en-US" sz="3200" b="1" dirty="0" smtClean="0">
+                <a:solidFill>
+                  <a:schemeClr val="accent2"/>
+                </a:solidFill>
+              </a:rPr>
+              <a:t>G</a:t>
+            </a:r>
+            <a:r>
+              <a:rPr lang="en-US" sz="3200" b="1" dirty="0" smtClean="0">
+                <a:solidFill>
+                  <a:srgbClr val="FF0000"/>
+                </a:solidFill>
+              </a:rPr>
+              <a:t>o</a:t>
+            </a:r>
+            <a:r>
+              <a:rPr lang="en-US" sz="3200" b="1" dirty="0" smtClean="0">
+                <a:solidFill>
+                  <a:srgbClr val="FFF529"/>
+                </a:solidFill>
+              </a:rPr>
+              <a:t>o</a:t>
+            </a:r>
+            <a:r>
+              <a:rPr lang="en-US" sz="3200" b="1" dirty="0" smtClean="0">
+                <a:solidFill>
+                  <a:srgbClr val="1B79D7"/>
+                </a:solidFill>
+              </a:rPr>
+              <a:t>g</a:t>
+            </a:r>
+            <a:r>
+              <a:rPr lang="en-US" sz="3200" b="1" dirty="0" smtClean="0">
+                <a:solidFill>
+                  <a:srgbClr val="009900"/>
+                </a:solidFill>
+              </a:rPr>
+              <a:t>l</a:t>
+            </a:r>
+            <a:r>
+              <a:rPr lang="en-US" sz="3200" b="1" dirty="0" smtClean="0">
+                <a:solidFill>
+                  <a:srgbClr val="ED483D"/>
+                </a:solidFill>
+              </a:rPr>
+              <a:t>e</a:t>
+            </a:r>
+            <a:r>
+              <a:rPr lang="en-US" sz="3200" b="1" dirty="0" smtClean="0">
+                <a:solidFill>
+                  <a:schemeClr val="accent1"/>
+                </a:solidFill>
+              </a:rPr>
+              <a:t> </a:t>
+            </a:r>
+            <a:r>
+              <a:rPr lang="en-US" sz="2400" b="1" dirty="0" smtClean="0">
+                <a:solidFill>
+                  <a:srgbClr val="1B79D7"/>
+                </a:solidFill>
+              </a:rPr>
+              <a:t>Evolution</a:t>
+            </a:r>
+            <a:endParaRPr lang="en-US" dirty="0"/>
+          </a:p>
+        </p:txBody>
+      </p:sp>
+      <p:pic>
+        <p:nvPicPr>
+          <p:cNvPr id="12" name="Content Placeholder 11" descr="google-evolution-timeline.jpg"/>
+          <p:cNvPicPr>
+            <a:picLocks noGrp="1" noChangeAspect="1"/>
+          </p:cNvPicPr>
+          <p:nvPr>
+            <p:ph sz="quarter" idx="1"/>
+          </p:nvPr>
+        </p:nvPicPr>
+        <p:blipFill>
+          <a:blip r:embed="rId2"/>
+          <a:stretch>
+            <a:fillRect/>
+          </a:stretch>
+        </p:blipFill>
+        <p:spPr>
+          <a:xfrm>
+            <a:off x="228600" y="1598043"/>
+            <a:ext cx="8458200" cy="4802757"/>
+          </a:xfrm>
+        </p:spPr>
+        <p:style>
+          <a:lnRef idx="2">
+            <a:schemeClr val="accent2"/>
+          </a:lnRef>
+          <a:fillRef idx="1">
+            <a:schemeClr val="lt1"/>
+          </a:fillRef>
+          <a:effectRef idx="0">
+            <a:schemeClr val="accent2"/>
+          </a:effectRef>
+          <a:fontRef idx="minor">
+            <a:schemeClr val="dk1"/>
+          </a:fontRef>
+        </p:style>
+      </p:pic>
+    </p:spTree>
+  </p:cSld>
+  <p:clrMapOvr>
+    <a:masterClrMapping/>
+  </p:clrMapOvr>
+  <p:timing>
+    <p:tnLst>
+      <p:par>
+        <p:cTn id="1" dur="indefinite" restart="never" nodeType="tmRoot"/>
+      </p:par>
+    </p:tnLst>
+  </p:timing>
+</p:sld>
+</file>
+
+<file path=ppt/slides/slide3.xml><?xml version="1.0" encoding="utf-8"?>
+<p:sld xmlns:a="http://schemas.openxmlformats.org/drawingml/2006/main" xmlns:r="http://schemas.openxmlformats.org/officeDocument/2006/relationships" xmlns:p="http://schemas.openxmlformats.org/presentationml/2006/main">
+  <p:cSld>
+    <p:spTree>
+      <p:nvGrpSpPr>
+        <p:cNvPr id="1" name=""/>
+        <p:cNvGrpSpPr/>
+        <p:nvPr/>
+      </p:nvGrpSpPr>
+      <p:grpSpPr>
+        <a:xfrm>
+          <a:off x="0" y="0"/>
+          <a:ext cx="0" cy="0"/>
+          <a:chOff x="0" y="0"/>
+          <a:chExt cx="0" cy="0"/>
+        </a:xfrm>
+      </p:grpSpPr>
+      <p:sp>
+        <p:nvSpPr>
+          <p:cNvPr id="11" name="Title 10"/>
+          <p:cNvSpPr>
+            <a:spLocks noGrp="1"/>
+          </p:cNvSpPr>
+          <p:nvPr>
+            <p:ph type="title"/>
+          </p:nvPr>
+        </p:nvSpPr>
+        <p:spPr/>
+        <p:txBody>
+          <a:bodyPr/>
+          <a:lstStyle/>
+          <a:p>
+            <a:r>
+              <a:rPr lang="en-US" sz="3200" b="1" dirty="0" smtClean="0">
+                <a:solidFill>
+                  <a:schemeClr val="accent2"/>
+                </a:solidFill>
+              </a:rPr>
+              <a:t>G</a:t>
+            </a:r>
+            <a:r>
+              <a:rPr lang="en-US" sz="3200" b="1" dirty="0" smtClean="0">
+                <a:solidFill>
+                  <a:srgbClr val="FF0000"/>
+                </a:solidFill>
+              </a:rPr>
+              <a:t>o</a:t>
+            </a:r>
+            <a:r>
+              <a:rPr lang="en-US" sz="3200" b="1" dirty="0" smtClean="0">
+                <a:solidFill>
+                  <a:srgbClr val="FFF529"/>
+                </a:solidFill>
+              </a:rPr>
+              <a:t>o</a:t>
+            </a:r>
+            <a:r>
+              <a:rPr lang="en-US" sz="3200" b="1" dirty="0" smtClean="0">
+                <a:solidFill>
+                  <a:srgbClr val="1B79D7"/>
+                </a:solidFill>
+              </a:rPr>
+              <a:t>g</a:t>
+            </a:r>
+            <a:r>
+              <a:rPr lang="en-US" sz="3200" b="1" dirty="0" smtClean="0">
+                <a:solidFill>
+                  <a:srgbClr val="009900"/>
+                </a:solidFill>
+              </a:rPr>
+              <a:t>l</a:t>
+            </a:r>
+            <a:r>
+              <a:rPr lang="en-US" sz="3200" b="1" dirty="0" smtClean="0">
+                <a:solidFill>
+                  <a:srgbClr val="ED483D"/>
+                </a:solidFill>
+              </a:rPr>
+              <a:t>e</a:t>
+            </a:r>
+            <a:r>
+              <a:rPr lang="en-US" sz="3200" b="1" dirty="0" smtClean="0">
+                <a:solidFill>
+                  <a:schemeClr val="accent1"/>
+                </a:solidFill>
+              </a:rPr>
+              <a:t> </a:t>
+            </a:r>
+            <a:r>
+              <a:rPr lang="en-US" sz="2400" b="1" dirty="0" smtClean="0">
+                <a:solidFill>
+                  <a:schemeClr val="accent2"/>
+                </a:solidFill>
+              </a:rPr>
+              <a:t>Mission</a:t>
+            </a:r>
+            <a:r>
+              <a:rPr lang="en-US" sz="3200" b="1" dirty="0" smtClean="0">
+                <a:solidFill>
+                  <a:schemeClr val="accent2"/>
+                </a:solidFill>
+              </a:rPr>
+              <a:t/>
+            </a:r>
+            <a:br>
+              <a:rPr lang="en-US" sz="3200" b="1" dirty="0" smtClean="0">
+                <a:solidFill>
+                  <a:schemeClr val="accent2"/>
+                </a:solidFill>
+              </a:rPr>
+            </a:br>
+            <a:endParaRPr lang="en-US" dirty="0"/>
+          </a:p>
+        </p:txBody>
+      </p:sp>
+      <p:sp>
+        <p:nvSpPr>
+          <p:cNvPr id="4" name="Rectangle 2"/>
+          <p:cNvSpPr>
+            <a:spLocks noGrp="1" noChangeArrowheads="1"/>
+          </p:cNvSpPr>
+          <p:nvPr>
+            <p:ph sz="quarter" idx="1"/>
+          </p:nvPr>
+        </p:nvSpPr>
+        <p:spPr>
+          <a:xfrm>
+            <a:off x="457200" y="990600"/>
+            <a:ext cx="7620000" cy="5480177"/>
+          </a:xfrm>
+        </p:spPr>
+        <p:style>
+          <a:lnRef idx="2">
+            <a:schemeClr val="accent2"/>
+          </a:lnRef>
+          <a:fillRef idx="1">
+            <a:schemeClr val="lt1"/>
+          </a:fillRef>
+          <a:effectRef idx="0">
+            <a:schemeClr val="accent2"/>
+          </a:effectRef>
+          <a:fontRef idx="minor">
+            <a:schemeClr val="dk1"/>
+          </a:fontRef>
+        </p:style>
+        <p:txBody>
+          <a:bodyPr>
+            <a:normAutofit/>
+          </a:bodyPr>
+          <a:lstStyle/>
+          <a:p>
+            <a:pPr>
+              <a:buNone/>
+            </a:pPr>
+            <a:endParaRPr lang="en-US" sz="3600" b="1" dirty="0" smtClean="0">
+              <a:solidFill>
+                <a:schemeClr val="accent2"/>
+              </a:solidFill>
+            </a:endParaRPr>
+          </a:p>
+        </p:txBody>
+      </p:sp>
+      <p:pic>
+        <p:nvPicPr>
+          <p:cNvPr id="6" name="Picture 3"/>
+          <p:cNvPicPr>
+            <a:picLocks noChangeAspect="1" noChangeArrowheads="1"/>
+          </p:cNvPicPr>
+          <p:nvPr/>
+        </p:nvPicPr>
+        <p:blipFill>
+          <a:blip r:embed="rId2"/>
+          <a:srcRect/>
+          <a:stretch>
+            <a:fillRect/>
+          </a:stretch>
+        </p:blipFill>
+        <p:spPr bwMode="auto">
+          <a:xfrm>
+            <a:off x="1076325" y="3943350"/>
+            <a:ext cx="1681163" cy="1704975"/>
+          </a:xfrm>
+          <a:prstGeom prst="rect">
+            <a:avLst/>
+          </a:prstGeom>
+          <a:noFill/>
+          <a:ln w="9525">
+            <a:noFill/>
+            <a:miter lim="800000"/>
+            <a:headEnd/>
+            <a:tailEnd/>
+          </a:ln>
+        </p:spPr>
+      </p:pic>
+      <p:sp>
+        <p:nvSpPr>
+          <p:cNvPr id="7" name="Rectangle 4"/>
+          <p:cNvSpPr>
+            <a:spLocks noChangeArrowheads="1"/>
+          </p:cNvSpPr>
+          <p:nvPr/>
+        </p:nvSpPr>
+        <p:spPr bwMode="auto">
+          <a:xfrm>
+            <a:off x="76200" y="2971800"/>
+            <a:ext cx="8382000" cy="962025"/>
+          </a:xfrm>
+          <a:prstGeom prst="rect">
+            <a:avLst/>
+          </a:prstGeom>
+          <a:noFill/>
+          <a:ln w="9525">
+            <a:noFill/>
+            <a:miter lim="800000"/>
+            <a:headEnd/>
+            <a:tailEnd/>
+          </a:ln>
+        </p:spPr>
+        <p:txBody>
+          <a:bodyPr lIns="130609" tIns="65305" rIns="130609" bIns="65305"/>
+          <a:lstStyle/>
+          <a:p>
+            <a:pPr algn="ctr" eaLnBrk="1" hangingPunct="1">
+              <a:lnSpc>
+                <a:spcPct val="90000"/>
+              </a:lnSpc>
+              <a:spcBef>
+                <a:spcPct val="45000"/>
+              </a:spcBef>
+              <a:buClr>
+                <a:schemeClr val="tx1"/>
+              </a:buClr>
+              <a:buFontTx/>
+              <a:buNone/>
+            </a:pPr>
+            <a:r>
+              <a:rPr lang="en-US" sz="2600" dirty="0">
+                <a:solidFill>
+                  <a:srgbClr val="3C3C3C"/>
+                </a:solidFill>
+              </a:rPr>
+              <a:t>Organize the </a:t>
+            </a:r>
+            <a:r>
+              <a:rPr lang="en-US" sz="2600" dirty="0">
+                <a:solidFill>
+                  <a:srgbClr val="FF0000"/>
+                </a:solidFill>
+              </a:rPr>
+              <a:t>world's information</a:t>
+            </a:r>
+            <a:r>
+              <a:rPr lang="en-US" sz="2600" dirty="0">
+                <a:solidFill>
+                  <a:srgbClr val="3C3C3C"/>
+                </a:solidFill>
+              </a:rPr>
+              <a:t> and </a:t>
+            </a:r>
+            <a:br>
+              <a:rPr lang="en-US" sz="2600" dirty="0">
+                <a:solidFill>
+                  <a:srgbClr val="3C3C3C"/>
+                </a:solidFill>
+              </a:rPr>
+            </a:br>
+            <a:r>
+              <a:rPr lang="en-US" sz="2600" dirty="0">
+                <a:solidFill>
+                  <a:srgbClr val="3C3C3C"/>
+                </a:solidFill>
+              </a:rPr>
+              <a:t>make it </a:t>
+            </a:r>
+            <a:r>
+              <a:rPr lang="en-US" sz="2600" dirty="0">
+                <a:solidFill>
+                  <a:srgbClr val="3366FF"/>
+                </a:solidFill>
+              </a:rPr>
+              <a:t>universally</a:t>
+            </a:r>
+            <a:r>
+              <a:rPr lang="en-US" sz="2600" dirty="0">
+                <a:solidFill>
+                  <a:srgbClr val="3C3C3C"/>
+                </a:solidFill>
+              </a:rPr>
+              <a:t> </a:t>
+            </a:r>
+            <a:r>
+              <a:rPr lang="en-US" sz="2600" dirty="0">
+                <a:solidFill>
+                  <a:srgbClr val="FF9900"/>
+                </a:solidFill>
+              </a:rPr>
+              <a:t>accessible</a:t>
+            </a:r>
+            <a:r>
+              <a:rPr lang="en-US" sz="2600" dirty="0">
+                <a:solidFill>
+                  <a:srgbClr val="3C3C3C"/>
+                </a:solidFill>
+              </a:rPr>
+              <a:t> and </a:t>
+            </a:r>
+            <a:r>
+              <a:rPr lang="en-US" sz="2600" dirty="0">
+                <a:solidFill>
+                  <a:srgbClr val="00CC00"/>
+                </a:solidFill>
+              </a:rPr>
+              <a:t>useful</a:t>
+            </a:r>
+            <a:endParaRPr lang="en-US" sz="2200" dirty="0">
+              <a:solidFill>
+                <a:srgbClr val="3C3C3C"/>
+              </a:solidFill>
+            </a:endParaRPr>
+          </a:p>
+        </p:txBody>
+      </p:sp>
+      <p:pic>
+        <p:nvPicPr>
+          <p:cNvPr id="8" name="Picture 5" descr="sms_phone"/>
+          <p:cNvPicPr>
+            <a:picLocks noChangeAspect="1" noChangeArrowheads="1"/>
+          </p:cNvPicPr>
+          <p:nvPr/>
+        </p:nvPicPr>
+        <p:blipFill>
+          <a:blip r:embed="rId3"/>
+          <a:srcRect/>
+          <a:stretch>
+            <a:fillRect/>
+          </a:stretch>
+        </p:blipFill>
+        <p:spPr bwMode="auto">
+          <a:xfrm>
+            <a:off x="3787775" y="4038600"/>
+            <a:ext cx="825500" cy="1704975"/>
+          </a:xfrm>
+          <a:prstGeom prst="rect">
+            <a:avLst/>
+          </a:prstGeom>
+          <a:noFill/>
+          <a:ln w="9525">
+            <a:noFill/>
+            <a:miter lim="800000"/>
+            <a:headEnd/>
+            <a:tailEnd/>
+          </a:ln>
+        </p:spPr>
+      </p:pic>
+      <p:pic>
+        <p:nvPicPr>
+          <p:cNvPr id="9" name="Picture 6"/>
+          <p:cNvPicPr>
+            <a:picLocks noChangeAspect="1" noChangeArrowheads="1"/>
+          </p:cNvPicPr>
+          <p:nvPr/>
+        </p:nvPicPr>
+        <p:blipFill>
+          <a:blip r:embed="rId4"/>
+          <a:srcRect/>
+          <a:stretch>
+            <a:fillRect/>
+          </a:stretch>
+        </p:blipFill>
+        <p:spPr bwMode="auto">
+          <a:xfrm>
+            <a:off x="3394075" y="1219200"/>
+            <a:ext cx="1574800" cy="1752600"/>
+          </a:xfrm>
+          <a:prstGeom prst="rect">
+            <a:avLst/>
+          </a:prstGeom>
+          <a:noFill/>
+          <a:ln w="9525">
+            <a:noFill/>
+            <a:miter lim="800000"/>
+            <a:headEnd/>
+            <a:tailEnd/>
+          </a:ln>
+        </p:spPr>
+      </p:pic>
+      <p:pic>
+        <p:nvPicPr>
+          <p:cNvPr id="10" name="Picture 7"/>
+          <p:cNvPicPr>
+            <a:picLocks noChangeAspect="1" noChangeArrowheads="1"/>
+          </p:cNvPicPr>
+          <p:nvPr/>
+        </p:nvPicPr>
+        <p:blipFill>
+          <a:blip r:embed="rId5"/>
+          <a:srcRect/>
+          <a:stretch>
+            <a:fillRect/>
+          </a:stretch>
+        </p:blipFill>
+        <p:spPr bwMode="auto">
+          <a:xfrm>
+            <a:off x="5476875" y="4019550"/>
+            <a:ext cx="2057400" cy="1598613"/>
+          </a:xfrm>
+          <a:prstGeom prst="rect">
+            <a:avLst/>
+          </a:prstGeom>
+          <a:noFill/>
+          <a:ln w="9525">
+            <a:noFill/>
+            <a:miter lim="800000"/>
+            <a:headEnd/>
+            <a:tailEnd/>
+          </a:ln>
+        </p:spPr>
+      </p:pic>
+    </p:spTree>
+  </p:cSld>
+  <p:clrMapOvr>
+    <a:masterClrMapping/>
+  </p:clrMapOvr>
+  <p:timing>
+    <p:tnLst>
+      <p:par>
+        <p:cTn id="1" dur="indefinite" restart="never" nodeType="tmRoot">
+          <p:childTnLst>
+            <p:seq concurrent="1" nextAc="seek">
+              <p:cTn id="2" dur="indefinite" nodeType="mainSeq">
+                <p:childTnLst>
+                  <p:par>
+                    <p:cTn id="3" fill="hold">
+                      <p:stCondLst>
+                        <p:cond delay="indefinite"/>
+                      </p:stCondLst>
+                      <p:childTnLst>
+                        <p:par>
+                          <p:cTn id="4" fill="hold">
+                            <p:stCondLst>
+                              <p:cond delay="0"/>
+                            </p:stCondLst>
+                            <p:childTnLst>
+                              <p:par>
+                                <p:cTn id="5" presetID="6" presetClass="emph" presetSubtype="0" fill="hold" nodeType="clickEffect">
+                                  <p:stCondLst>
+                                    <p:cond delay="0"/>
+                                  </p:stCondLst>
+                                  <p:childTnLst>
+                                    <p:animScale>
+                                      <p:cBhvr>
+                                        <p:cTn id="6" dur="2000" fill="hold"/>
+                                        <p:tgtEl>
+                                          <p:spTgt spid="6"/>
+                                        </p:tgtEl>
+                                      </p:cBhvr>
+                                      <p:by x="150000" y="150000"/>
+                                    </p:animScale>
+                                  </p:childTnLst>
+                                </p:cTn>
+                              </p:par>
+                            </p:childTnLst>
+                          </p:cTn>
+                        </p:par>
+                      </p:childTnLst>
+                    </p:cTn>
+                  </p:par>
+                  <p:par>
+                    <p:cTn id="7" fill="hold">
+                      <p:stCondLst>
+                        <p:cond delay="indefinite"/>
+                      </p:stCondLst>
+                      <p:childTnLst>
+                        <p:par>
+                          <p:cTn id="8" fill="hold">
+                            <p:stCondLst>
+                              <p:cond delay="0"/>
+                            </p:stCondLst>
+                            <p:childTnLst>
+                              <p:par>
+                                <p:cTn id="9" presetID="8" presetClass="emph" presetSubtype="0" fill="hold" nodeType="clickEffect">
+                                  <p:stCondLst>
+                                    <p:cond delay="0"/>
+                                  </p:stCondLst>
+                                  <p:childTnLst>
+                                    <p:animRot by="21600000">
+                                      <p:cBhvr>
+                                        <p:cTn id="10" dur="2000" fill="hold"/>
+                                        <p:tgtEl>
+                                          <p:spTgt spid="10"/>
+                                        </p:tgtEl>
+                                        <p:attrNameLst>
+                                          <p:attrName>r</p:attrName>
+                                        </p:attrNameLst>
+                                      </p:cBhvr>
+                                    </p:animRot>
+                                  </p:childTnLst>
+                                </p:cTn>
+                              </p:par>
+                            </p:childTnLst>
+                          </p:cTn>
+                        </p:par>
+                      </p:childTnLst>
+                    </p:cTn>
+                  </p:par>
+                </p:childTnLst>
+              </p:cTn>
+              <p:prevCondLst>
+                <p:cond evt="onPrev" delay="0">
+                  <p:tgtEl>
+                    <p:sldTgt/>
+                  </p:tgtEl>
+                </p:cond>
+              </p:prevCondLst>
+              <p:nextCondLst>
+                <p:cond evt="onNext" delay="0">
+                  <p:tgtEl>
+                    <p:sldTgt/>
+                  </p:tgtEl>
+                </p:cond>
+              </p:nextCondLst>
+            </p:seq>
+          </p:childTnLst>
+        </p:cTn>
+      </p:par>
+    </p:tnLst>
+  </p:timing>
+</p:sld>
+</file>
+
+<file path=ppt/slides/slide4.xml><?xml version="1.0" encoding="utf-8"?>
+<p:sld xmlns:a="http://schemas.openxmlformats.org/drawingml/2006/main" xmlns:r="http://schemas.openxmlformats.org/officeDocument/2006/relationships" xmlns:p="http://schemas.openxmlformats.org/presentationml/2006/main">
+  <p:cSld>
+    <p:spTree>
+      <p:nvGrpSpPr>
+        <p:cNvPr id="1" name=""/>
+        <p:cNvGrpSpPr/>
+        <p:nvPr/>
+      </p:nvGrpSpPr>
+      <p:grpSpPr>
+        <a:xfrm>
+          <a:off x="0" y="0"/>
+          <a:ext cx="0" cy="0"/>
+          <a:chOff x="0" y="0"/>
+          <a:chExt cx="0" cy="0"/>
+        </a:xfrm>
+      </p:grpSpPr>
+      <p:sp>
+        <p:nvSpPr>
+          <p:cNvPr id="11" name="Title 10"/>
+          <p:cNvSpPr>
+            <a:spLocks noGrp="1"/>
+          </p:cNvSpPr>
+          <p:nvPr>
+            <p:ph type="title"/>
+          </p:nvPr>
+        </p:nvSpPr>
+        <p:spPr>
+          <a:xfrm>
+            <a:off x="457200" y="274638"/>
+            <a:ext cx="7467600" cy="715962"/>
+          </a:xfrm>
+        </p:spPr>
+        <p:txBody>
+          <a:bodyPr>
+            <a:normAutofit/>
+          </a:bodyPr>
+          <a:lstStyle/>
+          <a:p>
+            <a:r>
+              <a:rPr lang="en-US" sz="3200" b="1" dirty="0" smtClean="0">
+                <a:solidFill>
+                  <a:schemeClr val="accent2"/>
+                </a:solidFill>
+              </a:rPr>
+              <a:t>G</a:t>
+            </a:r>
+            <a:r>
+              <a:rPr lang="en-US" sz="3200" b="1" dirty="0" smtClean="0">
+                <a:solidFill>
+                  <a:srgbClr val="FF0000"/>
+                </a:solidFill>
+              </a:rPr>
+              <a:t>o</a:t>
+            </a:r>
+            <a:r>
+              <a:rPr lang="en-US" sz="3200" b="1" dirty="0" smtClean="0">
+                <a:solidFill>
+                  <a:srgbClr val="FFF529"/>
+                </a:solidFill>
+              </a:rPr>
+              <a:t>o</a:t>
+            </a:r>
+            <a:r>
+              <a:rPr lang="en-US" sz="3200" b="1" dirty="0" smtClean="0">
+                <a:solidFill>
+                  <a:srgbClr val="1B79D7"/>
+                </a:solidFill>
+              </a:rPr>
+              <a:t>g</a:t>
+            </a:r>
+            <a:r>
+              <a:rPr lang="en-US" sz="3200" b="1" dirty="0" smtClean="0">
+                <a:solidFill>
+                  <a:srgbClr val="009900"/>
+                </a:solidFill>
+              </a:rPr>
+              <a:t>l</a:t>
+            </a:r>
+            <a:r>
+              <a:rPr lang="en-US" sz="3200" b="1" dirty="0" smtClean="0">
+                <a:solidFill>
+                  <a:srgbClr val="ED483D"/>
+                </a:solidFill>
+              </a:rPr>
+              <a:t>e</a:t>
+            </a:r>
+            <a:r>
+              <a:rPr lang="en-US" sz="3200" b="1" dirty="0" smtClean="0">
+                <a:solidFill>
+                  <a:schemeClr val="accent1"/>
+                </a:solidFill>
+              </a:rPr>
+              <a:t> </a:t>
+            </a:r>
+            <a:r>
+              <a:rPr lang="en-US" sz="2400" b="1" dirty="0" smtClean="0">
+                <a:solidFill>
+                  <a:schemeClr val="accent2">
+                    <a:lumMod val="75000"/>
+                  </a:schemeClr>
+                </a:solidFill>
+              </a:rPr>
+              <a:t>Strategy</a:t>
+            </a:r>
+            <a:r>
+              <a:rPr lang="en-US" sz="2400" b="1" dirty="0" smtClean="0">
+                <a:solidFill>
+                  <a:srgbClr val="1B79D7"/>
+                </a:solidFill>
+              </a:rPr>
+              <a:t>: Search. Ads. Apps.</a:t>
+            </a:r>
+            <a:endParaRPr lang="en-US" dirty="0"/>
+          </a:p>
+        </p:txBody>
+      </p:sp>
+      <p:sp>
+        <p:nvSpPr>
+          <p:cNvPr id="6" name="Content Placeholder 5"/>
+          <p:cNvSpPr>
+            <a:spLocks noGrp="1"/>
+          </p:cNvSpPr>
+          <p:nvPr>
+            <p:ph sz="quarter" idx="1"/>
+          </p:nvPr>
+        </p:nvSpPr>
+        <p:spPr/>
+        <p:txBody>
+          <a:bodyPr/>
+          <a:lstStyle/>
+          <a:p>
+            <a:pPr>
+              <a:buNone/>
+            </a:pPr>
+            <a:endParaRPr lang="en-US" dirty="0"/>
+          </a:p>
+        </p:txBody>
+      </p:sp>
+      <p:pic>
+        <p:nvPicPr>
+          <p:cNvPr id="7" name="Picture 3" descr="magnify"/>
+          <p:cNvPicPr>
+            <a:picLocks noChangeAspect="1" noChangeArrowheads="1"/>
+          </p:cNvPicPr>
+          <p:nvPr/>
+        </p:nvPicPr>
+        <p:blipFill>
+          <a:blip r:embed="rId2"/>
+          <a:srcRect/>
+          <a:stretch>
+            <a:fillRect/>
+          </a:stretch>
+        </p:blipFill>
+        <p:spPr bwMode="gray">
+          <a:xfrm>
+            <a:off x="514350" y="1981200"/>
+            <a:ext cx="1905000" cy="1905000"/>
+          </a:xfrm>
+          <a:prstGeom prst="rect">
+            <a:avLst/>
+          </a:prstGeom>
+          <a:noFill/>
+          <a:ln w="9525">
+            <a:noFill/>
+            <a:miter lim="800000"/>
+            <a:headEnd/>
+            <a:tailEnd/>
+          </a:ln>
+        </p:spPr>
+      </p:pic>
+      <p:sp>
+        <p:nvSpPr>
+          <p:cNvPr id="8" name="Text Box 4"/>
+          <p:cNvSpPr txBox="1">
+            <a:spLocks noChangeArrowheads="1"/>
+          </p:cNvSpPr>
+          <p:nvPr/>
+        </p:nvSpPr>
+        <p:spPr bwMode="auto">
+          <a:xfrm>
+            <a:off x="549275" y="3962400"/>
+            <a:ext cx="1412875" cy="519113"/>
+          </a:xfrm>
+          <a:prstGeom prst="rect">
+            <a:avLst/>
+          </a:prstGeom>
+          <a:noFill/>
+          <a:ln w="19050">
+            <a:noFill/>
+            <a:miter lim="800000"/>
+            <a:headEnd/>
+            <a:tailEnd/>
+          </a:ln>
+        </p:spPr>
+        <p:txBody>
+          <a:bodyPr wrap="none">
+            <a:spAutoFit/>
+          </a:bodyPr>
+          <a:lstStyle/>
+          <a:p>
+            <a:pPr algn="r">
+              <a:lnSpc>
+                <a:spcPct val="100000"/>
+              </a:lnSpc>
+              <a:spcBef>
+                <a:spcPct val="0"/>
+              </a:spcBef>
+              <a:spcAft>
+                <a:spcPct val="0"/>
+              </a:spcAft>
+              <a:buClrTx/>
+              <a:buSzTx/>
+              <a:buFontTx/>
+              <a:buNone/>
+            </a:pPr>
+            <a:r>
+              <a:rPr lang="en-US" sz="2800" b="1">
+                <a:solidFill>
+                  <a:srgbClr val="009900"/>
+                </a:solidFill>
+              </a:rPr>
+              <a:t>Search.</a:t>
+            </a:r>
+          </a:p>
+        </p:txBody>
+      </p:sp>
+      <p:pic>
+        <p:nvPicPr>
+          <p:cNvPr id="9" name="Picture 5" descr="ads"/>
+          <p:cNvPicPr>
+            <a:picLocks noChangeAspect="1" noChangeArrowheads="1"/>
+          </p:cNvPicPr>
+          <p:nvPr/>
+        </p:nvPicPr>
+        <p:blipFill>
+          <a:blip r:embed="rId3"/>
+          <a:srcRect/>
+          <a:stretch>
+            <a:fillRect/>
+          </a:stretch>
+        </p:blipFill>
+        <p:spPr bwMode="auto">
+          <a:xfrm>
+            <a:off x="2724150" y="1905000"/>
+            <a:ext cx="2743200" cy="2800350"/>
+          </a:xfrm>
+          <a:prstGeom prst="rect">
+            <a:avLst/>
+          </a:prstGeom>
+          <a:noFill/>
+          <a:ln w="9525">
+            <a:noFill/>
+            <a:miter lim="800000"/>
+            <a:headEnd/>
+            <a:tailEnd/>
+          </a:ln>
+        </p:spPr>
+      </p:pic>
+      <p:sp>
+        <p:nvSpPr>
+          <p:cNvPr id="10" name="Text Box 6"/>
+          <p:cNvSpPr txBox="1">
+            <a:spLocks noChangeArrowheads="1"/>
+          </p:cNvSpPr>
+          <p:nvPr/>
+        </p:nvSpPr>
+        <p:spPr bwMode="auto">
+          <a:xfrm>
+            <a:off x="3078163" y="4800600"/>
+            <a:ext cx="896937" cy="519113"/>
+          </a:xfrm>
+          <a:prstGeom prst="rect">
+            <a:avLst/>
+          </a:prstGeom>
+          <a:noFill/>
+          <a:ln w="19050">
+            <a:noFill/>
+            <a:miter lim="800000"/>
+            <a:headEnd/>
+            <a:tailEnd/>
+          </a:ln>
+        </p:spPr>
+        <p:txBody>
+          <a:bodyPr wrap="none">
+            <a:spAutoFit/>
+          </a:bodyPr>
+          <a:lstStyle/>
+          <a:p>
+            <a:pPr algn="r">
+              <a:lnSpc>
+                <a:spcPct val="100000"/>
+              </a:lnSpc>
+              <a:spcBef>
+                <a:spcPct val="0"/>
+              </a:spcBef>
+              <a:spcAft>
+                <a:spcPct val="0"/>
+              </a:spcAft>
+              <a:buClrTx/>
+              <a:buSzTx/>
+              <a:buFontTx/>
+              <a:buNone/>
+            </a:pPr>
+            <a:r>
+              <a:rPr lang="en-US" sz="2800" b="1">
+                <a:solidFill>
+                  <a:srgbClr val="009900"/>
+                </a:solidFill>
+              </a:rPr>
+              <a:t>Ads.</a:t>
+            </a:r>
+          </a:p>
+        </p:txBody>
+      </p:sp>
+      <p:grpSp>
+        <p:nvGrpSpPr>
+          <p:cNvPr id="13" name="Group 18"/>
+          <p:cNvGrpSpPr>
+            <a:grpSpLocks/>
+          </p:cNvGrpSpPr>
+          <p:nvPr/>
+        </p:nvGrpSpPr>
+        <p:grpSpPr bwMode="auto">
+          <a:xfrm>
+            <a:off x="6153150" y="1676400"/>
+            <a:ext cx="1619250" cy="4267200"/>
+            <a:chOff x="4080" y="1056"/>
+            <a:chExt cx="1020" cy="2688"/>
+          </a:xfrm>
+        </p:grpSpPr>
+        <p:pic>
+          <p:nvPicPr>
+            <p:cNvPr id="14" name="Picture 7" descr="calendar"/>
+            <p:cNvPicPr>
+              <a:picLocks noChangeAspect="1" noChangeArrowheads="1"/>
+            </p:cNvPicPr>
+            <p:nvPr/>
+          </p:nvPicPr>
+          <p:blipFill>
+            <a:blip r:embed="rId4"/>
+            <a:srcRect/>
+            <a:stretch>
+              <a:fillRect/>
+            </a:stretch>
+          </p:blipFill>
+          <p:spPr bwMode="gray">
+            <a:xfrm>
+              <a:off x="4080" y="2112"/>
+              <a:ext cx="454" cy="406"/>
+            </a:xfrm>
+            <a:prstGeom prst="rect">
+              <a:avLst/>
+            </a:prstGeom>
+            <a:noFill/>
+            <a:ln w="9525">
+              <a:noFill/>
+              <a:miter lim="800000"/>
+              <a:headEnd/>
+              <a:tailEnd/>
+            </a:ln>
+          </p:spPr>
+        </p:pic>
+        <p:pic>
+          <p:nvPicPr>
+            <p:cNvPr id="15" name="Picture 8" descr="icon_desktop"/>
+            <p:cNvPicPr>
+              <a:picLocks noChangeAspect="1" noChangeArrowheads="1"/>
+            </p:cNvPicPr>
+            <p:nvPr/>
+          </p:nvPicPr>
+          <p:blipFill>
+            <a:blip r:embed="rId5" cstate="print"/>
+            <a:srcRect/>
+            <a:stretch>
+              <a:fillRect/>
+            </a:stretch>
+          </p:blipFill>
+          <p:spPr bwMode="gray">
+            <a:xfrm>
+              <a:off x="4680" y="2400"/>
+              <a:ext cx="390" cy="408"/>
+            </a:xfrm>
+            <a:prstGeom prst="rect">
+              <a:avLst/>
+            </a:prstGeom>
+            <a:noFill/>
+            <a:ln w="9525">
+              <a:noFill/>
+              <a:miter lim="800000"/>
+              <a:headEnd/>
+              <a:tailEnd/>
+            </a:ln>
+          </p:spPr>
+        </p:pic>
+        <p:pic>
+          <p:nvPicPr>
+            <p:cNvPr id="16" name="Picture 9" descr="Picasa"/>
+            <p:cNvPicPr>
+              <a:picLocks noChangeAspect="1" noChangeArrowheads="1"/>
+            </p:cNvPicPr>
+            <p:nvPr/>
+          </p:nvPicPr>
+          <p:blipFill>
+            <a:blip r:embed="rId6"/>
+            <a:srcRect/>
+            <a:stretch>
+              <a:fillRect/>
+            </a:stretch>
+          </p:blipFill>
+          <p:spPr bwMode="gray">
+            <a:xfrm>
+              <a:off x="4128" y="1536"/>
+              <a:ext cx="408" cy="400"/>
+            </a:xfrm>
+            <a:prstGeom prst="rect">
+              <a:avLst/>
+            </a:prstGeom>
+            <a:noFill/>
+            <a:ln w="9525">
+              <a:noFill/>
+              <a:miter lim="800000"/>
+              <a:headEnd/>
+              <a:tailEnd/>
+            </a:ln>
+          </p:spPr>
+        </p:pic>
+        <p:pic>
+          <p:nvPicPr>
+            <p:cNvPr id="17" name="Picture 10" descr="icon_talk"/>
+            <p:cNvPicPr>
+              <a:picLocks noChangeAspect="1" noChangeArrowheads="1"/>
+            </p:cNvPicPr>
+            <p:nvPr/>
+          </p:nvPicPr>
+          <p:blipFill>
+            <a:blip r:embed="rId7"/>
+            <a:srcRect/>
+            <a:stretch>
+              <a:fillRect/>
+            </a:stretch>
+          </p:blipFill>
+          <p:spPr bwMode="gray">
+            <a:xfrm>
+              <a:off x="4626" y="1776"/>
+              <a:ext cx="462" cy="418"/>
+            </a:xfrm>
+            <a:prstGeom prst="rect">
+              <a:avLst/>
+            </a:prstGeom>
+            <a:noFill/>
+            <a:ln w="9525">
+              <a:noFill/>
+              <a:miter lim="800000"/>
+              <a:headEnd/>
+              <a:tailEnd/>
+            </a:ln>
+          </p:spPr>
+        </p:pic>
+        <p:pic>
+          <p:nvPicPr>
+            <p:cNvPr id="18" name="Picture 11" descr="webaccelerator"/>
+            <p:cNvPicPr>
+              <a:picLocks noChangeAspect="1" noChangeArrowheads="1"/>
+            </p:cNvPicPr>
+            <p:nvPr/>
+          </p:nvPicPr>
+          <p:blipFill>
+            <a:blip r:embed="rId8"/>
+            <a:srcRect/>
+            <a:stretch>
+              <a:fillRect/>
+            </a:stretch>
+          </p:blipFill>
+          <p:spPr bwMode="gray">
+            <a:xfrm>
+              <a:off x="4656" y="3060"/>
+              <a:ext cx="444" cy="444"/>
+            </a:xfrm>
+            <a:prstGeom prst="rect">
+              <a:avLst/>
+            </a:prstGeom>
+            <a:noFill/>
+            <a:ln w="9525">
+              <a:noFill/>
+              <a:miter lim="800000"/>
+              <a:headEnd/>
+              <a:tailEnd/>
+            </a:ln>
+          </p:spPr>
+        </p:pic>
+        <p:pic>
+          <p:nvPicPr>
+            <p:cNvPr id="19" name="Picture 12" descr="earth"/>
+            <p:cNvPicPr>
+              <a:picLocks noChangeAspect="1" noChangeArrowheads="1"/>
+            </p:cNvPicPr>
+            <p:nvPr/>
+          </p:nvPicPr>
+          <p:blipFill>
+            <a:blip r:embed="rId9" cstate="print"/>
+            <a:srcRect/>
+            <a:stretch>
+              <a:fillRect/>
+            </a:stretch>
+          </p:blipFill>
+          <p:spPr bwMode="gray">
+            <a:xfrm>
+              <a:off x="4224" y="2736"/>
+              <a:ext cx="369" cy="369"/>
+            </a:xfrm>
+            <a:prstGeom prst="rect">
+              <a:avLst/>
+            </a:prstGeom>
+            <a:noFill/>
+            <a:ln w="9525">
+              <a:noFill/>
+              <a:miter lim="800000"/>
+              <a:headEnd/>
+              <a:tailEnd/>
+            </a:ln>
+          </p:spPr>
+        </p:pic>
+        <p:pic>
+          <p:nvPicPr>
+            <p:cNvPr id="20" name="Picture 13" descr="pack"/>
+            <p:cNvPicPr>
+              <a:picLocks noChangeAspect="1" noChangeArrowheads="1"/>
+            </p:cNvPicPr>
+            <p:nvPr/>
+          </p:nvPicPr>
+          <p:blipFill>
+            <a:blip r:embed="rId10"/>
+            <a:srcRect/>
+            <a:stretch>
+              <a:fillRect/>
+            </a:stretch>
+          </p:blipFill>
+          <p:spPr bwMode="gray">
+            <a:xfrm>
+              <a:off x="4147" y="3313"/>
+              <a:ext cx="461" cy="431"/>
+            </a:xfrm>
+            <a:prstGeom prst="rect">
+              <a:avLst/>
+            </a:prstGeom>
+            <a:noFill/>
+            <a:ln w="9525">
+              <a:noFill/>
+              <a:miter lim="800000"/>
+              <a:headEnd/>
+              <a:tailEnd/>
+            </a:ln>
+          </p:spPr>
+        </p:pic>
+        <p:pic>
+          <p:nvPicPr>
+            <p:cNvPr id="21" name="Picture 14" descr="docsandspread"/>
+            <p:cNvPicPr>
+              <a:picLocks noChangeAspect="1" noChangeArrowheads="1"/>
+            </p:cNvPicPr>
+            <p:nvPr/>
+          </p:nvPicPr>
+          <p:blipFill>
+            <a:blip r:embed="rId11"/>
+            <a:srcRect/>
+            <a:stretch>
+              <a:fillRect/>
+            </a:stretch>
+          </p:blipFill>
+          <p:spPr bwMode="auto">
+            <a:xfrm>
+              <a:off x="4411" y="1056"/>
+              <a:ext cx="489" cy="468"/>
+            </a:xfrm>
+            <a:prstGeom prst="rect">
+              <a:avLst/>
+            </a:prstGeom>
+            <a:noFill/>
+            <a:ln w="9525">
+              <a:noFill/>
+              <a:miter lim="800000"/>
+              <a:headEnd/>
+              <a:tailEnd/>
+            </a:ln>
+          </p:spPr>
+        </p:pic>
+      </p:grpSp>
+      <p:sp>
+        <p:nvSpPr>
+          <p:cNvPr id="22" name="Text Box 15"/>
+          <p:cNvSpPr txBox="1">
+            <a:spLocks noChangeArrowheads="1"/>
+          </p:cNvSpPr>
+          <p:nvPr/>
+        </p:nvSpPr>
+        <p:spPr bwMode="auto">
+          <a:xfrm>
+            <a:off x="4943475" y="5410200"/>
+            <a:ext cx="1173163" cy="519113"/>
+          </a:xfrm>
+          <a:prstGeom prst="rect">
+            <a:avLst/>
+          </a:prstGeom>
+          <a:noFill/>
+          <a:ln w="19050">
+            <a:noFill/>
+            <a:miter lim="800000"/>
+            <a:headEnd/>
+            <a:tailEnd/>
+          </a:ln>
+        </p:spPr>
+        <p:txBody>
+          <a:bodyPr wrap="none">
+            <a:spAutoFit/>
+          </a:bodyPr>
+          <a:lstStyle/>
+          <a:p>
+            <a:pPr algn="r">
+              <a:lnSpc>
+                <a:spcPct val="100000"/>
+              </a:lnSpc>
+              <a:spcBef>
+                <a:spcPct val="0"/>
+              </a:spcBef>
+              <a:spcAft>
+                <a:spcPct val="0"/>
+              </a:spcAft>
+              <a:buClrTx/>
+              <a:buSzTx/>
+              <a:buFontTx/>
+              <a:buNone/>
+            </a:pPr>
+            <a:r>
+              <a:rPr lang="en-US" sz="2800" b="1">
+                <a:solidFill>
+                  <a:srgbClr val="009900"/>
+                </a:solidFill>
+                <a:latin typeface="Arial" charset="0"/>
+              </a:rPr>
+              <a:t>Apps.</a:t>
+            </a:r>
+          </a:p>
+        </p:txBody>
+      </p:sp>
+    </p:spTree>
+  </p:cSld>
+  <p:clrMapOvr>
+    <a:masterClrMapping/>
+  </p:clrMapOvr>
+  <p:timing>
+    <p:tnLst>
+      <p:par>
+        <p:cTn id="1" dur="indefinite" restart="never" nodeType="tmRoot">
+          <p:childTnLst>
+            <p:seq concurrent="1" nextAc="seek">
+              <p:cTn id="2" dur="indefinite" nodeType="mainSeq">
+                <p:childTnLst>
+                  <p:par>
+                    <p:cTn id="3" fill="hold">
+                      <p:stCondLst>
+                        <p:cond delay="indefinite"/>
+                      </p:stCondLst>
+                      <p:childTnLst>
+                        <p:par>
+                          <p:cTn id="4" fill="hold">
+                            <p:stCondLst>
+                              <p:cond delay="0"/>
+                            </p:stCondLst>
+                            <p:childTnLst>
+                              <p:par>
+                                <p:cTn id="5" presetID="1" presetClass="entr" presetSubtype="0" fill="hold" nodeType="clickEffect">
+                                  <p:stCondLst>
+                                    <p:cond delay="0"/>
+                                  </p:stCondLst>
+                                  <p:childTnLst>
+                                    <p:set>
+                                      <p:cBhvr>
+                                        <p:cTn id="6" dur="1" fill="hold">
+                                          <p:stCondLst>
+                                            <p:cond delay="0"/>
+                                          </p:stCondLst>
+                                        </p:cTn>
+                                        <p:tgtEl>
+                                          <p:spTgt spid="7"/>
+                                        </p:tgtEl>
+                                        <p:attrNameLst>
+                                          <p:attrName>style.visibility</p:attrName>
+                                        </p:attrNameLst>
+                                      </p:cBhvr>
+                                      <p:to>
+                                        <p:strVal val="visible"/>
+                                      </p:to>
+                                    </p:set>
+                                  </p:childTnLst>
+                                </p:cTn>
+                              </p:par>
+                            </p:childTnLst>
+                          </p:cTn>
+                        </p:par>
+                      </p:childTnLst>
+                    </p:cTn>
+                  </p:par>
+                  <p:par>
+                    <p:cTn id="7" fill="hold">
+                      <p:stCondLst>
+                        <p:cond delay="indefinite"/>
+                      </p:stCondLst>
+                      <p:childTnLst>
+                        <p:par>
+                          <p:cTn id="8" fill="hold">
+                            <p:stCondLst>
+                              <p:cond delay="0"/>
+                            </p:stCondLst>
+                            <p:childTnLst>
+                              <p:par>
+                                <p:cTn id="9" presetID="1" presetClass="entr" presetSubtype="0" fill="hold" nodeType="clickEffect">
+                                  <p:stCondLst>
+                                    <p:cond delay="0"/>
+                                  </p:stCondLst>
+                                  <p:childTnLst>
+                                    <p:set>
+                                      <p:cBhvr>
+                                        <p:cTn id="10" dur="1" fill="hold">
+                                          <p:stCondLst>
+                                            <p:cond delay="0"/>
+                                          </p:stCondLst>
+                                        </p:cTn>
+                                        <p:tgtEl>
+                                          <p:spTgt spid="9"/>
+                                        </p:tgtEl>
+                                        <p:attrNameLst>
+                                          <p:attrName>style.visibility</p:attrName>
+                                        </p:attrNameLst>
+                                      </p:cBhvr>
+                                      <p:to>
+                                        <p:strVal val="visible"/>
+                                      </p:to>
+                                    </p:set>
+                                  </p:childTnLst>
+                                </p:cTn>
+                              </p:par>
+                            </p:childTnLst>
+                          </p:cTn>
+                        </p:par>
+                      </p:childTnLst>
+                    </p:cTn>
+                  </p:par>
+                  <p:par>
+                    <p:cTn id="11" fill="hold">
+                      <p:stCondLst>
+                        <p:cond delay="indefinite"/>
+                      </p:stCondLst>
+                      <p:childTnLst>
+                        <p:par>
+                          <p:cTn id="12" fill="hold">
+                            <p:stCondLst>
+                              <p:cond delay="0"/>
+                            </p:stCondLst>
+                            <p:childTnLst>
+                              <p:par>
+                                <p:cTn id="13" presetID="1" presetClass="entr" presetSubtype="0" fill="hold" nodeType="clickEffect">
+                                  <p:stCondLst>
+                                    <p:cond delay="0"/>
+                                  </p:stCondLst>
+                                  <p:childTnLst>
+                                    <p:set>
+                                      <p:cBhvr>
+                                        <p:cTn id="14" dur="1" fill="hold">
+                                          <p:stCondLst>
+                                            <p:cond delay="0"/>
+                                          </p:stCondLst>
+                                        </p:cTn>
+                                        <p:tgtEl>
+                                          <p:spTgt spid="13"/>
+                                        </p:tgtEl>
+                                        <p:attrNameLst>
+                                          <p:attrName>style.visibility</p:attrName>
+                                        </p:attrNameLst>
+                                      </p:cBhvr>
+                                      <p:to>
+                                        <p:strVal val="visible"/>
+                                      </p:to>
+                                    </p:set>
+                                  </p:childTnLst>
+                                </p:cTn>
+                              </p:par>
+                            </p:childTnLst>
+                          </p:cTn>
+                        </p:par>
+                      </p:childTnLst>
+                    </p:cTn>
+                  </p:par>
+                </p:childTnLst>
+              </p:cTn>
+              <p:prevCondLst>
+                <p:cond evt="onPrev" delay="0">
+                  <p:tgtEl>
+                    <p:sldTgt/>
+                  </p:tgtEl>
+                </p:cond>
+              </p:prevCondLst>
+              <p:nextCondLst>
+                <p:cond evt="onNext" delay="0">
+                  <p:tgtEl>
+                    <p:sldTgt/>
+                  </p:tgtEl>
+                </p:cond>
+              </p:nextCondLst>
+            </p:seq>
+          </p:childTnLst>
+        </p:cTn>
+      </p:par>
+    </p:tnLst>
+  </p:timing>
+</p:sld>
+</file>
+
+<file path=ppt/slides/slide5.xml><?xml version="1.0" encoding="utf-8"?>
+<p:sld xmlns:a="http://schemas.openxmlformats.org/drawingml/2006/main" xmlns:r="http://schemas.openxmlformats.org/officeDocument/2006/relationships" xmlns:p="http://schemas.openxmlformats.org/presentationml/2006/main">
+  <p:cSld>
+    <p:spTree>
+      <p:nvGrpSpPr>
+        <p:cNvPr id="1" name=""/>
+        <p:cNvGrpSpPr/>
+        <p:nvPr/>
+      </p:nvGrpSpPr>
+      <p:grpSpPr>
+        <a:xfrm>
+          <a:off x="0" y="0"/>
+          <a:ext cx="0" cy="0"/>
+          <a:chOff x="0" y="0"/>
+          <a:chExt cx="0" cy="0"/>
+        </a:xfrm>
+      </p:grpSpPr>
+      <p:sp>
+        <p:nvSpPr>
+          <p:cNvPr id="11" name="Title 10"/>
+          <p:cNvSpPr>
+            <a:spLocks noGrp="1"/>
+          </p:cNvSpPr>
+          <p:nvPr>
+            <p:ph type="title"/>
+          </p:nvPr>
+        </p:nvSpPr>
+        <p:spPr>
+          <a:xfrm>
+            <a:off x="457200" y="274638"/>
+            <a:ext cx="7467600" cy="715962"/>
+          </a:xfrm>
+        </p:spPr>
+        <p:txBody>
+          <a:bodyPr>
+            <a:normAutofit/>
+          </a:bodyPr>
+          <a:lstStyle/>
+          <a:p>
+            <a:r>
+              <a:rPr lang="en-AU" sz="2400" b="1" dirty="0" smtClean="0">
+                <a:solidFill>
+                  <a:srgbClr val="1B79D7"/>
+                </a:solidFill>
+              </a:rPr>
+              <a:t>Some Interesting</a:t>
+            </a:r>
+            <a:r>
+              <a:rPr lang="en-AU" sz="3200" b="1" dirty="0" smtClean="0">
+                <a:solidFill>
+                  <a:srgbClr val="1B79D7"/>
+                </a:solidFill>
+              </a:rPr>
+              <a:t> </a:t>
+            </a:r>
+            <a:r>
+              <a:rPr lang="en-US" sz="3200" b="1" dirty="0" smtClean="0">
+                <a:solidFill>
+                  <a:schemeClr val="accent2"/>
+                </a:solidFill>
+              </a:rPr>
+              <a:t>G</a:t>
+            </a:r>
+            <a:r>
+              <a:rPr lang="en-US" sz="3200" b="1" dirty="0" smtClean="0">
+                <a:solidFill>
+                  <a:srgbClr val="FF0000"/>
+                </a:solidFill>
+              </a:rPr>
+              <a:t>o</a:t>
+            </a:r>
+            <a:r>
+              <a:rPr lang="en-US" sz="3200" b="1" dirty="0" smtClean="0">
+                <a:solidFill>
+                  <a:srgbClr val="FFF529"/>
+                </a:solidFill>
+              </a:rPr>
+              <a:t>o</a:t>
+            </a:r>
+            <a:r>
+              <a:rPr lang="en-US" sz="3200" b="1" dirty="0" smtClean="0">
+                <a:solidFill>
+                  <a:srgbClr val="1B79D7"/>
+                </a:solidFill>
+              </a:rPr>
+              <a:t>g</a:t>
+            </a:r>
+            <a:r>
+              <a:rPr lang="en-US" sz="3200" b="1" dirty="0" smtClean="0">
+                <a:solidFill>
+                  <a:srgbClr val="009900"/>
+                </a:solidFill>
+              </a:rPr>
+              <a:t>l</a:t>
+            </a:r>
+            <a:r>
+              <a:rPr lang="en-US" sz="3200" b="1" dirty="0" smtClean="0">
+                <a:solidFill>
+                  <a:srgbClr val="ED483D"/>
+                </a:solidFill>
+              </a:rPr>
+              <a:t>e</a:t>
+            </a:r>
+            <a:r>
+              <a:rPr lang="en-US" sz="3200" b="1" dirty="0" smtClean="0">
+                <a:solidFill>
+                  <a:schemeClr val="accent1"/>
+                </a:solidFill>
+              </a:rPr>
+              <a:t> </a:t>
+            </a:r>
+            <a:r>
+              <a:rPr lang="en-AU" sz="2400" b="1" dirty="0" smtClean="0">
+                <a:solidFill>
+                  <a:srgbClr val="1B79D7"/>
+                </a:solidFill>
+              </a:rPr>
+              <a:t>Data-Points</a:t>
+            </a:r>
+            <a:endParaRPr lang="en-US" dirty="0"/>
+          </a:p>
+        </p:txBody>
+      </p:sp>
+      <p:sp>
+        <p:nvSpPr>
+          <p:cNvPr id="6" name="Content Placeholder 5"/>
+          <p:cNvSpPr>
+            <a:spLocks noGrp="1"/>
+          </p:cNvSpPr>
+          <p:nvPr>
+            <p:ph sz="quarter" idx="1"/>
+          </p:nvPr>
+        </p:nvSpPr>
+        <p:spPr>
+          <a:xfrm>
+            <a:off x="457200" y="1219200"/>
+            <a:ext cx="7467600" cy="5254752"/>
+          </a:xfrm>
+        </p:spPr>
+        <p:txBody>
+          <a:bodyPr>
+            <a:normAutofit fontScale="77500" lnSpcReduction="20000"/>
+          </a:bodyPr>
+          <a:lstStyle/>
+          <a:p>
+            <a:pPr marL="339725" indent="-339725">
+              <a:lnSpc>
+                <a:spcPct val="100000"/>
+              </a:lnSpc>
+              <a:spcBef>
+                <a:spcPct val="55000"/>
+              </a:spcBef>
+              <a:spcAft>
+                <a:spcPct val="0"/>
+              </a:spcAft>
+              <a:buClr>
+                <a:srgbClr val="1B79D7"/>
+              </a:buClr>
+              <a:buFont typeface="Wingdings" pitchFamily="2" charset="2"/>
+              <a:buChar char="«"/>
+            </a:pPr>
+            <a:r>
+              <a:rPr lang="en-US" sz="1200" b="1" dirty="0" smtClean="0">
+                <a:solidFill>
+                  <a:schemeClr val="tx2"/>
+                </a:solidFill>
+              </a:rPr>
+              <a:t>Searches per day</a:t>
+            </a:r>
+            <a:r>
+              <a:rPr lang="en-US" sz="1200" dirty="0" smtClean="0">
+                <a:solidFill>
+                  <a:schemeClr val="tx2"/>
+                </a:solidFill>
+              </a:rPr>
+              <a:t>: </a:t>
+            </a:r>
+            <a:r>
+              <a:rPr lang="en-US" sz="1200" dirty="0" smtClean="0">
+                <a:solidFill>
+                  <a:schemeClr val="tx2"/>
+                </a:solidFill>
+              </a:rPr>
+              <a:t>Average per second search </a:t>
+            </a:r>
+            <a:r>
+              <a:rPr lang="en-US" sz="1200" dirty="0" smtClean="0">
+                <a:solidFill>
+                  <a:schemeClr val="tx2"/>
+                </a:solidFill>
+              </a:rPr>
+              <a:t>of people search on </a:t>
+            </a:r>
+            <a:r>
+              <a:rPr lang="en-US" sz="1200" dirty="0" smtClean="0">
+                <a:solidFill>
+                  <a:schemeClr val="accent1"/>
+                </a:solidFill>
+              </a:rPr>
+              <a:t>G</a:t>
+            </a:r>
+            <a:r>
+              <a:rPr lang="en-US" sz="1200" dirty="0" smtClean="0">
+                <a:solidFill>
+                  <a:schemeClr val="folHlink"/>
+                </a:solidFill>
+              </a:rPr>
+              <a:t>o</a:t>
+            </a:r>
+            <a:r>
+              <a:rPr lang="en-US" sz="1200" dirty="0" smtClean="0">
+                <a:solidFill>
+                  <a:srgbClr val="FFF529"/>
+                </a:solidFill>
+              </a:rPr>
+              <a:t>o</a:t>
+            </a:r>
+            <a:r>
+              <a:rPr lang="en-US" sz="1200" dirty="0" smtClean="0">
+                <a:solidFill>
+                  <a:srgbClr val="1B79D7"/>
+                </a:solidFill>
+              </a:rPr>
+              <a:t>g</a:t>
+            </a:r>
+            <a:r>
+              <a:rPr lang="en-US" sz="1200" dirty="0" smtClean="0">
+                <a:solidFill>
+                  <a:srgbClr val="009900"/>
+                </a:solidFill>
+              </a:rPr>
+              <a:t>l</a:t>
+            </a:r>
+            <a:r>
+              <a:rPr lang="en-US" sz="1200" dirty="0" smtClean="0">
+                <a:solidFill>
+                  <a:srgbClr val="ED483D"/>
+                </a:solidFill>
+              </a:rPr>
+              <a:t>e</a:t>
+            </a:r>
+            <a:r>
+              <a:rPr lang="en-US" sz="1200" dirty="0" smtClean="0">
+                <a:solidFill>
+                  <a:schemeClr val="tx2"/>
+                </a:solidFill>
+              </a:rPr>
+              <a:t> for </a:t>
+            </a:r>
+            <a:r>
+              <a:rPr lang="en-US" sz="1200" dirty="0" smtClean="0">
+                <a:solidFill>
+                  <a:schemeClr val="tx2"/>
+                </a:solidFill>
+              </a:rPr>
+              <a:t>is  </a:t>
+            </a:r>
+            <a:r>
+              <a:rPr lang="en-US" sz="1200" b="1" dirty="0" smtClean="0"/>
+              <a:t>40,000</a:t>
+            </a:r>
+            <a:br>
+              <a:rPr lang="en-US" sz="1200" b="1" dirty="0" smtClean="0"/>
+            </a:br>
+            <a:r>
+              <a:rPr lang="en-US" sz="1200" b="1" dirty="0" smtClean="0">
+                <a:hlinkClick r:id="rId2"/>
+              </a:rPr>
+              <a:t>http://www.internetlivestats.com/google-search-statistics/</a:t>
+            </a:r>
+            <a:r>
+              <a:rPr lang="en-US" sz="1200" dirty="0" smtClean="0">
+                <a:solidFill>
+                  <a:schemeClr val="tx2"/>
+                </a:solidFill>
+              </a:rPr>
+              <a:t> </a:t>
+            </a:r>
+            <a:endParaRPr lang="en-US" sz="1200" dirty="0" smtClean="0">
+              <a:solidFill>
+                <a:schemeClr val="tx2"/>
+              </a:solidFill>
+            </a:endParaRPr>
+          </a:p>
+          <a:p>
+            <a:pPr marL="339725" indent="-339725">
+              <a:lnSpc>
+                <a:spcPct val="100000"/>
+              </a:lnSpc>
+              <a:spcBef>
+                <a:spcPct val="55000"/>
+              </a:spcBef>
+              <a:spcAft>
+                <a:spcPct val="0"/>
+              </a:spcAft>
+              <a:buClr>
+                <a:srgbClr val="1B79D7"/>
+              </a:buClr>
+              <a:buFont typeface="Wingdings" pitchFamily="2" charset="2"/>
+              <a:buChar char="«"/>
+            </a:pPr>
+            <a:r>
+              <a:rPr lang="en-US" sz="1200" b="1" dirty="0" smtClean="0">
+                <a:solidFill>
+                  <a:schemeClr val="accent1"/>
+                </a:solidFill>
+              </a:rPr>
+              <a:t>G</a:t>
+            </a:r>
+            <a:r>
+              <a:rPr lang="en-US" sz="1200" b="1" dirty="0" smtClean="0">
+                <a:solidFill>
+                  <a:schemeClr val="folHlink"/>
+                </a:solidFill>
+              </a:rPr>
+              <a:t>o</a:t>
+            </a:r>
+            <a:r>
+              <a:rPr lang="en-US" sz="1200" b="1" dirty="0" smtClean="0">
+                <a:solidFill>
+                  <a:srgbClr val="FFF529"/>
+                </a:solidFill>
+              </a:rPr>
+              <a:t>o</a:t>
+            </a:r>
+            <a:r>
+              <a:rPr lang="en-US" sz="1200" b="1" dirty="0" smtClean="0">
+                <a:solidFill>
+                  <a:srgbClr val="1B79D7"/>
+                </a:solidFill>
+              </a:rPr>
+              <a:t>g</a:t>
+            </a:r>
+            <a:r>
+              <a:rPr lang="en-US" sz="1200" b="1" dirty="0" smtClean="0">
+                <a:solidFill>
+                  <a:srgbClr val="009900"/>
+                </a:solidFill>
+              </a:rPr>
+              <a:t>l</a:t>
+            </a:r>
+            <a:r>
+              <a:rPr lang="en-US" sz="1200" b="1" dirty="0" smtClean="0">
+                <a:solidFill>
+                  <a:srgbClr val="ED483D"/>
+                </a:solidFill>
+              </a:rPr>
+              <a:t>e</a:t>
+            </a:r>
+            <a:r>
+              <a:rPr lang="en-US" sz="1200" b="1" dirty="0" smtClean="0">
+                <a:solidFill>
+                  <a:schemeClr val="tx2"/>
+                </a:solidFill>
+              </a:rPr>
+              <a:t> Ad-</a:t>
+            </a:r>
+            <a:r>
+              <a:rPr lang="en-US" sz="1200" b="1" dirty="0" err="1" smtClean="0">
+                <a:solidFill>
+                  <a:schemeClr val="tx2"/>
+                </a:solidFill>
+              </a:rPr>
+              <a:t>Sence</a:t>
+            </a:r>
+            <a:r>
+              <a:rPr lang="en-US" sz="1200" b="1" dirty="0" smtClean="0">
+                <a:solidFill>
+                  <a:schemeClr val="tx2"/>
+                </a:solidFill>
+              </a:rPr>
+              <a:t> income:  </a:t>
+            </a:r>
+          </a:p>
+          <a:p>
+            <a:pPr marL="705485" lvl="1" indent="-339725">
+              <a:spcBef>
+                <a:spcPct val="55000"/>
+              </a:spcBef>
+              <a:spcAft>
+                <a:spcPct val="0"/>
+              </a:spcAft>
+              <a:buClr>
+                <a:srgbClr val="1B79D7"/>
+              </a:buClr>
+              <a:buFont typeface="Wingdings" pitchFamily="2" charset="2"/>
+              <a:buChar char="«"/>
+            </a:pPr>
+            <a:r>
+              <a:rPr lang="en-US" sz="1300" dirty="0" smtClean="0">
+                <a:solidFill>
+                  <a:schemeClr val="tx2"/>
+                </a:solidFill>
+              </a:rPr>
+              <a:t>Top three companies that earn from </a:t>
+            </a:r>
+            <a:r>
+              <a:rPr lang="en-US" sz="1300" dirty="0" err="1" smtClean="0">
+                <a:solidFill>
+                  <a:schemeClr val="tx2"/>
+                </a:solidFill>
+              </a:rPr>
+              <a:t>google</a:t>
+            </a:r>
+            <a:r>
+              <a:rPr lang="en-US" sz="1300" dirty="0" smtClean="0">
+                <a:solidFill>
+                  <a:schemeClr val="tx2"/>
+                </a:solidFill>
+              </a:rPr>
+              <a:t> ad-</a:t>
+            </a:r>
+            <a:r>
+              <a:rPr lang="en-US" sz="1300" dirty="0" err="1" smtClean="0">
+                <a:solidFill>
+                  <a:schemeClr val="tx2"/>
+                </a:solidFill>
+              </a:rPr>
+              <a:t>sence</a:t>
+            </a:r>
+            <a:endParaRPr lang="en-US" sz="1300" dirty="0" smtClean="0">
+              <a:solidFill>
+                <a:schemeClr val="tx2"/>
+              </a:solidFill>
+            </a:endParaRPr>
+          </a:p>
+          <a:p>
+            <a:pPr marL="979805" lvl="2" indent="-339725">
+              <a:spcBef>
+                <a:spcPct val="55000"/>
+              </a:spcBef>
+              <a:spcAft>
+                <a:spcPct val="0"/>
+              </a:spcAft>
+              <a:buClr>
+                <a:srgbClr val="1B79D7"/>
+              </a:buClr>
+              <a:buFont typeface="Wingdings" pitchFamily="2" charset="2"/>
+              <a:buChar char="«"/>
+            </a:pPr>
+            <a:r>
+              <a:rPr lang="en-US" sz="1100" dirty="0" smtClean="0">
+                <a:solidFill>
+                  <a:schemeClr val="tx2"/>
+                </a:solidFill>
+              </a:rPr>
+              <a:t>Ehow.com :- </a:t>
+            </a:r>
+            <a:r>
+              <a:rPr lang="en-US" sz="1200" b="1" dirty="0" smtClean="0"/>
+              <a:t>$</a:t>
+            </a:r>
+            <a:r>
+              <a:rPr lang="en-US" sz="1200" b="1" dirty="0" smtClean="0"/>
+              <a:t>300,000/month</a:t>
+            </a:r>
+          </a:p>
+          <a:p>
+            <a:pPr marL="979805" lvl="2" indent="-339725">
+              <a:spcBef>
+                <a:spcPct val="55000"/>
+              </a:spcBef>
+              <a:spcAft>
+                <a:spcPct val="0"/>
+              </a:spcAft>
+              <a:buClr>
+                <a:srgbClr val="1B79D7"/>
+              </a:buClr>
+              <a:buFont typeface="Wingdings" pitchFamily="2" charset="2"/>
+              <a:buChar char="«"/>
+            </a:pPr>
+            <a:r>
+              <a:rPr lang="en-US" sz="1200" b="1" dirty="0" smtClean="0">
+                <a:solidFill>
+                  <a:schemeClr val="tx2"/>
+                </a:solidFill>
+              </a:rPr>
+              <a:t>Mashable.com: </a:t>
+            </a:r>
+            <a:r>
+              <a:rPr lang="en-US" sz="1200" b="1" dirty="0" smtClean="0"/>
+              <a:t>$</a:t>
+            </a:r>
+            <a:r>
+              <a:rPr lang="en-US" sz="1200" b="1" dirty="0" smtClean="0"/>
+              <a:t>250,000/month</a:t>
+            </a:r>
+            <a:endParaRPr lang="en-US" sz="1200" b="1" dirty="0" smtClean="0">
+              <a:solidFill>
+                <a:schemeClr val="tx2"/>
+              </a:solidFill>
+            </a:endParaRPr>
+          </a:p>
+          <a:p>
+            <a:pPr marL="979805" lvl="2" indent="-339725">
+              <a:spcBef>
+                <a:spcPct val="55000"/>
+              </a:spcBef>
+              <a:spcAft>
+                <a:spcPct val="0"/>
+              </a:spcAft>
+              <a:buClr>
+                <a:srgbClr val="1B79D7"/>
+              </a:buClr>
+              <a:buFont typeface="Wingdings" pitchFamily="2" charset="2"/>
+              <a:buChar char="«"/>
+            </a:pPr>
+            <a:r>
+              <a:rPr lang="en-US" sz="1400" dirty="0" smtClean="0"/>
+              <a:t>forums.digitalpoint.com</a:t>
+            </a:r>
+            <a:r>
+              <a:rPr lang="en-US" sz="1200" b="1" dirty="0" smtClean="0">
+                <a:solidFill>
+                  <a:schemeClr val="tx2"/>
+                </a:solidFill>
+              </a:rPr>
+              <a:t>: </a:t>
+            </a:r>
+            <a:r>
+              <a:rPr lang="en-US" sz="1200" b="1" dirty="0" smtClean="0"/>
+              <a:t>$195,000/month</a:t>
+            </a:r>
+          </a:p>
+          <a:p>
+            <a:pPr marL="339725" indent="-339725">
+              <a:spcBef>
+                <a:spcPct val="55000"/>
+              </a:spcBef>
+              <a:spcAft>
+                <a:spcPct val="0"/>
+              </a:spcAft>
+              <a:buClr>
+                <a:srgbClr val="1B79D7"/>
+              </a:buClr>
+              <a:buFont typeface="Wingdings" pitchFamily="2" charset="2"/>
+              <a:buChar char="«"/>
+            </a:pPr>
+            <a:r>
+              <a:rPr lang="en-US" sz="1800" b="1" dirty="0" smtClean="0">
+                <a:solidFill>
+                  <a:schemeClr val="accent1"/>
+                </a:solidFill>
+              </a:rPr>
+              <a:t>G</a:t>
+            </a:r>
+            <a:r>
+              <a:rPr lang="en-US" sz="1800" b="1" dirty="0" smtClean="0">
+                <a:solidFill>
+                  <a:schemeClr val="folHlink"/>
+                </a:solidFill>
+              </a:rPr>
+              <a:t>o</a:t>
+            </a:r>
+            <a:r>
+              <a:rPr lang="en-US" sz="1800" b="1" dirty="0" smtClean="0">
+                <a:solidFill>
+                  <a:srgbClr val="FFF529"/>
+                </a:solidFill>
+              </a:rPr>
+              <a:t>o</a:t>
+            </a:r>
+            <a:r>
+              <a:rPr lang="en-US" sz="1800" b="1" dirty="0" smtClean="0">
+                <a:solidFill>
+                  <a:srgbClr val="1B79D7"/>
+                </a:solidFill>
+              </a:rPr>
+              <a:t>g</a:t>
+            </a:r>
+            <a:r>
+              <a:rPr lang="en-US" sz="1800" b="1" dirty="0" smtClean="0">
+                <a:solidFill>
+                  <a:srgbClr val="009900"/>
+                </a:solidFill>
+              </a:rPr>
+              <a:t>l</a:t>
+            </a:r>
+            <a:r>
+              <a:rPr lang="en-US" sz="1800" b="1" dirty="0" smtClean="0">
+                <a:solidFill>
+                  <a:srgbClr val="ED483D"/>
+                </a:solidFill>
+              </a:rPr>
+              <a:t>e</a:t>
+            </a:r>
+            <a:r>
+              <a:rPr lang="en-US" sz="1800" b="1" dirty="0" smtClean="0">
+                <a:solidFill>
+                  <a:schemeClr val="tx2"/>
+                </a:solidFill>
+              </a:rPr>
+              <a:t> You</a:t>
+            </a:r>
+            <a:r>
+              <a:rPr lang="en-US" sz="1800" b="1" dirty="0" smtClean="0">
+                <a:solidFill>
+                  <a:srgbClr val="FF0000"/>
+                </a:solidFill>
+              </a:rPr>
+              <a:t>Tube</a:t>
+            </a:r>
+            <a:r>
+              <a:rPr lang="en-US" sz="1800" b="1" dirty="0" smtClean="0">
+                <a:solidFill>
+                  <a:schemeClr val="tx2"/>
+                </a:solidFill>
+              </a:rPr>
+              <a:t> : </a:t>
+            </a:r>
+            <a:endParaRPr lang="en-US" sz="1800" dirty="0" smtClean="0">
+              <a:solidFill>
+                <a:schemeClr val="tx2"/>
+              </a:solidFill>
+            </a:endParaRPr>
+          </a:p>
+          <a:p>
+            <a:pPr marL="705485" lvl="1" indent="-339725">
+              <a:spcBef>
+                <a:spcPct val="55000"/>
+              </a:spcBef>
+              <a:spcAft>
+                <a:spcPct val="0"/>
+              </a:spcAft>
+              <a:buClr>
+                <a:srgbClr val="1B79D7"/>
+              </a:buClr>
+              <a:buFont typeface="Wingdings" pitchFamily="2" charset="2"/>
+              <a:buChar char="«"/>
+            </a:pPr>
+            <a:r>
+              <a:rPr lang="en-US" sz="1500" dirty="0" smtClean="0">
+                <a:solidFill>
+                  <a:schemeClr val="tx2"/>
+                </a:solidFill>
+              </a:rPr>
+              <a:t>Per day video views: 4B</a:t>
+            </a:r>
+          </a:p>
+          <a:p>
+            <a:pPr marL="705485" lvl="1" indent="-339725">
+              <a:spcBef>
+                <a:spcPct val="55000"/>
+              </a:spcBef>
+              <a:spcAft>
+                <a:spcPct val="0"/>
+              </a:spcAft>
+              <a:buClr>
+                <a:srgbClr val="1B79D7"/>
+              </a:buClr>
+              <a:buFont typeface="Wingdings" pitchFamily="2" charset="2"/>
+              <a:buChar char="«"/>
+            </a:pPr>
+            <a:r>
+              <a:rPr lang="en-US" sz="1500" dirty="0" smtClean="0">
+                <a:solidFill>
+                  <a:schemeClr val="tx2"/>
+                </a:solidFill>
+              </a:rPr>
+              <a:t>Per minute video upload: 300 hours  </a:t>
+            </a:r>
+            <a:endParaRPr lang="en-US" sz="1500" dirty="0" smtClean="0">
+              <a:solidFill>
+                <a:schemeClr val="tx2"/>
+              </a:solidFill>
+            </a:endParaRPr>
+          </a:p>
+          <a:p>
+            <a:pPr marL="914400" lvl="1" indent="-227013">
+              <a:lnSpc>
+                <a:spcPct val="100000"/>
+              </a:lnSpc>
+              <a:spcBef>
+                <a:spcPct val="35000"/>
+              </a:spcBef>
+              <a:spcAft>
+                <a:spcPct val="0"/>
+              </a:spcAft>
+              <a:buClr>
+                <a:srgbClr val="1B79D7"/>
+              </a:buClr>
+              <a:buFont typeface="Microsoft Sans Serif" pitchFamily="34" charset="0"/>
+              <a:buChar char="•"/>
+            </a:pPr>
+            <a:r>
+              <a:rPr lang="en-US" sz="1000" dirty="0" smtClean="0">
+                <a:solidFill>
+                  <a:schemeClr val="tx2"/>
+                </a:solidFill>
+              </a:rPr>
+              <a:t>The </a:t>
+            </a:r>
+            <a:r>
+              <a:rPr lang="en-US" sz="1000" dirty="0" smtClean="0">
+                <a:solidFill>
+                  <a:schemeClr val="accent1"/>
+                </a:solidFill>
+              </a:rPr>
+              <a:t>G</a:t>
+            </a:r>
+            <a:r>
+              <a:rPr lang="en-US" sz="1000" dirty="0" smtClean="0">
+                <a:solidFill>
+                  <a:schemeClr val="folHlink"/>
+                </a:solidFill>
+              </a:rPr>
+              <a:t>o</a:t>
+            </a:r>
+            <a:r>
+              <a:rPr lang="en-US" sz="1000" dirty="0" smtClean="0">
+                <a:solidFill>
+                  <a:srgbClr val="FFF529"/>
+                </a:solidFill>
+              </a:rPr>
+              <a:t>o</a:t>
+            </a:r>
+            <a:r>
+              <a:rPr lang="en-US" sz="1000" dirty="0" smtClean="0">
+                <a:solidFill>
+                  <a:srgbClr val="1B79D7"/>
+                </a:solidFill>
+              </a:rPr>
+              <a:t>g</a:t>
+            </a:r>
+            <a:r>
+              <a:rPr lang="en-US" sz="1000" dirty="0" smtClean="0">
+                <a:solidFill>
+                  <a:srgbClr val="009900"/>
+                </a:solidFill>
+              </a:rPr>
+              <a:t>l</a:t>
+            </a:r>
+            <a:r>
+              <a:rPr lang="en-US" sz="1000" dirty="0" smtClean="0">
+                <a:solidFill>
+                  <a:srgbClr val="ED483D"/>
+                </a:solidFill>
+              </a:rPr>
+              <a:t>e</a:t>
+            </a:r>
+            <a:r>
+              <a:rPr lang="en-US" sz="1000" dirty="0" smtClean="0">
+                <a:solidFill>
+                  <a:schemeClr val="tx2"/>
+                </a:solidFill>
+              </a:rPr>
+              <a:t> Network reaches more than 80% of worldwide Internet users </a:t>
+            </a:r>
+          </a:p>
+          <a:p>
+            <a:pPr marL="914400" lvl="1" indent="-227013">
+              <a:lnSpc>
+                <a:spcPct val="100000"/>
+              </a:lnSpc>
+              <a:spcBef>
+                <a:spcPct val="35000"/>
+              </a:spcBef>
+              <a:spcAft>
+                <a:spcPct val="0"/>
+              </a:spcAft>
+              <a:buClr>
+                <a:srgbClr val="1B79D7"/>
+              </a:buClr>
+              <a:buFont typeface="Microsoft Sans Serif" pitchFamily="34" charset="0"/>
+              <a:buChar char="•"/>
+            </a:pPr>
+            <a:r>
+              <a:rPr lang="en-US" sz="1000" dirty="0" smtClean="0">
+                <a:solidFill>
+                  <a:schemeClr val="tx2"/>
+                </a:solidFill>
+              </a:rPr>
+              <a:t>The </a:t>
+            </a:r>
+            <a:r>
+              <a:rPr lang="en-US" sz="1000" dirty="0" smtClean="0">
+                <a:solidFill>
+                  <a:schemeClr val="accent1"/>
+                </a:solidFill>
+              </a:rPr>
+              <a:t>G</a:t>
+            </a:r>
+            <a:r>
+              <a:rPr lang="en-US" sz="1000" dirty="0" smtClean="0">
+                <a:solidFill>
+                  <a:schemeClr val="folHlink"/>
+                </a:solidFill>
+              </a:rPr>
+              <a:t>o</a:t>
+            </a:r>
+            <a:r>
+              <a:rPr lang="en-US" sz="1000" dirty="0" smtClean="0">
+                <a:solidFill>
+                  <a:srgbClr val="FFF529"/>
+                </a:solidFill>
+              </a:rPr>
+              <a:t>o</a:t>
+            </a:r>
+            <a:r>
+              <a:rPr lang="en-US" sz="1000" dirty="0" smtClean="0">
+                <a:solidFill>
+                  <a:srgbClr val="1B79D7"/>
+                </a:solidFill>
+              </a:rPr>
+              <a:t>g</a:t>
+            </a:r>
+            <a:r>
+              <a:rPr lang="en-US" sz="1000" dirty="0" smtClean="0">
+                <a:solidFill>
+                  <a:srgbClr val="009900"/>
+                </a:solidFill>
+              </a:rPr>
+              <a:t>l</a:t>
+            </a:r>
+            <a:r>
+              <a:rPr lang="en-US" sz="1000" dirty="0" smtClean="0">
+                <a:solidFill>
+                  <a:srgbClr val="ED483D"/>
+                </a:solidFill>
+              </a:rPr>
+              <a:t>e</a:t>
+            </a:r>
+            <a:r>
+              <a:rPr lang="en-US" sz="1000" dirty="0" smtClean="0">
+                <a:solidFill>
+                  <a:schemeClr val="tx2"/>
+                </a:solidFill>
+              </a:rPr>
+              <a:t> Network reaches more Internet users worldwide than any other web property or ad network</a:t>
+            </a:r>
+          </a:p>
+          <a:p>
+            <a:pPr marL="339725" indent="-339725">
+              <a:lnSpc>
+                <a:spcPct val="100000"/>
+              </a:lnSpc>
+              <a:spcBef>
+                <a:spcPct val="55000"/>
+              </a:spcBef>
+              <a:spcAft>
+                <a:spcPct val="0"/>
+              </a:spcAft>
+              <a:buClr>
+                <a:srgbClr val="1B79D7"/>
+              </a:buClr>
+              <a:buFont typeface="Wingdings" pitchFamily="2" charset="2"/>
+              <a:buChar char="«"/>
+            </a:pPr>
+            <a:r>
+              <a:rPr lang="en-US" sz="1200" b="1" dirty="0" err="1" smtClean="0">
+                <a:solidFill>
+                  <a:schemeClr val="tx2"/>
+                </a:solidFill>
+              </a:rPr>
+              <a:t>PageRank</a:t>
+            </a:r>
+            <a:r>
+              <a:rPr lang="en-US" sz="1200" b="1" dirty="0" smtClean="0">
+                <a:solidFill>
+                  <a:schemeClr val="tx2"/>
+                </a:solidFill>
+              </a:rPr>
+              <a:t> (</a:t>
+            </a:r>
+            <a:r>
+              <a:rPr lang="en-US" sz="1200" dirty="0" smtClean="0">
+                <a:solidFill>
+                  <a:schemeClr val="tx2"/>
+                </a:solidFill>
+              </a:rPr>
+              <a:t>just one of more than 200 signals we use to determine the rank of a website)</a:t>
+            </a:r>
+          </a:p>
+          <a:p>
+            <a:pPr marL="914400" lvl="1" indent="-227013">
+              <a:lnSpc>
+                <a:spcPct val="100000"/>
+              </a:lnSpc>
+              <a:spcBef>
+                <a:spcPct val="35000"/>
+              </a:spcBef>
+              <a:spcAft>
+                <a:spcPct val="0"/>
+              </a:spcAft>
+              <a:buClr>
+                <a:srgbClr val="1B79D7"/>
+              </a:buClr>
+              <a:buFontTx/>
+              <a:buChar char="•"/>
+            </a:pPr>
+            <a:r>
+              <a:rPr lang="en-US" sz="1000" dirty="0" smtClean="0">
+                <a:solidFill>
+                  <a:schemeClr val="tx2"/>
+                </a:solidFill>
+              </a:rPr>
+              <a:t>The web changes all the time (10–20% of the web is brand new every time we crawl it)</a:t>
+            </a:r>
+          </a:p>
+          <a:p>
+            <a:pPr marL="914400" lvl="1" indent="-227013">
+              <a:lnSpc>
+                <a:spcPct val="100000"/>
+              </a:lnSpc>
+              <a:spcBef>
+                <a:spcPct val="35000"/>
+              </a:spcBef>
+              <a:spcAft>
+                <a:spcPct val="0"/>
+              </a:spcAft>
+              <a:buClr>
+                <a:srgbClr val="1B79D7"/>
+              </a:buClr>
+              <a:buFontTx/>
+              <a:buChar char="•"/>
+            </a:pPr>
+            <a:r>
+              <a:rPr lang="en-US" sz="1000" dirty="0" smtClean="0">
+                <a:solidFill>
+                  <a:schemeClr val="accent1"/>
+                </a:solidFill>
+              </a:rPr>
+              <a:t>G</a:t>
+            </a:r>
+            <a:r>
+              <a:rPr lang="en-US" sz="1000" dirty="0" smtClean="0">
+                <a:solidFill>
+                  <a:schemeClr val="folHlink"/>
+                </a:solidFill>
+              </a:rPr>
+              <a:t>o</a:t>
+            </a:r>
+            <a:r>
+              <a:rPr lang="en-US" sz="1000" dirty="0" smtClean="0">
+                <a:solidFill>
+                  <a:srgbClr val="FFF529"/>
+                </a:solidFill>
+              </a:rPr>
+              <a:t>o</a:t>
+            </a:r>
+            <a:r>
+              <a:rPr lang="en-US" sz="1000" dirty="0" smtClean="0">
+                <a:solidFill>
+                  <a:srgbClr val="1B79D7"/>
+                </a:solidFill>
+              </a:rPr>
+              <a:t>g</a:t>
+            </a:r>
+            <a:r>
+              <a:rPr lang="en-US" sz="1000" dirty="0" smtClean="0">
+                <a:solidFill>
+                  <a:srgbClr val="009900"/>
+                </a:solidFill>
+              </a:rPr>
+              <a:t>l</a:t>
+            </a:r>
+            <a:r>
+              <a:rPr lang="en-US" sz="1000" dirty="0" smtClean="0">
+                <a:solidFill>
+                  <a:srgbClr val="ED483D"/>
+                </a:solidFill>
+              </a:rPr>
+              <a:t>e</a:t>
+            </a:r>
+            <a:r>
+              <a:rPr lang="en-US" sz="1000" dirty="0" smtClean="0">
+                <a:solidFill>
+                  <a:schemeClr val="tx2"/>
+                </a:solidFill>
+              </a:rPr>
+              <a:t> has never seen 20–25% of its queries before, showing the creativity of our users and proving that small indices aren’t useful</a:t>
+            </a:r>
+          </a:p>
+          <a:p>
+            <a:pPr marL="914400" lvl="1" indent="-227013">
+              <a:lnSpc>
+                <a:spcPct val="100000"/>
+              </a:lnSpc>
+              <a:spcBef>
+                <a:spcPct val="35000"/>
+              </a:spcBef>
+              <a:spcAft>
+                <a:spcPct val="0"/>
+              </a:spcAft>
+              <a:buClr>
+                <a:srgbClr val="1B79D7"/>
+              </a:buClr>
+              <a:buFontTx/>
+              <a:buChar char="•"/>
+            </a:pPr>
+            <a:r>
+              <a:rPr lang="en-US" sz="1000" dirty="0" smtClean="0">
+                <a:solidFill>
+                  <a:schemeClr val="accent1"/>
+                </a:solidFill>
+              </a:rPr>
+              <a:t>G</a:t>
+            </a:r>
+            <a:r>
+              <a:rPr lang="en-US" sz="1000" dirty="0" smtClean="0">
+                <a:solidFill>
+                  <a:schemeClr val="folHlink"/>
+                </a:solidFill>
+              </a:rPr>
+              <a:t>o</a:t>
+            </a:r>
+            <a:r>
+              <a:rPr lang="en-US" sz="1000" dirty="0" smtClean="0">
+                <a:solidFill>
+                  <a:srgbClr val="FFF529"/>
+                </a:solidFill>
+              </a:rPr>
+              <a:t>o</a:t>
+            </a:r>
+            <a:r>
+              <a:rPr lang="en-US" sz="1000" dirty="0" smtClean="0">
+                <a:solidFill>
+                  <a:srgbClr val="1B79D7"/>
+                </a:solidFill>
+              </a:rPr>
+              <a:t>g</a:t>
+            </a:r>
+            <a:r>
+              <a:rPr lang="en-US" sz="1000" dirty="0" smtClean="0">
+                <a:solidFill>
+                  <a:srgbClr val="009900"/>
+                </a:solidFill>
+              </a:rPr>
+              <a:t>l</a:t>
+            </a:r>
+            <a:r>
+              <a:rPr lang="en-US" sz="1000" dirty="0" smtClean="0">
+                <a:solidFill>
+                  <a:srgbClr val="ED483D"/>
+                </a:solidFill>
+              </a:rPr>
+              <a:t>e</a:t>
+            </a:r>
+            <a:r>
+              <a:rPr lang="en-US" sz="1000" dirty="0" smtClean="0">
+                <a:solidFill>
+                  <a:schemeClr val="tx2"/>
+                </a:solidFill>
+              </a:rPr>
+              <a:t> updates its search algorithms on a weekly basis</a:t>
+            </a:r>
+          </a:p>
+          <a:p>
+            <a:pPr marL="339725" indent="-339725">
+              <a:lnSpc>
+                <a:spcPct val="100000"/>
+              </a:lnSpc>
+              <a:spcBef>
+                <a:spcPct val="55000"/>
+              </a:spcBef>
+              <a:spcAft>
+                <a:spcPct val="0"/>
+              </a:spcAft>
+              <a:buClr>
+                <a:srgbClr val="1B79D7"/>
+              </a:buClr>
+              <a:buFont typeface="Wingdings" pitchFamily="2" charset="2"/>
+              <a:buChar char="«"/>
+            </a:pPr>
+            <a:r>
+              <a:rPr lang="en-US" sz="1200" b="1" dirty="0" smtClean="0">
+                <a:solidFill>
+                  <a:schemeClr val="accent1"/>
+                </a:solidFill>
+              </a:rPr>
+              <a:t>G</a:t>
+            </a:r>
+            <a:r>
+              <a:rPr lang="en-US" sz="1200" b="1" dirty="0" smtClean="0">
+                <a:solidFill>
+                  <a:schemeClr val="folHlink"/>
+                </a:solidFill>
+              </a:rPr>
+              <a:t>o</a:t>
+            </a:r>
+            <a:r>
+              <a:rPr lang="en-US" sz="1200" b="1" dirty="0" smtClean="0">
+                <a:solidFill>
+                  <a:srgbClr val="FFF529"/>
+                </a:solidFill>
+              </a:rPr>
+              <a:t>o</a:t>
+            </a:r>
+            <a:r>
+              <a:rPr lang="en-US" sz="1200" b="1" dirty="0" smtClean="0">
+                <a:solidFill>
+                  <a:srgbClr val="1B79D7"/>
+                </a:solidFill>
+              </a:rPr>
+              <a:t>g</a:t>
+            </a:r>
+            <a:r>
+              <a:rPr lang="en-US" sz="1200" b="1" dirty="0" smtClean="0">
+                <a:solidFill>
+                  <a:srgbClr val="009900"/>
+                </a:solidFill>
+              </a:rPr>
+              <a:t>l</a:t>
+            </a:r>
+            <a:r>
+              <a:rPr lang="en-US" sz="1200" b="1" dirty="0" smtClean="0">
+                <a:solidFill>
+                  <a:srgbClr val="ED483D"/>
+                </a:solidFill>
+              </a:rPr>
+              <a:t>e</a:t>
+            </a:r>
+            <a:r>
+              <a:rPr lang="en-US" sz="1200" b="1" dirty="0" smtClean="0">
+                <a:solidFill>
+                  <a:schemeClr val="tx2"/>
+                </a:solidFill>
+              </a:rPr>
+              <a:t> News:</a:t>
+            </a:r>
+            <a:r>
+              <a:rPr lang="en-US" sz="1200" dirty="0" smtClean="0">
+                <a:solidFill>
+                  <a:schemeClr val="tx2"/>
+                </a:solidFill>
+              </a:rPr>
+              <a:t> now includes articles from over 10,000 news sources in more than 18 languages worldwide. Among these, over 4,500 are English language news sources</a:t>
+            </a:r>
+          </a:p>
+          <a:p>
+            <a:pPr marL="339725" indent="-339725">
+              <a:lnSpc>
+                <a:spcPct val="100000"/>
+              </a:lnSpc>
+              <a:spcBef>
+                <a:spcPct val="55000"/>
+              </a:spcBef>
+              <a:spcAft>
+                <a:spcPct val="0"/>
+              </a:spcAft>
+              <a:buClr>
+                <a:srgbClr val="1B79D7"/>
+              </a:buClr>
+              <a:buFont typeface="Wingdings" pitchFamily="2" charset="2"/>
+              <a:buChar char="«"/>
+            </a:pPr>
+            <a:r>
+              <a:rPr lang="en-US" sz="1200" b="1" dirty="0" smtClean="0">
+                <a:solidFill>
+                  <a:schemeClr val="tx2"/>
+                </a:solidFill>
+              </a:rPr>
+              <a:t>Advertisers</a:t>
+            </a:r>
+            <a:r>
+              <a:rPr lang="en-US" sz="1200" dirty="0" smtClean="0">
+                <a:solidFill>
+                  <a:schemeClr val="tx2"/>
+                </a:solidFill>
+              </a:rPr>
+              <a:t>: Hundreds of thousands of advertisers worldwide </a:t>
+            </a:r>
+          </a:p>
+          <a:p>
+            <a:pPr marL="339725" indent="-339725">
+              <a:lnSpc>
+                <a:spcPct val="100000"/>
+              </a:lnSpc>
+              <a:spcBef>
+                <a:spcPct val="55000"/>
+              </a:spcBef>
+              <a:spcAft>
+                <a:spcPct val="0"/>
+              </a:spcAft>
+              <a:buClr>
+                <a:srgbClr val="1B79D7"/>
+              </a:buClr>
+              <a:buFont typeface="Wingdings" pitchFamily="2" charset="2"/>
+              <a:buChar char="«"/>
+            </a:pPr>
+            <a:r>
+              <a:rPr lang="en-US" sz="1200" b="1" dirty="0" smtClean="0">
+                <a:solidFill>
+                  <a:schemeClr val="tx2"/>
+                </a:solidFill>
+              </a:rPr>
+              <a:t>Client Software: </a:t>
+            </a:r>
+            <a:r>
+              <a:rPr lang="en-US" sz="1200" dirty="0" smtClean="0">
+                <a:solidFill>
+                  <a:schemeClr val="accent1"/>
+                </a:solidFill>
+              </a:rPr>
+              <a:t>G</a:t>
+            </a:r>
+            <a:r>
+              <a:rPr lang="en-US" sz="1200" dirty="0" smtClean="0">
+                <a:solidFill>
+                  <a:schemeClr val="folHlink"/>
+                </a:solidFill>
+              </a:rPr>
+              <a:t>o</a:t>
+            </a:r>
+            <a:r>
+              <a:rPr lang="en-US" sz="1200" dirty="0" smtClean="0">
+                <a:solidFill>
+                  <a:srgbClr val="FFF529"/>
+                </a:solidFill>
+              </a:rPr>
+              <a:t>o</a:t>
+            </a:r>
+            <a:r>
+              <a:rPr lang="en-US" sz="1200" dirty="0" smtClean="0">
+                <a:solidFill>
+                  <a:srgbClr val="1B79D7"/>
+                </a:solidFill>
+              </a:rPr>
+              <a:t>g</a:t>
+            </a:r>
+            <a:r>
+              <a:rPr lang="en-US" sz="1200" dirty="0" smtClean="0">
+                <a:solidFill>
+                  <a:srgbClr val="009900"/>
+                </a:solidFill>
+              </a:rPr>
+              <a:t>l</a:t>
+            </a:r>
+            <a:r>
+              <a:rPr lang="en-US" sz="1200" dirty="0" smtClean="0">
+                <a:solidFill>
+                  <a:srgbClr val="ED483D"/>
+                </a:solidFill>
+              </a:rPr>
+              <a:t>e</a:t>
+            </a:r>
+            <a:r>
+              <a:rPr lang="en-US" sz="1200" dirty="0" smtClean="0">
+                <a:solidFill>
+                  <a:schemeClr val="tx2"/>
+                </a:solidFill>
+              </a:rPr>
+              <a:t> Toolbar has millions of users worldwide</a:t>
+            </a:r>
+          </a:p>
+          <a:p>
+            <a:pPr marL="339725" indent="-339725">
+              <a:lnSpc>
+                <a:spcPct val="100000"/>
+              </a:lnSpc>
+              <a:spcBef>
+                <a:spcPct val="55000"/>
+              </a:spcBef>
+              <a:spcAft>
+                <a:spcPct val="0"/>
+              </a:spcAft>
+              <a:buClr>
+                <a:srgbClr val="1B79D7"/>
+              </a:buClr>
+              <a:buFont typeface="Wingdings" pitchFamily="2" charset="2"/>
+              <a:buChar char="«"/>
+            </a:pPr>
+            <a:r>
+              <a:rPr lang="en-US" sz="1200" b="1" dirty="0" smtClean="0">
+                <a:solidFill>
+                  <a:schemeClr val="accent1"/>
+                </a:solidFill>
+              </a:rPr>
+              <a:t>G</a:t>
+            </a:r>
+            <a:r>
+              <a:rPr lang="en-US" sz="1200" b="1" dirty="0" smtClean="0">
+                <a:solidFill>
+                  <a:schemeClr val="folHlink"/>
+                </a:solidFill>
+              </a:rPr>
+              <a:t>o</a:t>
+            </a:r>
+            <a:r>
+              <a:rPr lang="en-US" sz="1200" b="1" dirty="0" smtClean="0">
+                <a:solidFill>
+                  <a:srgbClr val="FFF529"/>
+                </a:solidFill>
+              </a:rPr>
+              <a:t>o</a:t>
+            </a:r>
+            <a:r>
+              <a:rPr lang="en-US" sz="1200" b="1" dirty="0" smtClean="0">
+                <a:solidFill>
+                  <a:srgbClr val="1B79D7"/>
+                </a:solidFill>
+              </a:rPr>
+              <a:t>g</a:t>
+            </a:r>
+            <a:r>
+              <a:rPr lang="en-US" sz="1200" b="1" dirty="0" smtClean="0">
+                <a:solidFill>
+                  <a:srgbClr val="009900"/>
+                </a:solidFill>
+              </a:rPr>
+              <a:t>l</a:t>
+            </a:r>
+            <a:r>
+              <a:rPr lang="en-US" sz="1200" b="1" dirty="0" smtClean="0">
+                <a:solidFill>
+                  <a:srgbClr val="ED483D"/>
+                </a:solidFill>
+              </a:rPr>
+              <a:t>e</a:t>
+            </a:r>
+            <a:r>
+              <a:rPr lang="en-US" sz="1200" b="1" dirty="0" smtClean="0">
+                <a:solidFill>
+                  <a:schemeClr val="tx2"/>
+                </a:solidFill>
+              </a:rPr>
+              <a:t> Desktop</a:t>
+            </a:r>
+            <a:r>
+              <a:rPr lang="en-US" sz="1200" dirty="0" smtClean="0">
+                <a:solidFill>
+                  <a:schemeClr val="tx2"/>
+                </a:solidFill>
+              </a:rPr>
+              <a:t>: has millions of users worldwide</a:t>
+            </a:r>
+          </a:p>
+          <a:p>
+            <a:pPr marL="339725" indent="-339725">
+              <a:lnSpc>
+                <a:spcPct val="100000"/>
+              </a:lnSpc>
+              <a:spcBef>
+                <a:spcPct val="55000"/>
+              </a:spcBef>
+              <a:spcAft>
+                <a:spcPct val="0"/>
+              </a:spcAft>
+              <a:buClr>
+                <a:srgbClr val="1B79D7"/>
+              </a:buClr>
+              <a:buFont typeface="Wingdings" pitchFamily="2" charset="2"/>
+              <a:buChar char="«"/>
+            </a:pPr>
+            <a:r>
+              <a:rPr lang="en-US" sz="1200" b="1" dirty="0" smtClean="0">
+                <a:solidFill>
+                  <a:schemeClr val="tx2"/>
+                </a:solidFill>
+              </a:rPr>
+              <a:t>Audio Advertising</a:t>
+            </a:r>
+            <a:r>
+              <a:rPr lang="en-US" sz="1200" dirty="0" smtClean="0">
+                <a:solidFill>
+                  <a:schemeClr val="tx2"/>
+                </a:solidFill>
+              </a:rPr>
+              <a:t>: More than 1,600 radio stations available to U.S. </a:t>
+            </a:r>
+            <a:r>
+              <a:rPr lang="en-US" sz="1200" dirty="0" err="1" smtClean="0">
+                <a:solidFill>
+                  <a:schemeClr val="tx2"/>
+                </a:solidFill>
+              </a:rPr>
+              <a:t>AdWords</a:t>
+            </a:r>
+            <a:r>
+              <a:rPr lang="en-US" sz="1200" dirty="0" smtClean="0">
+                <a:solidFill>
+                  <a:schemeClr val="tx2"/>
+                </a:solidFill>
+              </a:rPr>
+              <a:t> advertisers</a:t>
+            </a:r>
+          </a:p>
+          <a:p>
+            <a:pPr marL="339725" indent="-339725">
+              <a:lnSpc>
+                <a:spcPct val="100000"/>
+              </a:lnSpc>
+              <a:spcBef>
+                <a:spcPct val="55000"/>
+              </a:spcBef>
+              <a:spcAft>
+                <a:spcPct val="0"/>
+              </a:spcAft>
+              <a:buClr>
+                <a:srgbClr val="1B79D7"/>
+              </a:buClr>
+              <a:buFont typeface="Wingdings" pitchFamily="2" charset="2"/>
+              <a:buChar char="«"/>
+            </a:pPr>
+            <a:r>
+              <a:rPr lang="en-US" sz="1200" b="1" dirty="0" smtClean="0">
+                <a:solidFill>
+                  <a:schemeClr val="tx2"/>
+                </a:solidFill>
+              </a:rPr>
+              <a:t>Print Advertising</a:t>
+            </a:r>
+            <a:r>
+              <a:rPr lang="en-US" sz="1200" dirty="0" smtClean="0">
+                <a:solidFill>
+                  <a:schemeClr val="tx2"/>
+                </a:solidFill>
+              </a:rPr>
+              <a:t>: More than 600 newspapers now available to U.S. </a:t>
+            </a:r>
+            <a:r>
+              <a:rPr lang="en-US" sz="1200" dirty="0" err="1" smtClean="0">
+                <a:solidFill>
+                  <a:schemeClr val="tx2"/>
+                </a:solidFill>
+              </a:rPr>
+              <a:t>AdWords</a:t>
+            </a:r>
+            <a:r>
+              <a:rPr lang="en-US" sz="1200" dirty="0" smtClean="0">
+                <a:solidFill>
+                  <a:schemeClr val="tx2"/>
+                </a:solidFill>
+              </a:rPr>
+              <a:t> advertiser</a:t>
+            </a:r>
+          </a:p>
+          <a:p>
+            <a:pPr marL="339725" indent="-339725">
+              <a:lnSpc>
+                <a:spcPct val="100000"/>
+              </a:lnSpc>
+              <a:spcBef>
+                <a:spcPct val="55000"/>
+              </a:spcBef>
+              <a:spcAft>
+                <a:spcPct val="0"/>
+              </a:spcAft>
+              <a:buClr>
+                <a:srgbClr val="1B79D7"/>
+              </a:buClr>
+              <a:buFont typeface="Wingdings" pitchFamily="2" charset="2"/>
+              <a:buChar char="«"/>
+            </a:pPr>
+            <a:r>
+              <a:rPr lang="en-US" sz="1200" b="1" dirty="0" smtClean="0">
+                <a:solidFill>
+                  <a:schemeClr val="tx2"/>
+                </a:solidFill>
+              </a:rPr>
+              <a:t>TV Advertising</a:t>
+            </a:r>
+            <a:r>
+              <a:rPr lang="en-US" sz="1200" dirty="0" smtClean="0">
+                <a:solidFill>
+                  <a:schemeClr val="tx2"/>
+                </a:solidFill>
+              </a:rPr>
+              <a:t>: We are currently in a closed trial to test an auction-based TV advertising system working with EchoStar and Astound Cable</a:t>
+            </a:r>
+          </a:p>
+          <a:p>
+            <a:pPr marL="339725" indent="-339725">
+              <a:lnSpc>
+                <a:spcPct val="100000"/>
+              </a:lnSpc>
+              <a:spcBef>
+                <a:spcPct val="55000"/>
+              </a:spcBef>
+              <a:spcAft>
+                <a:spcPct val="0"/>
+              </a:spcAft>
+              <a:buClr>
+                <a:srgbClr val="1B79D7"/>
+              </a:buClr>
+              <a:buFont typeface="Wingdings" pitchFamily="2" charset="2"/>
+              <a:buChar char="«"/>
+            </a:pPr>
+            <a:r>
+              <a:rPr lang="en-US" sz="1200" b="1" dirty="0" smtClean="0">
+                <a:solidFill>
+                  <a:schemeClr val="tx2"/>
+                </a:solidFill>
+              </a:rPr>
+              <a:t>YouTube</a:t>
+            </a:r>
+            <a:r>
+              <a:rPr lang="en-US" sz="1200" dirty="0" smtClean="0">
+                <a:solidFill>
+                  <a:schemeClr val="tx2"/>
+                </a:solidFill>
+              </a:rPr>
+              <a:t>: People watch hundreds of millions of videos on YouTube every day </a:t>
+            </a:r>
+          </a:p>
+          <a:p>
+            <a:pPr marL="914400" lvl="1" indent="-227013">
+              <a:lnSpc>
+                <a:spcPct val="100000"/>
+              </a:lnSpc>
+              <a:spcBef>
+                <a:spcPct val="35000"/>
+              </a:spcBef>
+              <a:spcAft>
+                <a:spcPct val="0"/>
+              </a:spcAft>
+              <a:buClr>
+                <a:srgbClr val="1B79D7"/>
+              </a:buClr>
+              <a:buFontTx/>
+              <a:buChar char="•"/>
+            </a:pPr>
+            <a:r>
+              <a:rPr lang="en-US" sz="1000" dirty="0" smtClean="0">
+                <a:solidFill>
+                  <a:schemeClr val="tx2"/>
+                </a:solidFill>
+              </a:rPr>
+              <a:t>Hundreds of thousands of videos are being uploaded to YouTube daily </a:t>
+            </a:r>
+          </a:p>
+          <a:p>
+            <a:pPr marL="914400" lvl="1" indent="-227013">
+              <a:lnSpc>
+                <a:spcPct val="100000"/>
+              </a:lnSpc>
+              <a:spcBef>
+                <a:spcPct val="35000"/>
+              </a:spcBef>
+              <a:spcAft>
+                <a:spcPct val="0"/>
+              </a:spcAft>
+              <a:buClr>
+                <a:srgbClr val="1B79D7"/>
+              </a:buClr>
+              <a:buFontTx/>
+              <a:buChar char="•"/>
+            </a:pPr>
+            <a:r>
+              <a:rPr lang="en-US" sz="1000" dirty="0" smtClean="0">
+                <a:solidFill>
+                  <a:schemeClr val="tx2"/>
+                </a:solidFill>
+              </a:rPr>
+              <a:t>Every minute, eight hours of video is uploaded to YouTube </a:t>
+            </a:r>
+          </a:p>
+          <a:p>
+            <a:pPr>
+              <a:buNone/>
+            </a:pPr>
+            <a:endParaRPr lang="en-US" dirty="0"/>
+          </a:p>
+        </p:txBody>
+      </p:sp>
+    </p:spTree>
+  </p:cSld>
+  <p:clrMapOvr>
+    <a:masterClrMapping/>
+  </p:clrMapOvr>
+  <p:timing>
+    <p:tnLst>
+      <p:par>
+        <p:cTn id="1" dur="indefinite" restart="never" nodeType="tmRoot"/>
+      </p:par>
+    </p:tnLst>
+  </p:timing>
+</p:sld>
+</file>
+
+<file path=ppt/slides/slide6.xml><?xml version="1.0" encoding="utf-8"?>
+<p:sld xmlns:a="http://schemas.openxmlformats.org/drawingml/2006/main" xmlns:r="http://schemas.openxmlformats.org/officeDocument/2006/relationships" xmlns:p="http://schemas.openxmlformats.org/presentationml/2006/main">
+  <p:cSld>
+    <p:spTree>
+      <p:nvGrpSpPr>
+        <p:cNvPr id="1" name=""/>
+        <p:cNvGrpSpPr/>
+        <p:nvPr/>
+      </p:nvGrpSpPr>
+      <p:grpSpPr>
+        <a:xfrm>
+          <a:off x="0" y="0"/>
+          <a:ext cx="0" cy="0"/>
+          <a:chOff x="0" y="0"/>
+          <a:chExt cx="0" cy="0"/>
+        </a:xfrm>
+      </p:grpSpPr>
+      <p:sp>
+        <p:nvSpPr>
+          <p:cNvPr id="3" name="Content Placeholder 2"/>
+          <p:cNvSpPr>
+            <a:spLocks noGrp="1"/>
+          </p:cNvSpPr>
+          <p:nvPr>
+            <p:ph sz="quarter" idx="1"/>
+          </p:nvPr>
+        </p:nvSpPr>
+        <p:spPr>
+          <a:xfrm>
+            <a:off x="457200" y="228600"/>
+            <a:ext cx="7467600" cy="6245352"/>
+          </a:xfrm>
+        </p:spPr>
+        <p:txBody>
+          <a:bodyPr/>
+          <a:lstStyle/>
+          <a:p>
+            <a:r>
+              <a:rPr lang="en-US" dirty="0" smtClean="0"/>
+              <a:t>Top companies by </a:t>
+            </a:r>
+            <a:r>
+              <a:rPr lang="en-US" dirty="0" smtClean="0"/>
+              <a:t>market </a:t>
+            </a:r>
+            <a:r>
+              <a:rPr lang="en-US" dirty="0" smtClean="0"/>
+              <a:t>capitalization (2015)</a:t>
+            </a:r>
+            <a:endParaRPr lang="en-US" dirty="0" smtClean="0"/>
+          </a:p>
+          <a:p>
+            <a:pPr>
+              <a:buNone/>
+            </a:pPr>
+            <a:endParaRPr lang="en-US" dirty="0"/>
+          </a:p>
+        </p:txBody>
+      </p:sp>
+      <p:pic>
+        <p:nvPicPr>
+          <p:cNvPr id="4" name="Picture 3" descr="• Top companies in the world by market value 2015   Statistic.png"/>
+          <p:cNvPicPr>
+            <a:picLocks noChangeAspect="1"/>
+          </p:cNvPicPr>
+          <p:nvPr/>
+        </p:nvPicPr>
+        <p:blipFill>
+          <a:blip r:embed="rId2"/>
+          <a:stretch>
+            <a:fillRect/>
+          </a:stretch>
+        </p:blipFill>
+        <p:spPr>
+          <a:xfrm>
+            <a:off x="76200" y="838200"/>
+            <a:ext cx="8763000" cy="4093243"/>
+          </a:xfrm>
+          <a:prstGeom prst="rect">
+            <a:avLst/>
+          </a:prstGeom>
+        </p:spPr>
+      </p:pic>
+      <p:pic>
+        <p:nvPicPr>
+          <p:cNvPr id="6" name="Picture 5" descr="• Top companies in the world by market value 2015   Statistic_footer.png"/>
+          <p:cNvPicPr>
+            <a:picLocks noChangeAspect="1"/>
+          </p:cNvPicPr>
+          <p:nvPr/>
+        </p:nvPicPr>
+        <p:blipFill>
+          <a:blip r:embed="rId3"/>
+          <a:stretch>
+            <a:fillRect/>
+          </a:stretch>
+        </p:blipFill>
+        <p:spPr>
+          <a:xfrm>
+            <a:off x="381000" y="5000625"/>
+            <a:ext cx="8324850" cy="485775"/>
+          </a:xfrm>
+          <a:prstGeom prst="rect">
+            <a:avLst/>
+          </a:prstGeom>
+        </p:spPr>
+      </p:pic>
+    </p:spTree>
+  </p:cSld>
+  <p:clrMapOvr>
+    <a:masterClrMapping/>
+  </p:clrMapOvr>
+  <p:timing>
+    <p:tnLst>
+      <p:par>
+        <p:cTn id="1" dur="indefinite" restart="never" nodeType="tmRoot"/>
+      </p:par>
+    </p:tnLst>
+  </p:timing>
+</p:sld>
+</file>
+
 <file path=ppt/theme/theme1.xml><?xml version="1.0" encoding="utf-8"?>
 <a:theme xmlns:a="http://schemas.openxmlformats.org/drawingml/2006/main" name="Oriel">
   <a:themeElements>

--- a/google/about_google_sanjay.pptx
+++ b/google/about_google_sanjay.pptx
@@ -7,10 +7,12 @@
   <p:sldIdLst>
     <p:sldId id="256" r:id="rId2"/>
     <p:sldId id="259" r:id="rId3"/>
-    <p:sldId id="258" r:id="rId4"/>
-    <p:sldId id="260" r:id="rId5"/>
-    <p:sldId id="261" r:id="rId6"/>
-    <p:sldId id="257" r:id="rId7"/>
+    <p:sldId id="262" r:id="rId4"/>
+    <p:sldId id="263" r:id="rId5"/>
+    <p:sldId id="258" r:id="rId6"/>
+    <p:sldId id="260" r:id="rId7"/>
+    <p:sldId id="261" r:id="rId8"/>
+    <p:sldId id="257" r:id="rId9"/>
   </p:sldIdLst>
   <p:sldSz cx="9144000" cy="6858000" type="screen4x3"/>
   <p:notesSz cx="6858000" cy="9144000"/>
@@ -250,7 +252,7 @@
             <a:fld id="{E6F9B8CD-342D-4579-98EC-A8FD6B7370E1}" type="datetimeFigureOut">
               <a:rPr lang="en-US" smtClean="0"/>
               <a:pPr/>
-              <a:t>18/8/2015</a:t>
+              <a:t>19/8/2015</a:t>
             </a:fld>
             <a:endParaRPr lang="en-US" dirty="0"/>
           </a:p>
@@ -1121,7 +1123,7 @@
             <a:fld id="{E6F9B8CD-342D-4579-98EC-A8FD6B7370E1}" type="datetimeFigureOut">
               <a:rPr lang="en-US" smtClean="0"/>
               <a:pPr/>
-              <a:t>18/8/2015</a:t>
+              <a:t>19/8/2015</a:t>
             </a:fld>
             <a:endParaRPr lang="en-US"/>
           </a:p>
@@ -1298,7 +1300,7 @@
             <a:fld id="{E6F9B8CD-342D-4579-98EC-A8FD6B7370E1}" type="datetimeFigureOut">
               <a:rPr lang="en-US" smtClean="0"/>
               <a:pPr/>
-              <a:t>18/8/2015</a:t>
+              <a:t>19/8/2015</a:t>
             </a:fld>
             <a:endParaRPr lang="en-US"/>
           </a:p>
@@ -1471,7 +1473,7 @@
             <a:fld id="{E6F9B8CD-342D-4579-98EC-A8FD6B7370E1}" type="datetimeFigureOut">
               <a:rPr lang="en-US" smtClean="0"/>
               <a:pPr algn="r" eaLnBrk="1" latinLnBrk="0" hangingPunct="1"/>
-              <a:t>18/8/2015</a:t>
+              <a:t>19/8/2015</a:t>
             </a:fld>
             <a:endParaRPr lang="en-US"/>
           </a:p>
@@ -1684,7 +1686,7 @@
             <a:fld id="{E6F9B8CD-342D-4579-98EC-A8FD6B7370E1}" type="datetimeFigureOut">
               <a:rPr lang="en-US" smtClean="0"/>
               <a:pPr/>
-              <a:t>18/8/2015</a:t>
+              <a:t>19/8/2015</a:t>
             </a:fld>
             <a:endParaRPr lang="en-US"/>
           </a:p>
@@ -2500,7 +2502,7 @@
             <a:fld id="{E6F9B8CD-342D-4579-98EC-A8FD6B7370E1}" type="datetimeFigureOut">
               <a:rPr lang="en-US" smtClean="0"/>
               <a:pPr/>
-              <a:t>18/8/2015</a:t>
+              <a:t>19/8/2015</a:t>
             </a:fld>
             <a:endParaRPr lang="en-US"/>
           </a:p>
@@ -2738,7 +2740,7 @@
             <a:fld id="{E6F9B8CD-342D-4579-98EC-A8FD6B7370E1}" type="datetimeFigureOut">
               <a:rPr lang="en-US" smtClean="0"/>
               <a:pPr/>
-              <a:t>18/8/2015</a:t>
+              <a:t>19/8/2015</a:t>
             </a:fld>
             <a:endParaRPr lang="en-US"/>
           </a:p>
@@ -3064,7 +3066,7 @@
             <a:fld id="{E6F9B8CD-342D-4579-98EC-A8FD6B7370E1}" type="datetimeFigureOut">
               <a:rPr lang="en-US" smtClean="0"/>
               <a:pPr algn="r" eaLnBrk="1" latinLnBrk="0" hangingPunct="1"/>
-              <a:t>18/8/2015</a:t>
+              <a:t>19/8/2015</a:t>
             </a:fld>
             <a:endParaRPr lang="en-US"/>
           </a:p>
@@ -3157,7 +3159,7 @@
             <a:fld id="{E6F9B8CD-342D-4579-98EC-A8FD6B7370E1}" type="datetimeFigureOut">
               <a:rPr lang="en-US" smtClean="0"/>
               <a:pPr/>
-              <a:t>18/8/2015</a:t>
+              <a:t>19/8/2015</a:t>
             </a:fld>
             <a:endParaRPr lang="en-US"/>
           </a:p>
@@ -3677,7 +3679,7 @@
             <a:fld id="{E6F9B8CD-342D-4579-98EC-A8FD6B7370E1}" type="datetimeFigureOut">
               <a:rPr lang="en-US" smtClean="0"/>
               <a:pPr algn="r" eaLnBrk="1" latinLnBrk="0" hangingPunct="1"/>
-              <a:t>18/8/2015</a:t>
+              <a:t>19/8/2015</a:t>
             </a:fld>
             <a:endParaRPr lang="en-US" dirty="0"/>
           </a:p>
@@ -4192,7 +4194,7 @@
             <a:fld id="{E6F9B8CD-342D-4579-98EC-A8FD6B7370E1}" type="datetimeFigureOut">
               <a:rPr lang="en-US" smtClean="0"/>
               <a:pPr algn="r" eaLnBrk="1" latinLnBrk="0" hangingPunct="1"/>
-              <a:t>18/8/2015</a:t>
+              <a:t>19/8/2015</a:t>
             </a:fld>
             <a:endParaRPr lang="en-US"/>
           </a:p>
@@ -4441,7 +4443,7 @@
             <a:fld id="{E6F9B8CD-342D-4579-98EC-A8FD6B7370E1}" type="datetimeFigureOut">
               <a:rPr lang="en-US" smtClean="0"/>
               <a:pPr algn="r" eaLnBrk="1" latinLnBrk="0" hangingPunct="1"/>
-              <a:t>18/8/2015</a:t>
+              <a:t>19/8/2015</a:t>
             </a:fld>
             <a:endParaRPr lang="en-US" dirty="0">
               <a:solidFill>
@@ -5168,7 +5170,7 @@
         <p:spPr>
           <a:xfrm>
             <a:off x="457200" y="274638"/>
-            <a:ext cx="7467600" cy="715962"/>
+            <a:ext cx="8274908" cy="715962"/>
           </a:xfrm>
         </p:spPr>
         <p:txBody>
@@ -5245,7 +5247,7 @@
       </p:sp>
       <p:pic>
         <p:nvPicPr>
-          <p:cNvPr id="12" name="Content Placeholder 11" descr="google-evolution-timeline.jpg"/>
+          <p:cNvPr id="5" name="Content Placeholder 4" descr="part1.jpg"/>
           <p:cNvPicPr>
             <a:picLocks noGrp="1" noChangeAspect="1"/>
           </p:cNvPicPr>
@@ -5254,31 +5256,17 @@
           </p:nvPr>
         </p:nvPicPr>
         <p:blipFill>
-          <a:blip r:embed="rId2"/>
+          <a:blip r:embed="rId2" cstate="print"/>
           <a:stretch>
             <a:fillRect/>
           </a:stretch>
         </p:blipFill>
         <p:spPr>
           <a:xfrm>
-            <a:off x="228600" y="1598043"/>
-            <a:ext cx="8458200" cy="4802757"/>
-          </a:xfrm>
-        </p:spPr>
-        <p:style>
-          <a:lnRef idx="2">
-            <a:schemeClr val="accent2"/>
-          </a:lnRef>
-          <a:fillRef idx="1">
-            <a:schemeClr val="lt1"/>
-          </a:fillRef>
-          <a:effectRef idx="0">
-            <a:schemeClr val="accent2"/>
-          </a:effectRef>
-          <a:fontRef idx="minor">
-            <a:schemeClr val="dk1"/>
-          </a:fontRef>
-        </p:style>
+            <a:off x="228600" y="990600"/>
+            <a:ext cx="8458200" cy="5867400"/>
+          </a:xfrm>
+        </p:spPr>
       </p:pic>
     </p:spTree>
   </p:cSld>
@@ -5296,6 +5284,292 @@
 </file>
 
 <file path=ppt/slides/slide3.xml><?xml version="1.0" encoding="utf-8"?>
+<p:sld xmlns:a="http://schemas.openxmlformats.org/drawingml/2006/main" xmlns:r="http://schemas.openxmlformats.org/officeDocument/2006/relationships" xmlns:p="http://schemas.openxmlformats.org/presentationml/2006/main">
+  <p:cSld>
+    <p:spTree>
+      <p:nvGrpSpPr>
+        <p:cNvPr id="1" name=""/>
+        <p:cNvGrpSpPr/>
+        <p:nvPr/>
+      </p:nvGrpSpPr>
+      <p:grpSpPr>
+        <a:xfrm>
+          <a:off x="0" y="0"/>
+          <a:ext cx="0" cy="0"/>
+          <a:chOff x="0" y="0"/>
+          <a:chExt cx="0" cy="0"/>
+        </a:xfrm>
+      </p:grpSpPr>
+      <p:sp>
+        <p:nvSpPr>
+          <p:cNvPr id="11" name="Title 10"/>
+          <p:cNvSpPr>
+            <a:spLocks noGrp="1"/>
+          </p:cNvSpPr>
+          <p:nvPr>
+            <p:ph type="title"/>
+          </p:nvPr>
+        </p:nvSpPr>
+        <p:spPr>
+          <a:xfrm>
+            <a:off x="457200" y="274638"/>
+            <a:ext cx="8274908" cy="715962"/>
+          </a:xfrm>
+        </p:spPr>
+        <p:txBody>
+          <a:bodyPr/>
+          <a:lstStyle/>
+          <a:p>
+            <a:r>
+              <a:rPr lang="en-US" sz="3200" b="1" dirty="0" smtClean="0">
+                <a:solidFill>
+                  <a:schemeClr val="accent2"/>
+                </a:solidFill>
+              </a:rPr>
+              <a:t>G</a:t>
+            </a:r>
+            <a:r>
+              <a:rPr lang="en-US" sz="3200" b="1" dirty="0" smtClean="0">
+                <a:solidFill>
+                  <a:srgbClr val="FF0000"/>
+                </a:solidFill>
+              </a:rPr>
+              <a:t>o</a:t>
+            </a:r>
+            <a:r>
+              <a:rPr lang="en-US" sz="3200" b="1" dirty="0" smtClean="0">
+                <a:solidFill>
+                  <a:srgbClr val="FFF529"/>
+                </a:solidFill>
+              </a:rPr>
+              <a:t>o</a:t>
+            </a:r>
+            <a:r>
+              <a:rPr lang="en-US" sz="3200" b="1" dirty="0" smtClean="0">
+                <a:solidFill>
+                  <a:srgbClr val="1B79D7"/>
+                </a:solidFill>
+              </a:rPr>
+              <a:t>g</a:t>
+            </a:r>
+            <a:r>
+              <a:rPr lang="en-US" sz="3200" b="1" dirty="0" smtClean="0">
+                <a:solidFill>
+                  <a:srgbClr val="009900"/>
+                </a:solidFill>
+              </a:rPr>
+              <a:t>l</a:t>
+            </a:r>
+            <a:r>
+              <a:rPr lang="en-US" sz="3200" b="1" dirty="0" smtClean="0">
+                <a:solidFill>
+                  <a:srgbClr val="ED483D"/>
+                </a:solidFill>
+              </a:rPr>
+              <a:t>e</a:t>
+            </a:r>
+            <a:r>
+              <a:rPr lang="en-US" sz="3200" b="1" dirty="0" smtClean="0">
+                <a:solidFill>
+                  <a:schemeClr val="accent1"/>
+                </a:solidFill>
+              </a:rPr>
+              <a:t> </a:t>
+            </a:r>
+            <a:r>
+              <a:rPr lang="en-US" sz="2400" b="1" dirty="0" smtClean="0">
+                <a:solidFill>
+                  <a:srgbClr val="1B79D7"/>
+                </a:solidFill>
+              </a:rPr>
+              <a:t>Evolution</a:t>
+            </a:r>
+            <a:endParaRPr lang="en-US" dirty="0"/>
+          </a:p>
+        </p:txBody>
+      </p:sp>
+      <p:pic>
+        <p:nvPicPr>
+          <p:cNvPr id="5" name="Content Placeholder 4" descr="part2.jpg"/>
+          <p:cNvPicPr>
+            <a:picLocks noGrp="1" noChangeAspect="1"/>
+          </p:cNvPicPr>
+          <p:nvPr>
+            <p:ph sz="quarter" idx="1"/>
+          </p:nvPr>
+        </p:nvPicPr>
+        <p:blipFill>
+          <a:blip r:embed="rId2" cstate="print"/>
+          <a:stretch>
+            <a:fillRect/>
+          </a:stretch>
+        </p:blipFill>
+        <p:spPr>
+          <a:xfrm>
+            <a:off x="152400" y="914400"/>
+            <a:ext cx="8686800" cy="5943599"/>
+          </a:xfrm>
+        </p:spPr>
+      </p:pic>
+    </p:spTree>
+  </p:cSld>
+  <p:clrMapOvr>
+    <a:masterClrMapping/>
+  </p:clrMapOvr>
+  <p:timing>
+    <p:tnLst>
+      <p:par>
+        <p:cTn id="1" dur="indefinite" restart="never" nodeType="tmRoot"/>
+      </p:par>
+    </p:tnLst>
+  </p:timing>
+</p:sld>
+</file>
+
+<file path=ppt/slides/slide4.xml><?xml version="1.0" encoding="utf-8"?>
+<p:sld xmlns:a="http://schemas.openxmlformats.org/drawingml/2006/main" xmlns:r="http://schemas.openxmlformats.org/officeDocument/2006/relationships" xmlns:p="http://schemas.openxmlformats.org/presentationml/2006/main">
+  <p:cSld>
+    <p:spTree>
+      <p:nvGrpSpPr>
+        <p:cNvPr id="1" name=""/>
+        <p:cNvGrpSpPr/>
+        <p:nvPr/>
+      </p:nvGrpSpPr>
+      <p:grpSpPr>
+        <a:xfrm>
+          <a:off x="0" y="0"/>
+          <a:ext cx="0" cy="0"/>
+          <a:chOff x="0" y="0"/>
+          <a:chExt cx="0" cy="0"/>
+        </a:xfrm>
+      </p:grpSpPr>
+      <p:sp>
+        <p:nvSpPr>
+          <p:cNvPr id="11" name="Title 10"/>
+          <p:cNvSpPr>
+            <a:spLocks noGrp="1"/>
+          </p:cNvSpPr>
+          <p:nvPr>
+            <p:ph type="title"/>
+          </p:nvPr>
+        </p:nvSpPr>
+        <p:spPr>
+          <a:xfrm>
+            <a:off x="457200" y="274638"/>
+            <a:ext cx="8274908" cy="715962"/>
+          </a:xfrm>
+        </p:spPr>
+        <p:txBody>
+          <a:bodyPr/>
+          <a:lstStyle/>
+          <a:p>
+            <a:r>
+              <a:rPr lang="en-US" sz="3200" b="1" dirty="0" smtClean="0">
+                <a:solidFill>
+                  <a:schemeClr val="accent2"/>
+                </a:solidFill>
+              </a:rPr>
+              <a:t>G</a:t>
+            </a:r>
+            <a:r>
+              <a:rPr lang="en-US" sz="3200" b="1" dirty="0" smtClean="0">
+                <a:solidFill>
+                  <a:srgbClr val="FF0000"/>
+                </a:solidFill>
+              </a:rPr>
+              <a:t>o</a:t>
+            </a:r>
+            <a:r>
+              <a:rPr lang="en-US" sz="3200" b="1" dirty="0" smtClean="0">
+                <a:solidFill>
+                  <a:srgbClr val="FFF529"/>
+                </a:solidFill>
+              </a:rPr>
+              <a:t>o</a:t>
+            </a:r>
+            <a:r>
+              <a:rPr lang="en-US" sz="3200" b="1" dirty="0" smtClean="0">
+                <a:solidFill>
+                  <a:srgbClr val="1B79D7"/>
+                </a:solidFill>
+              </a:rPr>
+              <a:t>g</a:t>
+            </a:r>
+            <a:r>
+              <a:rPr lang="en-US" sz="3200" b="1" dirty="0" smtClean="0">
+                <a:solidFill>
+                  <a:srgbClr val="009900"/>
+                </a:solidFill>
+              </a:rPr>
+              <a:t>l</a:t>
+            </a:r>
+            <a:r>
+              <a:rPr lang="en-US" sz="3200" b="1" dirty="0" smtClean="0">
+                <a:solidFill>
+                  <a:srgbClr val="ED483D"/>
+                </a:solidFill>
+              </a:rPr>
+              <a:t>e</a:t>
+            </a:r>
+            <a:r>
+              <a:rPr lang="en-US" sz="3200" b="1" dirty="0" smtClean="0">
+                <a:solidFill>
+                  <a:schemeClr val="accent1"/>
+                </a:solidFill>
+              </a:rPr>
+              <a:t> </a:t>
+            </a:r>
+            <a:r>
+              <a:rPr lang="en-US" sz="2400" b="1" dirty="0" smtClean="0">
+                <a:solidFill>
+                  <a:srgbClr val="1B79D7"/>
+                </a:solidFill>
+              </a:rPr>
+              <a:t>Evolution</a:t>
+            </a:r>
+            <a:endParaRPr lang="en-US" dirty="0"/>
+          </a:p>
+        </p:txBody>
+      </p:sp>
+      <p:pic>
+        <p:nvPicPr>
+          <p:cNvPr id="5" name="Content Placeholder 4" descr="part3.jpg"/>
+          <p:cNvPicPr>
+            <a:picLocks noGrp="1" noChangeAspect="1"/>
+          </p:cNvPicPr>
+          <p:nvPr>
+            <p:ph sz="quarter" idx="1"/>
+          </p:nvPr>
+        </p:nvPicPr>
+        <p:blipFill>
+          <a:blip r:embed="rId2"/>
+          <a:stretch>
+            <a:fillRect/>
+          </a:stretch>
+        </p:blipFill>
+        <p:spPr>
+          <a:xfrm>
+            <a:off x="228600" y="914400"/>
+            <a:ext cx="8534400" cy="5943600"/>
+          </a:xfrm>
+        </p:spPr>
+      </p:pic>
+    </p:spTree>
+  </p:cSld>
+  <p:clrMapOvr>
+    <a:masterClrMapping/>
+  </p:clrMapOvr>
+  <p:timing>
+    <p:tnLst>
+      <p:par>
+        <p:cTn id="1" dur="indefinite" restart="never" nodeType="tmRoot"/>
+      </p:par>
+    </p:tnLst>
+  </p:timing>
+</p:sld>
+</file>
+
+<file path=ppt/slides/slide5.xml><?xml version="1.0" encoding="utf-8"?>
 <p:sld xmlns:a="http://schemas.openxmlformats.org/drawingml/2006/main" xmlns:r="http://schemas.openxmlformats.org/officeDocument/2006/relationships" xmlns:p="http://schemas.openxmlformats.org/presentationml/2006/main">
   <p:cSld>
     <p:spTree>
@@ -5825,7 +6099,7 @@
 </p:sld>
 </file>
 
-<file path=ppt/slides/slide4.xml><?xml version="1.0" encoding="utf-8"?>
+<file path=ppt/slides/slide6.xml><?xml version="1.0" encoding="utf-8"?>
 <p:sld xmlns:a="http://schemas.openxmlformats.org/drawingml/2006/main" xmlns:r="http://schemas.openxmlformats.org/officeDocument/2006/relationships" xmlns:p="http://schemas.openxmlformats.org/presentationml/2006/main">
   <p:cSld>
     <p:spTree>
@@ -6643,7 +6917,7 @@
 </p:sld>
 </file>
 
-<file path=ppt/slides/slide5.xml><?xml version="1.0" encoding="utf-8"?>
+<file path=ppt/slides/slide7.xml><?xml version="1.0" encoding="utf-8"?>
 <p:sld xmlns:a="http://schemas.openxmlformats.org/drawingml/2006/main" xmlns:r="http://schemas.openxmlformats.org/officeDocument/2006/relationships" xmlns:p="http://schemas.openxmlformats.org/presentationml/2006/main">
   <p:cSld>
     <p:spTree>
@@ -6784,7 +7058,7 @@
         </p:spPr>
         <p:txBody>
           <a:bodyPr>
-            <a:normAutofit fontScale="77500" lnSpcReduction="20000"/>
+            <a:normAutofit fontScale="70000" lnSpcReduction="20000"/>
           </a:bodyPr>
           <a:lstStyle/>
           <a:p>
@@ -6805,63 +7079,33 @@
               <a:buChar char="«"/>
             </a:pPr>
             <a:r>
-              <a:rPr lang="en-US" sz="1200" b="1" dirty="0" smtClean="0">
-                <a:solidFill>
-                  <a:schemeClr val="tx2"/>
-                </a:solidFill>
-              </a:rPr>
-              <a:t>Searches per day</a:t>
-            </a:r>
-            <a:r>
-              <a:rPr lang="en-US" sz="1200" dirty="0" smtClean="0">
-                <a:solidFill>
-                  <a:schemeClr val="tx2"/>
-                </a:solidFill>
-              </a:rPr>
-              <a:t>: </a:t>
-            </a:r>
-            <a:r>
-              <a:rPr lang="en-US" sz="1200" dirty="0" smtClean="0">
-                <a:solidFill>
-                  <a:schemeClr val="tx2"/>
-                </a:solidFill>
-              </a:rPr>
-              <a:t>Average per second search </a:t>
-            </a:r>
-            <a:r>
-              <a:rPr lang="en-US" sz="1200" dirty="0" smtClean="0">
-                <a:solidFill>
-                  <a:schemeClr val="tx2"/>
-                </a:solidFill>
-              </a:rPr>
-              <a:t>of people search on </a:t>
-            </a:r>
-            <a:r>
-              <a:rPr lang="en-US" sz="1200" dirty="0" smtClean="0">
-                <a:solidFill>
-                  <a:schemeClr val="accent1"/>
+              <a:rPr lang="en-US" sz="2500" b="1" dirty="0" smtClean="0">
+                <a:solidFill>
+                  <a:schemeClr val="accent2">
+                    <a:lumMod val="75000"/>
+                  </a:schemeClr>
                 </a:solidFill>
               </a:rPr>
               <a:t>G</a:t>
             </a:r>
             <a:r>
-              <a:rPr lang="en-US" sz="1200" dirty="0" smtClean="0">
-                <a:solidFill>
-                  <a:schemeClr val="folHlink"/>
+              <a:rPr lang="en-US" sz="2500" b="1" dirty="0" smtClean="0">
+                <a:solidFill>
+                  <a:srgbClr val="FF0000"/>
                 </a:solidFill>
               </a:rPr>
               <a:t>o</a:t>
             </a:r>
             <a:r>
-              <a:rPr lang="en-US" sz="1200" dirty="0" smtClean="0">
-                <a:solidFill>
-                  <a:srgbClr val="FFF529"/>
+              <a:rPr lang="en-US" sz="2500" b="1" dirty="0" smtClean="0">
+                <a:solidFill>
+                  <a:schemeClr val="accent4"/>
                 </a:solidFill>
               </a:rPr>
               <a:t>o</a:t>
             </a:r>
             <a:r>
-              <a:rPr lang="en-US" sz="1200" dirty="0" smtClean="0">
+              <a:rPr lang="en-US" sz="2500" b="1" dirty="0" smtClean="0">
                 <a:solidFill>
                   <a:srgbClr val="1B79D7"/>
                 </a:solidFill>
@@ -6869,15 +7113,15 @@
               <a:t>g</a:t>
             </a:r>
             <a:r>
-              <a:rPr lang="en-US" sz="1200" dirty="0" smtClean="0">
-                <a:solidFill>
-                  <a:srgbClr val="009900"/>
+              <a:rPr lang="en-US" sz="2500" b="1" dirty="0" smtClean="0">
+                <a:solidFill>
+                  <a:srgbClr val="00B050"/>
                 </a:solidFill>
               </a:rPr>
               <a:t>l</a:t>
             </a:r>
             <a:r>
-              <a:rPr lang="en-US" sz="1200" dirty="0" smtClean="0">
+              <a:rPr lang="en-US" sz="2500" b="1" dirty="0" smtClean="0">
                 <a:solidFill>
                   <a:srgbClr val="ED483D"/>
                 </a:solidFill>
@@ -6885,47 +7129,26 @@
               <a:t>e</a:t>
             </a:r>
             <a:r>
-              <a:rPr lang="en-US" sz="1200" dirty="0" smtClean="0">
-                <a:solidFill>
-                  <a:schemeClr val="tx2"/>
-                </a:solidFill>
-              </a:rPr>
-              <a:t> for </a:t>
-            </a:r>
-            <a:r>
-              <a:rPr lang="en-US" sz="1200" dirty="0" smtClean="0">
-                <a:solidFill>
-                  <a:schemeClr val="tx2"/>
-                </a:solidFill>
-              </a:rPr>
-              <a:t>is  </a:t>
-            </a:r>
-            <a:r>
-              <a:rPr lang="en-US" sz="1200" b="1" dirty="0" smtClean="0"/>
-              <a:t>40,000</a:t>
-            </a:r>
-            <a:br>
-              <a:rPr lang="en-US" sz="1200" b="1" dirty="0" smtClean="0"/>
-            </a:br>
-            <a:r>
-              <a:rPr lang="en-US" sz="1200" b="1" dirty="0" smtClean="0">
-                <a:hlinkClick r:id="rId2"/>
-              </a:rPr>
-              <a:t>http://www.internetlivestats.com/google-search-statistics/</a:t>
-            </a:r>
-            <a:r>
-              <a:rPr lang="en-US" sz="1200" dirty="0" smtClean="0">
-                <a:solidFill>
-                  <a:schemeClr val="tx2"/>
-                </a:solidFill>
-              </a:rPr>
+              <a:rPr lang="en-US" sz="2500" dirty="0" smtClean="0"/>
               <a:t> </a:t>
             </a:r>
-            <a:endParaRPr lang="en-US" sz="1200" dirty="0" smtClean="0">
-              <a:solidFill>
-                <a:schemeClr val="tx2"/>
-              </a:solidFill>
-            </a:endParaRPr>
+            <a:r>
+              <a:rPr lang="en-US" sz="2500" dirty="0" smtClean="0"/>
+              <a:t>started in January, 1996 as a research project at Stanford University, by Ph.D. candidates Larry Page and Sergey </a:t>
+            </a:r>
+            <a:r>
+              <a:rPr lang="en-US" sz="2500" dirty="0" err="1" smtClean="0"/>
+              <a:t>Brin</a:t>
+            </a:r>
+            <a:r>
+              <a:rPr lang="en-US" sz="2500" dirty="0" smtClean="0"/>
+              <a:t> when they were 24 years old and 23 years old respectively</a:t>
+            </a:r>
+            <a:r>
+              <a:rPr lang="en-US" sz="2500" dirty="0" smtClean="0"/>
+              <a:t>.</a:t>
+            </a:r>
+            <a:endParaRPr lang="en-US" sz="2000" dirty="0" smtClean="0"/>
           </a:p>
           <a:p>
             <a:pPr marL="339725" indent="-339725">
@@ -6945,31 +7168,37 @@
               <a:buChar char="«"/>
             </a:pPr>
             <a:r>
-              <a:rPr lang="en-US" sz="1200" b="1" dirty="0" smtClean="0">
-                <a:solidFill>
-                  <a:schemeClr val="accent1"/>
+              <a:rPr lang="en-US" sz="2500" dirty="0" smtClean="0"/>
+              <a:t>The name </a:t>
+            </a:r>
+            <a:r>
+              <a:rPr lang="en-US" sz="2500" b="1" dirty="0" smtClean="0">
+                <a:solidFill>
+                  <a:schemeClr val="accent2">
+                    <a:lumMod val="75000"/>
+                  </a:schemeClr>
                 </a:solidFill>
               </a:rPr>
               <a:t>G</a:t>
             </a:r>
             <a:r>
-              <a:rPr lang="en-US" sz="1200" b="1" dirty="0" smtClean="0">
-                <a:solidFill>
-                  <a:schemeClr val="folHlink"/>
+              <a:rPr lang="en-US" sz="2500" b="1" dirty="0" smtClean="0">
+                <a:solidFill>
+                  <a:srgbClr val="FF0000"/>
                 </a:solidFill>
               </a:rPr>
               <a:t>o</a:t>
             </a:r>
             <a:r>
-              <a:rPr lang="en-US" sz="1200" b="1" dirty="0" smtClean="0">
-                <a:solidFill>
-                  <a:srgbClr val="FFF529"/>
+              <a:rPr lang="en-US" sz="2500" b="1" dirty="0" smtClean="0">
+                <a:solidFill>
+                  <a:schemeClr val="accent4"/>
                 </a:solidFill>
               </a:rPr>
               <a:t>o</a:t>
             </a:r>
             <a:r>
-              <a:rPr lang="en-US" sz="1200" b="1" dirty="0" smtClean="0">
+              <a:rPr lang="en-US" sz="2500" b="1" dirty="0" smtClean="0">
                 <a:solidFill>
                   <a:srgbClr val="1B79D7"/>
                 </a:solidFill>
@@ -6977,502 +7206,30 @@
               <a:t>g</a:t>
             </a:r>
             <a:r>
-              <a:rPr lang="en-US" sz="1200" b="1" dirty="0" smtClean="0">
-                <a:solidFill>
-                  <a:srgbClr val="009900"/>
+              <a:rPr lang="en-US" sz="2500" b="1" dirty="0" smtClean="0">
+                <a:solidFill>
+                  <a:srgbClr val="00B050"/>
                 </a:solidFill>
               </a:rPr>
               <a:t>l</a:t>
             </a:r>
             <a:r>
-              <a:rPr lang="en-US" sz="1200" b="1" dirty="0" smtClean="0">
+              <a:rPr lang="en-US" sz="2500" b="1" dirty="0" smtClean="0">
                 <a:solidFill>
                   <a:srgbClr val="ED483D"/>
                 </a:solidFill>
               </a:rPr>
-              <a:t>e</a:t>
-            </a:r>
-            <a:r>
-              <a:rPr lang="en-US" sz="1200" b="1" dirty="0" smtClean="0">
-                <a:solidFill>
-                  <a:schemeClr val="tx2"/>
-                </a:solidFill>
-              </a:rPr>
-              <a:t> Ad-</a:t>
-            </a:r>
-            <a:r>
-              <a:rPr lang="en-US" sz="1200" b="1" dirty="0" err="1" smtClean="0">
-                <a:solidFill>
-                  <a:schemeClr val="tx2"/>
-                </a:solidFill>
-              </a:rPr>
-              <a:t>Sence</a:t>
-            </a:r>
-            <a:r>
-              <a:rPr lang="en-US" sz="1200" b="1" dirty="0" smtClean="0">
-                <a:solidFill>
-                  <a:schemeClr val="tx2"/>
-                </a:solidFill>
-              </a:rPr>
-              <a:t> income:  </a:t>
-            </a:r>
-          </a:p>
-          <a:p>
-            <a:pPr marL="705485" lvl="1" indent="-339725">
-              <a:spcBef>
-                <a:spcPct val="55000"/>
-              </a:spcBef>
-              <a:spcAft>
-                <a:spcPct val="0"/>
-              </a:spcAft>
-              <a:buClr>
-                <a:srgbClr val="1B79D7"/>
-              </a:buClr>
-              <a:buFont typeface="Wingdings" pitchFamily="2" charset="2"/>
-              <a:buChar char="«"/>
-            </a:pPr>
-            <a:r>
-              <a:rPr lang="en-US" sz="1300" dirty="0" smtClean="0">
-                <a:solidFill>
-                  <a:schemeClr val="tx2"/>
-                </a:solidFill>
-              </a:rPr>
-              <a:t>Top three companies that earn from </a:t>
-            </a:r>
-            <a:r>
-              <a:rPr lang="en-US" sz="1300" dirty="0" err="1" smtClean="0">
-                <a:solidFill>
-                  <a:schemeClr val="tx2"/>
-                </a:solidFill>
-              </a:rPr>
-              <a:t>google</a:t>
-            </a:r>
-            <a:r>
-              <a:rPr lang="en-US" sz="1300" dirty="0" smtClean="0">
-                <a:solidFill>
-                  <a:schemeClr val="tx2"/>
-                </a:solidFill>
-              </a:rPr>
-              <a:t> ad-</a:t>
-            </a:r>
-            <a:r>
-              <a:rPr lang="en-US" sz="1300" dirty="0" err="1" smtClean="0">
-                <a:solidFill>
-                  <a:schemeClr val="tx2"/>
-                </a:solidFill>
-              </a:rPr>
-              <a:t>sence</a:t>
-            </a:r>
-            <a:endParaRPr lang="en-US" sz="1300" dirty="0" smtClean="0">
-              <a:solidFill>
-                <a:schemeClr val="tx2"/>
-              </a:solidFill>
-            </a:endParaRPr>
-          </a:p>
-          <a:p>
-            <a:pPr marL="979805" lvl="2" indent="-339725">
-              <a:spcBef>
-                <a:spcPct val="55000"/>
-              </a:spcBef>
-              <a:spcAft>
-                <a:spcPct val="0"/>
-              </a:spcAft>
-              <a:buClr>
-                <a:srgbClr val="1B79D7"/>
-              </a:buClr>
-              <a:buFont typeface="Wingdings" pitchFamily="2" charset="2"/>
-              <a:buChar char="«"/>
-            </a:pPr>
-            <a:r>
-              <a:rPr lang="en-US" sz="1100" dirty="0" smtClean="0">
-                <a:solidFill>
-                  <a:schemeClr val="tx2"/>
-                </a:solidFill>
-              </a:rPr>
-              <a:t>Ehow.com :- </a:t>
-            </a:r>
-            <a:r>
-              <a:rPr lang="en-US" sz="1200" b="1" dirty="0" smtClean="0"/>
-              <a:t>$</a:t>
-            </a:r>
-            <a:r>
-              <a:rPr lang="en-US" sz="1200" b="1" dirty="0" smtClean="0"/>
-              <a:t>300,000/month</a:t>
-            </a:r>
-          </a:p>
-          <a:p>
-            <a:pPr marL="979805" lvl="2" indent="-339725">
-              <a:spcBef>
-                <a:spcPct val="55000"/>
-              </a:spcBef>
-              <a:spcAft>
-                <a:spcPct val="0"/>
-              </a:spcAft>
-              <a:buClr>
-                <a:srgbClr val="1B79D7"/>
-              </a:buClr>
-              <a:buFont typeface="Wingdings" pitchFamily="2" charset="2"/>
-              <a:buChar char="«"/>
-            </a:pPr>
-            <a:r>
-              <a:rPr lang="en-US" sz="1200" b="1" dirty="0" smtClean="0">
-                <a:solidFill>
-                  <a:schemeClr val="tx2"/>
-                </a:solidFill>
-              </a:rPr>
-              <a:t>Mashable.com: </a:t>
-            </a:r>
-            <a:r>
-              <a:rPr lang="en-US" sz="1200" b="1" dirty="0" smtClean="0"/>
-              <a:t>$</a:t>
-            </a:r>
-            <a:r>
-              <a:rPr lang="en-US" sz="1200" b="1" dirty="0" smtClean="0"/>
-              <a:t>250,000/month</a:t>
-            </a:r>
-            <a:endParaRPr lang="en-US" sz="1200" b="1" dirty="0" smtClean="0">
-              <a:solidFill>
-                <a:schemeClr val="tx2"/>
-              </a:solidFill>
-            </a:endParaRPr>
-          </a:p>
-          <a:p>
-            <a:pPr marL="979805" lvl="2" indent="-339725">
-              <a:spcBef>
-                <a:spcPct val="55000"/>
-              </a:spcBef>
-              <a:spcAft>
-                <a:spcPct val="0"/>
-              </a:spcAft>
-              <a:buClr>
-                <a:srgbClr val="1B79D7"/>
-              </a:buClr>
-              <a:buFont typeface="Wingdings" pitchFamily="2" charset="2"/>
-              <a:buChar char="«"/>
-            </a:pPr>
-            <a:r>
-              <a:rPr lang="en-US" sz="1400" dirty="0" smtClean="0"/>
-              <a:t>forums.digitalpoint.com</a:t>
-            </a:r>
-            <a:r>
-              <a:rPr lang="en-US" sz="1200" b="1" dirty="0" smtClean="0">
-                <a:solidFill>
-                  <a:schemeClr val="tx2"/>
-                </a:solidFill>
-              </a:rPr>
-              <a:t>: </a:t>
-            </a:r>
-            <a:r>
-              <a:rPr lang="en-US" sz="1200" b="1" dirty="0" smtClean="0"/>
-              <a:t>$195,000/month</a:t>
-            </a:r>
-          </a:p>
-          <a:p>
-            <a:pPr marL="339725" indent="-339725">
-              <a:spcBef>
-                <a:spcPct val="55000"/>
-              </a:spcBef>
-              <a:spcAft>
-                <a:spcPct val="0"/>
-              </a:spcAft>
-              <a:buClr>
-                <a:srgbClr val="1B79D7"/>
-              </a:buClr>
-              <a:buFont typeface="Wingdings" pitchFamily="2" charset="2"/>
-              <a:buChar char="«"/>
-            </a:pPr>
-            <a:r>
-              <a:rPr lang="en-US" sz="1800" b="1" dirty="0" smtClean="0">
-                <a:solidFill>
-                  <a:schemeClr val="accent1"/>
-                </a:solidFill>
-              </a:rPr>
-              <a:t>G</a:t>
-            </a:r>
-            <a:r>
-              <a:rPr lang="en-US" sz="1800" b="1" dirty="0" smtClean="0">
-                <a:solidFill>
-                  <a:schemeClr val="folHlink"/>
-                </a:solidFill>
-              </a:rPr>
-              <a:t>o</a:t>
-            </a:r>
-            <a:r>
-              <a:rPr lang="en-US" sz="1800" b="1" dirty="0" smtClean="0">
-                <a:solidFill>
-                  <a:srgbClr val="FFF529"/>
-                </a:solidFill>
-              </a:rPr>
-              <a:t>o</a:t>
-            </a:r>
-            <a:r>
-              <a:rPr lang="en-US" sz="1800" b="1" dirty="0" smtClean="0">
-                <a:solidFill>
-                  <a:srgbClr val="1B79D7"/>
-                </a:solidFill>
-              </a:rPr>
-              <a:t>g</a:t>
-            </a:r>
-            <a:r>
-              <a:rPr lang="en-US" sz="1800" b="1" dirty="0" smtClean="0">
-                <a:solidFill>
-                  <a:srgbClr val="009900"/>
-                </a:solidFill>
-              </a:rPr>
-              <a:t>l</a:t>
-            </a:r>
-            <a:r>
-              <a:rPr lang="en-US" sz="1800" b="1" dirty="0" smtClean="0">
-                <a:solidFill>
-                  <a:srgbClr val="ED483D"/>
-                </a:solidFill>
-              </a:rPr>
-              <a:t>e</a:t>
-            </a:r>
-            <a:r>
-              <a:rPr lang="en-US" sz="1800" b="1" dirty="0" smtClean="0">
-                <a:solidFill>
-                  <a:schemeClr val="tx2"/>
-                </a:solidFill>
-              </a:rPr>
-              <a:t> You</a:t>
-            </a:r>
-            <a:r>
-              <a:rPr lang="en-US" sz="1800" b="1" dirty="0" smtClean="0">
-                <a:solidFill>
-                  <a:srgbClr val="FF0000"/>
-                </a:solidFill>
-              </a:rPr>
-              <a:t>Tube</a:t>
-            </a:r>
-            <a:r>
-              <a:rPr lang="en-US" sz="1800" b="1" dirty="0" smtClean="0">
-                <a:solidFill>
-                  <a:schemeClr val="tx2"/>
-                </a:solidFill>
-              </a:rPr>
-              <a:t> : </a:t>
-            </a:r>
-            <a:endParaRPr lang="en-US" sz="1800" dirty="0" smtClean="0">
-              <a:solidFill>
-                <a:schemeClr val="tx2"/>
-              </a:solidFill>
-            </a:endParaRPr>
-          </a:p>
-          <a:p>
-            <a:pPr marL="705485" lvl="1" indent="-339725">
-              <a:spcBef>
-                <a:spcPct val="55000"/>
-              </a:spcBef>
-              <a:spcAft>
-                <a:spcPct val="0"/>
-              </a:spcAft>
-              <a:buClr>
-                <a:srgbClr val="1B79D7"/>
-              </a:buClr>
-              <a:buFont typeface="Wingdings" pitchFamily="2" charset="2"/>
-              <a:buChar char="«"/>
-            </a:pPr>
-            <a:r>
-              <a:rPr lang="en-US" sz="1500" dirty="0" smtClean="0">
-                <a:solidFill>
-                  <a:schemeClr val="tx2"/>
-                </a:solidFill>
-              </a:rPr>
-              <a:t>Per day video views: 4B</a:t>
-            </a:r>
-          </a:p>
-          <a:p>
-            <a:pPr marL="705485" lvl="1" indent="-339725">
-              <a:spcBef>
-                <a:spcPct val="55000"/>
-              </a:spcBef>
-              <a:spcAft>
-                <a:spcPct val="0"/>
-              </a:spcAft>
-              <a:buClr>
-                <a:srgbClr val="1B79D7"/>
-              </a:buClr>
-              <a:buFont typeface="Wingdings" pitchFamily="2" charset="2"/>
-              <a:buChar char="«"/>
-            </a:pPr>
-            <a:r>
-              <a:rPr lang="en-US" sz="1500" dirty="0" smtClean="0">
-                <a:solidFill>
-                  <a:schemeClr val="tx2"/>
-                </a:solidFill>
-              </a:rPr>
-              <a:t>Per minute video upload: 300 hours  </a:t>
-            </a:r>
-            <a:endParaRPr lang="en-US" sz="1500" dirty="0" smtClean="0">
-              <a:solidFill>
-                <a:schemeClr val="tx2"/>
-              </a:solidFill>
-            </a:endParaRPr>
-          </a:p>
-          <a:p>
-            <a:pPr marL="914400" lvl="1" indent="-227013">
-              <a:lnSpc>
-                <a:spcPct val="100000"/>
-              </a:lnSpc>
-              <a:spcBef>
-                <a:spcPct val="35000"/>
-              </a:spcBef>
-              <a:spcAft>
-                <a:spcPct val="0"/>
-              </a:spcAft>
-              <a:buClr>
-                <a:srgbClr val="1B79D7"/>
-              </a:buClr>
-              <a:buFont typeface="Microsoft Sans Serif" pitchFamily="34" charset="0"/>
-              <a:buChar char="•"/>
-            </a:pPr>
-            <a:r>
-              <a:rPr lang="en-US" sz="1000" dirty="0" smtClean="0">
-                <a:solidFill>
-                  <a:schemeClr val="tx2"/>
-                </a:solidFill>
-              </a:rPr>
-              <a:t>The </a:t>
-            </a:r>
-            <a:r>
-              <a:rPr lang="en-US" sz="1000" dirty="0" smtClean="0">
-                <a:solidFill>
-                  <a:schemeClr val="accent1"/>
-                </a:solidFill>
-              </a:rPr>
-              <a:t>G</a:t>
-            </a:r>
-            <a:r>
-              <a:rPr lang="en-US" sz="1000" dirty="0" smtClean="0">
-                <a:solidFill>
-                  <a:schemeClr val="folHlink"/>
-                </a:solidFill>
-              </a:rPr>
-              <a:t>o</a:t>
-            </a:r>
-            <a:r>
-              <a:rPr lang="en-US" sz="1000" dirty="0" smtClean="0">
-                <a:solidFill>
-                  <a:srgbClr val="FFF529"/>
-                </a:solidFill>
-              </a:rPr>
-              <a:t>o</a:t>
-            </a:r>
-            <a:r>
-              <a:rPr lang="en-US" sz="1000" dirty="0" smtClean="0">
-                <a:solidFill>
-                  <a:srgbClr val="1B79D7"/>
-                </a:solidFill>
-              </a:rPr>
-              <a:t>g</a:t>
-            </a:r>
-            <a:r>
-              <a:rPr lang="en-US" sz="1000" dirty="0" smtClean="0">
-                <a:solidFill>
-                  <a:srgbClr val="009900"/>
-                </a:solidFill>
-              </a:rPr>
-              <a:t>l</a:t>
-            </a:r>
-            <a:r>
-              <a:rPr lang="en-US" sz="1000" dirty="0" smtClean="0">
-                <a:solidFill>
-                  <a:srgbClr val="ED483D"/>
-                </a:solidFill>
-              </a:rPr>
-              <a:t>e</a:t>
-            </a:r>
-            <a:r>
-              <a:rPr lang="en-US" sz="1000" dirty="0" smtClean="0">
-                <a:solidFill>
-                  <a:schemeClr val="tx2"/>
-                </a:solidFill>
-              </a:rPr>
-              <a:t> Network reaches more than 80% of worldwide Internet users </a:t>
-            </a:r>
-          </a:p>
-          <a:p>
-            <a:pPr marL="914400" lvl="1" indent="-227013">
-              <a:lnSpc>
-                <a:spcPct val="100000"/>
-              </a:lnSpc>
-              <a:spcBef>
-                <a:spcPct val="35000"/>
-              </a:spcBef>
-              <a:spcAft>
-                <a:spcPct val="0"/>
-              </a:spcAft>
-              <a:buClr>
-                <a:srgbClr val="1B79D7"/>
-              </a:buClr>
-              <a:buFont typeface="Microsoft Sans Serif" pitchFamily="34" charset="0"/>
-              <a:buChar char="•"/>
-            </a:pPr>
-            <a:r>
-              <a:rPr lang="en-US" sz="1000" dirty="0" smtClean="0">
-                <a:solidFill>
-                  <a:schemeClr val="tx2"/>
-                </a:solidFill>
-              </a:rPr>
-              <a:t>The </a:t>
-            </a:r>
-            <a:r>
-              <a:rPr lang="en-US" sz="1000" dirty="0" smtClean="0">
-                <a:solidFill>
-                  <a:schemeClr val="accent1"/>
-                </a:solidFill>
-              </a:rPr>
-              <a:t>G</a:t>
-            </a:r>
-            <a:r>
-              <a:rPr lang="en-US" sz="1000" dirty="0" smtClean="0">
-                <a:solidFill>
-                  <a:schemeClr val="folHlink"/>
-                </a:solidFill>
-              </a:rPr>
-              <a:t>o</a:t>
-            </a:r>
-            <a:r>
-              <a:rPr lang="en-US" sz="1000" dirty="0" smtClean="0">
-                <a:solidFill>
-                  <a:srgbClr val="FFF529"/>
-                </a:solidFill>
-              </a:rPr>
-              <a:t>o</a:t>
-            </a:r>
-            <a:r>
-              <a:rPr lang="en-US" sz="1000" dirty="0" smtClean="0">
-                <a:solidFill>
-                  <a:srgbClr val="1B79D7"/>
-                </a:solidFill>
-              </a:rPr>
-              <a:t>g</a:t>
-            </a:r>
-            <a:r>
-              <a:rPr lang="en-US" sz="1000" dirty="0" smtClean="0">
-                <a:solidFill>
-                  <a:srgbClr val="009900"/>
-                </a:solidFill>
-              </a:rPr>
-              <a:t>l</a:t>
-            </a:r>
-            <a:r>
-              <a:rPr lang="en-US" sz="1000" dirty="0" smtClean="0">
-                <a:solidFill>
-                  <a:srgbClr val="ED483D"/>
-                </a:solidFill>
-              </a:rPr>
-              <a:t>e</a:t>
-            </a:r>
-            <a:r>
-              <a:rPr lang="en-US" sz="1000" dirty="0" smtClean="0">
-                <a:solidFill>
-                  <a:schemeClr val="tx2"/>
-                </a:solidFill>
-              </a:rPr>
-              <a:t> Network reaches more Internet users worldwide than any other web property or ad network</a:t>
-            </a:r>
+              <a:t>e </a:t>
+            </a:r>
+            <a:r>
+              <a:rPr lang="en-US" sz="2500" dirty="0" smtClean="0"/>
+              <a:t>™ </a:t>
+            </a:r>
+            <a:r>
+              <a:rPr lang="en-US" sz="2500" dirty="0" smtClean="0"/>
+              <a:t>was an accident. A spelling mistake made by the original founders who thought they were going for ˜Googol™”</a:t>
+            </a:r>
+            <a:endParaRPr lang="en-US" sz="2500" dirty="0" smtClean="0"/>
           </a:p>
           <a:p>
             <a:pPr marL="339725" indent="-339725">
@@ -7492,203 +7249,105 @@
               <a:buChar char="«"/>
             </a:pPr>
             <a:r>
-              <a:rPr lang="en-US" sz="1200" b="1" dirty="0" err="1" smtClean="0">
+              <a:rPr lang="en-US" sz="2300" b="1" dirty="0" smtClean="0">
                 <a:solidFill>
                   <a:schemeClr val="tx2"/>
                 </a:solidFill>
               </a:rPr>
-              <a:t>PageRank</a:t>
-            </a:r>
-            <a:r>
-              <a:rPr lang="en-US" sz="1200" b="1" dirty="0" smtClean="0">
+              <a:t>Searches per day</a:t>
+            </a:r>
+            <a:r>
+              <a:rPr lang="en-US" sz="2300" dirty="0" smtClean="0">
                 <a:solidFill>
                   <a:schemeClr val="tx2"/>
                 </a:solidFill>
               </a:rPr>
-              <a:t> (</a:t>
-            </a:r>
-            <a:r>
-              <a:rPr lang="en-US" sz="1200" dirty="0" smtClean="0">
+              <a:t>: Average per second search of people search on </a:t>
+            </a:r>
+            <a:r>
+              <a:rPr lang="en-US" sz="2300" b="1" dirty="0" smtClean="0">
+                <a:solidFill>
+                  <a:schemeClr val="accent2">
+                    <a:lumMod val="75000"/>
+                  </a:schemeClr>
+                </a:solidFill>
+              </a:rPr>
+              <a:t>G</a:t>
+            </a:r>
+            <a:r>
+              <a:rPr lang="en-US" sz="2300" b="1" dirty="0" smtClean="0">
+                <a:solidFill>
+                  <a:srgbClr val="FF0000"/>
+                </a:solidFill>
+              </a:rPr>
+              <a:t>o</a:t>
+            </a:r>
+            <a:r>
+              <a:rPr lang="en-US" sz="2300" b="1" dirty="0" smtClean="0">
+                <a:solidFill>
+                  <a:schemeClr val="accent4"/>
+                </a:solidFill>
+              </a:rPr>
+              <a:t>o</a:t>
+            </a:r>
+            <a:r>
+              <a:rPr lang="en-US" sz="2300" b="1" dirty="0" smtClean="0">
+                <a:solidFill>
+                  <a:srgbClr val="1B79D7"/>
+                </a:solidFill>
+              </a:rPr>
+              <a:t>g</a:t>
+            </a:r>
+            <a:r>
+              <a:rPr lang="en-US" sz="2300" b="1" dirty="0" smtClean="0">
+                <a:solidFill>
+                  <a:srgbClr val="00B050"/>
+                </a:solidFill>
+              </a:rPr>
+              <a:t>l</a:t>
+            </a:r>
+            <a:r>
+              <a:rPr lang="en-US" sz="2300" b="1" dirty="0" smtClean="0">
+                <a:solidFill>
+                  <a:srgbClr val="ED483D"/>
+                </a:solidFill>
+              </a:rPr>
+              <a:t>e </a:t>
+            </a:r>
+            <a:r>
+              <a:rPr lang="en-US" sz="2300" dirty="0" smtClean="0">
                 <a:solidFill>
                   <a:schemeClr val="tx2"/>
                 </a:solidFill>
               </a:rPr>
-              <a:t>just one of more than 200 signals we use to determine the rank of a website)</a:t>
-            </a:r>
-          </a:p>
-          <a:p>
-            <a:pPr marL="914400" lvl="1" indent="-227013">
-              <a:lnSpc>
-                <a:spcPct val="100000"/>
-              </a:lnSpc>
-              <a:spcBef>
-                <a:spcPct val="35000"/>
-              </a:spcBef>
-              <a:spcAft>
-                <a:spcPct val="0"/>
-              </a:spcAft>
-              <a:buClr>
-                <a:srgbClr val="1B79D7"/>
-              </a:buClr>
-              <a:buFontTx/>
-              <a:buChar char="•"/>
-            </a:pPr>
-            <a:r>
-              <a:rPr lang="en-US" sz="1000" dirty="0" smtClean="0">
+              <a:t>for </a:t>
+            </a:r>
+            <a:r>
+              <a:rPr lang="en-US" sz="2300" dirty="0" smtClean="0">
                 <a:solidFill>
                   <a:schemeClr val="tx2"/>
                 </a:solidFill>
               </a:rPr>
-              <a:t>The web changes all the time (10–20% of the web is brand new every time we crawl it)</a:t>
-            </a:r>
-          </a:p>
-          <a:p>
-            <a:pPr marL="914400" lvl="1" indent="-227013">
-              <a:lnSpc>
-                <a:spcPct val="100000"/>
-              </a:lnSpc>
-              <a:spcBef>
-                <a:spcPct val="35000"/>
-              </a:spcBef>
-              <a:spcAft>
-                <a:spcPct val="0"/>
-              </a:spcAft>
-              <a:buClr>
-                <a:srgbClr val="1B79D7"/>
-              </a:buClr>
-              <a:buFontTx/>
-              <a:buChar char="•"/>
-            </a:pPr>
-            <a:r>
-              <a:rPr lang="en-US" sz="1000" dirty="0" smtClean="0">
-                <a:solidFill>
-                  <a:schemeClr val="accent1"/>
-                </a:solidFill>
-              </a:rPr>
-              <a:t>G</a:t>
-            </a:r>
-            <a:r>
-              <a:rPr lang="en-US" sz="1000" dirty="0" smtClean="0">
-                <a:solidFill>
-                  <a:schemeClr val="folHlink"/>
-                </a:solidFill>
-              </a:rPr>
-              <a:t>o</a:t>
-            </a:r>
-            <a:r>
-              <a:rPr lang="en-US" sz="1000" dirty="0" smtClean="0">
-                <a:solidFill>
-                  <a:srgbClr val="FFF529"/>
-                </a:solidFill>
-              </a:rPr>
-              <a:t>o</a:t>
-            </a:r>
-            <a:r>
-              <a:rPr lang="en-US" sz="1000" dirty="0" smtClean="0">
-                <a:solidFill>
-                  <a:srgbClr val="1B79D7"/>
-                </a:solidFill>
-              </a:rPr>
-              <a:t>g</a:t>
-            </a:r>
-            <a:r>
-              <a:rPr lang="en-US" sz="1000" dirty="0" smtClean="0">
-                <a:solidFill>
-                  <a:srgbClr val="009900"/>
-                </a:solidFill>
-              </a:rPr>
-              <a:t>l</a:t>
-            </a:r>
-            <a:r>
-              <a:rPr lang="en-US" sz="1000" dirty="0" smtClean="0">
-                <a:solidFill>
-                  <a:srgbClr val="ED483D"/>
-                </a:solidFill>
-              </a:rPr>
-              <a:t>e</a:t>
-            </a:r>
-            <a:r>
-              <a:rPr lang="en-US" sz="1000" dirty="0" smtClean="0">
-                <a:solidFill>
-                  <a:schemeClr val="tx2"/>
-                </a:solidFill>
-              </a:rPr>
-              <a:t> has never seen 20–25% of its queries before, showing the creativity of our users and proving that small indices aren’t useful</a:t>
-            </a:r>
-          </a:p>
-          <a:p>
-            <a:pPr marL="914400" lvl="1" indent="-227013">
-              <a:lnSpc>
-                <a:spcPct val="100000"/>
-              </a:lnSpc>
-              <a:spcBef>
-                <a:spcPct val="35000"/>
-              </a:spcBef>
-              <a:spcAft>
-                <a:spcPct val="0"/>
-              </a:spcAft>
-              <a:buClr>
-                <a:srgbClr val="1B79D7"/>
-              </a:buClr>
-              <a:buFontTx/>
-              <a:buChar char="•"/>
-            </a:pPr>
-            <a:r>
-              <a:rPr lang="en-US" sz="1000" dirty="0" smtClean="0">
-                <a:solidFill>
-                  <a:schemeClr val="accent1"/>
-                </a:solidFill>
-              </a:rPr>
-              <a:t>G</a:t>
-            </a:r>
-            <a:r>
-              <a:rPr lang="en-US" sz="1000" dirty="0" smtClean="0">
-                <a:solidFill>
-                  <a:schemeClr val="folHlink"/>
-                </a:solidFill>
-              </a:rPr>
-              <a:t>o</a:t>
-            </a:r>
-            <a:r>
-              <a:rPr lang="en-US" sz="1000" dirty="0" smtClean="0">
-                <a:solidFill>
-                  <a:srgbClr val="FFF529"/>
-                </a:solidFill>
-              </a:rPr>
-              <a:t>o</a:t>
-            </a:r>
-            <a:r>
-              <a:rPr lang="en-US" sz="1000" dirty="0" smtClean="0">
-                <a:solidFill>
-                  <a:srgbClr val="1B79D7"/>
-                </a:solidFill>
-              </a:rPr>
-              <a:t>g</a:t>
-            </a:r>
-            <a:r>
-              <a:rPr lang="en-US" sz="1000" dirty="0" smtClean="0">
-                <a:solidFill>
-                  <a:srgbClr val="009900"/>
-                </a:solidFill>
-              </a:rPr>
-              <a:t>l</a:t>
-            </a:r>
-            <a:r>
-              <a:rPr lang="en-US" sz="1000" dirty="0" smtClean="0">
-                <a:solidFill>
-                  <a:srgbClr val="ED483D"/>
-                </a:solidFill>
-              </a:rPr>
-              <a:t>e</a:t>
-            </a:r>
-            <a:r>
-              <a:rPr lang="en-US" sz="1000" dirty="0" smtClean="0">
-                <a:solidFill>
-                  <a:schemeClr val="tx2"/>
-                </a:solidFill>
-              </a:rPr>
-              <a:t> updates its search algorithms on a weekly basis</a:t>
-            </a:r>
+              <a:t>is  </a:t>
+            </a:r>
+            <a:r>
+              <a:rPr lang="en-US" sz="2300" b="1" dirty="0" smtClean="0"/>
+              <a:t>40,000</a:t>
+            </a:r>
+            <a:br>
+              <a:rPr lang="en-US" sz="2300" b="1" dirty="0" smtClean="0"/>
+            </a:br>
+            <a:r>
+              <a:rPr lang="en-US" sz="2300" b="1" dirty="0" smtClean="0">
+                <a:hlinkClick r:id="rId2"/>
+              </a:rPr>
+              <a:t>http://www.internetlivestats.com/google-search-statistics/</a:t>
+            </a:r>
+            <a:endParaRPr lang="en-US" sz="2300" dirty="0" smtClean="0">
+              <a:solidFill>
+                <a:schemeClr val="tx2"/>
+              </a:solidFill>
+            </a:endParaRPr>
           </a:p>
           <a:p>
             <a:pPr marL="339725" indent="-339725">
@@ -7708,31 +7367,33 @@
               <a:buChar char="«"/>
             </a:pPr>
             <a:r>
-              <a:rPr lang="en-US" sz="1200" b="1" dirty="0" smtClean="0">
-                <a:solidFill>
-                  <a:schemeClr val="accent1"/>
+              <a:rPr lang="en-US" sz="2300" b="1" dirty="0" smtClean="0">
+                <a:solidFill>
+                  <a:schemeClr val="accent2">
+                    <a:lumMod val="75000"/>
+                  </a:schemeClr>
                 </a:solidFill>
               </a:rPr>
               <a:t>G</a:t>
             </a:r>
             <a:r>
-              <a:rPr lang="en-US" sz="1200" b="1" dirty="0" smtClean="0">
-                <a:solidFill>
-                  <a:schemeClr val="folHlink"/>
+              <a:rPr lang="en-US" sz="2300" b="1" dirty="0" smtClean="0">
+                <a:solidFill>
+                  <a:srgbClr val="FF0000"/>
                 </a:solidFill>
               </a:rPr>
               <a:t>o</a:t>
             </a:r>
             <a:r>
-              <a:rPr lang="en-US" sz="1200" b="1" dirty="0" smtClean="0">
-                <a:solidFill>
-                  <a:srgbClr val="FFF529"/>
+              <a:rPr lang="en-US" sz="2300" b="1" dirty="0" smtClean="0">
+                <a:solidFill>
+                  <a:schemeClr val="accent4"/>
                 </a:solidFill>
               </a:rPr>
               <a:t>o</a:t>
             </a:r>
             <a:r>
-              <a:rPr lang="en-US" sz="1200" b="1" dirty="0" smtClean="0">
+              <a:rPr lang="en-US" sz="2300" b="1" dirty="0" smtClean="0">
                 <a:solidFill>
                   <a:srgbClr val="1B79D7"/>
                 </a:solidFill>
@@ -7740,15 +7401,15 @@
               <a:t>g</a:t>
             </a:r>
             <a:r>
-              <a:rPr lang="en-US" sz="1200" b="1" dirty="0" smtClean="0">
-                <a:solidFill>
-                  <a:srgbClr val="009900"/>
+              <a:rPr lang="en-US" sz="2300" b="1" dirty="0" smtClean="0">
+                <a:solidFill>
+                  <a:srgbClr val="00B050"/>
                 </a:solidFill>
               </a:rPr>
               <a:t>l</a:t>
             </a:r>
             <a:r>
-              <a:rPr lang="en-US" sz="1200" b="1" dirty="0" smtClean="0">
+              <a:rPr lang="en-US" sz="2300" b="1" dirty="0" smtClean="0">
                 <a:solidFill>
                   <a:srgbClr val="ED483D"/>
                 </a:solidFill>
@@ -7756,27 +7417,40 @@
               <a:t>e</a:t>
             </a:r>
             <a:r>
-              <a:rPr lang="en-US" sz="1200" b="1" dirty="0" smtClean="0">
+              <a:rPr lang="en-US" sz="2300" b="1" dirty="0" smtClean="0">
                 <a:solidFill>
                   <a:schemeClr val="tx2"/>
                 </a:solidFill>
               </a:rPr>
-              <a:t> News:</a:t>
-            </a:r>
-            <a:r>
-              <a:rPr lang="en-US" sz="1200" dirty="0" smtClean="0">
+              <a:t> </a:t>
+            </a:r>
+            <a:r>
+              <a:rPr lang="en-US" sz="2300" b="1" dirty="0" err="1" smtClean="0">
                 <a:solidFill>
                   <a:schemeClr val="tx2"/>
                 </a:solidFill>
               </a:rPr>
-              <a:t> now includes articles from over 10,000 news sources in more than 18 languages worldwide. Among these, over 4,500 are English language news sources</a:t>
-            </a:r>
-          </a:p>
-          <a:p>
-            <a:pPr marL="339725" indent="-339725">
-              <a:lnSpc>
-                <a:spcPct val="100000"/>
-              </a:lnSpc>
+              <a:t>Adsense</a:t>
+            </a:r>
+            <a:r>
+              <a:rPr lang="en-US" sz="2300" b="1" dirty="0" smtClean="0">
+                <a:solidFill>
+                  <a:schemeClr val="tx2"/>
+                </a:solidFill>
+              </a:rPr>
+              <a:t> </a:t>
+            </a:r>
+            <a:r>
+              <a:rPr lang="en-US" sz="2300" b="1" dirty="0" smtClean="0">
+                <a:solidFill>
+                  <a:schemeClr val="tx2"/>
+                </a:solidFill>
+              </a:rPr>
+              <a:t>income:  </a:t>
+            </a:r>
+          </a:p>
+          <a:p>
+            <a:pPr marL="705485" lvl="1" indent="-339725">
               <a:spcBef>
                 <a:spcPct val="55000"/>
               </a:spcBef>
@@ -7790,27 +7464,95 @@
               <a:buChar char="«"/>
             </a:pPr>
             <a:r>
-              <a:rPr lang="en-US" sz="1200" b="1" dirty="0" smtClean="0">
+              <a:rPr lang="en-US" sz="2300" dirty="0" smtClean="0">
                 <a:solidFill>
                   <a:schemeClr val="tx2"/>
                 </a:solidFill>
               </a:rPr>
-              <a:t>Advertisers</a:t>
-            </a:r>
-            <a:r>
-              <a:rPr lang="en-US" sz="1200" dirty="0" smtClean="0">
+              <a:t>Top three companies that earn from </a:t>
+            </a:r>
+            <a:r>
+              <a:rPr lang="en-US" sz="2300" b="1" dirty="0" smtClean="0">
+                <a:solidFill>
+                  <a:schemeClr val="accent2">
+                    <a:lumMod val="75000"/>
+                  </a:schemeClr>
+                </a:solidFill>
+              </a:rPr>
+              <a:t>G</a:t>
+            </a:r>
+            <a:r>
+              <a:rPr lang="en-US" sz="2300" b="1" dirty="0" smtClean="0">
+                <a:solidFill>
+                  <a:srgbClr val="FF0000"/>
+                </a:solidFill>
+              </a:rPr>
+              <a:t>o</a:t>
+            </a:r>
+            <a:r>
+              <a:rPr lang="en-US" sz="2300" b="1" dirty="0" smtClean="0">
+                <a:solidFill>
+                  <a:schemeClr val="accent4"/>
+                </a:solidFill>
+              </a:rPr>
+              <a:t>o</a:t>
+            </a:r>
+            <a:r>
+              <a:rPr lang="en-US" sz="2300" b="1" dirty="0" smtClean="0">
+                <a:solidFill>
+                  <a:srgbClr val="1B79D7"/>
+                </a:solidFill>
+              </a:rPr>
+              <a:t>g</a:t>
+            </a:r>
+            <a:r>
+              <a:rPr lang="en-US" sz="2300" b="1" dirty="0" smtClean="0">
+                <a:solidFill>
+                  <a:srgbClr val="00B050"/>
+                </a:solidFill>
+              </a:rPr>
+              <a:t>l</a:t>
+            </a:r>
+            <a:r>
+              <a:rPr lang="en-US" sz="2300" b="1" dirty="0" smtClean="0">
+                <a:solidFill>
+                  <a:srgbClr val="ED483D"/>
+                </a:solidFill>
+              </a:rPr>
+              <a:t>e</a:t>
+            </a:r>
+            <a:r>
+              <a:rPr lang="en-US" sz="2000" dirty="0" smtClean="0">
                 <a:solidFill>
                   <a:schemeClr val="tx2"/>
                 </a:solidFill>
               </a:rPr>
-              <a:t>: Hundreds of thousands of advertisers worldwide </a:t>
-            </a:r>
-          </a:p>
-          <a:p>
-            <a:pPr marL="339725" indent="-339725">
-              <a:lnSpc>
-                <a:spcPct val="100000"/>
-              </a:lnSpc>
+              <a:t> </a:t>
+            </a:r>
+            <a:r>
+              <a:rPr lang="en-US" sz="2300" dirty="0" smtClean="0">
+                <a:solidFill>
+                  <a:schemeClr val="tx2"/>
+                </a:solidFill>
+              </a:rPr>
+              <a:t>ad-</a:t>
+            </a:r>
+            <a:r>
+              <a:rPr lang="en-US" sz="2300" dirty="0" err="1" smtClean="0">
+                <a:solidFill>
+                  <a:schemeClr val="tx2"/>
+                </a:solidFill>
+              </a:rPr>
+              <a:t>sence</a:t>
+            </a:r>
+            <a:endParaRPr lang="en-US" sz="2300" dirty="0" smtClean="0">
+              <a:solidFill>
+                <a:schemeClr val="tx2"/>
+              </a:solidFill>
+            </a:endParaRPr>
+          </a:p>
+          <a:p>
+            <a:pPr marL="979805" lvl="2" indent="-339725">
               <a:spcBef>
                 <a:spcPct val="55000"/>
               </a:spcBef>
@@ -7824,75 +7566,20 @@
               <a:buChar char="«"/>
             </a:pPr>
             <a:r>
-              <a:rPr lang="en-US" sz="1200" b="1" dirty="0" smtClean="0">
+              <a:rPr lang="en-US" sz="2300" dirty="0" smtClean="0">
                 <a:solidFill>
                   <a:schemeClr val="tx2"/>
                 </a:solidFill>
               </a:rPr>
-              <a:t>Client Software: </a:t>
-            </a:r>
-            <a:r>
-              <a:rPr lang="en-US" sz="1200" dirty="0" smtClean="0">
-                <a:solidFill>
-                  <a:schemeClr val="accent1"/>
-                </a:solidFill>
-              </a:rPr>
-              <a:t>G</a:t>
-            </a:r>
-            <a:r>
-              <a:rPr lang="en-US" sz="1200" dirty="0" smtClean="0">
-                <a:solidFill>
-                  <a:schemeClr val="folHlink"/>
-                </a:solidFill>
-              </a:rPr>
-              <a:t>o</a:t>
-            </a:r>
-            <a:r>
-              <a:rPr lang="en-US" sz="1200" dirty="0" smtClean="0">
-                <a:solidFill>
-                  <a:srgbClr val="FFF529"/>
-                </a:solidFill>
-              </a:rPr>
-              <a:t>o</a:t>
-            </a:r>
-            <a:r>
-              <a:rPr lang="en-US" sz="1200" dirty="0" smtClean="0">
-                <a:solidFill>
-                  <a:srgbClr val="1B79D7"/>
-                </a:solidFill>
-              </a:rPr>
-              <a:t>g</a:t>
-            </a:r>
-            <a:r>
-              <a:rPr lang="en-US" sz="1200" dirty="0" smtClean="0">
-                <a:solidFill>
-                  <a:srgbClr val="009900"/>
-                </a:solidFill>
-              </a:rPr>
-              <a:t>l</a:t>
-            </a:r>
-            <a:r>
-              <a:rPr lang="en-US" sz="1200" dirty="0" smtClean="0">
-                <a:solidFill>
-                  <a:srgbClr val="ED483D"/>
-                </a:solidFill>
-              </a:rPr>
-              <a:t>e</a:t>
-            </a:r>
-            <a:r>
-              <a:rPr lang="en-US" sz="1200" dirty="0" smtClean="0">
-                <a:solidFill>
-                  <a:schemeClr val="tx2"/>
-                </a:solidFill>
-              </a:rPr>
-              <a:t> Toolbar has millions of users worldwide</a:t>
-            </a:r>
-          </a:p>
-          <a:p>
-            <a:pPr marL="339725" indent="-339725">
-              <a:lnSpc>
-                <a:spcPct val="100000"/>
-              </a:lnSpc>
+              <a:t>Ehow.com :- </a:t>
+            </a:r>
+            <a:r>
+              <a:rPr lang="en-US" sz="2300" b="1" dirty="0" smtClean="0"/>
+              <a:t>$300,000/month</a:t>
+            </a:r>
+          </a:p>
+          <a:p>
+            <a:pPr marL="979805" lvl="2" indent="-339725">
               <a:spcBef>
                 <a:spcPct val="55000"/>
               </a:spcBef>
@@ -7906,75 +7593,25 @@
               <a:buChar char="«"/>
             </a:pPr>
             <a:r>
-              <a:rPr lang="en-US" sz="1200" b="1" dirty="0" smtClean="0">
-                <a:solidFill>
-                  <a:schemeClr val="accent1"/>
-                </a:solidFill>
-              </a:rPr>
-              <a:t>G</a:t>
-            </a:r>
-            <a:r>
-              <a:rPr lang="en-US" sz="1200" b="1" dirty="0" smtClean="0">
-                <a:solidFill>
-                  <a:schemeClr val="folHlink"/>
-                </a:solidFill>
-              </a:rPr>
-              <a:t>o</a:t>
-            </a:r>
-            <a:r>
-              <a:rPr lang="en-US" sz="1200" b="1" dirty="0" smtClean="0">
-                <a:solidFill>
-                  <a:srgbClr val="FFF529"/>
-                </a:solidFill>
-              </a:rPr>
-              <a:t>o</a:t>
-            </a:r>
-            <a:r>
-              <a:rPr lang="en-US" sz="1200" b="1" dirty="0" smtClean="0">
-                <a:solidFill>
-                  <a:srgbClr val="1B79D7"/>
-                </a:solidFill>
-              </a:rPr>
-              <a:t>g</a:t>
-            </a:r>
-            <a:r>
-              <a:rPr lang="en-US" sz="1200" b="1" dirty="0" smtClean="0">
-                <a:solidFill>
-                  <a:srgbClr val="009900"/>
-                </a:solidFill>
-              </a:rPr>
-              <a:t>l</a:t>
-            </a:r>
-            <a:r>
-              <a:rPr lang="en-US" sz="1200" b="1" dirty="0" smtClean="0">
-                <a:solidFill>
-                  <a:srgbClr val="ED483D"/>
-                </a:solidFill>
-              </a:rPr>
-              <a:t>e</a:t>
-            </a:r>
-            <a:r>
-              <a:rPr lang="en-US" sz="1200" b="1" dirty="0" smtClean="0">
+              <a:rPr lang="en-US" sz="2300" b="1" dirty="0" smtClean="0">
                 <a:solidFill>
                   <a:schemeClr val="tx2"/>
                 </a:solidFill>
               </a:rPr>
-              <a:t> Desktop</a:t>
-            </a:r>
-            <a:r>
-              <a:rPr lang="en-US" sz="1200" dirty="0" smtClean="0">
-                <a:solidFill>
-                  <a:schemeClr val="tx2"/>
-                </a:solidFill>
-              </a:rPr>
-              <a:t>: has millions of users worldwide</a:t>
-            </a:r>
-          </a:p>
-          <a:p>
-            <a:pPr marL="339725" indent="-339725">
-              <a:lnSpc>
-                <a:spcPct val="100000"/>
-              </a:lnSpc>
+              <a:t>Mashable.com: </a:t>
+            </a:r>
+            <a:r>
+              <a:rPr lang="en-US" sz="2300" b="1" dirty="0" smtClean="0"/>
+              <a:t>$250,000/month</a:t>
+            </a:r>
+            <a:endParaRPr lang="en-US" sz="2300" b="1" dirty="0" smtClean="0">
+              <a:solidFill>
+                <a:schemeClr val="tx2"/>
+              </a:solidFill>
+            </a:endParaRPr>
+          </a:p>
+          <a:p>
+            <a:pPr marL="979805" lvl="2" indent="-339725">
               <a:spcBef>
                 <a:spcPct val="55000"/>
               </a:spcBef>
@@ -7988,43 +7625,24 @@
               <a:buChar char="«"/>
             </a:pPr>
             <a:r>
-              <a:rPr lang="en-US" sz="1200" b="1" dirty="0" smtClean="0">
+              <a:rPr lang="en-US" sz="2300" dirty="0" smtClean="0"/>
+              <a:t>forums.digitalpoint.com</a:t>
+            </a:r>
+            <a:r>
+              <a:rPr lang="en-US" sz="2300" b="1" dirty="0" smtClean="0">
                 <a:solidFill>
                   <a:schemeClr val="tx2"/>
                 </a:solidFill>
               </a:rPr>
-              <a:t>Audio Advertising</a:t>
-            </a:r>
-            <a:r>
-              <a:rPr lang="en-US" sz="1200" dirty="0" smtClean="0">
-                <a:solidFill>
-                  <a:schemeClr val="tx2"/>
-                </a:solidFill>
-              </a:rPr>
-              <a:t>: More than 1,600 radio stations available to U.S. </a:t>
-            </a:r>
-            <a:r>
-              <a:rPr lang="en-US" sz="1200" dirty="0" err="1" smtClean="0">
-                <a:solidFill>
-                  <a:schemeClr val="tx2"/>
-                </a:solidFill>
-              </a:rPr>
-              <a:t>AdWords</a:t>
-            </a:r>
-            <a:r>
-              <a:rPr lang="en-US" sz="1200" dirty="0" smtClean="0">
-                <a:solidFill>
-                  <a:schemeClr val="tx2"/>
-                </a:solidFill>
-              </a:rPr>
-              <a:t> advertisers</a:t>
+              <a:t>: </a:t>
+            </a:r>
+            <a:r>
+              <a:rPr lang="en-US" sz="2300" b="1" dirty="0" smtClean="0"/>
+              <a:t>$195,000/month</a:t>
             </a:r>
           </a:p>
           <a:p>
             <a:pPr marL="339725" indent="-339725">
-              <a:lnSpc>
-                <a:spcPct val="100000"/>
-              </a:lnSpc>
               <a:spcBef>
                 <a:spcPct val="55000"/>
               </a:spcBef>
@@ -8038,43 +7656,95 @@
               <a:buChar char="«"/>
             </a:pPr>
             <a:r>
-              <a:rPr lang="en-US" sz="1200" b="1" dirty="0" smtClean="0">
+              <a:rPr lang="en-US" sz="2300" b="1" dirty="0" smtClean="0">
+                <a:solidFill>
+                  <a:schemeClr val="accent2">
+                    <a:lumMod val="75000"/>
+                  </a:schemeClr>
+                </a:solidFill>
+              </a:rPr>
+              <a:t>G</a:t>
+            </a:r>
+            <a:r>
+              <a:rPr lang="en-US" sz="2300" b="1" dirty="0" smtClean="0">
+                <a:solidFill>
+                  <a:srgbClr val="FF0000"/>
+                </a:solidFill>
+              </a:rPr>
+              <a:t>o</a:t>
+            </a:r>
+            <a:r>
+              <a:rPr lang="en-US" sz="2300" b="1" dirty="0" smtClean="0">
+                <a:solidFill>
+                  <a:schemeClr val="accent4"/>
+                </a:solidFill>
+              </a:rPr>
+              <a:t>o</a:t>
+            </a:r>
+            <a:r>
+              <a:rPr lang="en-US" sz="2300" b="1" dirty="0" smtClean="0">
+                <a:solidFill>
+                  <a:srgbClr val="1B79D7"/>
+                </a:solidFill>
+              </a:rPr>
+              <a:t>g</a:t>
+            </a:r>
+            <a:r>
+              <a:rPr lang="en-US" sz="2300" b="1" dirty="0" smtClean="0">
+                <a:solidFill>
+                  <a:srgbClr val="00B050"/>
+                </a:solidFill>
+              </a:rPr>
+              <a:t>l</a:t>
+            </a:r>
+            <a:r>
+              <a:rPr lang="en-US" sz="2300" b="1" dirty="0" smtClean="0">
+                <a:solidFill>
+                  <a:srgbClr val="ED483D"/>
+                </a:solidFill>
+              </a:rPr>
+              <a:t>e </a:t>
+            </a:r>
+            <a:r>
+              <a:rPr lang="en-US" sz="2300" b="1" dirty="0" smtClean="0">
                 <a:solidFill>
                   <a:schemeClr val="tx2"/>
                 </a:solidFill>
               </a:rPr>
-              <a:t>Print Advertising</a:t>
-            </a:r>
-            <a:r>
-              <a:rPr lang="en-US" sz="1200" dirty="0" smtClean="0">
+              <a:t>You</a:t>
+            </a:r>
+            <a:r>
+              <a:rPr lang="en-US" sz="2300" b="1" dirty="0" smtClean="0">
+                <a:solidFill>
+                  <a:srgbClr val="FF0000"/>
+                </a:solidFill>
+              </a:rPr>
+              <a:t>Tube</a:t>
+            </a:r>
+            <a:r>
+              <a:rPr lang="en-US" sz="2300" b="1" dirty="0" smtClean="0">
                 <a:solidFill>
                   <a:schemeClr val="tx2"/>
                 </a:solidFill>
               </a:rPr>
-              <a:t>: More than 600 newspapers now available to U.S. </a:t>
-            </a:r>
-            <a:r>
-              <a:rPr lang="en-US" sz="1200" dirty="0" err="1" smtClean="0">
+              <a:t> </a:t>
+            </a:r>
+            <a:r>
+              <a:rPr lang="en-US" sz="2300" b="1" dirty="0" smtClean="0">
                 <a:solidFill>
                   <a:schemeClr val="tx2"/>
                 </a:solidFill>
               </a:rPr>
-              <a:t>AdWords</a:t>
-            </a:r>
-            <a:r>
-              <a:rPr lang="en-US" sz="1200" dirty="0" smtClean="0">
-                <a:solidFill>
-                  <a:schemeClr val="tx2"/>
-                </a:solidFill>
-              </a:rPr>
-              <a:t> advertiser</a:t>
-            </a:r>
-          </a:p>
-          <a:p>
-            <a:pPr marL="339725" indent="-339725">
-              <a:lnSpc>
-                <a:spcPct val="100000"/>
-              </a:lnSpc>
+              <a:t>: </a:t>
+            </a:r>
+            <a:endParaRPr lang="en-US" sz="2300" dirty="0" smtClean="0">
+              <a:solidFill>
+                <a:schemeClr val="tx2"/>
+              </a:solidFill>
+            </a:endParaRPr>
+          </a:p>
+          <a:p>
+            <a:pPr marL="705485" lvl="1" indent="-339725">
               <a:spcBef>
                 <a:spcPct val="55000"/>
               </a:spcBef>
@@ -8088,27 +7758,16 @@
               <a:buChar char="«"/>
             </a:pPr>
             <a:r>
-              <a:rPr lang="en-US" sz="1200" b="1" dirty="0" smtClean="0">
+              <a:rPr lang="en-US" sz="2300" dirty="0" smtClean="0">
                 <a:solidFill>
                   <a:schemeClr val="tx2"/>
                 </a:solidFill>
               </a:rPr>
-              <a:t>TV Advertising</a:t>
-            </a:r>
-            <a:r>
-              <a:rPr lang="en-US" sz="1200" dirty="0" smtClean="0">
-                <a:solidFill>
-                  <a:schemeClr val="tx2"/>
-                </a:solidFill>
-              </a:rPr>
-              <a:t>: We are currently in a closed trial to test an auction-based TV advertising system working with EchoStar and Astound Cable</a:t>
-            </a:r>
-          </a:p>
-          <a:p>
-            <a:pPr marL="339725" indent="-339725">
-              <a:lnSpc>
-                <a:spcPct val="100000"/>
-              </a:lnSpc>
+              <a:t>Per day video views: 4B</a:t>
+            </a:r>
+          </a:p>
+          <a:p>
+            <a:pPr marL="705485" lvl="1" indent="-339725">
               <a:spcBef>
                 <a:spcPct val="55000"/>
               </a:spcBef>
@@ -8122,78 +7781,21 @@
               <a:buChar char="«"/>
             </a:pPr>
             <a:r>
-              <a:rPr lang="en-US" sz="1200" b="1" dirty="0" smtClean="0">
+              <a:rPr lang="en-US" sz="2300" dirty="0" smtClean="0">
                 <a:solidFill>
                   <a:schemeClr val="tx2"/>
                 </a:solidFill>
               </a:rPr>
-              <a:t>YouTube</a:t>
-            </a:r>
-            <a:r>
-              <a:rPr lang="en-US" sz="1200" dirty="0" smtClean="0">
+              <a:t>Per minute video upload: 300 </a:t>
+            </a:r>
+            <a:r>
+              <a:rPr lang="en-US" sz="2300" dirty="0" smtClean="0">
                 <a:solidFill>
                   <a:schemeClr val="tx2"/>
                 </a:solidFill>
               </a:rPr>
-              <a:t>: People watch hundreds of millions of videos on YouTube every day </a:t>
-            </a:r>
-          </a:p>
-          <a:p>
-            <a:pPr marL="914400" lvl="1" indent="-227013">
-              <a:lnSpc>
-                <a:spcPct val="100000"/>
-              </a:lnSpc>
-              <a:spcBef>
-                <a:spcPct val="35000"/>
-              </a:spcBef>
-              <a:spcAft>
-                <a:spcPct val="0"/>
-              </a:spcAft>
-              <a:buClr>
-                <a:srgbClr val="1B79D7"/>
-              </a:buClr>
-              <a:buFontTx/>
-              <a:buChar char="•"/>
-            </a:pPr>
-            <a:r>
-              <a:rPr lang="en-US" sz="1000" dirty="0" smtClean="0">
-                <a:solidFill>
-                  <a:schemeClr val="tx2"/>
-                </a:solidFill>
-              </a:rPr>
-              <a:t>Hundreds of thousands of videos are being uploaded to YouTube daily </a:t>
-            </a:r>
-          </a:p>
-          <a:p>
-            <a:pPr marL="914400" lvl="1" indent="-227013">
-              <a:lnSpc>
-                <a:spcPct val="100000"/>
-              </a:lnSpc>
-              <a:spcBef>
-                <a:spcPct val="35000"/>
-              </a:spcBef>
-              <a:spcAft>
-                <a:spcPct val="0"/>
-              </a:spcAft>
-              <a:buClr>
-                <a:srgbClr val="1B79D7"/>
-              </a:buClr>
-              <a:buFontTx/>
-              <a:buChar char="•"/>
-            </a:pPr>
-            <a:r>
-              <a:rPr lang="en-US" sz="1000" dirty="0" smtClean="0">
-                <a:solidFill>
-                  <a:schemeClr val="tx2"/>
-                </a:solidFill>
-              </a:rPr>
-              <a:t>Every minute, eight hours of video is uploaded to YouTube </a:t>
-            </a:r>
-          </a:p>
-          <a:p>
-            <a:pPr>
-              <a:buNone/>
-            </a:pPr>
+              <a:t>hours</a:t>
+            </a:r>
             <a:endParaRPr lang="en-US" dirty="0"/>
           </a:p>
         </p:txBody>
@@ -8213,7 +7815,7 @@
 </p:sld>
 </file>
 
-<file path=ppt/slides/slide6.xml><?xml version="1.0" encoding="utf-8"?>
+<file path=ppt/slides/slide8.xml><?xml version="1.0" encoding="utf-8"?>
 <p:sld xmlns:a="http://schemas.openxmlformats.org/drawingml/2006/main" xmlns:r="http://schemas.openxmlformats.org/officeDocument/2006/relationships" xmlns:p="http://schemas.openxmlformats.org/presentationml/2006/main">
   <p:cSld>
     <p:spTree>
@@ -8252,17 +7854,8 @@
           <a:p>
             <a:r>
               <a:rPr lang="en-US" dirty="0" smtClean="0"/>
-              <a:t>Top companies by </a:t>
-            </a:r>
-            <a:r>
-              <a:rPr lang="en-US" dirty="0" smtClean="0"/>
-              <a:t>market </a:t>
-            </a:r>
-            <a:r>
-              <a:rPr lang="en-US" dirty="0" smtClean="0"/>
-              <a:t>capitalization (2015)</a:t>
-            </a:r>
-            <a:endParaRPr lang="en-US" dirty="0" smtClean="0"/>
+              <a:t>Top companies by market capitalization (2015)</a:t>
+            </a:r>
           </a:p>
           <a:p>
             <a:pPr>

--- a/google/about_google_sanjay.pptx
+++ b/google/about_google_sanjay.pptx
@@ -6,13 +6,19 @@
   </p:sldMasterIdLst>
   <p:sldIdLst>
     <p:sldId id="256" r:id="rId2"/>
-    <p:sldId id="259" r:id="rId3"/>
-    <p:sldId id="262" r:id="rId4"/>
-    <p:sldId id="263" r:id="rId5"/>
-    <p:sldId id="258" r:id="rId6"/>
-    <p:sldId id="260" r:id="rId7"/>
-    <p:sldId id="261" r:id="rId8"/>
-    <p:sldId id="257" r:id="rId9"/>
+    <p:sldId id="264" r:id="rId3"/>
+    <p:sldId id="259" r:id="rId4"/>
+    <p:sldId id="266" r:id="rId5"/>
+    <p:sldId id="267" r:id="rId6"/>
+    <p:sldId id="268" r:id="rId7"/>
+    <p:sldId id="269" r:id="rId8"/>
+    <p:sldId id="265" r:id="rId9"/>
+    <p:sldId id="262" r:id="rId10"/>
+    <p:sldId id="263" r:id="rId11"/>
+    <p:sldId id="258" r:id="rId12"/>
+    <p:sldId id="260" r:id="rId13"/>
+    <p:sldId id="261" r:id="rId14"/>
+    <p:sldId id="257" r:id="rId15"/>
   </p:sldIdLst>
   <p:sldSz cx="9144000" cy="6858000" type="screen4x3"/>
   <p:notesSz cx="6858000" cy="9144000"/>
@@ -252,7 +258,7 @@
             <a:fld id="{E6F9B8CD-342D-4579-98EC-A8FD6B7370E1}" type="datetimeFigureOut">
               <a:rPr lang="en-US" smtClean="0"/>
               <a:pPr/>
-              <a:t>19/8/2015</a:t>
+              <a:t>23/8/2015</a:t>
             </a:fld>
             <a:endParaRPr lang="en-US" dirty="0"/>
           </a:p>
@@ -1123,7 +1129,7 @@
             <a:fld id="{E6F9B8CD-342D-4579-98EC-A8FD6B7370E1}" type="datetimeFigureOut">
               <a:rPr lang="en-US" smtClean="0"/>
               <a:pPr/>
-              <a:t>19/8/2015</a:t>
+              <a:t>23/8/2015</a:t>
             </a:fld>
             <a:endParaRPr lang="en-US"/>
           </a:p>
@@ -1300,7 +1306,7 @@
             <a:fld id="{E6F9B8CD-342D-4579-98EC-A8FD6B7370E1}" type="datetimeFigureOut">
               <a:rPr lang="en-US" smtClean="0"/>
               <a:pPr/>
-              <a:t>19/8/2015</a:t>
+              <a:t>23/8/2015</a:t>
             </a:fld>
             <a:endParaRPr lang="en-US"/>
           </a:p>
@@ -1473,7 +1479,7 @@
             <a:fld id="{E6F9B8CD-342D-4579-98EC-A8FD6B7370E1}" type="datetimeFigureOut">
               <a:rPr lang="en-US" smtClean="0"/>
               <a:pPr algn="r" eaLnBrk="1" latinLnBrk="0" hangingPunct="1"/>
-              <a:t>19/8/2015</a:t>
+              <a:t>23/8/2015</a:t>
             </a:fld>
             <a:endParaRPr lang="en-US"/>
           </a:p>
@@ -1686,7 +1692,7 @@
             <a:fld id="{E6F9B8CD-342D-4579-98EC-A8FD6B7370E1}" type="datetimeFigureOut">
               <a:rPr lang="en-US" smtClean="0"/>
               <a:pPr/>
-              <a:t>19/8/2015</a:t>
+              <a:t>23/8/2015</a:t>
             </a:fld>
             <a:endParaRPr lang="en-US"/>
           </a:p>
@@ -2502,7 +2508,7 @@
             <a:fld id="{E6F9B8CD-342D-4579-98EC-A8FD6B7370E1}" type="datetimeFigureOut">
               <a:rPr lang="en-US" smtClean="0"/>
               <a:pPr/>
-              <a:t>19/8/2015</a:t>
+              <a:t>23/8/2015</a:t>
             </a:fld>
             <a:endParaRPr lang="en-US"/>
           </a:p>
@@ -2740,7 +2746,7 @@
             <a:fld id="{E6F9B8CD-342D-4579-98EC-A8FD6B7370E1}" type="datetimeFigureOut">
               <a:rPr lang="en-US" smtClean="0"/>
               <a:pPr/>
-              <a:t>19/8/2015</a:t>
+              <a:t>23/8/2015</a:t>
             </a:fld>
             <a:endParaRPr lang="en-US"/>
           </a:p>
@@ -3066,7 +3072,7 @@
             <a:fld id="{E6F9B8CD-342D-4579-98EC-A8FD6B7370E1}" type="datetimeFigureOut">
               <a:rPr lang="en-US" smtClean="0"/>
               <a:pPr algn="r" eaLnBrk="1" latinLnBrk="0" hangingPunct="1"/>
-              <a:t>19/8/2015</a:t>
+              <a:t>23/8/2015</a:t>
             </a:fld>
             <a:endParaRPr lang="en-US"/>
           </a:p>
@@ -3159,7 +3165,7 @@
             <a:fld id="{E6F9B8CD-342D-4579-98EC-A8FD6B7370E1}" type="datetimeFigureOut">
               <a:rPr lang="en-US" smtClean="0"/>
               <a:pPr/>
-              <a:t>19/8/2015</a:t>
+              <a:t>23/8/2015</a:t>
             </a:fld>
             <a:endParaRPr lang="en-US"/>
           </a:p>
@@ -3679,7 +3685,7 @@
             <a:fld id="{E6F9B8CD-342D-4579-98EC-A8FD6B7370E1}" type="datetimeFigureOut">
               <a:rPr lang="en-US" smtClean="0"/>
               <a:pPr algn="r" eaLnBrk="1" latinLnBrk="0" hangingPunct="1"/>
-              <a:t>19/8/2015</a:t>
+              <a:t>23/8/2015</a:t>
             </a:fld>
             <a:endParaRPr lang="en-US" dirty="0"/>
           </a:p>
@@ -4194,7 +4200,7 @@
             <a:fld id="{E6F9B8CD-342D-4579-98EC-A8FD6B7370E1}" type="datetimeFigureOut">
               <a:rPr lang="en-US" smtClean="0"/>
               <a:pPr algn="r" eaLnBrk="1" latinLnBrk="0" hangingPunct="1"/>
-              <a:t>19/8/2015</a:t>
+              <a:t>23/8/2015</a:t>
             </a:fld>
             <a:endParaRPr lang="en-US"/>
           </a:p>
@@ -4443,7 +4449,7 @@
             <a:fld id="{E6F9B8CD-342D-4579-98EC-A8FD6B7370E1}" type="datetimeFigureOut">
               <a:rPr lang="en-US" smtClean="0"/>
               <a:pPr algn="r" eaLnBrk="1" latinLnBrk="0" hangingPunct="1"/>
-              <a:t>19/8/2015</a:t>
+              <a:t>23/8/2015</a:t>
             </a:fld>
             <a:endParaRPr lang="en-US" dirty="0">
               <a:solidFill>
@@ -5140,293 +5146,7 @@
 </p:sld>
 </file>
 
-<file path=ppt/slides/slide2.xml><?xml version="1.0" encoding="utf-8"?>
-<p:sld xmlns:a="http://schemas.openxmlformats.org/drawingml/2006/main" xmlns:r="http://schemas.openxmlformats.org/officeDocument/2006/relationships" xmlns:p="http://schemas.openxmlformats.org/presentationml/2006/main">
-  <p:cSld>
-    <p:spTree>
-      <p:nvGrpSpPr>
-        <p:cNvPr id="1" name=""/>
-        <p:cNvGrpSpPr/>
-        <p:nvPr/>
-      </p:nvGrpSpPr>
-      <p:grpSpPr>
-        <a:xfrm>
-          <a:off x="0" y="0"/>
-          <a:ext cx="0" cy="0"/>
-          <a:chOff x="0" y="0"/>
-          <a:chExt cx="0" cy="0"/>
-        </a:xfrm>
-      </p:grpSpPr>
-      <p:sp>
-        <p:nvSpPr>
-          <p:cNvPr id="11" name="Title 10"/>
-          <p:cNvSpPr>
-            <a:spLocks noGrp="1"/>
-          </p:cNvSpPr>
-          <p:nvPr>
-            <p:ph type="title"/>
-          </p:nvPr>
-        </p:nvSpPr>
-        <p:spPr>
-          <a:xfrm>
-            <a:off x="457200" y="274638"/>
-            <a:ext cx="8274908" cy="715962"/>
-          </a:xfrm>
-        </p:spPr>
-        <p:txBody>
-          <a:bodyPr/>
-          <a:lstStyle/>
-          <a:p>
-            <a:r>
-              <a:rPr lang="en-US" sz="3200" b="1" dirty="0" smtClean="0">
-                <a:solidFill>
-                  <a:schemeClr val="accent2"/>
-                </a:solidFill>
-              </a:rPr>
-              <a:t>G</a:t>
-            </a:r>
-            <a:r>
-              <a:rPr lang="en-US" sz="3200" b="1" dirty="0" smtClean="0">
-                <a:solidFill>
-                  <a:srgbClr val="FF0000"/>
-                </a:solidFill>
-              </a:rPr>
-              <a:t>o</a:t>
-            </a:r>
-            <a:r>
-              <a:rPr lang="en-US" sz="3200" b="1" dirty="0" smtClean="0">
-                <a:solidFill>
-                  <a:srgbClr val="FFF529"/>
-                </a:solidFill>
-              </a:rPr>
-              <a:t>o</a:t>
-            </a:r>
-            <a:r>
-              <a:rPr lang="en-US" sz="3200" b="1" dirty="0" smtClean="0">
-                <a:solidFill>
-                  <a:srgbClr val="1B79D7"/>
-                </a:solidFill>
-              </a:rPr>
-              <a:t>g</a:t>
-            </a:r>
-            <a:r>
-              <a:rPr lang="en-US" sz="3200" b="1" dirty="0" smtClean="0">
-                <a:solidFill>
-                  <a:srgbClr val="009900"/>
-                </a:solidFill>
-              </a:rPr>
-              <a:t>l</a:t>
-            </a:r>
-            <a:r>
-              <a:rPr lang="en-US" sz="3200" b="1" dirty="0" smtClean="0">
-                <a:solidFill>
-                  <a:srgbClr val="ED483D"/>
-                </a:solidFill>
-              </a:rPr>
-              <a:t>e</a:t>
-            </a:r>
-            <a:r>
-              <a:rPr lang="en-US" sz="3200" b="1" dirty="0" smtClean="0">
-                <a:solidFill>
-                  <a:schemeClr val="accent1"/>
-                </a:solidFill>
-              </a:rPr>
-              <a:t> </a:t>
-            </a:r>
-            <a:r>
-              <a:rPr lang="en-US" sz="2400" b="1" dirty="0" smtClean="0">
-                <a:solidFill>
-                  <a:srgbClr val="1B79D7"/>
-                </a:solidFill>
-              </a:rPr>
-              <a:t>Evolution</a:t>
-            </a:r>
-            <a:endParaRPr lang="en-US" dirty="0"/>
-          </a:p>
-        </p:txBody>
-      </p:sp>
-      <p:pic>
-        <p:nvPicPr>
-          <p:cNvPr id="5" name="Content Placeholder 4" descr="part1.jpg"/>
-          <p:cNvPicPr>
-            <a:picLocks noGrp="1" noChangeAspect="1"/>
-          </p:cNvPicPr>
-          <p:nvPr>
-            <p:ph sz="quarter" idx="1"/>
-          </p:nvPr>
-        </p:nvPicPr>
-        <p:blipFill>
-          <a:blip r:embed="rId2" cstate="print"/>
-          <a:stretch>
-            <a:fillRect/>
-          </a:stretch>
-        </p:blipFill>
-        <p:spPr>
-          <a:xfrm>
-            <a:off x="228600" y="990600"/>
-            <a:ext cx="8458200" cy="5867400"/>
-          </a:xfrm>
-        </p:spPr>
-      </p:pic>
-    </p:spTree>
-  </p:cSld>
-  <p:clrMapOvr>
-    <a:masterClrMapping/>
-  </p:clrMapOvr>
-  <p:timing>
-    <p:tnLst>
-      <p:par>
-        <p:cTn id="1" dur="indefinite" restart="never" nodeType="tmRoot"/>
-      </p:par>
-    </p:tnLst>
-  </p:timing>
-</p:sld>
-</file>
-
-<file path=ppt/slides/slide3.xml><?xml version="1.0" encoding="utf-8"?>
-<p:sld xmlns:a="http://schemas.openxmlformats.org/drawingml/2006/main" xmlns:r="http://schemas.openxmlformats.org/officeDocument/2006/relationships" xmlns:p="http://schemas.openxmlformats.org/presentationml/2006/main">
-  <p:cSld>
-    <p:spTree>
-      <p:nvGrpSpPr>
-        <p:cNvPr id="1" name=""/>
-        <p:cNvGrpSpPr/>
-        <p:nvPr/>
-      </p:nvGrpSpPr>
-      <p:grpSpPr>
-        <a:xfrm>
-          <a:off x="0" y="0"/>
-          <a:ext cx="0" cy="0"/>
-          <a:chOff x="0" y="0"/>
-          <a:chExt cx="0" cy="0"/>
-        </a:xfrm>
-      </p:grpSpPr>
-      <p:sp>
-        <p:nvSpPr>
-          <p:cNvPr id="11" name="Title 10"/>
-          <p:cNvSpPr>
-            <a:spLocks noGrp="1"/>
-          </p:cNvSpPr>
-          <p:nvPr>
-            <p:ph type="title"/>
-          </p:nvPr>
-        </p:nvSpPr>
-        <p:spPr>
-          <a:xfrm>
-            <a:off x="457200" y="274638"/>
-            <a:ext cx="8274908" cy="715962"/>
-          </a:xfrm>
-        </p:spPr>
-        <p:txBody>
-          <a:bodyPr/>
-          <a:lstStyle/>
-          <a:p>
-            <a:r>
-              <a:rPr lang="en-US" sz="3200" b="1" dirty="0" smtClean="0">
-                <a:solidFill>
-                  <a:schemeClr val="accent2"/>
-                </a:solidFill>
-              </a:rPr>
-              <a:t>G</a:t>
-            </a:r>
-            <a:r>
-              <a:rPr lang="en-US" sz="3200" b="1" dirty="0" smtClean="0">
-                <a:solidFill>
-                  <a:srgbClr val="FF0000"/>
-                </a:solidFill>
-              </a:rPr>
-              <a:t>o</a:t>
-            </a:r>
-            <a:r>
-              <a:rPr lang="en-US" sz="3200" b="1" dirty="0" smtClean="0">
-                <a:solidFill>
-                  <a:srgbClr val="FFF529"/>
-                </a:solidFill>
-              </a:rPr>
-              <a:t>o</a:t>
-            </a:r>
-            <a:r>
-              <a:rPr lang="en-US" sz="3200" b="1" dirty="0" smtClean="0">
-                <a:solidFill>
-                  <a:srgbClr val="1B79D7"/>
-                </a:solidFill>
-              </a:rPr>
-              <a:t>g</a:t>
-            </a:r>
-            <a:r>
-              <a:rPr lang="en-US" sz="3200" b="1" dirty="0" smtClean="0">
-                <a:solidFill>
-                  <a:srgbClr val="009900"/>
-                </a:solidFill>
-              </a:rPr>
-              <a:t>l</a:t>
-            </a:r>
-            <a:r>
-              <a:rPr lang="en-US" sz="3200" b="1" dirty="0" smtClean="0">
-                <a:solidFill>
-                  <a:srgbClr val="ED483D"/>
-                </a:solidFill>
-              </a:rPr>
-              <a:t>e</a:t>
-            </a:r>
-            <a:r>
-              <a:rPr lang="en-US" sz="3200" b="1" dirty="0" smtClean="0">
-                <a:solidFill>
-                  <a:schemeClr val="accent1"/>
-                </a:solidFill>
-              </a:rPr>
-              <a:t> </a:t>
-            </a:r>
-            <a:r>
-              <a:rPr lang="en-US" sz="2400" b="1" dirty="0" smtClean="0">
-                <a:solidFill>
-                  <a:srgbClr val="1B79D7"/>
-                </a:solidFill>
-              </a:rPr>
-              <a:t>Evolution</a:t>
-            </a:r>
-            <a:endParaRPr lang="en-US" dirty="0"/>
-          </a:p>
-        </p:txBody>
-      </p:sp>
-      <p:pic>
-        <p:nvPicPr>
-          <p:cNvPr id="5" name="Content Placeholder 4" descr="part2.jpg"/>
-          <p:cNvPicPr>
-            <a:picLocks noGrp="1" noChangeAspect="1"/>
-          </p:cNvPicPr>
-          <p:nvPr>
-            <p:ph sz="quarter" idx="1"/>
-          </p:nvPr>
-        </p:nvPicPr>
-        <p:blipFill>
-          <a:blip r:embed="rId2" cstate="print"/>
-          <a:stretch>
-            <a:fillRect/>
-          </a:stretch>
-        </p:blipFill>
-        <p:spPr>
-          <a:xfrm>
-            <a:off x="152400" y="914400"/>
-            <a:ext cx="8686800" cy="5943599"/>
-          </a:xfrm>
-        </p:spPr>
-      </p:pic>
-    </p:spTree>
-  </p:cSld>
-  <p:clrMapOvr>
-    <a:masterClrMapping/>
-  </p:clrMapOvr>
-  <p:timing>
-    <p:tnLst>
-      <p:par>
-        <p:cTn id="1" dur="indefinite" restart="never" nodeType="tmRoot"/>
-      </p:par>
-    </p:tnLst>
-  </p:timing>
-</p:sld>
-</file>
-
-<file path=ppt/slides/slide4.xml><?xml version="1.0" encoding="utf-8"?>
+<file path=ppt/slides/slide10.xml><?xml version="1.0" encoding="utf-8"?>
 <p:sld xmlns:a="http://schemas.openxmlformats.org/drawingml/2006/main" xmlns:r="http://schemas.openxmlformats.org/officeDocument/2006/relationships" xmlns:p="http://schemas.openxmlformats.org/presentationml/2006/main">
   <p:cSld>
     <p:spTree>
@@ -5569,7 +5289,7 @@
 </p:sld>
 </file>
 
-<file path=ppt/slides/slide5.xml><?xml version="1.0" encoding="utf-8"?>
+<file path=ppt/slides/slide11.xml><?xml version="1.0" encoding="utf-8"?>
 <p:sld xmlns:a="http://schemas.openxmlformats.org/drawingml/2006/main" xmlns:r="http://schemas.openxmlformats.org/officeDocument/2006/relationships" xmlns:p="http://schemas.openxmlformats.org/presentationml/2006/main">
   <p:cSld>
     <p:spTree>
@@ -6099,7 +5819,7 @@
 </p:sld>
 </file>
 
-<file path=ppt/slides/slide6.xml><?xml version="1.0" encoding="utf-8"?>
+<file path=ppt/slides/slide12.xml><?xml version="1.0" encoding="utf-8"?>
 <p:sld xmlns:a="http://schemas.openxmlformats.org/drawingml/2006/main" xmlns:r="http://schemas.openxmlformats.org/officeDocument/2006/relationships" xmlns:p="http://schemas.openxmlformats.org/presentationml/2006/main">
   <p:cSld>
     <p:spTree>
@@ -6917,6 +6637,1985 @@
 </p:sld>
 </file>
 
+<file path=ppt/slides/slide13.xml><?xml version="1.0" encoding="utf-8"?>
+<p:sld xmlns:a="http://schemas.openxmlformats.org/drawingml/2006/main" xmlns:r="http://schemas.openxmlformats.org/officeDocument/2006/relationships" xmlns:p="http://schemas.openxmlformats.org/presentationml/2006/main">
+  <p:cSld>
+    <p:spTree>
+      <p:nvGrpSpPr>
+        <p:cNvPr id="1" name=""/>
+        <p:cNvGrpSpPr/>
+        <p:nvPr/>
+      </p:nvGrpSpPr>
+      <p:grpSpPr>
+        <a:xfrm>
+          <a:off x="0" y="0"/>
+          <a:ext cx="0" cy="0"/>
+          <a:chOff x="0" y="0"/>
+          <a:chExt cx="0" cy="0"/>
+        </a:xfrm>
+      </p:grpSpPr>
+      <p:sp>
+        <p:nvSpPr>
+          <p:cNvPr id="11" name="Title 10"/>
+          <p:cNvSpPr>
+            <a:spLocks noGrp="1"/>
+          </p:cNvSpPr>
+          <p:nvPr>
+            <p:ph type="title"/>
+          </p:nvPr>
+        </p:nvSpPr>
+        <p:spPr>
+          <a:xfrm>
+            <a:off x="457200" y="274638"/>
+            <a:ext cx="7467600" cy="715962"/>
+          </a:xfrm>
+        </p:spPr>
+        <p:txBody>
+          <a:bodyPr>
+            <a:normAutofit/>
+          </a:bodyPr>
+          <a:lstStyle/>
+          <a:p>
+            <a:r>
+              <a:rPr lang="en-AU" sz="2400" b="1" dirty="0" smtClean="0">
+                <a:solidFill>
+                  <a:srgbClr val="1B79D7"/>
+                </a:solidFill>
+              </a:rPr>
+              <a:t>Some Interesting</a:t>
+            </a:r>
+            <a:r>
+              <a:rPr lang="en-AU" sz="3200" b="1" dirty="0" smtClean="0">
+                <a:solidFill>
+                  <a:srgbClr val="1B79D7"/>
+                </a:solidFill>
+              </a:rPr>
+              <a:t> </a:t>
+            </a:r>
+            <a:r>
+              <a:rPr lang="en-US" sz="3200" b="1" dirty="0" smtClean="0">
+                <a:solidFill>
+                  <a:schemeClr val="accent2"/>
+                </a:solidFill>
+              </a:rPr>
+              <a:t>G</a:t>
+            </a:r>
+            <a:r>
+              <a:rPr lang="en-US" sz="3200" b="1" dirty="0" smtClean="0">
+                <a:solidFill>
+                  <a:srgbClr val="FF0000"/>
+                </a:solidFill>
+              </a:rPr>
+              <a:t>o</a:t>
+            </a:r>
+            <a:r>
+              <a:rPr lang="en-US" sz="3200" b="1" dirty="0" smtClean="0">
+                <a:solidFill>
+                  <a:srgbClr val="FFF529"/>
+                </a:solidFill>
+              </a:rPr>
+              <a:t>o</a:t>
+            </a:r>
+            <a:r>
+              <a:rPr lang="en-US" sz="3200" b="1" dirty="0" smtClean="0">
+                <a:solidFill>
+                  <a:srgbClr val="1B79D7"/>
+                </a:solidFill>
+              </a:rPr>
+              <a:t>g</a:t>
+            </a:r>
+            <a:r>
+              <a:rPr lang="en-US" sz="3200" b="1" dirty="0" smtClean="0">
+                <a:solidFill>
+                  <a:srgbClr val="009900"/>
+                </a:solidFill>
+              </a:rPr>
+              <a:t>l</a:t>
+            </a:r>
+            <a:r>
+              <a:rPr lang="en-US" sz="3200" b="1" dirty="0" smtClean="0">
+                <a:solidFill>
+                  <a:srgbClr val="ED483D"/>
+                </a:solidFill>
+              </a:rPr>
+              <a:t>e</a:t>
+            </a:r>
+            <a:r>
+              <a:rPr lang="en-US" sz="3200" b="1" dirty="0" smtClean="0">
+                <a:solidFill>
+                  <a:schemeClr val="accent1"/>
+                </a:solidFill>
+              </a:rPr>
+              <a:t> </a:t>
+            </a:r>
+            <a:r>
+              <a:rPr lang="en-AU" sz="2400" b="1" dirty="0" smtClean="0">
+                <a:solidFill>
+                  <a:srgbClr val="1B79D7"/>
+                </a:solidFill>
+              </a:rPr>
+              <a:t>Data-Points</a:t>
+            </a:r>
+            <a:endParaRPr lang="en-US" dirty="0"/>
+          </a:p>
+        </p:txBody>
+      </p:sp>
+      <p:sp>
+        <p:nvSpPr>
+          <p:cNvPr id="6" name="Content Placeholder 5"/>
+          <p:cNvSpPr>
+            <a:spLocks noGrp="1"/>
+          </p:cNvSpPr>
+          <p:nvPr>
+            <p:ph sz="quarter" idx="1"/>
+          </p:nvPr>
+        </p:nvSpPr>
+        <p:spPr>
+          <a:xfrm>
+            <a:off x="457200" y="1219200"/>
+            <a:ext cx="7467600" cy="5254752"/>
+          </a:xfrm>
+        </p:spPr>
+        <p:txBody>
+          <a:bodyPr>
+            <a:normAutofit fontScale="70000" lnSpcReduction="20000"/>
+          </a:bodyPr>
+          <a:lstStyle/>
+          <a:p>
+            <a:pPr marL="339725" indent="-339725">
+              <a:lnSpc>
+                <a:spcPct val="100000"/>
+              </a:lnSpc>
+              <a:spcBef>
+                <a:spcPct val="55000"/>
+              </a:spcBef>
+              <a:spcAft>
+                <a:spcPct val="0"/>
+              </a:spcAft>
+              <a:buClr>
+                <a:srgbClr val="1B79D7"/>
+              </a:buClr>
+              <a:buFont typeface="Wingdings" pitchFamily="2" charset="2"/>
+              <a:buChar char="«"/>
+            </a:pPr>
+            <a:r>
+              <a:rPr lang="en-US" sz="2500" b="1" dirty="0" smtClean="0">
+                <a:solidFill>
+                  <a:schemeClr val="accent2">
+                    <a:lumMod val="75000"/>
+                  </a:schemeClr>
+                </a:solidFill>
+              </a:rPr>
+              <a:t>G</a:t>
+            </a:r>
+            <a:r>
+              <a:rPr lang="en-US" sz="2500" b="1" dirty="0" smtClean="0">
+                <a:solidFill>
+                  <a:srgbClr val="FF0000"/>
+                </a:solidFill>
+              </a:rPr>
+              <a:t>o</a:t>
+            </a:r>
+            <a:r>
+              <a:rPr lang="en-US" sz="2500" b="1" dirty="0" smtClean="0">
+                <a:solidFill>
+                  <a:schemeClr val="accent4"/>
+                </a:solidFill>
+              </a:rPr>
+              <a:t>o</a:t>
+            </a:r>
+            <a:r>
+              <a:rPr lang="en-US" sz="2500" b="1" dirty="0" smtClean="0">
+                <a:solidFill>
+                  <a:srgbClr val="1B79D7"/>
+                </a:solidFill>
+              </a:rPr>
+              <a:t>g</a:t>
+            </a:r>
+            <a:r>
+              <a:rPr lang="en-US" sz="2500" b="1" dirty="0" smtClean="0">
+                <a:solidFill>
+                  <a:srgbClr val="00B050"/>
+                </a:solidFill>
+              </a:rPr>
+              <a:t>l</a:t>
+            </a:r>
+            <a:r>
+              <a:rPr lang="en-US" sz="2500" b="1" dirty="0" smtClean="0">
+                <a:solidFill>
+                  <a:srgbClr val="ED483D"/>
+                </a:solidFill>
+              </a:rPr>
+              <a:t>e</a:t>
+            </a:r>
+            <a:r>
+              <a:rPr lang="en-US" sz="2500" dirty="0" smtClean="0"/>
+              <a:t> started in January, 1996 as a research project at Stanford University, by Ph.D. candidates Larry Page and Sergey </a:t>
+            </a:r>
+            <a:r>
+              <a:rPr lang="en-US" sz="2500" dirty="0" err="1" smtClean="0"/>
+              <a:t>Brin</a:t>
+            </a:r>
+            <a:r>
+              <a:rPr lang="en-US" sz="2500" dirty="0" smtClean="0"/>
+              <a:t> when they were 24 years old and 23 years old respectively.</a:t>
+            </a:r>
+            <a:endParaRPr lang="en-US" sz="2000" dirty="0" smtClean="0"/>
+          </a:p>
+          <a:p>
+            <a:pPr marL="339725" indent="-339725">
+              <a:lnSpc>
+                <a:spcPct val="100000"/>
+              </a:lnSpc>
+              <a:spcBef>
+                <a:spcPct val="55000"/>
+              </a:spcBef>
+              <a:spcAft>
+                <a:spcPct val="0"/>
+              </a:spcAft>
+              <a:buClr>
+                <a:srgbClr val="1B79D7"/>
+              </a:buClr>
+              <a:buFont typeface="Wingdings" pitchFamily="2" charset="2"/>
+              <a:buChar char="«"/>
+            </a:pPr>
+            <a:r>
+              <a:rPr lang="en-US" sz="2500" dirty="0" smtClean="0"/>
+              <a:t>The name </a:t>
+            </a:r>
+            <a:r>
+              <a:rPr lang="en-US" sz="2500" b="1" dirty="0" smtClean="0">
+                <a:solidFill>
+                  <a:schemeClr val="accent2">
+                    <a:lumMod val="75000"/>
+                  </a:schemeClr>
+                </a:solidFill>
+              </a:rPr>
+              <a:t>G</a:t>
+            </a:r>
+            <a:r>
+              <a:rPr lang="en-US" sz="2500" b="1" dirty="0" smtClean="0">
+                <a:solidFill>
+                  <a:srgbClr val="FF0000"/>
+                </a:solidFill>
+              </a:rPr>
+              <a:t>o</a:t>
+            </a:r>
+            <a:r>
+              <a:rPr lang="en-US" sz="2500" b="1" dirty="0" smtClean="0">
+                <a:solidFill>
+                  <a:schemeClr val="accent4"/>
+                </a:solidFill>
+              </a:rPr>
+              <a:t>o</a:t>
+            </a:r>
+            <a:r>
+              <a:rPr lang="en-US" sz="2500" b="1" dirty="0" smtClean="0">
+                <a:solidFill>
+                  <a:srgbClr val="1B79D7"/>
+                </a:solidFill>
+              </a:rPr>
+              <a:t>g</a:t>
+            </a:r>
+            <a:r>
+              <a:rPr lang="en-US" sz="2500" b="1" dirty="0" smtClean="0">
+                <a:solidFill>
+                  <a:srgbClr val="00B050"/>
+                </a:solidFill>
+              </a:rPr>
+              <a:t>l</a:t>
+            </a:r>
+            <a:r>
+              <a:rPr lang="en-US" sz="2500" b="1" dirty="0" smtClean="0">
+                <a:solidFill>
+                  <a:srgbClr val="ED483D"/>
+                </a:solidFill>
+              </a:rPr>
+              <a:t>e </a:t>
+            </a:r>
+            <a:r>
+              <a:rPr lang="en-US" sz="2500" dirty="0" smtClean="0"/>
+              <a:t>™ was an accident. A spelling mistake made by the original founders who thought they were going for ˜Googol™”</a:t>
+            </a:r>
+          </a:p>
+          <a:p>
+            <a:pPr marL="339725" indent="-339725">
+              <a:lnSpc>
+                <a:spcPct val="100000"/>
+              </a:lnSpc>
+              <a:spcBef>
+                <a:spcPct val="55000"/>
+              </a:spcBef>
+              <a:spcAft>
+                <a:spcPct val="0"/>
+              </a:spcAft>
+              <a:buClr>
+                <a:srgbClr val="1B79D7"/>
+              </a:buClr>
+              <a:buFont typeface="Wingdings" pitchFamily="2" charset="2"/>
+              <a:buChar char="«"/>
+            </a:pPr>
+            <a:r>
+              <a:rPr lang="en-US" sz="2300" b="1" dirty="0" smtClean="0">
+                <a:solidFill>
+                  <a:schemeClr val="tx2"/>
+                </a:solidFill>
+              </a:rPr>
+              <a:t>Searches per day</a:t>
+            </a:r>
+            <a:r>
+              <a:rPr lang="en-US" sz="2300" dirty="0" smtClean="0">
+                <a:solidFill>
+                  <a:schemeClr val="tx2"/>
+                </a:solidFill>
+              </a:rPr>
+              <a:t>: Average per second search of people search on </a:t>
+            </a:r>
+            <a:r>
+              <a:rPr lang="en-US" sz="2300" b="1" dirty="0" smtClean="0">
+                <a:solidFill>
+                  <a:schemeClr val="accent2">
+                    <a:lumMod val="75000"/>
+                  </a:schemeClr>
+                </a:solidFill>
+              </a:rPr>
+              <a:t>G</a:t>
+            </a:r>
+            <a:r>
+              <a:rPr lang="en-US" sz="2300" b="1" dirty="0" smtClean="0">
+                <a:solidFill>
+                  <a:srgbClr val="FF0000"/>
+                </a:solidFill>
+              </a:rPr>
+              <a:t>o</a:t>
+            </a:r>
+            <a:r>
+              <a:rPr lang="en-US" sz="2300" b="1" dirty="0" smtClean="0">
+                <a:solidFill>
+                  <a:schemeClr val="accent4"/>
+                </a:solidFill>
+              </a:rPr>
+              <a:t>o</a:t>
+            </a:r>
+            <a:r>
+              <a:rPr lang="en-US" sz="2300" b="1" dirty="0" smtClean="0">
+                <a:solidFill>
+                  <a:srgbClr val="1B79D7"/>
+                </a:solidFill>
+              </a:rPr>
+              <a:t>g</a:t>
+            </a:r>
+            <a:r>
+              <a:rPr lang="en-US" sz="2300" b="1" dirty="0" smtClean="0">
+                <a:solidFill>
+                  <a:srgbClr val="00B050"/>
+                </a:solidFill>
+              </a:rPr>
+              <a:t>l</a:t>
+            </a:r>
+            <a:r>
+              <a:rPr lang="en-US" sz="2300" b="1" dirty="0" smtClean="0">
+                <a:solidFill>
+                  <a:srgbClr val="ED483D"/>
+                </a:solidFill>
+              </a:rPr>
+              <a:t>e </a:t>
+            </a:r>
+            <a:r>
+              <a:rPr lang="en-US" sz="2300" dirty="0" smtClean="0">
+                <a:solidFill>
+                  <a:schemeClr val="tx2"/>
+                </a:solidFill>
+              </a:rPr>
+              <a:t>for is  </a:t>
+            </a:r>
+            <a:r>
+              <a:rPr lang="en-US" sz="2300" b="1" dirty="0" smtClean="0"/>
+              <a:t>40,000</a:t>
+            </a:r>
+            <a:br>
+              <a:rPr lang="en-US" sz="2300" b="1" dirty="0" smtClean="0"/>
+            </a:br>
+            <a:r>
+              <a:rPr lang="en-US" sz="2300" b="1" dirty="0" smtClean="0">
+                <a:hlinkClick r:id="rId2"/>
+              </a:rPr>
+              <a:t>http://www.internetlivestats.com/google-search-statistics/</a:t>
+            </a:r>
+            <a:endParaRPr lang="en-US" sz="2300" dirty="0" smtClean="0">
+              <a:solidFill>
+                <a:schemeClr val="tx2"/>
+              </a:solidFill>
+            </a:endParaRPr>
+          </a:p>
+          <a:p>
+            <a:pPr marL="339725" indent="-339725">
+              <a:lnSpc>
+                <a:spcPct val="100000"/>
+              </a:lnSpc>
+              <a:spcBef>
+                <a:spcPct val="55000"/>
+              </a:spcBef>
+              <a:spcAft>
+                <a:spcPct val="0"/>
+              </a:spcAft>
+              <a:buClr>
+                <a:srgbClr val="1B79D7"/>
+              </a:buClr>
+              <a:buFont typeface="Wingdings" pitchFamily="2" charset="2"/>
+              <a:buChar char="«"/>
+            </a:pPr>
+            <a:r>
+              <a:rPr lang="en-US" sz="2300" b="1" dirty="0" smtClean="0">
+                <a:solidFill>
+                  <a:schemeClr val="accent2">
+                    <a:lumMod val="75000"/>
+                  </a:schemeClr>
+                </a:solidFill>
+              </a:rPr>
+              <a:t>G</a:t>
+            </a:r>
+            <a:r>
+              <a:rPr lang="en-US" sz="2300" b="1" dirty="0" smtClean="0">
+                <a:solidFill>
+                  <a:srgbClr val="FF0000"/>
+                </a:solidFill>
+              </a:rPr>
+              <a:t>o</a:t>
+            </a:r>
+            <a:r>
+              <a:rPr lang="en-US" sz="2300" b="1" dirty="0" smtClean="0">
+                <a:solidFill>
+                  <a:schemeClr val="accent4"/>
+                </a:solidFill>
+              </a:rPr>
+              <a:t>o</a:t>
+            </a:r>
+            <a:r>
+              <a:rPr lang="en-US" sz="2300" b="1" dirty="0" smtClean="0">
+                <a:solidFill>
+                  <a:srgbClr val="1B79D7"/>
+                </a:solidFill>
+              </a:rPr>
+              <a:t>g</a:t>
+            </a:r>
+            <a:r>
+              <a:rPr lang="en-US" sz="2300" b="1" dirty="0" smtClean="0">
+                <a:solidFill>
+                  <a:srgbClr val="00B050"/>
+                </a:solidFill>
+              </a:rPr>
+              <a:t>l</a:t>
+            </a:r>
+            <a:r>
+              <a:rPr lang="en-US" sz="2300" b="1" dirty="0" smtClean="0">
+                <a:solidFill>
+                  <a:srgbClr val="ED483D"/>
+                </a:solidFill>
+              </a:rPr>
+              <a:t>e</a:t>
+            </a:r>
+            <a:r>
+              <a:rPr lang="en-US" sz="2300" b="1" dirty="0" smtClean="0">
+                <a:solidFill>
+                  <a:schemeClr val="tx2"/>
+                </a:solidFill>
+              </a:rPr>
+              <a:t> </a:t>
+            </a:r>
+            <a:r>
+              <a:rPr lang="en-US" sz="2300" b="1" dirty="0" err="1" smtClean="0">
+                <a:solidFill>
+                  <a:schemeClr val="tx2"/>
+                </a:solidFill>
+              </a:rPr>
+              <a:t>Adsense</a:t>
+            </a:r>
+            <a:r>
+              <a:rPr lang="en-US" sz="2300" b="1" dirty="0" smtClean="0">
+                <a:solidFill>
+                  <a:schemeClr val="tx2"/>
+                </a:solidFill>
+              </a:rPr>
+              <a:t> income:  </a:t>
+            </a:r>
+          </a:p>
+          <a:p>
+            <a:pPr marL="705485" lvl="1" indent="-339725">
+              <a:spcBef>
+                <a:spcPct val="55000"/>
+              </a:spcBef>
+              <a:spcAft>
+                <a:spcPct val="0"/>
+              </a:spcAft>
+              <a:buClr>
+                <a:srgbClr val="1B79D7"/>
+              </a:buClr>
+              <a:buFont typeface="Wingdings" pitchFamily="2" charset="2"/>
+              <a:buChar char="«"/>
+            </a:pPr>
+            <a:r>
+              <a:rPr lang="en-US" sz="2300" dirty="0" smtClean="0">
+                <a:solidFill>
+                  <a:schemeClr val="tx2"/>
+                </a:solidFill>
+              </a:rPr>
+              <a:t>Top three companies that earn from </a:t>
+            </a:r>
+            <a:r>
+              <a:rPr lang="en-US" sz="2300" b="1" dirty="0" smtClean="0">
+                <a:solidFill>
+                  <a:schemeClr val="accent2">
+                    <a:lumMod val="75000"/>
+                  </a:schemeClr>
+                </a:solidFill>
+              </a:rPr>
+              <a:t>G</a:t>
+            </a:r>
+            <a:r>
+              <a:rPr lang="en-US" sz="2300" b="1" dirty="0" smtClean="0">
+                <a:solidFill>
+                  <a:srgbClr val="FF0000"/>
+                </a:solidFill>
+              </a:rPr>
+              <a:t>o</a:t>
+            </a:r>
+            <a:r>
+              <a:rPr lang="en-US" sz="2300" b="1" dirty="0" smtClean="0">
+                <a:solidFill>
+                  <a:schemeClr val="accent4"/>
+                </a:solidFill>
+              </a:rPr>
+              <a:t>o</a:t>
+            </a:r>
+            <a:r>
+              <a:rPr lang="en-US" sz="2300" b="1" dirty="0" smtClean="0">
+                <a:solidFill>
+                  <a:srgbClr val="1B79D7"/>
+                </a:solidFill>
+              </a:rPr>
+              <a:t>g</a:t>
+            </a:r>
+            <a:r>
+              <a:rPr lang="en-US" sz="2300" b="1" dirty="0" smtClean="0">
+                <a:solidFill>
+                  <a:srgbClr val="00B050"/>
+                </a:solidFill>
+              </a:rPr>
+              <a:t>l</a:t>
+            </a:r>
+            <a:r>
+              <a:rPr lang="en-US" sz="2300" b="1" dirty="0" smtClean="0">
+                <a:solidFill>
+                  <a:srgbClr val="ED483D"/>
+                </a:solidFill>
+              </a:rPr>
+              <a:t>e</a:t>
+            </a:r>
+            <a:r>
+              <a:rPr lang="en-US" sz="2000" dirty="0" smtClean="0">
+                <a:solidFill>
+                  <a:schemeClr val="tx2"/>
+                </a:solidFill>
+              </a:rPr>
+              <a:t> </a:t>
+            </a:r>
+            <a:r>
+              <a:rPr lang="en-US" sz="2300" dirty="0" smtClean="0">
+                <a:solidFill>
+                  <a:schemeClr val="tx2"/>
+                </a:solidFill>
+              </a:rPr>
+              <a:t>ad-</a:t>
+            </a:r>
+            <a:r>
+              <a:rPr lang="en-US" sz="2300" dirty="0" err="1" smtClean="0">
+                <a:solidFill>
+                  <a:schemeClr val="tx2"/>
+                </a:solidFill>
+              </a:rPr>
+              <a:t>sence</a:t>
+            </a:r>
+            <a:endParaRPr lang="en-US" sz="2300" dirty="0" smtClean="0">
+              <a:solidFill>
+                <a:schemeClr val="tx2"/>
+              </a:solidFill>
+            </a:endParaRPr>
+          </a:p>
+          <a:p>
+            <a:pPr marL="979805" lvl="2" indent="-339725">
+              <a:spcBef>
+                <a:spcPct val="55000"/>
+              </a:spcBef>
+              <a:spcAft>
+                <a:spcPct val="0"/>
+              </a:spcAft>
+              <a:buClr>
+                <a:srgbClr val="1B79D7"/>
+              </a:buClr>
+              <a:buFont typeface="Wingdings" pitchFamily="2" charset="2"/>
+              <a:buChar char="«"/>
+            </a:pPr>
+            <a:r>
+              <a:rPr lang="en-US" sz="2300" dirty="0" smtClean="0">
+                <a:solidFill>
+                  <a:schemeClr val="tx2"/>
+                </a:solidFill>
+              </a:rPr>
+              <a:t>Ehow.com :- </a:t>
+            </a:r>
+            <a:r>
+              <a:rPr lang="en-US" sz="2300" b="1" dirty="0" smtClean="0"/>
+              <a:t>$300,000/month</a:t>
+            </a:r>
+          </a:p>
+          <a:p>
+            <a:pPr marL="979805" lvl="2" indent="-339725">
+              <a:spcBef>
+                <a:spcPct val="55000"/>
+              </a:spcBef>
+              <a:spcAft>
+                <a:spcPct val="0"/>
+              </a:spcAft>
+              <a:buClr>
+                <a:srgbClr val="1B79D7"/>
+              </a:buClr>
+              <a:buFont typeface="Wingdings" pitchFamily="2" charset="2"/>
+              <a:buChar char="«"/>
+            </a:pPr>
+            <a:r>
+              <a:rPr lang="en-US" sz="2300" b="1" dirty="0" smtClean="0">
+                <a:solidFill>
+                  <a:schemeClr val="tx2"/>
+                </a:solidFill>
+              </a:rPr>
+              <a:t>Mashable.com: </a:t>
+            </a:r>
+            <a:r>
+              <a:rPr lang="en-US" sz="2300" b="1" dirty="0" smtClean="0"/>
+              <a:t>$250,000/month</a:t>
+            </a:r>
+            <a:endParaRPr lang="en-US" sz="2300" b="1" dirty="0" smtClean="0">
+              <a:solidFill>
+                <a:schemeClr val="tx2"/>
+              </a:solidFill>
+            </a:endParaRPr>
+          </a:p>
+          <a:p>
+            <a:pPr marL="979805" lvl="2" indent="-339725">
+              <a:spcBef>
+                <a:spcPct val="55000"/>
+              </a:spcBef>
+              <a:spcAft>
+                <a:spcPct val="0"/>
+              </a:spcAft>
+              <a:buClr>
+                <a:srgbClr val="1B79D7"/>
+              </a:buClr>
+              <a:buFont typeface="Wingdings" pitchFamily="2" charset="2"/>
+              <a:buChar char="«"/>
+            </a:pPr>
+            <a:r>
+              <a:rPr lang="en-US" sz="2300" dirty="0" smtClean="0"/>
+              <a:t>forums.digitalpoint.com</a:t>
+            </a:r>
+            <a:r>
+              <a:rPr lang="en-US" sz="2300" b="1" dirty="0" smtClean="0">
+                <a:solidFill>
+                  <a:schemeClr val="tx2"/>
+                </a:solidFill>
+              </a:rPr>
+              <a:t>: </a:t>
+            </a:r>
+            <a:r>
+              <a:rPr lang="en-US" sz="2300" b="1" dirty="0" smtClean="0"/>
+              <a:t>$195,000/month</a:t>
+            </a:r>
+          </a:p>
+          <a:p>
+            <a:pPr marL="339725" indent="-339725">
+              <a:spcBef>
+                <a:spcPct val="55000"/>
+              </a:spcBef>
+              <a:spcAft>
+                <a:spcPct val="0"/>
+              </a:spcAft>
+              <a:buClr>
+                <a:srgbClr val="1B79D7"/>
+              </a:buClr>
+              <a:buFont typeface="Wingdings" pitchFamily="2" charset="2"/>
+              <a:buChar char="«"/>
+            </a:pPr>
+            <a:r>
+              <a:rPr lang="en-US" sz="2300" b="1" dirty="0" smtClean="0">
+                <a:solidFill>
+                  <a:schemeClr val="accent2">
+                    <a:lumMod val="75000"/>
+                  </a:schemeClr>
+                </a:solidFill>
+              </a:rPr>
+              <a:t>G</a:t>
+            </a:r>
+            <a:r>
+              <a:rPr lang="en-US" sz="2300" b="1" dirty="0" smtClean="0">
+                <a:solidFill>
+                  <a:srgbClr val="FF0000"/>
+                </a:solidFill>
+              </a:rPr>
+              <a:t>o</a:t>
+            </a:r>
+            <a:r>
+              <a:rPr lang="en-US" sz="2300" b="1" dirty="0" smtClean="0">
+                <a:solidFill>
+                  <a:schemeClr val="accent4"/>
+                </a:solidFill>
+              </a:rPr>
+              <a:t>o</a:t>
+            </a:r>
+            <a:r>
+              <a:rPr lang="en-US" sz="2300" b="1" dirty="0" smtClean="0">
+                <a:solidFill>
+                  <a:srgbClr val="1B79D7"/>
+                </a:solidFill>
+              </a:rPr>
+              <a:t>g</a:t>
+            </a:r>
+            <a:r>
+              <a:rPr lang="en-US" sz="2300" b="1" dirty="0" smtClean="0">
+                <a:solidFill>
+                  <a:srgbClr val="00B050"/>
+                </a:solidFill>
+              </a:rPr>
+              <a:t>l</a:t>
+            </a:r>
+            <a:r>
+              <a:rPr lang="en-US" sz="2300" b="1" dirty="0" smtClean="0">
+                <a:solidFill>
+                  <a:srgbClr val="ED483D"/>
+                </a:solidFill>
+              </a:rPr>
+              <a:t>e </a:t>
+            </a:r>
+            <a:r>
+              <a:rPr lang="en-US" sz="2300" b="1" dirty="0" smtClean="0">
+                <a:solidFill>
+                  <a:schemeClr val="tx2"/>
+                </a:solidFill>
+              </a:rPr>
+              <a:t>You</a:t>
+            </a:r>
+            <a:r>
+              <a:rPr lang="en-US" sz="2300" b="1" dirty="0" smtClean="0">
+                <a:solidFill>
+                  <a:srgbClr val="FF0000"/>
+                </a:solidFill>
+              </a:rPr>
+              <a:t>Tube</a:t>
+            </a:r>
+            <a:r>
+              <a:rPr lang="en-US" sz="2300" b="1" dirty="0" smtClean="0">
+                <a:solidFill>
+                  <a:schemeClr val="tx2"/>
+                </a:solidFill>
+              </a:rPr>
+              <a:t> : </a:t>
+            </a:r>
+            <a:endParaRPr lang="en-US" sz="2300" dirty="0" smtClean="0">
+              <a:solidFill>
+                <a:schemeClr val="tx2"/>
+              </a:solidFill>
+            </a:endParaRPr>
+          </a:p>
+          <a:p>
+            <a:pPr marL="705485" lvl="1" indent="-339725">
+              <a:spcBef>
+                <a:spcPct val="55000"/>
+              </a:spcBef>
+              <a:spcAft>
+                <a:spcPct val="0"/>
+              </a:spcAft>
+              <a:buClr>
+                <a:srgbClr val="1B79D7"/>
+              </a:buClr>
+              <a:buFont typeface="Wingdings" pitchFamily="2" charset="2"/>
+              <a:buChar char="«"/>
+            </a:pPr>
+            <a:r>
+              <a:rPr lang="en-US" sz="2300" dirty="0" smtClean="0">
+                <a:solidFill>
+                  <a:schemeClr val="tx2"/>
+                </a:solidFill>
+              </a:rPr>
+              <a:t>Per day video views: 4B</a:t>
+            </a:r>
+          </a:p>
+          <a:p>
+            <a:pPr marL="705485" lvl="1" indent="-339725">
+              <a:spcBef>
+                <a:spcPct val="55000"/>
+              </a:spcBef>
+              <a:spcAft>
+                <a:spcPct val="0"/>
+              </a:spcAft>
+              <a:buClr>
+                <a:srgbClr val="1B79D7"/>
+              </a:buClr>
+              <a:buFont typeface="Wingdings" pitchFamily="2" charset="2"/>
+              <a:buChar char="«"/>
+            </a:pPr>
+            <a:r>
+              <a:rPr lang="en-US" sz="2300" dirty="0" smtClean="0">
+                <a:solidFill>
+                  <a:schemeClr val="tx2"/>
+                </a:solidFill>
+              </a:rPr>
+              <a:t>Per minute video upload: 300 hours</a:t>
+            </a:r>
+            <a:endParaRPr lang="en-US" dirty="0"/>
+          </a:p>
+        </p:txBody>
+      </p:sp>
+    </p:spTree>
+  </p:cSld>
+  <p:clrMapOvr>
+    <a:masterClrMapping/>
+  </p:clrMapOvr>
+  <p:timing>
+    <p:tnLst>
+      <p:par>
+        <p:cTn id="1" dur="indefinite" restart="never" nodeType="tmRoot"/>
+      </p:par>
+    </p:tnLst>
+  </p:timing>
+</p:sld>
+</file>
+
+<file path=ppt/slides/slide14.xml><?xml version="1.0" encoding="utf-8"?>
+<p:sld xmlns:a="http://schemas.openxmlformats.org/drawingml/2006/main" xmlns:r="http://schemas.openxmlformats.org/officeDocument/2006/relationships" xmlns:p="http://schemas.openxmlformats.org/presentationml/2006/main">
+  <p:cSld>
+    <p:spTree>
+      <p:nvGrpSpPr>
+        <p:cNvPr id="1" name=""/>
+        <p:cNvGrpSpPr/>
+        <p:nvPr/>
+      </p:nvGrpSpPr>
+      <p:grpSpPr>
+        <a:xfrm>
+          <a:off x="0" y="0"/>
+          <a:ext cx="0" cy="0"/>
+          <a:chOff x="0" y="0"/>
+          <a:chExt cx="0" cy="0"/>
+        </a:xfrm>
+      </p:grpSpPr>
+      <p:sp>
+        <p:nvSpPr>
+          <p:cNvPr id="3" name="Content Placeholder 2"/>
+          <p:cNvSpPr>
+            <a:spLocks noGrp="1"/>
+          </p:cNvSpPr>
+          <p:nvPr>
+            <p:ph sz="quarter" idx="1"/>
+          </p:nvPr>
+        </p:nvSpPr>
+        <p:spPr>
+          <a:xfrm>
+            <a:off x="457200" y="228600"/>
+            <a:ext cx="7467600" cy="6245352"/>
+          </a:xfrm>
+        </p:spPr>
+        <p:txBody>
+          <a:bodyPr/>
+          <a:lstStyle/>
+          <a:p>
+            <a:r>
+              <a:rPr lang="en-US" dirty="0" smtClean="0"/>
+              <a:t>Top companies by market capitalization (2015)</a:t>
+            </a:r>
+          </a:p>
+          <a:p>
+            <a:pPr>
+              <a:buNone/>
+            </a:pPr>
+            <a:endParaRPr lang="en-US" dirty="0"/>
+          </a:p>
+        </p:txBody>
+      </p:sp>
+      <p:pic>
+        <p:nvPicPr>
+          <p:cNvPr id="4" name="Picture 3" descr="• Top companies in the world by market value 2015   Statistic.png"/>
+          <p:cNvPicPr>
+            <a:picLocks noChangeAspect="1"/>
+          </p:cNvPicPr>
+          <p:nvPr/>
+        </p:nvPicPr>
+        <p:blipFill>
+          <a:blip r:embed="rId2"/>
+          <a:stretch>
+            <a:fillRect/>
+          </a:stretch>
+        </p:blipFill>
+        <p:spPr>
+          <a:xfrm>
+            <a:off x="76200" y="838200"/>
+            <a:ext cx="8763000" cy="4093243"/>
+          </a:xfrm>
+          <a:prstGeom prst="rect">
+            <a:avLst/>
+          </a:prstGeom>
+        </p:spPr>
+      </p:pic>
+      <p:pic>
+        <p:nvPicPr>
+          <p:cNvPr id="6" name="Picture 5" descr="• Top companies in the world by market value 2015   Statistic_footer.png"/>
+          <p:cNvPicPr>
+            <a:picLocks noChangeAspect="1"/>
+          </p:cNvPicPr>
+          <p:nvPr/>
+        </p:nvPicPr>
+        <p:blipFill>
+          <a:blip r:embed="rId3"/>
+          <a:stretch>
+            <a:fillRect/>
+          </a:stretch>
+        </p:blipFill>
+        <p:spPr>
+          <a:xfrm>
+            <a:off x="381000" y="5000625"/>
+            <a:ext cx="8324850" cy="485775"/>
+          </a:xfrm>
+          <a:prstGeom prst="rect">
+            <a:avLst/>
+          </a:prstGeom>
+        </p:spPr>
+      </p:pic>
+    </p:spTree>
+  </p:cSld>
+  <p:clrMapOvr>
+    <a:masterClrMapping/>
+  </p:clrMapOvr>
+  <p:timing>
+    <p:tnLst>
+      <p:par>
+        <p:cTn id="1" dur="indefinite" restart="never" nodeType="tmRoot"/>
+      </p:par>
+    </p:tnLst>
+  </p:timing>
+</p:sld>
+</file>
+
+<file path=ppt/slides/slide2.xml><?xml version="1.0" encoding="utf-8"?>
+<p:sld xmlns:a="http://schemas.openxmlformats.org/drawingml/2006/main" xmlns:r="http://schemas.openxmlformats.org/officeDocument/2006/relationships" xmlns:p="http://schemas.openxmlformats.org/presentationml/2006/main">
+  <p:cSld>
+    <p:spTree>
+      <p:nvGrpSpPr>
+        <p:cNvPr id="1" name=""/>
+        <p:cNvGrpSpPr/>
+        <p:nvPr/>
+      </p:nvGrpSpPr>
+      <p:grpSpPr>
+        <a:xfrm>
+          <a:off x="0" y="0"/>
+          <a:ext cx="0" cy="0"/>
+          <a:chOff x="0" y="0"/>
+          <a:chExt cx="0" cy="0"/>
+        </a:xfrm>
+      </p:grpSpPr>
+      <p:sp>
+        <p:nvSpPr>
+          <p:cNvPr id="2" name="Title 1"/>
+          <p:cNvSpPr>
+            <a:spLocks noGrp="1"/>
+          </p:cNvSpPr>
+          <p:nvPr>
+            <p:ph type="ctrTitle"/>
+          </p:nvPr>
+        </p:nvSpPr>
+        <p:spPr>
+          <a:xfrm>
+            <a:off x="2286000" y="1676400"/>
+            <a:ext cx="6172200" cy="1894362"/>
+          </a:xfrm>
+        </p:spPr>
+        <p:txBody>
+          <a:bodyPr/>
+          <a:lstStyle/>
+          <a:p>
+            <a:r>
+              <a:rPr lang="en-US" dirty="0" smtClean="0"/>
+              <a:t>About</a:t>
+            </a:r>
+            <a:r>
+              <a:rPr lang="en-US" dirty="0" smtClean="0"/>
+              <a:t>                        </a:t>
+            </a:r>
+            <a:endParaRPr lang="en-US" dirty="0"/>
+          </a:p>
+        </p:txBody>
+      </p:sp>
+      <p:sp>
+        <p:nvSpPr>
+          <p:cNvPr id="3" name="Subtitle 2"/>
+          <p:cNvSpPr>
+            <a:spLocks noGrp="1"/>
+          </p:cNvSpPr>
+          <p:nvPr>
+            <p:ph type="subTitle" idx="1"/>
+          </p:nvPr>
+        </p:nvSpPr>
+        <p:spPr>
+          <a:xfrm>
+            <a:off x="2286000" y="3555522"/>
+            <a:ext cx="6172200" cy="1371600"/>
+          </a:xfrm>
+        </p:spPr>
+        <p:txBody>
+          <a:bodyPr/>
+          <a:lstStyle/>
+          <a:p>
+            <a:endParaRPr lang="en-US" dirty="0"/>
+          </a:p>
+        </p:txBody>
+      </p:sp>
+      <p:pic>
+        <p:nvPicPr>
+          <p:cNvPr id="4" name="Picture 3" descr="logo11w.png"/>
+          <p:cNvPicPr>
+            <a:picLocks noChangeAspect="1"/>
+          </p:cNvPicPr>
+          <p:nvPr/>
+        </p:nvPicPr>
+        <p:blipFill>
+          <a:blip r:embed="rId2"/>
+          <a:stretch>
+            <a:fillRect/>
+          </a:stretch>
+        </p:blipFill>
+        <p:spPr>
+          <a:xfrm>
+            <a:off x="3810000" y="2819400"/>
+            <a:ext cx="2819400" cy="995699"/>
+          </a:xfrm>
+          <a:prstGeom prst="rect">
+            <a:avLst/>
+          </a:prstGeom>
+        </p:spPr>
+      </p:pic>
+    </p:spTree>
+  </p:cSld>
+  <p:clrMapOvr>
+    <a:masterClrMapping/>
+  </p:clrMapOvr>
+  <p:timing>
+    <p:tnLst>
+      <p:par>
+        <p:cTn id="1" dur="indefinite" restart="never" nodeType="tmRoot"/>
+      </p:par>
+    </p:tnLst>
+  </p:timing>
+</p:sld>
+</file>
+
+<file path=ppt/slides/slide3.xml><?xml version="1.0" encoding="utf-8"?>
+<p:sld xmlns:a="http://schemas.openxmlformats.org/drawingml/2006/main" xmlns:r="http://schemas.openxmlformats.org/officeDocument/2006/relationships" xmlns:p="http://schemas.openxmlformats.org/presentationml/2006/main">
+  <p:cSld>
+    <p:spTree>
+      <p:nvGrpSpPr>
+        <p:cNvPr id="1" name=""/>
+        <p:cNvGrpSpPr/>
+        <p:nvPr/>
+      </p:nvGrpSpPr>
+      <p:grpSpPr>
+        <a:xfrm>
+          <a:off x="0" y="0"/>
+          <a:ext cx="0" cy="0"/>
+          <a:chOff x="0" y="0"/>
+          <a:chExt cx="0" cy="0"/>
+        </a:xfrm>
+      </p:grpSpPr>
+      <p:sp>
+        <p:nvSpPr>
+          <p:cNvPr id="11" name="Title 10"/>
+          <p:cNvSpPr>
+            <a:spLocks noGrp="1"/>
+          </p:cNvSpPr>
+          <p:nvPr>
+            <p:ph type="title"/>
+          </p:nvPr>
+        </p:nvSpPr>
+        <p:spPr>
+          <a:xfrm>
+            <a:off x="457200" y="254170"/>
+            <a:ext cx="8274908" cy="736430"/>
+          </a:xfrm>
+        </p:spPr>
+        <p:txBody>
+          <a:bodyPr/>
+          <a:lstStyle/>
+          <a:p>
+            <a:r>
+              <a:rPr lang="en-US" sz="3200" b="1" dirty="0" smtClean="0">
+                <a:solidFill>
+                  <a:schemeClr val="tx1">
+                    <a:lumMod val="65000"/>
+                    <a:lumOff val="35000"/>
+                  </a:schemeClr>
+                </a:solidFill>
+              </a:rPr>
+              <a:t>How</a:t>
+            </a:r>
+            <a:r>
+              <a:rPr lang="en-US" sz="3200" b="1" dirty="0" smtClean="0">
+                <a:solidFill>
+                  <a:schemeClr val="accent2"/>
+                </a:solidFill>
+              </a:rPr>
+              <a:t> </a:t>
+            </a:r>
+            <a:r>
+              <a:rPr lang="en-US" sz="3200" b="1" dirty="0" smtClean="0">
+                <a:solidFill>
+                  <a:srgbClr val="1F74DB"/>
+                </a:solidFill>
+              </a:rPr>
+              <a:t>G</a:t>
+            </a:r>
+            <a:r>
+              <a:rPr lang="en-US" sz="3200" b="1" dirty="0" smtClean="0">
+                <a:solidFill>
+                  <a:srgbClr val="FF0000"/>
+                </a:solidFill>
+              </a:rPr>
+              <a:t>o</a:t>
+            </a:r>
+            <a:r>
+              <a:rPr lang="en-US" sz="3200" b="1" dirty="0" smtClean="0">
+                <a:solidFill>
+                  <a:schemeClr val="accent4"/>
+                </a:solidFill>
+              </a:rPr>
+              <a:t>o</a:t>
+            </a:r>
+            <a:r>
+              <a:rPr lang="en-US" sz="3200" b="1" dirty="0" smtClean="0">
+                <a:solidFill>
+                  <a:srgbClr val="1B79D7"/>
+                </a:solidFill>
+              </a:rPr>
+              <a:t>g</a:t>
+            </a:r>
+            <a:r>
+              <a:rPr lang="en-US" sz="3200" b="1" dirty="0" smtClean="0">
+                <a:solidFill>
+                  <a:srgbClr val="009900"/>
+                </a:solidFill>
+              </a:rPr>
+              <a:t>l</a:t>
+            </a:r>
+            <a:r>
+              <a:rPr lang="en-US" sz="3200" b="1" dirty="0" smtClean="0">
+                <a:solidFill>
+                  <a:srgbClr val="ED483D"/>
+                </a:solidFill>
+              </a:rPr>
+              <a:t>e </a:t>
+            </a:r>
+            <a:r>
+              <a:rPr lang="en-US" sz="3200" b="1" dirty="0" smtClean="0">
+                <a:solidFill>
+                  <a:schemeClr val="tx1">
+                    <a:lumMod val="65000"/>
+                    <a:lumOff val="35000"/>
+                  </a:schemeClr>
+                </a:solidFill>
+              </a:rPr>
+              <a:t>Start</a:t>
+            </a:r>
+            <a:endParaRPr lang="en-US" dirty="0">
+              <a:solidFill>
+                <a:schemeClr val="tx1">
+                  <a:lumMod val="65000"/>
+                  <a:lumOff val="35000"/>
+                </a:schemeClr>
+              </a:solidFill>
+            </a:endParaRPr>
+          </a:p>
+        </p:txBody>
+      </p:sp>
+      <p:sp>
+        <p:nvSpPr>
+          <p:cNvPr id="4" name="Content Placeholder 3"/>
+          <p:cNvSpPr>
+            <a:spLocks noGrp="1"/>
+          </p:cNvSpPr>
+          <p:nvPr>
+            <p:ph sz="quarter" idx="1"/>
+          </p:nvPr>
+        </p:nvSpPr>
+        <p:spPr>
+          <a:xfrm>
+            <a:off x="228600" y="990600"/>
+            <a:ext cx="8382000" cy="5483352"/>
+          </a:xfrm>
+        </p:spPr>
+        <p:txBody>
+          <a:bodyPr/>
+          <a:lstStyle/>
+          <a:p>
+            <a:r>
+              <a:rPr lang="en-US" dirty="0" err="1" smtClean="0"/>
+              <a:t>Goole</a:t>
+            </a:r>
+            <a:r>
+              <a:rPr lang="en-US" dirty="0" smtClean="0"/>
+              <a:t> began in march 1995 as a research project of two PHD students Larry Page and Sergey </a:t>
+            </a:r>
+            <a:r>
+              <a:rPr lang="en-US" dirty="0" err="1" smtClean="0"/>
+              <a:t>Brin</a:t>
+            </a:r>
+            <a:r>
+              <a:rPr lang="en-US" dirty="0" smtClean="0"/>
+              <a:t>.</a:t>
+            </a:r>
+          </a:p>
+          <a:p>
+            <a:r>
+              <a:rPr lang="en-US" dirty="0" smtClean="0"/>
+              <a:t>Nick name of his project was “</a:t>
+            </a:r>
+            <a:r>
+              <a:rPr lang="en-US" dirty="0" err="1" smtClean="0"/>
+              <a:t>BackRub</a:t>
+            </a:r>
+            <a:r>
+              <a:rPr lang="en-US" dirty="0" smtClean="0"/>
+              <a:t>”</a:t>
+            </a:r>
+          </a:p>
+          <a:p>
+            <a:r>
+              <a:rPr lang="en-US" dirty="0" smtClean="0"/>
+              <a:t>Larry and Sergey use Page Rank algorithm in Google for display search result.</a:t>
+            </a:r>
+          </a:p>
+          <a:p>
+            <a:r>
+              <a:rPr lang="en-US" dirty="0" smtClean="0"/>
+              <a:t>Domain Google.com registered in Sept. 15, 1997.</a:t>
+            </a:r>
+          </a:p>
+          <a:p>
+            <a:r>
+              <a:rPr lang="en-US" dirty="0" smtClean="0"/>
+              <a:t>Larry and Sergey formally </a:t>
+            </a:r>
+            <a:r>
+              <a:rPr lang="en-US" dirty="0" smtClean="0"/>
+              <a:t>incorporated their company, </a:t>
+            </a:r>
+            <a:r>
+              <a:rPr lang="en-US" i="1" dirty="0" smtClean="0"/>
+              <a:t>Google</a:t>
+            </a:r>
+            <a:r>
+              <a:rPr lang="en-US" dirty="0" smtClean="0"/>
+              <a:t>, on September 4, 1998 at a </a:t>
+            </a:r>
+            <a:r>
+              <a:rPr lang="en-US" dirty="0" smtClean="0"/>
+              <a:t>friend's garage </a:t>
+            </a:r>
+            <a:r>
+              <a:rPr lang="en-US" dirty="0" smtClean="0"/>
+              <a:t>in </a:t>
+            </a:r>
+            <a:r>
+              <a:rPr lang="en-US" dirty="0" smtClean="0"/>
+              <a:t>Menlo </a:t>
+            </a:r>
+            <a:r>
+              <a:rPr lang="en-US" dirty="0" err="1" smtClean="0"/>
+              <a:t>Park,California</a:t>
+            </a:r>
+            <a:r>
+              <a:rPr lang="en-US" dirty="0" smtClean="0"/>
+              <a:t>.</a:t>
+            </a:r>
+          </a:p>
+          <a:p>
+            <a:r>
+              <a:rPr lang="en-US" dirty="0" smtClean="0"/>
+              <a:t>Today Google have 70 offices in more than 40 countries and 4 offices are in India (</a:t>
+            </a:r>
+            <a:r>
+              <a:rPr lang="en-US" dirty="0" err="1" smtClean="0"/>
+              <a:t>Gurgaon</a:t>
+            </a:r>
+            <a:r>
+              <a:rPr lang="en-US" dirty="0" smtClean="0"/>
+              <a:t>, Mumbai, Bangalore, Hyderabad)</a:t>
+            </a:r>
+          </a:p>
+          <a:p>
+            <a:pPr>
+              <a:buNone/>
+            </a:pPr>
+            <a:endParaRPr lang="en-US" dirty="0"/>
+          </a:p>
+        </p:txBody>
+      </p:sp>
+    </p:spTree>
+  </p:cSld>
+  <p:clrMapOvr>
+    <a:masterClrMapping/>
+  </p:clrMapOvr>
+  <p:timing>
+    <p:tnLst>
+      <p:par>
+        <p:cTn id="1" dur="indefinite" restart="never" nodeType="tmRoot"/>
+      </p:par>
+    </p:tnLst>
+  </p:timing>
+</p:sld>
+</file>
+
+<file path=ppt/slides/slide4.xml><?xml version="1.0" encoding="utf-8"?>
+<p:sld xmlns:a="http://schemas.openxmlformats.org/drawingml/2006/main" xmlns:r="http://schemas.openxmlformats.org/officeDocument/2006/relationships" xmlns:p="http://schemas.openxmlformats.org/presentationml/2006/main">
+  <p:cSld>
+    <p:spTree>
+      <p:nvGrpSpPr>
+        <p:cNvPr id="1" name=""/>
+        <p:cNvGrpSpPr/>
+        <p:nvPr/>
+      </p:nvGrpSpPr>
+      <p:grpSpPr>
+        <a:xfrm>
+          <a:off x="0" y="0"/>
+          <a:ext cx="0" cy="0"/>
+          <a:chOff x="0" y="0"/>
+          <a:chExt cx="0" cy="0"/>
+        </a:xfrm>
+      </p:grpSpPr>
+      <p:sp>
+        <p:nvSpPr>
+          <p:cNvPr id="11" name="Title 10"/>
+          <p:cNvSpPr>
+            <a:spLocks noGrp="1"/>
+          </p:cNvSpPr>
+          <p:nvPr>
+            <p:ph type="title"/>
+          </p:nvPr>
+        </p:nvSpPr>
+        <p:spPr>
+          <a:xfrm>
+            <a:off x="457200" y="254170"/>
+            <a:ext cx="8274908" cy="736430"/>
+          </a:xfrm>
+        </p:spPr>
+        <p:txBody>
+          <a:bodyPr/>
+          <a:lstStyle/>
+          <a:p>
+            <a:r>
+              <a:rPr lang="en-US" sz="3200" b="1" dirty="0" smtClean="0">
+                <a:solidFill>
+                  <a:schemeClr val="tx1">
+                    <a:lumMod val="65000"/>
+                    <a:lumOff val="35000"/>
+                  </a:schemeClr>
+                </a:solidFill>
+              </a:rPr>
+              <a:t>How</a:t>
+            </a:r>
+            <a:r>
+              <a:rPr lang="en-US" sz="3200" b="1" dirty="0" smtClean="0">
+                <a:solidFill>
+                  <a:schemeClr val="accent2"/>
+                </a:solidFill>
+              </a:rPr>
+              <a:t> </a:t>
+            </a:r>
+            <a:r>
+              <a:rPr lang="en-US" sz="3200" b="1" dirty="0" smtClean="0">
+                <a:solidFill>
+                  <a:srgbClr val="1F74DB"/>
+                </a:solidFill>
+              </a:rPr>
+              <a:t>G</a:t>
+            </a:r>
+            <a:r>
+              <a:rPr lang="en-US" sz="3200" b="1" dirty="0" smtClean="0">
+                <a:solidFill>
+                  <a:srgbClr val="FF0000"/>
+                </a:solidFill>
+              </a:rPr>
+              <a:t>o</a:t>
+            </a:r>
+            <a:r>
+              <a:rPr lang="en-US" sz="3200" b="1" dirty="0" smtClean="0">
+                <a:solidFill>
+                  <a:schemeClr val="accent4"/>
+                </a:solidFill>
+              </a:rPr>
+              <a:t>o</a:t>
+            </a:r>
+            <a:r>
+              <a:rPr lang="en-US" sz="3200" b="1" dirty="0" smtClean="0">
+                <a:solidFill>
+                  <a:srgbClr val="1B79D7"/>
+                </a:solidFill>
+              </a:rPr>
+              <a:t>g</a:t>
+            </a:r>
+            <a:r>
+              <a:rPr lang="en-US" sz="3200" b="1" dirty="0" smtClean="0">
+                <a:solidFill>
+                  <a:srgbClr val="009900"/>
+                </a:solidFill>
+              </a:rPr>
+              <a:t>l</a:t>
+            </a:r>
+            <a:r>
+              <a:rPr lang="en-US" sz="3200" b="1" dirty="0" smtClean="0">
+                <a:solidFill>
+                  <a:srgbClr val="ED483D"/>
+                </a:solidFill>
+              </a:rPr>
+              <a:t>e </a:t>
+            </a:r>
+            <a:r>
+              <a:rPr lang="en-US" sz="3200" b="1" dirty="0" smtClean="0">
+                <a:solidFill>
+                  <a:schemeClr val="tx1">
+                    <a:lumMod val="65000"/>
+                    <a:lumOff val="35000"/>
+                  </a:schemeClr>
+                </a:solidFill>
+              </a:rPr>
+              <a:t>Start</a:t>
+            </a:r>
+            <a:endParaRPr lang="en-US" dirty="0">
+              <a:solidFill>
+                <a:schemeClr val="tx1">
+                  <a:lumMod val="65000"/>
+                  <a:lumOff val="35000"/>
+                </a:schemeClr>
+              </a:solidFill>
+            </a:endParaRPr>
+          </a:p>
+        </p:txBody>
+      </p:sp>
+      <p:sp>
+        <p:nvSpPr>
+          <p:cNvPr id="7" name="Content Placeholder 6"/>
+          <p:cNvSpPr>
+            <a:spLocks noGrp="1"/>
+          </p:cNvSpPr>
+          <p:nvPr>
+            <p:ph sz="quarter" idx="1"/>
+          </p:nvPr>
+        </p:nvSpPr>
+        <p:spPr>
+          <a:xfrm>
+            <a:off x="152400" y="990600"/>
+            <a:ext cx="8610600" cy="5483352"/>
+          </a:xfrm>
+        </p:spPr>
+        <p:txBody>
+          <a:bodyPr/>
+          <a:lstStyle/>
+          <a:p>
+            <a:pPr>
+              <a:buNone/>
+            </a:pPr>
+            <a:r>
+              <a:rPr lang="en-US" dirty="0" smtClean="0">
+                <a:solidFill>
+                  <a:schemeClr val="tx1">
+                    <a:lumMod val="65000"/>
+                    <a:lumOff val="35000"/>
+                  </a:schemeClr>
+                </a:solidFill>
+              </a:rPr>
+              <a:t>    Google </a:t>
+            </a:r>
+            <a:r>
+              <a:rPr lang="en-US" dirty="0" smtClean="0">
+                <a:solidFill>
+                  <a:schemeClr val="tx1">
+                    <a:lumMod val="65000"/>
+                    <a:lumOff val="35000"/>
+                  </a:schemeClr>
+                </a:solidFill>
+              </a:rPr>
+              <a:t>First office</a:t>
+            </a:r>
+          </a:p>
+          <a:p>
+            <a:pPr>
+              <a:buNone/>
+            </a:pPr>
+            <a:endParaRPr lang="en-US" dirty="0"/>
+          </a:p>
+        </p:txBody>
+      </p:sp>
+      <p:pic>
+        <p:nvPicPr>
+          <p:cNvPr id="8" name="Picture 7" descr="google-garage-stanford.png"/>
+          <p:cNvPicPr>
+            <a:picLocks noChangeAspect="1"/>
+          </p:cNvPicPr>
+          <p:nvPr/>
+        </p:nvPicPr>
+        <p:blipFill>
+          <a:blip r:embed="rId2"/>
+          <a:stretch>
+            <a:fillRect/>
+          </a:stretch>
+        </p:blipFill>
+        <p:spPr>
+          <a:xfrm>
+            <a:off x="213600" y="1447800"/>
+            <a:ext cx="8549400" cy="5181600"/>
+          </a:xfrm>
+          <a:prstGeom prst="rect">
+            <a:avLst/>
+          </a:prstGeom>
+        </p:spPr>
+      </p:pic>
+    </p:spTree>
+  </p:cSld>
+  <p:clrMapOvr>
+    <a:masterClrMapping/>
+  </p:clrMapOvr>
+  <p:timing>
+    <p:tnLst>
+      <p:par>
+        <p:cTn id="1" dur="indefinite" restart="never" nodeType="tmRoot"/>
+      </p:par>
+    </p:tnLst>
+  </p:timing>
+</p:sld>
+</file>
+
+<file path=ppt/slides/slide5.xml><?xml version="1.0" encoding="utf-8"?>
+<p:sld xmlns:a="http://schemas.openxmlformats.org/drawingml/2006/main" xmlns:r="http://schemas.openxmlformats.org/officeDocument/2006/relationships" xmlns:p="http://schemas.openxmlformats.org/presentationml/2006/main">
+  <p:cSld>
+    <p:spTree>
+      <p:nvGrpSpPr>
+        <p:cNvPr id="1" name=""/>
+        <p:cNvGrpSpPr/>
+        <p:nvPr/>
+      </p:nvGrpSpPr>
+      <p:grpSpPr>
+        <a:xfrm>
+          <a:off x="0" y="0"/>
+          <a:ext cx="0" cy="0"/>
+          <a:chOff x="0" y="0"/>
+          <a:chExt cx="0" cy="0"/>
+        </a:xfrm>
+      </p:grpSpPr>
+      <p:sp>
+        <p:nvSpPr>
+          <p:cNvPr id="11" name="Title 10"/>
+          <p:cNvSpPr>
+            <a:spLocks noGrp="1"/>
+          </p:cNvSpPr>
+          <p:nvPr>
+            <p:ph type="title"/>
+          </p:nvPr>
+        </p:nvSpPr>
+        <p:spPr>
+          <a:xfrm>
+            <a:off x="457200" y="254170"/>
+            <a:ext cx="8274908" cy="736430"/>
+          </a:xfrm>
+        </p:spPr>
+        <p:txBody>
+          <a:bodyPr/>
+          <a:lstStyle/>
+          <a:p>
+            <a:r>
+              <a:rPr lang="en-US" sz="3200" b="1" dirty="0" smtClean="0">
+                <a:solidFill>
+                  <a:schemeClr val="tx1">
+                    <a:lumMod val="65000"/>
+                    <a:lumOff val="35000"/>
+                  </a:schemeClr>
+                </a:solidFill>
+              </a:rPr>
+              <a:t>How</a:t>
+            </a:r>
+            <a:r>
+              <a:rPr lang="en-US" sz="3200" b="1" dirty="0" smtClean="0">
+                <a:solidFill>
+                  <a:schemeClr val="accent2"/>
+                </a:solidFill>
+              </a:rPr>
+              <a:t> </a:t>
+            </a:r>
+            <a:r>
+              <a:rPr lang="en-US" sz="3200" b="1" dirty="0" smtClean="0">
+                <a:solidFill>
+                  <a:srgbClr val="1F74DB"/>
+                </a:solidFill>
+              </a:rPr>
+              <a:t>G</a:t>
+            </a:r>
+            <a:r>
+              <a:rPr lang="en-US" sz="3200" b="1" dirty="0" smtClean="0">
+                <a:solidFill>
+                  <a:srgbClr val="FF0000"/>
+                </a:solidFill>
+              </a:rPr>
+              <a:t>o</a:t>
+            </a:r>
+            <a:r>
+              <a:rPr lang="en-US" sz="3200" b="1" dirty="0" smtClean="0">
+                <a:solidFill>
+                  <a:schemeClr val="accent4"/>
+                </a:solidFill>
+              </a:rPr>
+              <a:t>o</a:t>
+            </a:r>
+            <a:r>
+              <a:rPr lang="en-US" sz="3200" b="1" dirty="0" smtClean="0">
+                <a:solidFill>
+                  <a:srgbClr val="1B79D7"/>
+                </a:solidFill>
+              </a:rPr>
+              <a:t>g</a:t>
+            </a:r>
+            <a:r>
+              <a:rPr lang="en-US" sz="3200" b="1" dirty="0" smtClean="0">
+                <a:solidFill>
+                  <a:srgbClr val="009900"/>
+                </a:solidFill>
+              </a:rPr>
+              <a:t>l</a:t>
+            </a:r>
+            <a:r>
+              <a:rPr lang="en-US" sz="3200" b="1" dirty="0" smtClean="0">
+                <a:solidFill>
+                  <a:srgbClr val="ED483D"/>
+                </a:solidFill>
+              </a:rPr>
+              <a:t>e </a:t>
+            </a:r>
+            <a:r>
+              <a:rPr lang="en-US" sz="3200" b="1" dirty="0" smtClean="0">
+                <a:solidFill>
+                  <a:schemeClr val="tx1">
+                    <a:lumMod val="65000"/>
+                    <a:lumOff val="35000"/>
+                  </a:schemeClr>
+                </a:solidFill>
+              </a:rPr>
+              <a:t>Start</a:t>
+            </a:r>
+            <a:endParaRPr lang="en-US" dirty="0">
+              <a:solidFill>
+                <a:schemeClr val="tx1">
+                  <a:lumMod val="65000"/>
+                  <a:lumOff val="35000"/>
+                </a:schemeClr>
+              </a:solidFill>
+            </a:endParaRPr>
+          </a:p>
+        </p:txBody>
+      </p:sp>
+      <p:sp>
+        <p:nvSpPr>
+          <p:cNvPr id="7" name="Content Placeholder 6"/>
+          <p:cNvSpPr>
+            <a:spLocks noGrp="1"/>
+          </p:cNvSpPr>
+          <p:nvPr>
+            <p:ph sz="quarter" idx="1"/>
+          </p:nvPr>
+        </p:nvSpPr>
+        <p:spPr>
+          <a:xfrm>
+            <a:off x="152400" y="990600"/>
+            <a:ext cx="8610600" cy="5483352"/>
+          </a:xfrm>
+        </p:spPr>
+        <p:txBody>
+          <a:bodyPr/>
+          <a:lstStyle/>
+          <a:p>
+            <a:pPr>
+              <a:buNone/>
+            </a:pPr>
+            <a:r>
+              <a:rPr lang="en-US" dirty="0" smtClean="0">
+                <a:solidFill>
+                  <a:schemeClr val="tx1">
+                    <a:lumMod val="65000"/>
+                    <a:lumOff val="35000"/>
+                  </a:schemeClr>
+                </a:solidFill>
+              </a:rPr>
+              <a:t>    Google </a:t>
+            </a:r>
+            <a:r>
+              <a:rPr lang="en-US" dirty="0" smtClean="0">
+                <a:solidFill>
+                  <a:schemeClr val="tx1">
+                    <a:lumMod val="65000"/>
+                    <a:lumOff val="35000"/>
+                  </a:schemeClr>
+                </a:solidFill>
+              </a:rPr>
+              <a:t>First office</a:t>
+            </a:r>
+          </a:p>
+          <a:p>
+            <a:pPr>
+              <a:buNone/>
+            </a:pPr>
+            <a:endParaRPr lang="en-US" dirty="0"/>
+          </a:p>
+        </p:txBody>
+      </p:sp>
+      <p:pic>
+        <p:nvPicPr>
+          <p:cNvPr id="8" name="Picture 7" descr="google-garage-stanford.png"/>
+          <p:cNvPicPr>
+            <a:picLocks noChangeAspect="1"/>
+          </p:cNvPicPr>
+          <p:nvPr/>
+        </p:nvPicPr>
+        <p:blipFill>
+          <a:blip r:embed="rId2"/>
+          <a:stretch>
+            <a:fillRect/>
+          </a:stretch>
+        </p:blipFill>
+        <p:spPr>
+          <a:xfrm>
+            <a:off x="152400" y="1447800"/>
+            <a:ext cx="8610600" cy="5410200"/>
+          </a:xfrm>
+          <a:prstGeom prst="rect">
+            <a:avLst/>
+          </a:prstGeom>
+        </p:spPr>
+      </p:pic>
+    </p:spTree>
+  </p:cSld>
+  <p:clrMapOvr>
+    <a:masterClrMapping/>
+  </p:clrMapOvr>
+  <p:timing>
+    <p:tnLst>
+      <p:par>
+        <p:cTn id="1" dur="indefinite" restart="never" nodeType="tmRoot"/>
+      </p:par>
+    </p:tnLst>
+  </p:timing>
+</p:sld>
+</file>
+
+<file path=ppt/slides/slide6.xml><?xml version="1.0" encoding="utf-8"?>
+<p:sld xmlns:a="http://schemas.openxmlformats.org/drawingml/2006/main" xmlns:r="http://schemas.openxmlformats.org/officeDocument/2006/relationships" xmlns:p="http://schemas.openxmlformats.org/presentationml/2006/main">
+  <p:cSld>
+    <p:spTree>
+      <p:nvGrpSpPr>
+        <p:cNvPr id="1" name=""/>
+        <p:cNvGrpSpPr/>
+        <p:nvPr/>
+      </p:nvGrpSpPr>
+      <p:grpSpPr>
+        <a:xfrm>
+          <a:off x="0" y="0"/>
+          <a:ext cx="0" cy="0"/>
+          <a:chOff x="0" y="0"/>
+          <a:chExt cx="0" cy="0"/>
+        </a:xfrm>
+      </p:grpSpPr>
+      <p:sp>
+        <p:nvSpPr>
+          <p:cNvPr id="11" name="Title 10"/>
+          <p:cNvSpPr>
+            <a:spLocks noGrp="1"/>
+          </p:cNvSpPr>
+          <p:nvPr>
+            <p:ph type="title"/>
+          </p:nvPr>
+        </p:nvSpPr>
+        <p:spPr>
+          <a:xfrm>
+            <a:off x="152400" y="254170"/>
+            <a:ext cx="8579708" cy="736430"/>
+          </a:xfrm>
+        </p:spPr>
+        <p:txBody>
+          <a:bodyPr>
+            <a:normAutofit fontScale="90000"/>
+          </a:bodyPr>
+          <a:lstStyle/>
+          <a:p>
+            <a:r>
+              <a:rPr lang="en-US" sz="3200" b="1" dirty="0" smtClean="0">
+                <a:solidFill>
+                  <a:srgbClr val="1F74DB"/>
+                </a:solidFill>
+              </a:rPr>
+              <a:t>G</a:t>
+            </a:r>
+            <a:r>
+              <a:rPr lang="en-US" sz="3200" b="1" dirty="0" smtClean="0">
+                <a:solidFill>
+                  <a:srgbClr val="FF0000"/>
+                </a:solidFill>
+              </a:rPr>
+              <a:t>o</a:t>
+            </a:r>
+            <a:r>
+              <a:rPr lang="en-US" sz="3200" b="1" dirty="0" smtClean="0">
+                <a:solidFill>
+                  <a:schemeClr val="accent4"/>
+                </a:solidFill>
+              </a:rPr>
+              <a:t>o</a:t>
+            </a:r>
+            <a:r>
+              <a:rPr lang="en-US" sz="3200" b="1" dirty="0" smtClean="0">
+                <a:solidFill>
+                  <a:srgbClr val="1B79D7"/>
+                </a:solidFill>
+              </a:rPr>
+              <a:t>g</a:t>
+            </a:r>
+            <a:r>
+              <a:rPr lang="en-US" sz="3200" b="1" dirty="0" smtClean="0">
+                <a:solidFill>
+                  <a:srgbClr val="009900"/>
+                </a:solidFill>
+              </a:rPr>
+              <a:t>l</a:t>
+            </a:r>
+            <a:r>
+              <a:rPr lang="en-US" sz="3200" b="1" dirty="0" smtClean="0">
+                <a:solidFill>
+                  <a:srgbClr val="ED483D"/>
+                </a:solidFill>
+              </a:rPr>
+              <a:t>e </a:t>
+            </a:r>
+            <a:r>
+              <a:rPr lang="en-US" dirty="0" smtClean="0">
+                <a:solidFill>
+                  <a:schemeClr val="tx1">
+                    <a:lumMod val="65000"/>
+                    <a:lumOff val="35000"/>
+                  </a:schemeClr>
+                </a:solidFill>
+              </a:rPr>
+              <a:t>Current Head Quarters in California</a:t>
+            </a:r>
+            <a:endParaRPr lang="en-US" dirty="0">
+              <a:solidFill>
+                <a:schemeClr val="tx1">
+                  <a:lumMod val="65000"/>
+                  <a:lumOff val="35000"/>
+                </a:schemeClr>
+              </a:solidFill>
+            </a:endParaRPr>
+          </a:p>
+        </p:txBody>
+      </p:sp>
+      <p:sp>
+        <p:nvSpPr>
+          <p:cNvPr id="7" name="Content Placeholder 6"/>
+          <p:cNvSpPr>
+            <a:spLocks noGrp="1"/>
+          </p:cNvSpPr>
+          <p:nvPr>
+            <p:ph sz="quarter" idx="1"/>
+          </p:nvPr>
+        </p:nvSpPr>
+        <p:spPr>
+          <a:xfrm>
+            <a:off x="152400" y="990600"/>
+            <a:ext cx="8610600" cy="5483352"/>
+          </a:xfrm>
+        </p:spPr>
+        <p:txBody>
+          <a:bodyPr/>
+          <a:lstStyle/>
+          <a:p>
+            <a:pPr>
+              <a:buNone/>
+            </a:pPr>
+            <a:r>
+              <a:rPr lang="en-US" dirty="0" smtClean="0">
+                <a:solidFill>
+                  <a:schemeClr val="tx1">
+                    <a:lumMod val="65000"/>
+                    <a:lumOff val="35000"/>
+                  </a:schemeClr>
+                </a:solidFill>
+              </a:rPr>
+              <a:t>    </a:t>
+            </a:r>
+            <a:endParaRPr lang="en-US" dirty="0" smtClean="0">
+              <a:solidFill>
+                <a:schemeClr val="tx1">
+                  <a:lumMod val="65000"/>
+                  <a:lumOff val="35000"/>
+                </a:schemeClr>
+              </a:solidFill>
+            </a:endParaRPr>
+          </a:p>
+          <a:p>
+            <a:pPr>
+              <a:buNone/>
+            </a:pPr>
+            <a:endParaRPr lang="en-US" dirty="0"/>
+          </a:p>
+        </p:txBody>
+      </p:sp>
+      <p:pic>
+        <p:nvPicPr>
+          <p:cNvPr id="8" name="Picture 7" descr="google-garage-stanford.png"/>
+          <p:cNvPicPr>
+            <a:picLocks noChangeAspect="1"/>
+          </p:cNvPicPr>
+          <p:nvPr/>
+        </p:nvPicPr>
+        <p:blipFill>
+          <a:blip r:embed="rId2"/>
+          <a:stretch>
+            <a:fillRect/>
+          </a:stretch>
+        </p:blipFill>
+        <p:spPr>
+          <a:xfrm>
+            <a:off x="152400" y="990600"/>
+            <a:ext cx="8610600" cy="5836967"/>
+          </a:xfrm>
+          <a:prstGeom prst="rect">
+            <a:avLst/>
+          </a:prstGeom>
+        </p:spPr>
+      </p:pic>
+    </p:spTree>
+  </p:cSld>
+  <p:clrMapOvr>
+    <a:masterClrMapping/>
+  </p:clrMapOvr>
+  <p:timing>
+    <p:tnLst>
+      <p:par>
+        <p:cTn id="1" dur="indefinite" restart="never" nodeType="tmRoot"/>
+      </p:par>
+    </p:tnLst>
+  </p:timing>
+</p:sld>
+</file>
+
 <file path=ppt/slides/slide7.xml><?xml version="1.0" encoding="utf-8"?>
 <p:sld xmlns:a="http://schemas.openxmlformats.org/drawingml/2006/main" xmlns:r="http://schemas.openxmlformats.org/officeDocument/2006/relationships" xmlns:p="http://schemas.openxmlformats.org/presentationml/2006/main">
   <p:cSld>
@@ -6946,103 +8645,89 @@
         </p:nvSpPr>
         <p:spPr>
           <a:xfrm>
-            <a:off x="457200" y="274638"/>
-            <a:ext cx="7467600" cy="715962"/>
+            <a:off x="228600" y="254170"/>
+            <a:ext cx="8503508" cy="736430"/>
           </a:xfrm>
         </p:spPr>
         <p:txBody>
           <a:bodyPr>
-            <a:normAutofit/>
+            <a:normAutofit fontScale="90000"/>
           </a:bodyPr>
           <a:lstStyle/>
           <a:p>
             <a:r>
-              <a:rPr lang="en-AU" sz="2400" b="1" dirty="0" smtClean="0">
+              <a:rPr lang="en-US" sz="3200" b="1" dirty="0" smtClean="0">
+                <a:solidFill>
+                  <a:srgbClr val="1F74DB"/>
+                </a:solidFill>
+              </a:rPr>
+              <a:t>G</a:t>
+            </a:r>
+            <a:r>
+              <a:rPr lang="en-US" sz="3200" b="1" dirty="0" smtClean="0">
+                <a:solidFill>
+                  <a:srgbClr val="FF0000"/>
+                </a:solidFill>
+              </a:rPr>
+              <a:t>o</a:t>
+            </a:r>
+            <a:r>
+              <a:rPr lang="en-US" sz="3200" b="1" dirty="0" smtClean="0">
+                <a:solidFill>
+                  <a:schemeClr val="accent4"/>
+                </a:solidFill>
+              </a:rPr>
+              <a:t>o</a:t>
+            </a:r>
+            <a:r>
+              <a:rPr lang="en-US" sz="3200" b="1" dirty="0" smtClean="0">
                 <a:solidFill>
                   <a:srgbClr val="1B79D7"/>
                 </a:solidFill>
               </a:rPr>
-              <a:t>Some Interesting</a:t>
-            </a:r>
-            <a:r>
-              <a:rPr lang="en-AU" sz="3200" b="1" dirty="0" smtClean="0">
-                <a:solidFill>
-                  <a:srgbClr val="1B79D7"/>
-                </a:solidFill>
-              </a:rPr>
-              <a:t> </a:t>
+              <a:t>g</a:t>
             </a:r>
             <a:r>
               <a:rPr lang="en-US" sz="3200" b="1" dirty="0" smtClean="0">
                 <a:solidFill>
-                  <a:schemeClr val="accent2"/>
-                </a:solidFill>
-              </a:rPr>
-              <a:t>G</a:t>
+                  <a:srgbClr val="009900"/>
+                </a:solidFill>
+              </a:rPr>
+              <a:t>l</a:t>
             </a:r>
             <a:r>
               <a:rPr lang="en-US" sz="3200" b="1" dirty="0" smtClean="0">
                 <a:solidFill>
-                  <a:srgbClr val="FF0000"/>
-                </a:solidFill>
-              </a:rPr>
-              <a:t>o</a:t>
-            </a:r>
-            <a:r>
-              <a:rPr lang="en-US" sz="3200" b="1" dirty="0" smtClean="0">
-                <a:solidFill>
-                  <a:srgbClr val="FFF529"/>
-                </a:solidFill>
-              </a:rPr>
-              <a:t>o</a:t>
-            </a:r>
-            <a:r>
-              <a:rPr lang="en-US" sz="3200" b="1" dirty="0" smtClean="0">
-                <a:solidFill>
-                  <a:srgbClr val="1B79D7"/>
-                </a:solidFill>
-              </a:rPr>
-              <a:t>g</a:t>
-            </a:r>
-            <a:r>
-              <a:rPr lang="en-US" sz="3200" b="1" dirty="0" smtClean="0">
-                <a:solidFill>
-                  <a:srgbClr val="009900"/>
-                </a:solidFill>
-              </a:rPr>
-              <a:t>l</a:t>
-            </a:r>
-            <a:r>
-              <a:rPr lang="en-US" sz="3200" b="1" dirty="0" smtClean="0">
-                <a:solidFill>
                   <a:srgbClr val="ED483D"/>
                 </a:solidFill>
               </a:rPr>
-              <a:t>e</a:t>
-            </a:r>
-            <a:r>
-              <a:rPr lang="en-US" sz="3200" b="1" dirty="0" smtClean="0">
-                <a:solidFill>
-                  <a:schemeClr val="accent1"/>
-                </a:solidFill>
-              </a:rPr>
-              <a:t> </a:t>
-            </a:r>
-            <a:r>
-              <a:rPr lang="en-AU" sz="2400" b="1" dirty="0" smtClean="0">
-                <a:solidFill>
-                  <a:srgbClr val="1B79D7"/>
-                </a:solidFill>
-              </a:rPr>
-              <a:t>Data-Points</a:t>
-            </a:r>
-            <a:endParaRPr lang="en-US" dirty="0"/>
-          </a:p>
-        </p:txBody>
-      </p:sp>
-      <p:sp>
-        <p:nvSpPr>
-          <p:cNvPr id="6" name="Content Placeholder 5"/>
+              <a:t>e </a:t>
+            </a:r>
+            <a:r>
+              <a:rPr lang="en-US" dirty="0" smtClean="0">
+                <a:solidFill>
+                  <a:schemeClr val="tx1">
+                    <a:lumMod val="65000"/>
+                    <a:lumOff val="35000"/>
+                  </a:schemeClr>
+                </a:solidFill>
+              </a:rPr>
+              <a:t>Current Head Quarters in California</a:t>
+            </a:r>
+            <a:endParaRPr lang="en-US" dirty="0">
+              <a:solidFill>
+                <a:schemeClr val="tx1">
+                  <a:lumMod val="65000"/>
+                  <a:lumOff val="35000"/>
+                </a:schemeClr>
+              </a:solidFill>
+            </a:endParaRPr>
+          </a:p>
+        </p:txBody>
+      </p:sp>
+      <p:sp>
+        <p:nvSpPr>
+          <p:cNvPr id="7" name="Content Placeholder 6"/>
           <p:cNvSpPr>
             <a:spLocks noGrp="1"/>
           </p:cNvSpPr>
@@ -7052,754 +8737,69 @@
         </p:nvSpPr>
         <p:spPr>
           <a:xfrm>
-            <a:off x="457200" y="1219200"/>
-            <a:ext cx="7467600" cy="5254752"/>
-          </a:xfrm>
-        </p:spPr>
-        <p:txBody>
-          <a:bodyPr>
-            <a:normAutofit fontScale="70000" lnSpcReduction="20000"/>
-          </a:bodyPr>
-          <a:lstStyle/>
-          <a:p>
-            <a:pPr marL="339725" indent="-339725">
-              <a:lnSpc>
-                <a:spcPct val="100000"/>
-              </a:lnSpc>
-              <a:spcBef>
-                <a:spcPct val="55000"/>
-              </a:spcBef>
-              <a:spcAft>
-                <a:spcPct val="0"/>
-              </a:spcAft>
-              <a:buClr>
-                <a:srgbClr val="1B79D7"/>
-              </a:buClr>
-              <a:buFont typeface="Wingdings" pitchFamily="2" charset="2"/>
-              <a:buChar char="«"/>
+            <a:off x="152400" y="990600"/>
+            <a:ext cx="8610600" cy="5483352"/>
+          </a:xfrm>
+        </p:spPr>
+        <p:txBody>
+          <a:bodyPr/>
+          <a:lstStyle/>
+          <a:p>
+            <a:pPr>
+              <a:buNone/>
             </a:pPr>
             <a:r>
-              <a:rPr lang="en-US" sz="2500" b="1" dirty="0" smtClean="0">
-                <a:solidFill>
-                  <a:schemeClr val="accent2">
-                    <a:lumMod val="75000"/>
+              <a:rPr lang="en-US" dirty="0" smtClean="0">
+                <a:solidFill>
+                  <a:schemeClr val="tx1">
+                    <a:lumMod val="65000"/>
+                    <a:lumOff val="35000"/>
                   </a:schemeClr>
                 </a:solidFill>
               </a:rPr>
-              <a:t>G</a:t>
-            </a:r>
-            <a:r>
-              <a:rPr lang="en-US" sz="2500" b="1" dirty="0" smtClean="0">
-                <a:solidFill>
-                  <a:srgbClr val="FF0000"/>
-                </a:solidFill>
-              </a:rPr>
-              <a:t>o</a:t>
-            </a:r>
-            <a:r>
-              <a:rPr lang="en-US" sz="2500" b="1" dirty="0" smtClean="0">
-                <a:solidFill>
-                  <a:schemeClr val="accent4"/>
-                </a:solidFill>
-              </a:rPr>
-              <a:t>o</a:t>
-            </a:r>
-            <a:r>
-              <a:rPr lang="en-US" sz="2500" b="1" dirty="0" smtClean="0">
-                <a:solidFill>
-                  <a:srgbClr val="1B79D7"/>
-                </a:solidFill>
-              </a:rPr>
-              <a:t>g</a:t>
-            </a:r>
-            <a:r>
-              <a:rPr lang="en-US" sz="2500" b="1" dirty="0" smtClean="0">
-                <a:solidFill>
-                  <a:srgbClr val="00B050"/>
-                </a:solidFill>
-              </a:rPr>
-              <a:t>l</a:t>
-            </a:r>
-            <a:r>
-              <a:rPr lang="en-US" sz="2500" b="1" dirty="0" smtClean="0">
-                <a:solidFill>
-                  <a:srgbClr val="ED483D"/>
-                </a:solidFill>
-              </a:rPr>
-              <a:t>e</a:t>
-            </a:r>
-            <a:r>
-              <a:rPr lang="en-US" sz="2500" dirty="0" smtClean="0"/>
-              <a:t> </a:t>
-            </a:r>
-            <a:r>
-              <a:rPr lang="en-US" sz="2500" dirty="0" smtClean="0"/>
-              <a:t>started in January, 1996 as a research project at Stanford University, by Ph.D. candidates Larry Page and Sergey </a:t>
-            </a:r>
-            <a:r>
-              <a:rPr lang="en-US" sz="2500" dirty="0" err="1" smtClean="0"/>
-              <a:t>Brin</a:t>
-            </a:r>
-            <a:r>
-              <a:rPr lang="en-US" sz="2500" dirty="0" smtClean="0"/>
-              <a:t> when they were 24 years old and 23 years old respectively</a:t>
-            </a:r>
-            <a:r>
-              <a:rPr lang="en-US" sz="2500" dirty="0" smtClean="0"/>
-              <a:t>.</a:t>
-            </a:r>
-            <a:endParaRPr lang="en-US" sz="2000" dirty="0" smtClean="0"/>
-          </a:p>
-          <a:p>
-            <a:pPr marL="339725" indent="-339725">
-              <a:lnSpc>
-                <a:spcPct val="100000"/>
-              </a:lnSpc>
-              <a:spcBef>
-                <a:spcPct val="55000"/>
-              </a:spcBef>
-              <a:spcAft>
-                <a:spcPct val="0"/>
-              </a:spcAft>
-              <a:buClr>
-                <a:srgbClr val="1B79D7"/>
-              </a:buClr>
-              <a:buFont typeface="Wingdings" pitchFamily="2" charset="2"/>
-              <a:buChar char="«"/>
-            </a:pPr>
-            <a:r>
-              <a:rPr lang="en-US" sz="2500" dirty="0" smtClean="0"/>
-              <a:t>The name </a:t>
-            </a:r>
-            <a:r>
-              <a:rPr lang="en-US" sz="2500" b="1" dirty="0" smtClean="0">
-                <a:solidFill>
-                  <a:schemeClr val="accent2">
-                    <a:lumMod val="75000"/>
-                  </a:schemeClr>
-                </a:solidFill>
-              </a:rPr>
-              <a:t>G</a:t>
-            </a:r>
-            <a:r>
-              <a:rPr lang="en-US" sz="2500" b="1" dirty="0" smtClean="0">
-                <a:solidFill>
-                  <a:srgbClr val="FF0000"/>
-                </a:solidFill>
-              </a:rPr>
-              <a:t>o</a:t>
-            </a:r>
-            <a:r>
-              <a:rPr lang="en-US" sz="2500" b="1" dirty="0" smtClean="0">
-                <a:solidFill>
-                  <a:schemeClr val="accent4"/>
-                </a:solidFill>
-              </a:rPr>
-              <a:t>o</a:t>
-            </a:r>
-            <a:r>
-              <a:rPr lang="en-US" sz="2500" b="1" dirty="0" smtClean="0">
-                <a:solidFill>
-                  <a:srgbClr val="1B79D7"/>
-                </a:solidFill>
-              </a:rPr>
-              <a:t>g</a:t>
-            </a:r>
-            <a:r>
-              <a:rPr lang="en-US" sz="2500" b="1" dirty="0" smtClean="0">
-                <a:solidFill>
-                  <a:srgbClr val="00B050"/>
-                </a:solidFill>
-              </a:rPr>
-              <a:t>l</a:t>
-            </a:r>
-            <a:r>
-              <a:rPr lang="en-US" sz="2500" b="1" dirty="0" smtClean="0">
-                <a:solidFill>
-                  <a:srgbClr val="ED483D"/>
-                </a:solidFill>
-              </a:rPr>
-              <a:t>e </a:t>
-            </a:r>
-            <a:r>
-              <a:rPr lang="en-US" sz="2500" dirty="0" smtClean="0"/>
-              <a:t>™ </a:t>
-            </a:r>
-            <a:r>
-              <a:rPr lang="en-US" sz="2500" dirty="0" smtClean="0"/>
-              <a:t>was an accident. A spelling mistake made by the original founders who thought they were going for ˜Googol™”</a:t>
-            </a:r>
-            <a:endParaRPr lang="en-US" sz="2500" dirty="0" smtClean="0"/>
-          </a:p>
-          <a:p>
-            <a:pPr marL="339725" indent="-339725">
-              <a:lnSpc>
-                <a:spcPct val="100000"/>
-              </a:lnSpc>
-              <a:spcBef>
-                <a:spcPct val="55000"/>
-              </a:spcBef>
-              <a:spcAft>
-                <a:spcPct val="0"/>
-              </a:spcAft>
-              <a:buClr>
-                <a:srgbClr val="1B79D7"/>
-              </a:buClr>
-              <a:buFont typeface="Wingdings" pitchFamily="2" charset="2"/>
-              <a:buChar char="«"/>
-            </a:pPr>
-            <a:r>
-              <a:rPr lang="en-US" sz="2300" b="1" dirty="0" smtClean="0">
-                <a:solidFill>
-                  <a:schemeClr val="tx2"/>
-                </a:solidFill>
-              </a:rPr>
-              <a:t>Searches per day</a:t>
-            </a:r>
-            <a:r>
-              <a:rPr lang="en-US" sz="2300" dirty="0" smtClean="0">
-                <a:solidFill>
-                  <a:schemeClr val="tx2"/>
-                </a:solidFill>
-              </a:rPr>
-              <a:t>: Average per second search of people search on </a:t>
-            </a:r>
-            <a:r>
-              <a:rPr lang="en-US" sz="2300" b="1" dirty="0" smtClean="0">
-                <a:solidFill>
-                  <a:schemeClr val="accent2">
-                    <a:lumMod val="75000"/>
-                  </a:schemeClr>
-                </a:solidFill>
-              </a:rPr>
-              <a:t>G</a:t>
-            </a:r>
-            <a:r>
-              <a:rPr lang="en-US" sz="2300" b="1" dirty="0" smtClean="0">
-                <a:solidFill>
-                  <a:srgbClr val="FF0000"/>
-                </a:solidFill>
-              </a:rPr>
-              <a:t>o</a:t>
-            </a:r>
-            <a:r>
-              <a:rPr lang="en-US" sz="2300" b="1" dirty="0" smtClean="0">
-                <a:solidFill>
-                  <a:schemeClr val="accent4"/>
-                </a:solidFill>
-              </a:rPr>
-              <a:t>o</a:t>
-            </a:r>
-            <a:r>
-              <a:rPr lang="en-US" sz="2300" b="1" dirty="0" smtClean="0">
-                <a:solidFill>
-                  <a:srgbClr val="1B79D7"/>
-                </a:solidFill>
-              </a:rPr>
-              <a:t>g</a:t>
-            </a:r>
-            <a:r>
-              <a:rPr lang="en-US" sz="2300" b="1" dirty="0" smtClean="0">
-                <a:solidFill>
-                  <a:srgbClr val="00B050"/>
-                </a:solidFill>
-              </a:rPr>
-              <a:t>l</a:t>
-            </a:r>
-            <a:r>
-              <a:rPr lang="en-US" sz="2300" b="1" dirty="0" smtClean="0">
-                <a:solidFill>
-                  <a:srgbClr val="ED483D"/>
-                </a:solidFill>
-              </a:rPr>
-              <a:t>e </a:t>
-            </a:r>
-            <a:r>
-              <a:rPr lang="en-US" sz="2300" dirty="0" smtClean="0">
-                <a:solidFill>
-                  <a:schemeClr val="tx2"/>
-                </a:solidFill>
-              </a:rPr>
-              <a:t>for </a:t>
-            </a:r>
-            <a:r>
-              <a:rPr lang="en-US" sz="2300" dirty="0" smtClean="0">
-                <a:solidFill>
-                  <a:schemeClr val="tx2"/>
-                </a:solidFill>
-              </a:rPr>
-              <a:t>is  </a:t>
-            </a:r>
-            <a:r>
-              <a:rPr lang="en-US" sz="2300" b="1" dirty="0" smtClean="0"/>
-              <a:t>40,000</a:t>
-            </a:r>
-            <a:br>
-              <a:rPr lang="en-US" sz="2300" b="1" dirty="0" smtClean="0"/>
-            </a:br>
-            <a:r>
-              <a:rPr lang="en-US" sz="2300" b="1" dirty="0" smtClean="0">
-                <a:hlinkClick r:id="rId2"/>
-              </a:rPr>
-              <a:t>http://www.internetlivestats.com/google-search-statistics/</a:t>
-            </a:r>
-            <a:endParaRPr lang="en-US" sz="2300" dirty="0" smtClean="0">
+              <a:t>    </a:t>
+            </a:r>
+            <a:endParaRPr lang="en-US" dirty="0" smtClean="0">
               <a:solidFill>
-                <a:schemeClr val="tx2"/>
+                <a:schemeClr val="tx1">
+                  <a:lumMod val="65000"/>
+                  <a:lumOff val="35000"/>
+                </a:schemeClr>
               </a:solidFill>
             </a:endParaRPr>
           </a:p>
           <a:p>
-            <a:pPr marL="339725" indent="-339725">
-              <a:lnSpc>
-                <a:spcPct val="100000"/>
-              </a:lnSpc>
-              <a:spcBef>
-                <a:spcPct val="55000"/>
-              </a:spcBef>
-              <a:spcAft>
-                <a:spcPct val="0"/>
-              </a:spcAft>
-              <a:buClr>
-                <a:srgbClr val="1B79D7"/>
-              </a:buClr>
-              <a:buFont typeface="Wingdings" pitchFamily="2" charset="2"/>
-              <a:buChar char="«"/>
+            <a:pPr>
+              <a:buNone/>
             </a:pPr>
-            <a:r>
-              <a:rPr lang="en-US" sz="2300" b="1" dirty="0" smtClean="0">
-                <a:solidFill>
-                  <a:schemeClr val="accent2">
-                    <a:lumMod val="75000"/>
-                  </a:schemeClr>
-                </a:solidFill>
-              </a:rPr>
-              <a:t>G</a:t>
-            </a:r>
-            <a:r>
-              <a:rPr lang="en-US" sz="2300" b="1" dirty="0" smtClean="0">
-                <a:solidFill>
-                  <a:srgbClr val="FF0000"/>
-                </a:solidFill>
-              </a:rPr>
-              <a:t>o</a:t>
-            </a:r>
-            <a:r>
-              <a:rPr lang="en-US" sz="2300" b="1" dirty="0" smtClean="0">
-                <a:solidFill>
-                  <a:schemeClr val="accent4"/>
-                </a:solidFill>
-              </a:rPr>
-              <a:t>o</a:t>
-            </a:r>
-            <a:r>
-              <a:rPr lang="en-US" sz="2300" b="1" dirty="0" smtClean="0">
-                <a:solidFill>
-                  <a:srgbClr val="1B79D7"/>
-                </a:solidFill>
-              </a:rPr>
-              <a:t>g</a:t>
-            </a:r>
-            <a:r>
-              <a:rPr lang="en-US" sz="2300" b="1" dirty="0" smtClean="0">
-                <a:solidFill>
-                  <a:srgbClr val="00B050"/>
-                </a:solidFill>
-              </a:rPr>
-              <a:t>l</a:t>
-            </a:r>
-            <a:r>
-              <a:rPr lang="en-US" sz="2300" b="1" dirty="0" smtClean="0">
-                <a:solidFill>
-                  <a:srgbClr val="ED483D"/>
-                </a:solidFill>
-              </a:rPr>
-              <a:t>e</a:t>
-            </a:r>
-            <a:r>
-              <a:rPr lang="en-US" sz="2300" b="1" dirty="0" smtClean="0">
-                <a:solidFill>
-                  <a:schemeClr val="tx2"/>
-                </a:solidFill>
-              </a:rPr>
-              <a:t> </a:t>
-            </a:r>
-            <a:r>
-              <a:rPr lang="en-US" sz="2300" b="1" dirty="0" err="1" smtClean="0">
-                <a:solidFill>
-                  <a:schemeClr val="tx2"/>
-                </a:solidFill>
-              </a:rPr>
-              <a:t>Adsense</a:t>
-            </a:r>
-            <a:r>
-              <a:rPr lang="en-US" sz="2300" b="1" dirty="0" smtClean="0">
-                <a:solidFill>
-                  <a:schemeClr val="tx2"/>
-                </a:solidFill>
-              </a:rPr>
-              <a:t> </a:t>
-            </a:r>
-            <a:r>
-              <a:rPr lang="en-US" sz="2300" b="1" dirty="0" smtClean="0">
-                <a:solidFill>
-                  <a:schemeClr val="tx2"/>
-                </a:solidFill>
-              </a:rPr>
-              <a:t>income:  </a:t>
-            </a:r>
-          </a:p>
-          <a:p>
-            <a:pPr marL="705485" lvl="1" indent="-339725">
-              <a:spcBef>
-                <a:spcPct val="55000"/>
-              </a:spcBef>
-              <a:spcAft>
-                <a:spcPct val="0"/>
-              </a:spcAft>
-              <a:buClr>
-                <a:srgbClr val="1B79D7"/>
-              </a:buClr>
-              <a:buFont typeface="Wingdings" pitchFamily="2" charset="2"/>
-              <a:buChar char="«"/>
-            </a:pPr>
-            <a:r>
-              <a:rPr lang="en-US" sz="2300" dirty="0" smtClean="0">
-                <a:solidFill>
-                  <a:schemeClr val="tx2"/>
-                </a:solidFill>
-              </a:rPr>
-              <a:t>Top three companies that earn from </a:t>
-            </a:r>
-            <a:r>
-              <a:rPr lang="en-US" sz="2300" b="1" dirty="0" smtClean="0">
-                <a:solidFill>
-                  <a:schemeClr val="accent2">
-                    <a:lumMod val="75000"/>
-                  </a:schemeClr>
-                </a:solidFill>
-              </a:rPr>
-              <a:t>G</a:t>
-            </a:r>
-            <a:r>
-              <a:rPr lang="en-US" sz="2300" b="1" dirty="0" smtClean="0">
-                <a:solidFill>
-                  <a:srgbClr val="FF0000"/>
-                </a:solidFill>
-              </a:rPr>
-              <a:t>o</a:t>
-            </a:r>
-            <a:r>
-              <a:rPr lang="en-US" sz="2300" b="1" dirty="0" smtClean="0">
-                <a:solidFill>
-                  <a:schemeClr val="accent4"/>
-                </a:solidFill>
-              </a:rPr>
-              <a:t>o</a:t>
-            </a:r>
-            <a:r>
-              <a:rPr lang="en-US" sz="2300" b="1" dirty="0" smtClean="0">
-                <a:solidFill>
-                  <a:srgbClr val="1B79D7"/>
-                </a:solidFill>
-              </a:rPr>
-              <a:t>g</a:t>
-            </a:r>
-            <a:r>
-              <a:rPr lang="en-US" sz="2300" b="1" dirty="0" smtClean="0">
-                <a:solidFill>
-                  <a:srgbClr val="00B050"/>
-                </a:solidFill>
-              </a:rPr>
-              <a:t>l</a:t>
-            </a:r>
-            <a:r>
-              <a:rPr lang="en-US" sz="2300" b="1" dirty="0" smtClean="0">
-                <a:solidFill>
-                  <a:srgbClr val="ED483D"/>
-                </a:solidFill>
-              </a:rPr>
-              <a:t>e</a:t>
-            </a:r>
-            <a:r>
-              <a:rPr lang="en-US" sz="2000" dirty="0" smtClean="0">
-                <a:solidFill>
-                  <a:schemeClr val="tx2"/>
-                </a:solidFill>
-              </a:rPr>
-              <a:t> </a:t>
-            </a:r>
-            <a:r>
-              <a:rPr lang="en-US" sz="2300" dirty="0" smtClean="0">
-                <a:solidFill>
-                  <a:schemeClr val="tx2"/>
-                </a:solidFill>
-              </a:rPr>
-              <a:t>ad-</a:t>
-            </a:r>
-            <a:r>
-              <a:rPr lang="en-US" sz="2300" dirty="0" err="1" smtClean="0">
-                <a:solidFill>
-                  <a:schemeClr val="tx2"/>
-                </a:solidFill>
-              </a:rPr>
-              <a:t>sence</a:t>
-            </a:r>
-            <a:endParaRPr lang="en-US" sz="2300" dirty="0" smtClean="0">
-              <a:solidFill>
-                <a:schemeClr val="tx2"/>
-              </a:solidFill>
-            </a:endParaRPr>
-          </a:p>
-          <a:p>
-            <a:pPr marL="979805" lvl="2" indent="-339725">
-              <a:spcBef>
-                <a:spcPct val="55000"/>
-              </a:spcBef>
-              <a:spcAft>
-                <a:spcPct val="0"/>
-              </a:spcAft>
-              <a:buClr>
-                <a:srgbClr val="1B79D7"/>
-              </a:buClr>
-              <a:buFont typeface="Wingdings" pitchFamily="2" charset="2"/>
-              <a:buChar char="«"/>
-            </a:pPr>
-            <a:r>
-              <a:rPr lang="en-US" sz="2300" dirty="0" smtClean="0">
-                <a:solidFill>
-                  <a:schemeClr val="tx2"/>
-                </a:solidFill>
-              </a:rPr>
-              <a:t>Ehow.com :- </a:t>
-            </a:r>
-            <a:r>
-              <a:rPr lang="en-US" sz="2300" b="1" dirty="0" smtClean="0"/>
-              <a:t>$300,000/month</a:t>
-            </a:r>
-          </a:p>
-          <a:p>
-            <a:pPr marL="979805" lvl="2" indent="-339725">
-              <a:spcBef>
-                <a:spcPct val="55000"/>
-              </a:spcBef>
-              <a:spcAft>
-                <a:spcPct val="0"/>
-              </a:spcAft>
-              <a:buClr>
-                <a:srgbClr val="1B79D7"/>
-              </a:buClr>
-              <a:buFont typeface="Wingdings" pitchFamily="2" charset="2"/>
-              <a:buChar char="«"/>
-            </a:pPr>
-            <a:r>
-              <a:rPr lang="en-US" sz="2300" b="1" dirty="0" smtClean="0">
-                <a:solidFill>
-                  <a:schemeClr val="tx2"/>
-                </a:solidFill>
-              </a:rPr>
-              <a:t>Mashable.com: </a:t>
-            </a:r>
-            <a:r>
-              <a:rPr lang="en-US" sz="2300" b="1" dirty="0" smtClean="0"/>
-              <a:t>$250,000/month</a:t>
-            </a:r>
-            <a:endParaRPr lang="en-US" sz="2300" b="1" dirty="0" smtClean="0">
-              <a:solidFill>
-                <a:schemeClr val="tx2"/>
-              </a:solidFill>
-            </a:endParaRPr>
-          </a:p>
-          <a:p>
-            <a:pPr marL="979805" lvl="2" indent="-339725">
-              <a:spcBef>
-                <a:spcPct val="55000"/>
-              </a:spcBef>
-              <a:spcAft>
-                <a:spcPct val="0"/>
-              </a:spcAft>
-              <a:buClr>
-                <a:srgbClr val="1B79D7"/>
-              </a:buClr>
-              <a:buFont typeface="Wingdings" pitchFamily="2" charset="2"/>
-              <a:buChar char="«"/>
-            </a:pPr>
-            <a:r>
-              <a:rPr lang="en-US" sz="2300" dirty="0" smtClean="0"/>
-              <a:t>forums.digitalpoint.com</a:t>
-            </a:r>
-            <a:r>
-              <a:rPr lang="en-US" sz="2300" b="1" dirty="0" smtClean="0">
-                <a:solidFill>
-                  <a:schemeClr val="tx2"/>
-                </a:solidFill>
-              </a:rPr>
-              <a:t>: </a:t>
-            </a:r>
-            <a:r>
-              <a:rPr lang="en-US" sz="2300" b="1" dirty="0" smtClean="0"/>
-              <a:t>$195,000/month</a:t>
-            </a:r>
-          </a:p>
-          <a:p>
-            <a:pPr marL="339725" indent="-339725">
-              <a:spcBef>
-                <a:spcPct val="55000"/>
-              </a:spcBef>
-              <a:spcAft>
-                <a:spcPct val="0"/>
-              </a:spcAft>
-              <a:buClr>
-                <a:srgbClr val="1B79D7"/>
-              </a:buClr>
-              <a:buFont typeface="Wingdings" pitchFamily="2" charset="2"/>
-              <a:buChar char="«"/>
-            </a:pPr>
-            <a:r>
-              <a:rPr lang="en-US" sz="2300" b="1" dirty="0" smtClean="0">
-                <a:solidFill>
-                  <a:schemeClr val="accent2">
-                    <a:lumMod val="75000"/>
-                  </a:schemeClr>
-                </a:solidFill>
-              </a:rPr>
-              <a:t>G</a:t>
-            </a:r>
-            <a:r>
-              <a:rPr lang="en-US" sz="2300" b="1" dirty="0" smtClean="0">
-                <a:solidFill>
-                  <a:srgbClr val="FF0000"/>
-                </a:solidFill>
-              </a:rPr>
-              <a:t>o</a:t>
-            </a:r>
-            <a:r>
-              <a:rPr lang="en-US" sz="2300" b="1" dirty="0" smtClean="0">
-                <a:solidFill>
-                  <a:schemeClr val="accent4"/>
-                </a:solidFill>
-              </a:rPr>
-              <a:t>o</a:t>
-            </a:r>
-            <a:r>
-              <a:rPr lang="en-US" sz="2300" b="1" dirty="0" smtClean="0">
-                <a:solidFill>
-                  <a:srgbClr val="1B79D7"/>
-                </a:solidFill>
-              </a:rPr>
-              <a:t>g</a:t>
-            </a:r>
-            <a:r>
-              <a:rPr lang="en-US" sz="2300" b="1" dirty="0" smtClean="0">
-                <a:solidFill>
-                  <a:srgbClr val="00B050"/>
-                </a:solidFill>
-              </a:rPr>
-              <a:t>l</a:t>
-            </a:r>
-            <a:r>
-              <a:rPr lang="en-US" sz="2300" b="1" dirty="0" smtClean="0">
-                <a:solidFill>
-                  <a:srgbClr val="ED483D"/>
-                </a:solidFill>
-              </a:rPr>
-              <a:t>e </a:t>
-            </a:r>
-            <a:r>
-              <a:rPr lang="en-US" sz="2300" b="1" dirty="0" smtClean="0">
-                <a:solidFill>
-                  <a:schemeClr val="tx2"/>
-                </a:solidFill>
-              </a:rPr>
-              <a:t>You</a:t>
-            </a:r>
-            <a:r>
-              <a:rPr lang="en-US" sz="2300" b="1" dirty="0" smtClean="0">
-                <a:solidFill>
-                  <a:srgbClr val="FF0000"/>
-                </a:solidFill>
-              </a:rPr>
-              <a:t>Tube</a:t>
-            </a:r>
-            <a:r>
-              <a:rPr lang="en-US" sz="2300" b="1" dirty="0" smtClean="0">
-                <a:solidFill>
-                  <a:schemeClr val="tx2"/>
-                </a:solidFill>
-              </a:rPr>
-              <a:t> </a:t>
-            </a:r>
-            <a:r>
-              <a:rPr lang="en-US" sz="2300" b="1" dirty="0" smtClean="0">
-                <a:solidFill>
-                  <a:schemeClr val="tx2"/>
-                </a:solidFill>
-              </a:rPr>
-              <a:t>: </a:t>
-            </a:r>
-            <a:endParaRPr lang="en-US" sz="2300" dirty="0" smtClean="0">
-              <a:solidFill>
-                <a:schemeClr val="tx2"/>
-              </a:solidFill>
-            </a:endParaRPr>
-          </a:p>
-          <a:p>
-            <a:pPr marL="705485" lvl="1" indent="-339725">
-              <a:spcBef>
-                <a:spcPct val="55000"/>
-              </a:spcBef>
-              <a:spcAft>
-                <a:spcPct val="0"/>
-              </a:spcAft>
-              <a:buClr>
-                <a:srgbClr val="1B79D7"/>
-              </a:buClr>
-              <a:buFont typeface="Wingdings" pitchFamily="2" charset="2"/>
-              <a:buChar char="«"/>
-            </a:pPr>
-            <a:r>
-              <a:rPr lang="en-US" sz="2300" dirty="0" smtClean="0">
-                <a:solidFill>
-                  <a:schemeClr val="tx2"/>
-                </a:solidFill>
-              </a:rPr>
-              <a:t>Per day video views: 4B</a:t>
-            </a:r>
-          </a:p>
-          <a:p>
-            <a:pPr marL="705485" lvl="1" indent="-339725">
-              <a:spcBef>
-                <a:spcPct val="55000"/>
-              </a:spcBef>
-              <a:spcAft>
-                <a:spcPct val="0"/>
-              </a:spcAft>
-              <a:buClr>
-                <a:srgbClr val="1B79D7"/>
-              </a:buClr>
-              <a:buFont typeface="Wingdings" pitchFamily="2" charset="2"/>
-              <a:buChar char="«"/>
-            </a:pPr>
-            <a:r>
-              <a:rPr lang="en-US" sz="2300" dirty="0" smtClean="0">
-                <a:solidFill>
-                  <a:schemeClr val="tx2"/>
-                </a:solidFill>
-              </a:rPr>
-              <a:t>Per minute video upload: 300 </a:t>
-            </a:r>
-            <a:r>
-              <a:rPr lang="en-US" sz="2300" dirty="0" smtClean="0">
-                <a:solidFill>
-                  <a:schemeClr val="tx2"/>
-                </a:solidFill>
-              </a:rPr>
-              <a:t>hours</a:t>
-            </a:r>
             <a:endParaRPr lang="en-US" dirty="0"/>
           </a:p>
         </p:txBody>
       </p:sp>
+      <p:pic>
+        <p:nvPicPr>
+          <p:cNvPr id="8" name="Picture 7" descr="google-garage-stanford.png"/>
+          <p:cNvPicPr>
+            <a:picLocks noChangeAspect="1"/>
+          </p:cNvPicPr>
+          <p:nvPr/>
+        </p:nvPicPr>
+        <p:blipFill>
+          <a:blip r:embed="rId2"/>
+          <a:stretch>
+            <a:fillRect/>
+          </a:stretch>
+        </p:blipFill>
+        <p:spPr>
+          <a:xfrm>
+            <a:off x="152400" y="990600"/>
+            <a:ext cx="8610600" cy="5585009"/>
+          </a:xfrm>
+          <a:prstGeom prst="rect">
+            <a:avLst/>
+          </a:prstGeom>
+        </p:spPr>
+      </p:pic>
     </p:spTree>
   </p:cSld>
   <p:clrMapOvr>
@@ -7834,83 +8834,256 @@
       </p:grpSpPr>
       <p:sp>
         <p:nvSpPr>
-          <p:cNvPr id="3" name="Content Placeholder 2"/>
+          <p:cNvPr id="11" name="Title 10"/>
           <p:cNvSpPr>
             <a:spLocks noGrp="1"/>
           </p:cNvSpPr>
+          <p:nvPr>
+            <p:ph type="title"/>
+          </p:nvPr>
+        </p:nvSpPr>
+        <p:spPr>
+          <a:xfrm>
+            <a:off x="457200" y="274638"/>
+            <a:ext cx="8274908" cy="715962"/>
+          </a:xfrm>
+        </p:spPr>
+        <p:txBody>
+          <a:bodyPr/>
+          <a:lstStyle/>
+          <a:p>
+            <a:r>
+              <a:rPr lang="en-US" sz="3200" b="1" dirty="0" smtClean="0">
+                <a:solidFill>
+                  <a:schemeClr val="accent2"/>
+                </a:solidFill>
+              </a:rPr>
+              <a:t>G</a:t>
+            </a:r>
+            <a:r>
+              <a:rPr lang="en-US" sz="3200" b="1" dirty="0" smtClean="0">
+                <a:solidFill>
+                  <a:srgbClr val="FF0000"/>
+                </a:solidFill>
+              </a:rPr>
+              <a:t>o</a:t>
+            </a:r>
+            <a:r>
+              <a:rPr lang="en-US" sz="3200" b="1" dirty="0" smtClean="0">
+                <a:solidFill>
+                  <a:srgbClr val="FFF529"/>
+                </a:solidFill>
+              </a:rPr>
+              <a:t>o</a:t>
+            </a:r>
+            <a:r>
+              <a:rPr lang="en-US" sz="3200" b="1" dirty="0" smtClean="0">
+                <a:solidFill>
+                  <a:srgbClr val="1B79D7"/>
+                </a:solidFill>
+              </a:rPr>
+              <a:t>g</a:t>
+            </a:r>
+            <a:r>
+              <a:rPr lang="en-US" sz="3200" b="1" dirty="0" smtClean="0">
+                <a:solidFill>
+                  <a:srgbClr val="009900"/>
+                </a:solidFill>
+              </a:rPr>
+              <a:t>l</a:t>
+            </a:r>
+            <a:r>
+              <a:rPr lang="en-US" sz="3200" b="1" dirty="0" smtClean="0">
+                <a:solidFill>
+                  <a:srgbClr val="ED483D"/>
+                </a:solidFill>
+              </a:rPr>
+              <a:t>e</a:t>
+            </a:r>
+            <a:r>
+              <a:rPr lang="en-US" sz="3200" b="1" dirty="0" smtClean="0">
+                <a:solidFill>
+                  <a:schemeClr val="accent1"/>
+                </a:solidFill>
+              </a:rPr>
+              <a:t> </a:t>
+            </a:r>
+            <a:r>
+              <a:rPr lang="en-US" sz="2400" b="1" dirty="0" smtClean="0">
+                <a:solidFill>
+                  <a:srgbClr val="1B79D7"/>
+                </a:solidFill>
+              </a:rPr>
+              <a:t>Evolution</a:t>
+            </a:r>
+            <a:endParaRPr lang="en-US" dirty="0"/>
+          </a:p>
+        </p:txBody>
+      </p:sp>
+      <p:pic>
+        <p:nvPicPr>
+          <p:cNvPr id="5" name="Content Placeholder 4" descr="part1.jpg"/>
+          <p:cNvPicPr>
+            <a:picLocks noGrp="1" noChangeAspect="1"/>
+          </p:cNvPicPr>
           <p:nvPr>
             <p:ph sz="quarter" idx="1"/>
           </p:nvPr>
-        </p:nvSpPr>
-        <p:spPr>
-          <a:xfrm>
-            <a:off x="457200" y="228600"/>
-            <a:ext cx="7467600" cy="6245352"/>
-          </a:xfrm>
-        </p:spPr>
-        <p:txBody>
-          <a:bodyPr/>
-          <a:lstStyle/>
-          <a:p>
-            <a:r>
-              <a:rPr lang="en-US" dirty="0" smtClean="0"/>
-              <a:t>Top companies by market capitalization (2015)</a:t>
-            </a:r>
-          </a:p>
-          <a:p>
-            <a:pPr>
-              <a:buNone/>
-            </a:pPr>
-            <a:endParaRPr lang="en-US" dirty="0"/>
-          </a:p>
-        </p:txBody>
-      </p:sp>
-      <p:pic>
-        <p:nvPicPr>
-          <p:cNvPr id="4" name="Picture 3" descr="• Top companies in the world by market value 2015   Statistic.png"/>
-          <p:cNvPicPr>
-            <a:picLocks noChangeAspect="1"/>
-          </p:cNvPicPr>
-          <p:nvPr/>
         </p:nvPicPr>
         <p:blipFill>
-          <a:blip r:embed="rId2"/>
+          <a:blip r:embed="rId2" cstate="print"/>
           <a:stretch>
             <a:fillRect/>
           </a:stretch>
         </p:blipFill>
         <p:spPr>
           <a:xfrm>
-            <a:off x="76200" y="838200"/>
-            <a:ext cx="8763000" cy="4093243"/>
-          </a:xfrm>
-          <a:prstGeom prst="rect">
-            <a:avLst/>
-          </a:prstGeom>
+            <a:off x="228600" y="990600"/>
+            <a:ext cx="8458200" cy="5867400"/>
+          </a:xfrm>
         </p:spPr>
       </p:pic>
+    </p:spTree>
+  </p:cSld>
+  <p:clrMapOvr>
+    <a:masterClrMapping/>
+  </p:clrMapOvr>
+  <p:timing>
+    <p:tnLst>
+      <p:par>
+        <p:cTn id="1" dur="indefinite" restart="never" nodeType="tmRoot"/>
+      </p:par>
+    </p:tnLst>
+  </p:timing>
+</p:sld>
+</file>
+
+<file path=ppt/slides/slide9.xml><?xml version="1.0" encoding="utf-8"?>
+<p:sld xmlns:a="http://schemas.openxmlformats.org/drawingml/2006/main" xmlns:r="http://schemas.openxmlformats.org/officeDocument/2006/relationships" xmlns:p="http://schemas.openxmlformats.org/presentationml/2006/main">
+  <p:cSld>
+    <p:spTree>
+      <p:nvGrpSpPr>
+        <p:cNvPr id="1" name=""/>
+        <p:cNvGrpSpPr/>
+        <p:nvPr/>
+      </p:nvGrpSpPr>
+      <p:grpSpPr>
+        <a:xfrm>
+          <a:off x="0" y="0"/>
+          <a:ext cx="0" cy="0"/>
+          <a:chOff x="0" y="0"/>
+          <a:chExt cx="0" cy="0"/>
+        </a:xfrm>
+      </p:grpSpPr>
+      <p:sp>
+        <p:nvSpPr>
+          <p:cNvPr id="11" name="Title 10"/>
+          <p:cNvSpPr>
+            <a:spLocks noGrp="1"/>
+          </p:cNvSpPr>
+          <p:nvPr>
+            <p:ph type="title"/>
+          </p:nvPr>
+        </p:nvSpPr>
+        <p:spPr>
+          <a:xfrm>
+            <a:off x="457200" y="274638"/>
+            <a:ext cx="8274908" cy="715962"/>
+          </a:xfrm>
+        </p:spPr>
+        <p:txBody>
+          <a:bodyPr/>
+          <a:lstStyle/>
+          <a:p>
+            <a:r>
+              <a:rPr lang="en-US" sz="3200" b="1" dirty="0" smtClean="0">
+                <a:solidFill>
+                  <a:schemeClr val="accent2"/>
+                </a:solidFill>
+              </a:rPr>
+              <a:t>G</a:t>
+            </a:r>
+            <a:r>
+              <a:rPr lang="en-US" sz="3200" b="1" dirty="0" smtClean="0">
+                <a:solidFill>
+                  <a:srgbClr val="FF0000"/>
+                </a:solidFill>
+              </a:rPr>
+              <a:t>o</a:t>
+            </a:r>
+            <a:r>
+              <a:rPr lang="en-US" sz="3200" b="1" dirty="0" smtClean="0">
+                <a:solidFill>
+                  <a:srgbClr val="FFF529"/>
+                </a:solidFill>
+              </a:rPr>
+              <a:t>o</a:t>
+            </a:r>
+            <a:r>
+              <a:rPr lang="en-US" sz="3200" b="1" dirty="0" smtClean="0">
+                <a:solidFill>
+                  <a:srgbClr val="1B79D7"/>
+                </a:solidFill>
+              </a:rPr>
+              <a:t>g</a:t>
+            </a:r>
+            <a:r>
+              <a:rPr lang="en-US" sz="3200" b="1" dirty="0" smtClean="0">
+                <a:solidFill>
+                  <a:srgbClr val="009900"/>
+                </a:solidFill>
+              </a:rPr>
+              <a:t>l</a:t>
+            </a:r>
+            <a:r>
+              <a:rPr lang="en-US" sz="3200" b="1" dirty="0" smtClean="0">
+                <a:solidFill>
+                  <a:srgbClr val="ED483D"/>
+                </a:solidFill>
+              </a:rPr>
+              <a:t>e</a:t>
+            </a:r>
+            <a:r>
+              <a:rPr lang="en-US" sz="3200" b="1" dirty="0" smtClean="0">
+                <a:solidFill>
+                  <a:schemeClr val="accent1"/>
+                </a:solidFill>
+              </a:rPr>
+              <a:t> </a:t>
+            </a:r>
+            <a:r>
+              <a:rPr lang="en-US" sz="2400" b="1" dirty="0" smtClean="0">
+                <a:solidFill>
+                  <a:srgbClr val="1B79D7"/>
+                </a:solidFill>
+              </a:rPr>
+              <a:t>Evolution</a:t>
+            </a:r>
+            <a:endParaRPr lang="en-US" dirty="0"/>
+          </a:p>
+        </p:txBody>
+      </p:sp>
       <p:pic>
         <p:nvPicPr>
-          <p:cNvPr id="6" name="Picture 5" descr="• Top companies in the world by market value 2015   Statistic_footer.png"/>
+          <p:cNvPr id="5" name="Content Placeholder 4" descr="part2.jpg"/>
           <p:cNvPicPr>
-            <a:picLocks noChangeAspect="1"/>
+            <a:picLocks noGrp="1" noChangeAspect="1"/>
           </p:cNvPicPr>
-          <p:nvPr/>
+          <p:nvPr>
+            <p:ph sz="quarter" idx="1"/>
+          </p:nvPr>
         </p:nvPicPr>
         <p:blipFill>
-          <a:blip r:embed="rId3"/>
+          <a:blip r:embed="rId2" cstate="print"/>
           <a:stretch>
             <a:fillRect/>
           </a:stretch>
         </p:blipFill>
         <p:spPr>
           <a:xfrm>
-            <a:off x="381000" y="5000625"/>
-            <a:ext cx="8324850" cy="485775"/>
-          </a:xfrm>
-          <a:prstGeom prst="rect">
-            <a:avLst/>
-          </a:prstGeom>
+            <a:off x="152400" y="914400"/>
+            <a:ext cx="8686800" cy="5943599"/>
+          </a:xfrm>
         </p:spPr>
       </p:pic>
     </p:spTree>

--- a/google/about_google_sanjay.pptx
+++ b/google/about_google_sanjay.pptx
@@ -10,15 +10,24 @@
     <p:sldId id="259" r:id="rId4"/>
     <p:sldId id="266" r:id="rId5"/>
     <p:sldId id="267" r:id="rId6"/>
-    <p:sldId id="268" r:id="rId7"/>
-    <p:sldId id="269" r:id="rId8"/>
-    <p:sldId id="265" r:id="rId9"/>
-    <p:sldId id="262" r:id="rId10"/>
-    <p:sldId id="263" r:id="rId11"/>
-    <p:sldId id="258" r:id="rId12"/>
-    <p:sldId id="260" r:id="rId13"/>
-    <p:sldId id="261" r:id="rId14"/>
-    <p:sldId id="257" r:id="rId15"/>
+    <p:sldId id="271" r:id="rId7"/>
+    <p:sldId id="268" r:id="rId8"/>
+    <p:sldId id="269" r:id="rId9"/>
+    <p:sldId id="274" r:id="rId10"/>
+    <p:sldId id="275" r:id="rId11"/>
+    <p:sldId id="276" r:id="rId12"/>
+    <p:sldId id="277" r:id="rId13"/>
+    <p:sldId id="278" r:id="rId14"/>
+    <p:sldId id="265" r:id="rId15"/>
+    <p:sldId id="262" r:id="rId16"/>
+    <p:sldId id="263" r:id="rId17"/>
+    <p:sldId id="258" r:id="rId18"/>
+    <p:sldId id="260" r:id="rId19"/>
+    <p:sldId id="261" r:id="rId20"/>
+    <p:sldId id="257" r:id="rId21"/>
+    <p:sldId id="270" r:id="rId22"/>
+    <p:sldId id="272" r:id="rId23"/>
+    <p:sldId id="273" r:id="rId24"/>
   </p:sldIdLst>
   <p:sldSz cx="9144000" cy="6858000" type="screen4x3"/>
   <p:notesSz cx="6858000" cy="9144000"/>
@@ -118,6 +127,2530 @@
     </a:lvl9pPr>
   </p:defaultTextStyle>
 </p:presentation>
+</file>
+
+<file path=ppt/diagrams/colors1.xml><?xml version="1.0" encoding="utf-8"?>
+<dgm:colorsDef xmlns:dgm="http://schemas.openxmlformats.org/drawingml/2006/diagram" xmlns:a="http://schemas.openxmlformats.org/drawingml/2006/main" uniqueId="urn:microsoft.com/office/officeart/2005/8/colors/colorful1">
+  <dgm:title val=""/>
+  <dgm:desc val=""/>
+  <dgm:catLst>
+    <dgm:cat type="colorful" pri="10100"/>
+  </dgm:catLst>
+  <dgm:styleLbl name="node0">
+    <dgm:fillClrLst meth="repeat">
+      <a:schemeClr val="accent1"/>
+    </dgm:fillClrLst>
+    <dgm:linClrLst meth="repeat">
+      <a:schemeClr val="lt1"/>
+    </dgm:linClrLst>
+    <dgm:effectClrLst/>
+    <dgm:txLinClrLst/>
+    <dgm:txFillClrLst/>
+    <dgm:txEffectClrLst/>
+  </dgm:styleLbl>
+  <dgm:styleLbl name="node1">
+    <dgm:fillClrLst meth="repeat">
+      <a:schemeClr val="accent2"/>
+      <a:schemeClr val="accent3"/>
+      <a:schemeClr val="accent4"/>
+      <a:schemeClr val="accent5"/>
+      <a:schemeClr val="accent6"/>
+    </dgm:fillClrLst>
+    <dgm:linClrLst meth="repeat">
+      <a:schemeClr val="lt1"/>
+    </dgm:linClrLst>
+    <dgm:effectClrLst/>
+    <dgm:txLinClrLst/>
+    <dgm:txFillClrLst/>
+    <dgm:txEffectClrLst/>
+  </dgm:styleLbl>
+  <dgm:styleLbl name="alignNode1">
+    <dgm:fillClrLst meth="repeat">
+      <a:schemeClr val="accent2"/>
+      <a:schemeClr val="accent3"/>
+      <a:schemeClr val="accent4"/>
+      <a:schemeClr val="accent5"/>
+      <a:schemeClr val="accent6"/>
+    </dgm:fillClrLst>
+    <dgm:linClrLst meth="repeat">
+      <a:schemeClr val="accent2"/>
+      <a:schemeClr val="accent3"/>
+      <a:schemeClr val="accent4"/>
+      <a:schemeClr val="accent5"/>
+      <a:schemeClr val="accent6"/>
+    </dgm:linClrLst>
+    <dgm:effectClrLst/>
+    <dgm:txLinClrLst/>
+    <dgm:txFillClrLst/>
+    <dgm:txEffectClrLst/>
+  </dgm:styleLbl>
+  <dgm:styleLbl name="lnNode1">
+    <dgm:fillClrLst meth="repeat">
+      <a:schemeClr val="accent2"/>
+      <a:schemeClr val="accent3"/>
+      <a:schemeClr val="accent4"/>
+      <a:schemeClr val="accent5"/>
+      <a:schemeClr val="accent6"/>
+    </dgm:fillClrLst>
+    <dgm:linClrLst meth="repeat">
+      <a:schemeClr val="lt1"/>
+    </dgm:linClrLst>
+    <dgm:effectClrLst/>
+    <dgm:txLinClrLst/>
+    <dgm:txFillClrLst/>
+    <dgm:txEffectClrLst/>
+  </dgm:styleLbl>
+  <dgm:styleLbl name="vennNode1">
+    <dgm:fillClrLst meth="repeat">
+      <a:schemeClr val="accent2">
+        <a:alpha val="50000"/>
+      </a:schemeClr>
+      <a:schemeClr val="accent3">
+        <a:alpha val="50000"/>
+      </a:schemeClr>
+      <a:schemeClr val="accent4">
+        <a:alpha val="50000"/>
+      </a:schemeClr>
+      <a:schemeClr val="accent5">
+        <a:alpha val="50000"/>
+      </a:schemeClr>
+      <a:schemeClr val="accent6">
+        <a:alpha val="50000"/>
+      </a:schemeClr>
+    </dgm:fillClrLst>
+    <dgm:linClrLst meth="repeat">
+      <a:schemeClr val="lt1"/>
+    </dgm:linClrLst>
+    <dgm:effectClrLst/>
+    <dgm:txLinClrLst/>
+    <dgm:txFillClrLst/>
+    <dgm:txEffectClrLst/>
+  </dgm:styleLbl>
+  <dgm:styleLbl name="node2">
+    <dgm:fillClrLst>
+      <a:schemeClr val="accent2"/>
+    </dgm:fillClrLst>
+    <dgm:linClrLst meth="repeat">
+      <a:schemeClr val="lt1"/>
+    </dgm:linClrLst>
+    <dgm:effectClrLst/>
+    <dgm:txLinClrLst/>
+    <dgm:txFillClrLst/>
+    <dgm:txEffectClrLst/>
+  </dgm:styleLbl>
+  <dgm:styleLbl name="node3">
+    <dgm:fillClrLst>
+      <a:schemeClr val="accent3"/>
+    </dgm:fillClrLst>
+    <dgm:linClrLst meth="repeat">
+      <a:schemeClr val="lt1"/>
+    </dgm:linClrLst>
+    <dgm:effectClrLst/>
+    <dgm:txLinClrLst/>
+    <dgm:txFillClrLst/>
+    <dgm:txEffectClrLst/>
+  </dgm:styleLbl>
+  <dgm:styleLbl name="node4">
+    <dgm:fillClrLst>
+      <a:schemeClr val="accent4"/>
+    </dgm:fillClrLst>
+    <dgm:linClrLst meth="repeat">
+      <a:schemeClr val="lt1"/>
+    </dgm:linClrLst>
+    <dgm:effectClrLst/>
+    <dgm:txLinClrLst/>
+    <dgm:txFillClrLst/>
+    <dgm:txEffectClrLst/>
+  </dgm:styleLbl>
+  <dgm:styleLbl name="fgImgPlace1">
+    <dgm:fillClrLst meth="repeat">
+      <a:schemeClr val="accent2">
+        <a:tint val="50000"/>
+      </a:schemeClr>
+      <a:schemeClr val="accent3">
+        <a:tint val="50000"/>
+      </a:schemeClr>
+      <a:schemeClr val="accent4">
+        <a:tint val="50000"/>
+      </a:schemeClr>
+      <a:schemeClr val="accent5">
+        <a:tint val="50000"/>
+      </a:schemeClr>
+      <a:schemeClr val="accent6">
+        <a:tint val="50000"/>
+      </a:schemeClr>
+    </dgm:fillClrLst>
+    <dgm:linClrLst meth="repeat">
+      <a:schemeClr val="lt1"/>
+    </dgm:linClrLst>
+    <dgm:effectClrLst/>
+    <dgm:txLinClrLst/>
+    <dgm:txFillClrLst meth="repeat">
+      <a:schemeClr val="lt1"/>
+    </dgm:txFillClrLst>
+    <dgm:txEffectClrLst/>
+  </dgm:styleLbl>
+  <dgm:styleLbl name="alignImgPlace1">
+    <dgm:fillClrLst>
+      <a:schemeClr val="accent1">
+        <a:tint val="50000"/>
+      </a:schemeClr>
+      <a:schemeClr val="accent1">
+        <a:tint val="20000"/>
+      </a:schemeClr>
+    </dgm:fillClrLst>
+    <dgm:linClrLst meth="repeat">
+      <a:schemeClr val="lt1"/>
+    </dgm:linClrLst>
+    <dgm:effectClrLst/>
+    <dgm:txLinClrLst/>
+    <dgm:txFillClrLst meth="repeat">
+      <a:schemeClr val="lt1"/>
+    </dgm:txFillClrLst>
+    <dgm:txEffectClrLst/>
+  </dgm:styleLbl>
+  <dgm:styleLbl name="bgImgPlace1">
+    <dgm:fillClrLst>
+      <a:schemeClr val="accent1">
+        <a:tint val="50000"/>
+      </a:schemeClr>
+      <a:schemeClr val="accent1">
+        <a:tint val="20000"/>
+      </a:schemeClr>
+    </dgm:fillClrLst>
+    <dgm:linClrLst meth="repeat">
+      <a:schemeClr val="lt1"/>
+    </dgm:linClrLst>
+    <dgm:effectClrLst/>
+    <dgm:txLinClrLst/>
+    <dgm:txFillClrLst meth="repeat">
+      <a:schemeClr val="lt1"/>
+    </dgm:txFillClrLst>
+    <dgm:txEffectClrLst/>
+  </dgm:styleLbl>
+  <dgm:styleLbl name="sibTrans2D1">
+    <dgm:fillClrLst meth="repeat">
+      <a:schemeClr val="accent2"/>
+      <a:schemeClr val="accent3"/>
+      <a:schemeClr val="accent4"/>
+      <a:schemeClr val="accent5"/>
+      <a:schemeClr val="accent6"/>
+    </dgm:fillClrLst>
+    <dgm:linClrLst meth="cycle">
+      <a:schemeClr val="lt1"/>
+    </dgm:linClrLst>
+    <dgm:effectClrLst/>
+    <dgm:txLinClrLst/>
+    <dgm:txFillClrLst/>
+    <dgm:txEffectClrLst/>
+  </dgm:styleLbl>
+  <dgm:styleLbl name="fgSibTrans2D1">
+    <dgm:fillClrLst meth="repeat">
+      <a:schemeClr val="accent2"/>
+      <a:schemeClr val="accent3"/>
+      <a:schemeClr val="accent4"/>
+      <a:schemeClr val="accent5"/>
+      <a:schemeClr val="accent6"/>
+    </dgm:fillClrLst>
+    <dgm:linClrLst meth="cycle">
+      <a:schemeClr val="lt1"/>
+    </dgm:linClrLst>
+    <dgm:effectClrLst/>
+    <dgm:txLinClrLst/>
+    <dgm:txFillClrLst meth="repeat">
+      <a:schemeClr val="lt1"/>
+    </dgm:txFillClrLst>
+    <dgm:txEffectClrLst/>
+  </dgm:styleLbl>
+  <dgm:styleLbl name="bgSibTrans2D1">
+    <dgm:fillClrLst meth="repeat">
+      <a:schemeClr val="accent2"/>
+      <a:schemeClr val="accent3"/>
+      <a:schemeClr val="accent4"/>
+      <a:schemeClr val="accent5"/>
+      <a:schemeClr val="accent6"/>
+    </dgm:fillClrLst>
+    <dgm:linClrLst meth="cycle">
+      <a:schemeClr val="lt1"/>
+    </dgm:linClrLst>
+    <dgm:effectClrLst/>
+    <dgm:txLinClrLst/>
+    <dgm:txFillClrLst meth="repeat">
+      <a:schemeClr val="lt1"/>
+    </dgm:txFillClrLst>
+    <dgm:txEffectClrLst/>
+  </dgm:styleLbl>
+  <dgm:styleLbl name="sibTrans1D1">
+    <dgm:fillClrLst meth="repeat">
+      <a:schemeClr val="accent2"/>
+      <a:schemeClr val="accent3"/>
+      <a:schemeClr val="accent4"/>
+      <a:schemeClr val="accent5"/>
+      <a:schemeClr val="accent6"/>
+    </dgm:fillClrLst>
+    <dgm:linClrLst meth="repeat">
+      <a:schemeClr val="accent2"/>
+      <a:schemeClr val="accent3"/>
+      <a:schemeClr val="accent4"/>
+      <a:schemeClr val="accent5"/>
+      <a:schemeClr val="accent6"/>
+    </dgm:linClrLst>
+    <dgm:effectClrLst/>
+    <dgm:txLinClrLst/>
+    <dgm:txFillClrLst meth="repeat">
+      <a:schemeClr val="tx1"/>
+    </dgm:txFillClrLst>
+    <dgm:txEffectClrLst/>
+  </dgm:styleLbl>
+  <dgm:styleLbl name="callout">
+    <dgm:fillClrLst meth="repeat">
+      <a:schemeClr val="accent2"/>
+    </dgm:fillClrLst>
+    <dgm:linClrLst meth="repeat">
+      <a:schemeClr val="accent2">
+        <a:tint val="50000"/>
+      </a:schemeClr>
+    </dgm:linClrLst>
+    <dgm:effectClrLst/>
+    <dgm:txLinClrLst/>
+    <dgm:txFillClrLst meth="repeat">
+      <a:schemeClr val="tx1"/>
+    </dgm:txFillClrLst>
+    <dgm:txEffectClrLst/>
+  </dgm:styleLbl>
+  <dgm:styleLbl name="asst0">
+    <dgm:fillClrLst meth="repeat">
+      <a:schemeClr val="accent1"/>
+    </dgm:fillClrLst>
+    <dgm:linClrLst meth="repeat">
+      <a:schemeClr val="lt1"/>
+    </dgm:linClrLst>
+    <dgm:effectClrLst/>
+    <dgm:txLinClrLst/>
+    <dgm:txFillClrLst/>
+    <dgm:txEffectClrLst/>
+  </dgm:styleLbl>
+  <dgm:styleLbl name="asst1">
+    <dgm:fillClrLst meth="repeat">
+      <a:schemeClr val="accent2"/>
+    </dgm:fillClrLst>
+    <dgm:linClrLst meth="repeat">
+      <a:schemeClr val="lt1"/>
+    </dgm:linClrLst>
+    <dgm:effectClrLst/>
+    <dgm:txLinClrLst/>
+    <dgm:txFillClrLst/>
+    <dgm:txEffectClrLst/>
+  </dgm:styleLbl>
+  <dgm:styleLbl name="asst2">
+    <dgm:fillClrLst>
+      <a:schemeClr val="accent3"/>
+    </dgm:fillClrLst>
+    <dgm:linClrLst meth="repeat">
+      <a:schemeClr val="lt1"/>
+    </dgm:linClrLst>
+    <dgm:effectClrLst/>
+    <dgm:txLinClrLst/>
+    <dgm:txFillClrLst/>
+    <dgm:txEffectClrLst/>
+  </dgm:styleLbl>
+  <dgm:styleLbl name="asst3">
+    <dgm:fillClrLst>
+      <a:schemeClr val="accent4"/>
+    </dgm:fillClrLst>
+    <dgm:linClrLst meth="repeat">
+      <a:schemeClr val="lt1"/>
+    </dgm:linClrLst>
+    <dgm:effectClrLst/>
+    <dgm:txLinClrLst/>
+    <dgm:txFillClrLst/>
+    <dgm:txEffectClrLst/>
+  </dgm:styleLbl>
+  <dgm:styleLbl name="asst4">
+    <dgm:fillClrLst>
+      <a:schemeClr val="accent5"/>
+    </dgm:fillClrLst>
+    <dgm:linClrLst meth="repeat">
+      <a:schemeClr val="lt1"/>
+    </dgm:linClrLst>
+    <dgm:effectClrLst/>
+    <dgm:txLinClrLst/>
+    <dgm:txFillClrLst/>
+    <dgm:txEffectClrLst/>
+  </dgm:styleLbl>
+  <dgm:styleLbl name="parChTrans2D1">
+    <dgm:fillClrLst meth="repeat">
+      <a:schemeClr val="accent2"/>
+    </dgm:fillClrLst>
+    <dgm:linClrLst meth="repeat">
+      <a:schemeClr val="lt1"/>
+    </dgm:linClrLst>
+    <dgm:effectClrLst/>
+    <dgm:txLinClrLst/>
+    <dgm:txFillClrLst meth="repeat">
+      <a:schemeClr val="lt1"/>
+    </dgm:txFillClrLst>
+    <dgm:txEffectClrLst/>
+  </dgm:styleLbl>
+  <dgm:styleLbl name="parChTrans2D2">
+    <dgm:fillClrLst meth="repeat">
+      <a:schemeClr val="accent3"/>
+    </dgm:fillClrLst>
+    <dgm:linClrLst meth="repeat">
+      <a:schemeClr val="lt1"/>
+    </dgm:linClrLst>
+    <dgm:effectClrLst/>
+    <dgm:txLinClrLst/>
+    <dgm:txFillClrLst/>
+    <dgm:txEffectClrLst/>
+  </dgm:styleLbl>
+  <dgm:styleLbl name="parChTrans2D3">
+    <dgm:fillClrLst meth="repeat">
+      <a:schemeClr val="accent4"/>
+    </dgm:fillClrLst>
+    <dgm:linClrLst meth="repeat">
+      <a:schemeClr val="lt1"/>
+    </dgm:linClrLst>
+    <dgm:effectClrLst/>
+    <dgm:txLinClrLst/>
+    <dgm:txFillClrLst/>
+    <dgm:txEffectClrLst/>
+  </dgm:styleLbl>
+  <dgm:styleLbl name="parChTrans2D4">
+    <dgm:fillClrLst meth="repeat">
+      <a:schemeClr val="accent5"/>
+    </dgm:fillClrLst>
+    <dgm:linClrLst meth="repeat">
+      <a:schemeClr val="lt1"/>
+    </dgm:linClrLst>
+    <dgm:effectClrLst/>
+    <dgm:txLinClrLst/>
+    <dgm:txFillClrLst meth="repeat">
+      <a:schemeClr val="lt1"/>
+    </dgm:txFillClrLst>
+    <dgm:txEffectClrLst/>
+  </dgm:styleLbl>
+  <dgm:styleLbl name="parChTrans1D1">
+    <dgm:fillClrLst meth="repeat">
+      <a:schemeClr val="accent2"/>
+    </dgm:fillClrLst>
+    <dgm:linClrLst meth="repeat">
+      <a:schemeClr val="accent1"/>
+    </dgm:linClrLst>
+    <dgm:effectClrLst/>
+    <dgm:txLinClrLst/>
+    <dgm:txFillClrLst meth="repeat">
+      <a:schemeClr val="tx1"/>
+    </dgm:txFillClrLst>
+    <dgm:txEffectClrLst/>
+  </dgm:styleLbl>
+  <dgm:styleLbl name="parChTrans1D2">
+    <dgm:fillClrLst meth="repeat">
+      <a:schemeClr val="accent3">
+        <a:tint val="90000"/>
+      </a:schemeClr>
+    </dgm:fillClrLst>
+    <dgm:linClrLst meth="repeat">
+      <a:schemeClr val="accent2"/>
+    </dgm:linClrLst>
+    <dgm:effectClrLst/>
+    <dgm:txLinClrLst/>
+    <dgm:txFillClrLst meth="repeat">
+      <a:schemeClr val="tx1"/>
+    </dgm:txFillClrLst>
+    <dgm:txEffectClrLst/>
+  </dgm:styleLbl>
+  <dgm:styleLbl name="parChTrans1D3">
+    <dgm:fillClrLst meth="repeat">
+      <a:schemeClr val="accent4">
+        <a:tint val="70000"/>
+      </a:schemeClr>
+    </dgm:fillClrLst>
+    <dgm:linClrLst meth="repeat">
+      <a:schemeClr val="accent3"/>
+    </dgm:linClrLst>
+    <dgm:effectClrLst/>
+    <dgm:txLinClrLst/>
+    <dgm:txFillClrLst meth="repeat">
+      <a:schemeClr val="tx1"/>
+    </dgm:txFillClrLst>
+    <dgm:txEffectClrLst/>
+  </dgm:styleLbl>
+  <dgm:styleLbl name="parChTrans1D4">
+    <dgm:fillClrLst meth="repeat">
+      <a:schemeClr val="accent5">
+        <a:tint val="50000"/>
+      </a:schemeClr>
+    </dgm:fillClrLst>
+    <dgm:linClrLst meth="repeat">
+      <a:schemeClr val="accent4"/>
+    </dgm:linClrLst>
+    <dgm:effectClrLst/>
+    <dgm:txLinClrLst/>
+    <dgm:txFillClrLst meth="repeat">
+      <a:schemeClr val="tx1"/>
+    </dgm:txFillClrLst>
+    <dgm:txEffectClrLst/>
+  </dgm:styleLbl>
+  <dgm:styleLbl name="fgAcc1">
+    <dgm:fillClrLst meth="repeat">
+      <a:schemeClr val="lt1">
+        <a:alpha val="90000"/>
+      </a:schemeClr>
+    </dgm:fillClrLst>
+    <dgm:linClrLst meth="repeat">
+      <a:schemeClr val="accent2"/>
+      <a:schemeClr val="accent3"/>
+      <a:schemeClr val="accent4"/>
+      <a:schemeClr val="accent5"/>
+      <a:schemeClr val="accent6"/>
+    </dgm:linClrLst>
+    <dgm:effectClrLst/>
+    <dgm:txLinClrLst/>
+    <dgm:txFillClrLst meth="repeat">
+      <a:schemeClr val="dk1"/>
+    </dgm:txFillClrLst>
+    <dgm:txEffectClrLst/>
+  </dgm:styleLbl>
+  <dgm:styleLbl name="conFgAcc1">
+    <dgm:fillClrLst meth="repeat">
+      <a:schemeClr val="lt1">
+        <a:alpha val="90000"/>
+      </a:schemeClr>
+    </dgm:fillClrLst>
+    <dgm:linClrLst meth="repeat">
+      <a:schemeClr val="accent2"/>
+      <a:schemeClr val="accent3"/>
+      <a:schemeClr val="accent4"/>
+      <a:schemeClr val="accent5"/>
+      <a:schemeClr val="accent6"/>
+    </dgm:linClrLst>
+    <dgm:effectClrLst/>
+    <dgm:txLinClrLst/>
+    <dgm:txFillClrLst meth="repeat">
+      <a:schemeClr val="dk1"/>
+    </dgm:txFillClrLst>
+    <dgm:txEffectClrLst/>
+  </dgm:styleLbl>
+  <dgm:styleLbl name="alignAcc1">
+    <dgm:fillClrLst meth="repeat">
+      <a:schemeClr val="lt1">
+        <a:alpha val="90000"/>
+      </a:schemeClr>
+    </dgm:fillClrLst>
+    <dgm:linClrLst meth="repeat">
+      <a:schemeClr val="accent2"/>
+      <a:schemeClr val="accent3"/>
+      <a:schemeClr val="accent4"/>
+      <a:schemeClr val="accent5"/>
+      <a:schemeClr val="accent6"/>
+    </dgm:linClrLst>
+    <dgm:effectClrLst/>
+    <dgm:txLinClrLst/>
+    <dgm:txFillClrLst meth="repeat">
+      <a:schemeClr val="dk1"/>
+    </dgm:txFillClrLst>
+    <dgm:txEffectClrLst/>
+  </dgm:styleLbl>
+  <dgm:styleLbl name="trAlignAcc1">
+    <dgm:fillClrLst meth="repeat">
+      <a:schemeClr val="lt1">
+        <a:alpha val="40000"/>
+      </a:schemeClr>
+    </dgm:fillClrLst>
+    <dgm:linClrLst meth="repeat">
+      <a:schemeClr val="accent1"/>
+    </dgm:linClrLst>
+    <dgm:effectClrLst/>
+    <dgm:txLinClrLst/>
+    <dgm:txFillClrLst meth="repeat">
+      <a:schemeClr val="dk1"/>
+    </dgm:txFillClrLst>
+    <dgm:txEffectClrLst/>
+  </dgm:styleLbl>
+  <dgm:styleLbl name="bgAcc1">
+    <dgm:fillClrLst meth="repeat">
+      <a:schemeClr val="lt1">
+        <a:alpha val="90000"/>
+      </a:schemeClr>
+    </dgm:fillClrLst>
+    <dgm:linClrLst meth="repeat">
+      <a:schemeClr val="accent2"/>
+      <a:schemeClr val="accent3"/>
+      <a:schemeClr val="accent4"/>
+      <a:schemeClr val="accent5"/>
+      <a:schemeClr val="accent6"/>
+    </dgm:linClrLst>
+    <dgm:effectClrLst/>
+    <dgm:txLinClrLst/>
+    <dgm:txFillClrLst meth="repeat">
+      <a:schemeClr val="dk1"/>
+    </dgm:txFillClrLst>
+    <dgm:txEffectClrLst/>
+  </dgm:styleLbl>
+  <dgm:styleLbl name="solidFgAcc1">
+    <dgm:fillClrLst meth="repeat">
+      <a:schemeClr val="lt1"/>
+    </dgm:fillClrLst>
+    <dgm:linClrLst meth="repeat">
+      <a:schemeClr val="accent2"/>
+      <a:schemeClr val="accent3"/>
+      <a:schemeClr val="accent4"/>
+      <a:schemeClr val="accent5"/>
+      <a:schemeClr val="accent6"/>
+    </dgm:linClrLst>
+    <dgm:effectClrLst/>
+    <dgm:txLinClrLst/>
+    <dgm:txFillClrLst meth="repeat">
+      <a:schemeClr val="dk1"/>
+    </dgm:txFillClrLst>
+    <dgm:txEffectClrLst/>
+  </dgm:styleLbl>
+  <dgm:styleLbl name="solidAlignAcc1">
+    <dgm:fillClrLst meth="repeat">
+      <a:schemeClr val="lt1"/>
+    </dgm:fillClrLst>
+    <dgm:linClrLst meth="repeat">
+      <a:schemeClr val="accent2"/>
+      <a:schemeClr val="accent3"/>
+      <a:schemeClr val="accent4"/>
+      <a:schemeClr val="accent5"/>
+      <a:schemeClr val="accent6"/>
+    </dgm:linClrLst>
+    <dgm:effectClrLst/>
+    <dgm:txLinClrLst/>
+    <dgm:txFillClrLst meth="repeat">
+      <a:schemeClr val="dk1"/>
+    </dgm:txFillClrLst>
+    <dgm:txEffectClrLst/>
+  </dgm:styleLbl>
+  <dgm:styleLbl name="solidBgAcc1">
+    <dgm:fillClrLst meth="repeat">
+      <a:schemeClr val="lt1"/>
+    </dgm:fillClrLst>
+    <dgm:linClrLst meth="repeat">
+      <a:schemeClr val="accent2"/>
+      <a:schemeClr val="accent3"/>
+      <a:schemeClr val="accent4"/>
+      <a:schemeClr val="accent5"/>
+      <a:schemeClr val="accent6"/>
+    </dgm:linClrLst>
+    <dgm:effectClrLst/>
+    <dgm:txLinClrLst/>
+    <dgm:txFillClrLst meth="repeat">
+      <a:schemeClr val="dk1"/>
+    </dgm:txFillClrLst>
+    <dgm:txEffectClrLst/>
+  </dgm:styleLbl>
+  <dgm:styleLbl name="fgAccFollowNode1">
+    <dgm:fillClrLst meth="repeat">
+      <a:schemeClr val="accent2">
+        <a:tint val="40000"/>
+        <a:alpha val="90000"/>
+      </a:schemeClr>
+      <a:schemeClr val="accent3">
+        <a:tint val="40000"/>
+        <a:alpha val="90000"/>
+      </a:schemeClr>
+      <a:schemeClr val="accent4">
+        <a:tint val="40000"/>
+        <a:alpha val="90000"/>
+      </a:schemeClr>
+      <a:schemeClr val="accent5">
+        <a:tint val="40000"/>
+        <a:alpha val="90000"/>
+      </a:schemeClr>
+      <a:schemeClr val="accent6">
+        <a:tint val="40000"/>
+        <a:alpha val="90000"/>
+      </a:schemeClr>
+    </dgm:fillClrLst>
+    <dgm:linClrLst meth="repeat">
+      <a:schemeClr val="accent2">
+        <a:tint val="40000"/>
+        <a:alpha val="90000"/>
+      </a:schemeClr>
+      <a:schemeClr val="accent3">
+        <a:tint val="40000"/>
+        <a:alpha val="90000"/>
+      </a:schemeClr>
+      <a:schemeClr val="accent4">
+        <a:tint val="40000"/>
+        <a:alpha val="90000"/>
+      </a:schemeClr>
+      <a:schemeClr val="accent5">
+        <a:tint val="40000"/>
+        <a:alpha val="90000"/>
+      </a:schemeClr>
+      <a:schemeClr val="accent6">
+        <a:tint val="40000"/>
+        <a:alpha val="90000"/>
+      </a:schemeClr>
+    </dgm:linClrLst>
+    <dgm:effectClrLst/>
+    <dgm:txLinClrLst/>
+    <dgm:txFillClrLst meth="repeat">
+      <a:schemeClr val="dk1"/>
+    </dgm:txFillClrLst>
+    <dgm:txEffectClrLst/>
+  </dgm:styleLbl>
+  <dgm:styleLbl name="alignAccFollowNode1">
+    <dgm:fillClrLst meth="repeat">
+      <a:schemeClr val="accent2">
+        <a:tint val="40000"/>
+        <a:alpha val="90000"/>
+      </a:schemeClr>
+      <a:schemeClr val="accent3">
+        <a:tint val="40000"/>
+        <a:alpha val="90000"/>
+      </a:schemeClr>
+      <a:schemeClr val="accent4">
+        <a:tint val="40000"/>
+        <a:alpha val="90000"/>
+      </a:schemeClr>
+      <a:schemeClr val="accent5">
+        <a:tint val="40000"/>
+        <a:alpha val="90000"/>
+      </a:schemeClr>
+      <a:schemeClr val="accent6">
+        <a:tint val="40000"/>
+        <a:alpha val="90000"/>
+      </a:schemeClr>
+    </dgm:fillClrLst>
+    <dgm:linClrLst meth="repeat">
+      <a:schemeClr val="accent2">
+        <a:tint val="40000"/>
+        <a:alpha val="90000"/>
+      </a:schemeClr>
+      <a:schemeClr val="accent3">
+        <a:tint val="40000"/>
+        <a:alpha val="90000"/>
+      </a:schemeClr>
+      <a:schemeClr val="accent4">
+        <a:tint val="40000"/>
+        <a:alpha val="90000"/>
+      </a:schemeClr>
+      <a:schemeClr val="accent5">
+        <a:tint val="40000"/>
+        <a:alpha val="90000"/>
+      </a:schemeClr>
+      <a:schemeClr val="accent6">
+        <a:tint val="40000"/>
+        <a:alpha val="90000"/>
+      </a:schemeClr>
+    </dgm:linClrLst>
+    <dgm:effectClrLst/>
+    <dgm:txLinClrLst/>
+    <dgm:txFillClrLst meth="repeat">
+      <a:schemeClr val="dk1"/>
+    </dgm:txFillClrLst>
+    <dgm:txEffectClrLst/>
+  </dgm:styleLbl>
+  <dgm:styleLbl name="bgAccFollowNode1">
+    <dgm:fillClrLst meth="repeat">
+      <a:schemeClr val="accent2">
+        <a:tint val="40000"/>
+        <a:alpha val="90000"/>
+      </a:schemeClr>
+      <a:schemeClr val="accent3">
+        <a:tint val="40000"/>
+        <a:alpha val="90000"/>
+      </a:schemeClr>
+      <a:schemeClr val="accent4">
+        <a:tint val="40000"/>
+        <a:alpha val="90000"/>
+      </a:schemeClr>
+      <a:schemeClr val="accent5">
+        <a:tint val="40000"/>
+        <a:alpha val="90000"/>
+      </a:schemeClr>
+      <a:schemeClr val="accent6">
+        <a:tint val="40000"/>
+        <a:alpha val="90000"/>
+      </a:schemeClr>
+    </dgm:fillClrLst>
+    <dgm:linClrLst meth="repeat">
+      <a:schemeClr val="accent2">
+        <a:tint val="40000"/>
+        <a:alpha val="90000"/>
+      </a:schemeClr>
+      <a:schemeClr val="accent3">
+        <a:tint val="40000"/>
+        <a:alpha val="90000"/>
+      </a:schemeClr>
+      <a:schemeClr val="accent4">
+        <a:tint val="40000"/>
+        <a:alpha val="90000"/>
+      </a:schemeClr>
+      <a:schemeClr val="accent5">
+        <a:tint val="40000"/>
+        <a:alpha val="90000"/>
+      </a:schemeClr>
+      <a:schemeClr val="accent6">
+        <a:tint val="40000"/>
+        <a:alpha val="90000"/>
+      </a:schemeClr>
+    </dgm:linClrLst>
+    <dgm:effectClrLst/>
+    <dgm:txLinClrLst/>
+    <dgm:txFillClrLst meth="repeat">
+      <a:schemeClr val="dk1"/>
+    </dgm:txFillClrLst>
+    <dgm:txEffectClrLst/>
+  </dgm:styleLbl>
+  <dgm:styleLbl name="fgAcc0">
+    <dgm:fillClrLst meth="repeat">
+      <a:schemeClr val="lt1">
+        <a:alpha val="90000"/>
+      </a:schemeClr>
+    </dgm:fillClrLst>
+    <dgm:linClrLst>
+      <a:schemeClr val="accent1"/>
+    </dgm:linClrLst>
+    <dgm:effectClrLst/>
+    <dgm:txLinClrLst/>
+    <dgm:txFillClrLst meth="repeat">
+      <a:schemeClr val="dk1"/>
+    </dgm:txFillClrLst>
+    <dgm:txEffectClrLst/>
+  </dgm:styleLbl>
+  <dgm:styleLbl name="fgAcc2">
+    <dgm:fillClrLst meth="repeat">
+      <a:schemeClr val="lt1">
+        <a:alpha val="90000"/>
+      </a:schemeClr>
+    </dgm:fillClrLst>
+    <dgm:linClrLst>
+      <a:schemeClr val="accent2"/>
+    </dgm:linClrLst>
+    <dgm:effectClrLst/>
+    <dgm:txLinClrLst/>
+    <dgm:txFillClrLst meth="repeat">
+      <a:schemeClr val="dk1"/>
+    </dgm:txFillClrLst>
+    <dgm:txEffectClrLst/>
+  </dgm:styleLbl>
+  <dgm:styleLbl name="fgAcc3">
+    <dgm:fillClrLst meth="repeat">
+      <a:schemeClr val="lt1">
+        <a:alpha val="90000"/>
+      </a:schemeClr>
+    </dgm:fillClrLst>
+    <dgm:linClrLst>
+      <a:schemeClr val="accent3"/>
+    </dgm:linClrLst>
+    <dgm:effectClrLst/>
+    <dgm:txLinClrLst/>
+    <dgm:txFillClrLst meth="repeat">
+      <a:schemeClr val="dk1"/>
+    </dgm:txFillClrLst>
+    <dgm:txEffectClrLst/>
+  </dgm:styleLbl>
+  <dgm:styleLbl name="fgAcc4">
+    <dgm:fillClrLst meth="repeat">
+      <a:schemeClr val="lt1">
+        <a:alpha val="90000"/>
+      </a:schemeClr>
+    </dgm:fillClrLst>
+    <dgm:linClrLst>
+      <a:schemeClr val="accent4"/>
+    </dgm:linClrLst>
+    <dgm:effectClrLst/>
+    <dgm:txLinClrLst/>
+    <dgm:txFillClrLst meth="repeat">
+      <a:schemeClr val="dk1"/>
+    </dgm:txFillClrLst>
+    <dgm:txEffectClrLst/>
+  </dgm:styleLbl>
+  <dgm:styleLbl name="bgShp">
+    <dgm:fillClrLst meth="repeat">
+      <a:schemeClr val="accent2">
+        <a:tint val="40000"/>
+      </a:schemeClr>
+    </dgm:fillClrLst>
+    <dgm:linClrLst meth="repeat">
+      <a:schemeClr val="dk1"/>
+    </dgm:linClrLst>
+    <dgm:effectClrLst/>
+    <dgm:txLinClrLst/>
+    <dgm:txFillClrLst meth="repeat">
+      <a:schemeClr val="dk1"/>
+    </dgm:txFillClrLst>
+    <dgm:txEffectClrLst/>
+  </dgm:styleLbl>
+  <dgm:styleLbl name="dkBgShp">
+    <dgm:fillClrLst meth="repeat">
+      <a:schemeClr val="accent2">
+        <a:shade val="90000"/>
+      </a:schemeClr>
+    </dgm:fillClrLst>
+    <dgm:linClrLst meth="repeat">
+      <a:schemeClr val="dk1"/>
+    </dgm:linClrLst>
+    <dgm:effectClrLst/>
+    <dgm:txLinClrLst/>
+    <dgm:txFillClrLst meth="repeat">
+      <a:schemeClr val="lt1"/>
+    </dgm:txFillClrLst>
+    <dgm:txEffectClrLst/>
+  </dgm:styleLbl>
+  <dgm:styleLbl name="trBgShp">
+    <dgm:fillClrLst meth="repeat">
+      <a:schemeClr val="accent1">
+        <a:tint val="50000"/>
+        <a:alpha val="40000"/>
+      </a:schemeClr>
+    </dgm:fillClrLst>
+    <dgm:linClrLst meth="repeat">
+      <a:schemeClr val="accent2"/>
+    </dgm:linClrLst>
+    <dgm:effectClrLst/>
+    <dgm:txLinClrLst/>
+    <dgm:txFillClrLst meth="repeat">
+      <a:schemeClr val="lt1"/>
+    </dgm:txFillClrLst>
+    <dgm:txEffectClrLst/>
+  </dgm:styleLbl>
+  <dgm:styleLbl name="fgShp">
+    <dgm:fillClrLst meth="repeat">
+      <a:schemeClr val="accent2">
+        <a:tint val="40000"/>
+      </a:schemeClr>
+    </dgm:fillClrLst>
+    <dgm:linClrLst meth="repeat">
+      <a:schemeClr val="lt1"/>
+    </dgm:linClrLst>
+    <dgm:effectClrLst/>
+    <dgm:txLinClrLst/>
+    <dgm:txFillClrLst meth="repeat">
+      <a:schemeClr val="dk1"/>
+    </dgm:txFillClrLst>
+    <dgm:txEffectClrLst/>
+  </dgm:styleLbl>
+  <dgm:styleLbl name="revTx">
+    <dgm:fillClrLst meth="repeat">
+      <a:schemeClr val="lt1">
+        <a:alpha val="0"/>
+      </a:schemeClr>
+    </dgm:fillClrLst>
+    <dgm:linClrLst meth="repeat">
+      <a:schemeClr val="dk1">
+        <a:alpha val="0"/>
+      </a:schemeClr>
+    </dgm:linClrLst>
+    <dgm:effectClrLst/>
+    <dgm:txLinClrLst/>
+    <dgm:txFillClrLst meth="repeat">
+      <a:schemeClr val="tx1"/>
+    </dgm:txFillClrLst>
+    <dgm:txEffectClrLst/>
+  </dgm:styleLbl>
+</dgm:colorsDef>
+</file>
+
+<file path=ppt/diagrams/data1.xml><?xml version="1.0" encoding="utf-8"?>
+<dgm:dataModel xmlns:dgm="http://schemas.openxmlformats.org/drawingml/2006/diagram" xmlns:a="http://schemas.openxmlformats.org/drawingml/2006/main">
+  <dgm:ptLst>
+    <dgm:pt modelId="{A7B40116-B33F-461B-AEA7-57C6F03F3A55}" type="doc">
+      <dgm:prSet loTypeId="urn:microsoft.com/office/officeart/2005/8/layout/hierarchy3" loCatId="list" qsTypeId="urn:microsoft.com/office/officeart/2005/8/quickstyle/simple1" qsCatId="simple" csTypeId="urn:microsoft.com/office/officeart/2005/8/colors/colorful1" csCatId="colorful" phldr="1"/>
+      <dgm:spPr/>
+      <dgm:t>
+        <a:bodyPr/>
+        <a:lstStyle/>
+        <a:p>
+          <a:endParaRPr lang="en-US"/>
+        </a:p>
+      </dgm:t>
+    </dgm:pt>
+    <dgm:pt modelId="{06A81BA0-BABE-44DF-AE77-4DD601DEB203}">
+      <dgm:prSet/>
+      <dgm:spPr/>
+      <dgm:t>
+        <a:bodyPr/>
+        <a:lstStyle/>
+        <a:p>
+          <a:pPr rtl="0"/>
+          <a:r>
+            <a:rPr lang="en-US" dirty="0" smtClean="0"/>
+            <a:t>We can introduce Google by following three lines</a:t>
+          </a:r>
+          <a:endParaRPr lang="en-US" dirty="0"/>
+        </a:p>
+      </dgm:t>
+    </dgm:pt>
+    <dgm:pt modelId="{7A6B858F-CC3A-4F05-8945-811707EBCC6B}" type="parTrans" cxnId="{F38CBAE4-F773-4B42-8908-46BE4B67218A}">
+      <dgm:prSet/>
+      <dgm:spPr/>
+      <dgm:t>
+        <a:bodyPr/>
+        <a:lstStyle/>
+        <a:p>
+          <a:endParaRPr lang="en-US"/>
+        </a:p>
+      </dgm:t>
+    </dgm:pt>
+    <dgm:pt modelId="{945CD825-A946-4991-83C6-96A85F7FCF76}" type="sibTrans" cxnId="{F38CBAE4-F773-4B42-8908-46BE4B67218A}">
+      <dgm:prSet/>
+      <dgm:spPr/>
+      <dgm:t>
+        <a:bodyPr/>
+        <a:lstStyle/>
+        <a:p>
+          <a:endParaRPr lang="en-US"/>
+        </a:p>
+      </dgm:t>
+    </dgm:pt>
+    <dgm:pt modelId="{75EB223E-B994-476E-A0D1-D496C0B45674}">
+      <dgm:prSet custT="1"/>
+      <dgm:spPr/>
+      <dgm:t>
+        <a:bodyPr/>
+        <a:lstStyle/>
+        <a:p>
+          <a:pPr rtl="0"/>
+          <a:r>
+            <a:rPr lang="en-US" sz="3200" dirty="0" smtClean="0"/>
+            <a:t>Who</a:t>
+          </a:r>
+          <a:r>
+            <a:rPr lang="en-US" sz="4000" dirty="0" smtClean="0"/>
+            <a:t> we are?</a:t>
+          </a:r>
+        </a:p>
+      </dgm:t>
+    </dgm:pt>
+    <dgm:pt modelId="{21069137-C5CD-4F0B-8771-91B3F924E9A6}" type="parTrans" cxnId="{0B0348AD-4BB4-4681-B403-5DF9E1D1AAB6}">
+      <dgm:prSet/>
+      <dgm:spPr/>
+      <dgm:t>
+        <a:bodyPr/>
+        <a:lstStyle/>
+        <a:p>
+          <a:endParaRPr lang="en-US"/>
+        </a:p>
+      </dgm:t>
+    </dgm:pt>
+    <dgm:pt modelId="{E59BCBF9-9897-45AB-9BE7-B31CC842A38B}" type="sibTrans" cxnId="{0B0348AD-4BB4-4681-B403-5DF9E1D1AAB6}">
+      <dgm:prSet/>
+      <dgm:spPr/>
+      <dgm:t>
+        <a:bodyPr/>
+        <a:lstStyle/>
+        <a:p>
+          <a:endParaRPr lang="en-US"/>
+        </a:p>
+      </dgm:t>
+    </dgm:pt>
+    <dgm:pt modelId="{C0408A0C-D6D7-405D-A506-AE06F9D18E1A}">
+      <dgm:prSet custT="1"/>
+      <dgm:spPr/>
+      <dgm:t>
+        <a:bodyPr/>
+        <a:lstStyle/>
+        <a:p>
+          <a:pPr rtl="0"/>
+          <a:r>
+            <a:rPr lang="en-US" sz="3200" dirty="0" smtClean="0"/>
+            <a:t>What we do?</a:t>
+          </a:r>
+          <a:endParaRPr lang="en-US" sz="3200" dirty="0"/>
+        </a:p>
+      </dgm:t>
+    </dgm:pt>
+    <dgm:pt modelId="{672A1FD6-A25F-4503-9A4E-FD664AD266C0}" type="parTrans" cxnId="{2B68256F-23AB-44CC-BFFC-A05A34EB2F50}">
+      <dgm:prSet/>
+      <dgm:spPr/>
+      <dgm:t>
+        <a:bodyPr/>
+        <a:lstStyle/>
+        <a:p>
+          <a:endParaRPr lang="en-US"/>
+        </a:p>
+      </dgm:t>
+    </dgm:pt>
+    <dgm:pt modelId="{A101FBBC-2D09-4874-819B-E6CE27BFE215}" type="sibTrans" cxnId="{2B68256F-23AB-44CC-BFFC-A05A34EB2F50}">
+      <dgm:prSet/>
+      <dgm:spPr/>
+      <dgm:t>
+        <a:bodyPr/>
+        <a:lstStyle/>
+        <a:p>
+          <a:endParaRPr lang="en-US"/>
+        </a:p>
+      </dgm:t>
+    </dgm:pt>
+    <dgm:pt modelId="{141A0775-7785-4108-A40A-605602922E5A}">
+      <dgm:prSet custT="1"/>
+      <dgm:spPr/>
+      <dgm:t>
+        <a:bodyPr/>
+        <a:lstStyle/>
+        <a:p>
+          <a:pPr rtl="0"/>
+          <a:r>
+            <a:rPr lang="en-US" sz="3200" dirty="0" smtClean="0"/>
+            <a:t>What</a:t>
+          </a:r>
+          <a:r>
+            <a:rPr lang="en-US" sz="4000" dirty="0" smtClean="0"/>
+            <a:t> we believe?</a:t>
+          </a:r>
+        </a:p>
+      </dgm:t>
+    </dgm:pt>
+    <dgm:pt modelId="{105D04E7-C173-4C8D-8BAC-F1E3A9DD53FE}" type="parTrans" cxnId="{6842AFAB-6250-4BF0-B019-687C3A57AD2A}">
+      <dgm:prSet/>
+      <dgm:spPr/>
+      <dgm:t>
+        <a:bodyPr/>
+        <a:lstStyle/>
+        <a:p>
+          <a:endParaRPr lang="en-US"/>
+        </a:p>
+      </dgm:t>
+    </dgm:pt>
+    <dgm:pt modelId="{B743D003-B5C8-4CB5-838B-8BE46BE4B7A6}" type="sibTrans" cxnId="{6842AFAB-6250-4BF0-B019-687C3A57AD2A}">
+      <dgm:prSet/>
+      <dgm:spPr/>
+      <dgm:t>
+        <a:bodyPr/>
+        <a:lstStyle/>
+        <a:p>
+          <a:endParaRPr lang="en-US"/>
+        </a:p>
+      </dgm:t>
+    </dgm:pt>
+    <dgm:pt modelId="{99B38437-F618-47AE-B609-6ABCB6C81545}" type="pres">
+      <dgm:prSet presAssocID="{A7B40116-B33F-461B-AEA7-57C6F03F3A55}" presName="diagram" presStyleCnt="0">
+        <dgm:presLayoutVars>
+          <dgm:chPref val="1"/>
+          <dgm:dir/>
+          <dgm:animOne val="branch"/>
+          <dgm:animLvl val="lvl"/>
+          <dgm:resizeHandles/>
+        </dgm:presLayoutVars>
+      </dgm:prSet>
+      <dgm:spPr/>
+    </dgm:pt>
+    <dgm:pt modelId="{049ECBEB-0CAD-4541-8490-DE8A4A49A8BD}" type="pres">
+      <dgm:prSet presAssocID="{06A81BA0-BABE-44DF-AE77-4DD601DEB203}" presName="root" presStyleCnt="0"/>
+      <dgm:spPr/>
+    </dgm:pt>
+    <dgm:pt modelId="{4E12E488-6EA1-42AB-921A-EEE76D26B215}" type="pres">
+      <dgm:prSet presAssocID="{06A81BA0-BABE-44DF-AE77-4DD601DEB203}" presName="rootComposite" presStyleCnt="0"/>
+      <dgm:spPr/>
+    </dgm:pt>
+    <dgm:pt modelId="{36200670-77F6-4C5A-B4B2-A4F0D44D3D91}" type="pres">
+      <dgm:prSet presAssocID="{06A81BA0-BABE-44DF-AE77-4DD601DEB203}" presName="rootText" presStyleLbl="node1" presStyleIdx="0" presStyleCnt="1" custScaleX="169793" custLinFactNeighborY="6555"/>
+      <dgm:spPr/>
+      <dgm:t>
+        <a:bodyPr/>
+        <a:lstStyle/>
+        <a:p>
+          <a:endParaRPr lang="en-US"/>
+        </a:p>
+      </dgm:t>
+    </dgm:pt>
+    <dgm:pt modelId="{B72A464C-2E90-4796-A1A6-327FB030473A}" type="pres">
+      <dgm:prSet presAssocID="{06A81BA0-BABE-44DF-AE77-4DD601DEB203}" presName="rootConnector" presStyleLbl="node1" presStyleIdx="0" presStyleCnt="1"/>
+      <dgm:spPr/>
+    </dgm:pt>
+    <dgm:pt modelId="{DF442575-BAA8-4A76-A115-9DF0912F4B51}" type="pres">
+      <dgm:prSet presAssocID="{06A81BA0-BABE-44DF-AE77-4DD601DEB203}" presName="childShape" presStyleCnt="0"/>
+      <dgm:spPr/>
+    </dgm:pt>
+    <dgm:pt modelId="{1DD0955E-A6FB-4559-B39A-D9EC982381E2}" type="pres">
+      <dgm:prSet presAssocID="{21069137-C5CD-4F0B-8771-91B3F924E9A6}" presName="Name13" presStyleLbl="parChTrans1D2" presStyleIdx="0" presStyleCnt="3"/>
+      <dgm:spPr/>
+    </dgm:pt>
+    <dgm:pt modelId="{D889F875-0D55-4056-96B2-F64547D53BE7}" type="pres">
+      <dgm:prSet presAssocID="{75EB223E-B994-476E-A0D1-D496C0B45674}" presName="childText" presStyleLbl="bgAcc1" presStyleIdx="0" presStyleCnt="3" custScaleX="229429" custScaleY="72241" custLinFactNeighborX="1992" custLinFactNeighborY="395">
+        <dgm:presLayoutVars>
+          <dgm:bulletEnabled val="1"/>
+        </dgm:presLayoutVars>
+      </dgm:prSet>
+      <dgm:spPr/>
+    </dgm:pt>
+    <dgm:pt modelId="{AF165F75-F34C-4652-AA87-30D509310FE4}" type="pres">
+      <dgm:prSet presAssocID="{105D04E7-C173-4C8D-8BAC-F1E3A9DD53FE}" presName="Name13" presStyleLbl="parChTrans1D2" presStyleIdx="1" presStyleCnt="3"/>
+      <dgm:spPr/>
+    </dgm:pt>
+    <dgm:pt modelId="{2956732A-EC9F-48B6-B905-0B71C0D6725E}" type="pres">
+      <dgm:prSet presAssocID="{141A0775-7785-4108-A40A-605602922E5A}" presName="childText" presStyleLbl="bgAcc1" presStyleIdx="1" presStyleCnt="3" custScaleX="233411" custScaleY="76428" custLinFactNeighborY="-6733">
+        <dgm:presLayoutVars>
+          <dgm:bulletEnabled val="1"/>
+        </dgm:presLayoutVars>
+      </dgm:prSet>
+      <dgm:spPr/>
+    </dgm:pt>
+    <dgm:pt modelId="{62DB1C1A-3B53-46BF-93F4-ED7D4DC0D269}" type="pres">
+      <dgm:prSet presAssocID="{672A1FD6-A25F-4503-9A4E-FD664AD266C0}" presName="Name13" presStyleLbl="parChTrans1D2" presStyleIdx="2" presStyleCnt="3"/>
+      <dgm:spPr/>
+    </dgm:pt>
+    <dgm:pt modelId="{C83CC842-E685-41A3-BA96-B32D97AE6CB2}" type="pres">
+      <dgm:prSet presAssocID="{C0408A0C-D6D7-405D-A506-AE06F9D18E1A}" presName="childText" presStyleLbl="bgAcc1" presStyleIdx="2" presStyleCnt="3" custScaleX="232727" custScaleY="71376" custLinFactNeighborY="-11926">
+        <dgm:presLayoutVars>
+          <dgm:bulletEnabled val="1"/>
+        </dgm:presLayoutVars>
+      </dgm:prSet>
+      <dgm:spPr/>
+    </dgm:pt>
+  </dgm:ptLst>
+  <dgm:cxnLst>
+    <dgm:cxn modelId="{0B0348AD-4BB4-4681-B403-5DF9E1D1AAB6}" srcId="{06A81BA0-BABE-44DF-AE77-4DD601DEB203}" destId="{75EB223E-B994-476E-A0D1-D496C0B45674}" srcOrd="0" destOrd="0" parTransId="{21069137-C5CD-4F0B-8771-91B3F924E9A6}" sibTransId="{E59BCBF9-9897-45AB-9BE7-B31CC842A38B}"/>
+    <dgm:cxn modelId="{97F52A93-AE7D-4607-A2D6-3FA4961BB16A}" type="presOf" srcId="{06A81BA0-BABE-44DF-AE77-4DD601DEB203}" destId="{36200670-77F6-4C5A-B4B2-A4F0D44D3D91}" srcOrd="0" destOrd="0" presId="urn:microsoft.com/office/officeart/2005/8/layout/hierarchy3"/>
+    <dgm:cxn modelId="{E8F46432-80D4-4770-94C5-7B6AADF8F724}" type="presOf" srcId="{A7B40116-B33F-461B-AEA7-57C6F03F3A55}" destId="{99B38437-F618-47AE-B609-6ABCB6C81545}" srcOrd="0" destOrd="0" presId="urn:microsoft.com/office/officeart/2005/8/layout/hierarchy3"/>
+    <dgm:cxn modelId="{EC609BEC-7F71-4D9F-8F99-FA02A77B5A37}" type="presOf" srcId="{141A0775-7785-4108-A40A-605602922E5A}" destId="{2956732A-EC9F-48B6-B905-0B71C0D6725E}" srcOrd="0" destOrd="0" presId="urn:microsoft.com/office/officeart/2005/8/layout/hierarchy3"/>
+    <dgm:cxn modelId="{6842AFAB-6250-4BF0-B019-687C3A57AD2A}" srcId="{06A81BA0-BABE-44DF-AE77-4DD601DEB203}" destId="{141A0775-7785-4108-A40A-605602922E5A}" srcOrd="1" destOrd="0" parTransId="{105D04E7-C173-4C8D-8BAC-F1E3A9DD53FE}" sibTransId="{B743D003-B5C8-4CB5-838B-8BE46BE4B7A6}"/>
+    <dgm:cxn modelId="{F38CBAE4-F773-4B42-8908-46BE4B67218A}" srcId="{A7B40116-B33F-461B-AEA7-57C6F03F3A55}" destId="{06A81BA0-BABE-44DF-AE77-4DD601DEB203}" srcOrd="0" destOrd="0" parTransId="{7A6B858F-CC3A-4F05-8945-811707EBCC6B}" sibTransId="{945CD825-A946-4991-83C6-96A85F7FCF76}"/>
+    <dgm:cxn modelId="{D1041458-FAF7-48F8-90FA-C69F00293C20}" type="presOf" srcId="{672A1FD6-A25F-4503-9A4E-FD664AD266C0}" destId="{62DB1C1A-3B53-46BF-93F4-ED7D4DC0D269}" srcOrd="0" destOrd="0" presId="urn:microsoft.com/office/officeart/2005/8/layout/hierarchy3"/>
+    <dgm:cxn modelId="{A9A43169-E77D-4C35-8234-424EB4F95E9B}" type="presOf" srcId="{C0408A0C-D6D7-405D-A506-AE06F9D18E1A}" destId="{C83CC842-E685-41A3-BA96-B32D97AE6CB2}" srcOrd="0" destOrd="0" presId="urn:microsoft.com/office/officeart/2005/8/layout/hierarchy3"/>
+    <dgm:cxn modelId="{43FBC5A4-5471-4006-960C-4E322B633556}" type="presOf" srcId="{75EB223E-B994-476E-A0D1-D496C0B45674}" destId="{D889F875-0D55-4056-96B2-F64547D53BE7}" srcOrd="0" destOrd="0" presId="urn:microsoft.com/office/officeart/2005/8/layout/hierarchy3"/>
+    <dgm:cxn modelId="{16FD21AE-813D-47CA-AC33-3034D1D02EC6}" type="presOf" srcId="{105D04E7-C173-4C8D-8BAC-F1E3A9DD53FE}" destId="{AF165F75-F34C-4652-AA87-30D509310FE4}" srcOrd="0" destOrd="0" presId="urn:microsoft.com/office/officeart/2005/8/layout/hierarchy3"/>
+    <dgm:cxn modelId="{2B68256F-23AB-44CC-BFFC-A05A34EB2F50}" srcId="{06A81BA0-BABE-44DF-AE77-4DD601DEB203}" destId="{C0408A0C-D6D7-405D-A506-AE06F9D18E1A}" srcOrd="2" destOrd="0" parTransId="{672A1FD6-A25F-4503-9A4E-FD664AD266C0}" sibTransId="{A101FBBC-2D09-4874-819B-E6CE27BFE215}"/>
+    <dgm:cxn modelId="{DD6113B9-8A2E-4D8F-BB18-ED4E8ECF8B31}" type="presOf" srcId="{21069137-C5CD-4F0B-8771-91B3F924E9A6}" destId="{1DD0955E-A6FB-4559-B39A-D9EC982381E2}" srcOrd="0" destOrd="0" presId="urn:microsoft.com/office/officeart/2005/8/layout/hierarchy3"/>
+    <dgm:cxn modelId="{E28E5448-5BA9-4FA0-B85B-CDA1AD068432}" type="presOf" srcId="{06A81BA0-BABE-44DF-AE77-4DD601DEB203}" destId="{B72A464C-2E90-4796-A1A6-327FB030473A}" srcOrd="1" destOrd="0" presId="urn:microsoft.com/office/officeart/2005/8/layout/hierarchy3"/>
+    <dgm:cxn modelId="{DFBFABA8-B5AB-4DED-94A4-8493D78D1C8E}" type="presParOf" srcId="{99B38437-F618-47AE-B609-6ABCB6C81545}" destId="{049ECBEB-0CAD-4541-8490-DE8A4A49A8BD}" srcOrd="0" destOrd="0" presId="urn:microsoft.com/office/officeart/2005/8/layout/hierarchy3"/>
+    <dgm:cxn modelId="{61F708D6-291C-4C05-9B5F-EC6B0D00B57F}" type="presParOf" srcId="{049ECBEB-0CAD-4541-8490-DE8A4A49A8BD}" destId="{4E12E488-6EA1-42AB-921A-EEE76D26B215}" srcOrd="0" destOrd="0" presId="urn:microsoft.com/office/officeart/2005/8/layout/hierarchy3"/>
+    <dgm:cxn modelId="{CEE3B803-146E-4E3E-8202-9628A393C4AB}" type="presParOf" srcId="{4E12E488-6EA1-42AB-921A-EEE76D26B215}" destId="{36200670-77F6-4C5A-B4B2-A4F0D44D3D91}" srcOrd="0" destOrd="0" presId="urn:microsoft.com/office/officeart/2005/8/layout/hierarchy3"/>
+    <dgm:cxn modelId="{F0161E64-132B-4E22-B9EF-542B31082287}" type="presParOf" srcId="{4E12E488-6EA1-42AB-921A-EEE76D26B215}" destId="{B72A464C-2E90-4796-A1A6-327FB030473A}" srcOrd="1" destOrd="0" presId="urn:microsoft.com/office/officeart/2005/8/layout/hierarchy3"/>
+    <dgm:cxn modelId="{06A94B82-19EB-4C81-A347-AF532D7A5D96}" type="presParOf" srcId="{049ECBEB-0CAD-4541-8490-DE8A4A49A8BD}" destId="{DF442575-BAA8-4A76-A115-9DF0912F4B51}" srcOrd="1" destOrd="0" presId="urn:microsoft.com/office/officeart/2005/8/layout/hierarchy3"/>
+    <dgm:cxn modelId="{8F4EFA3F-A44C-45EE-8874-98E6C0DE153A}" type="presParOf" srcId="{DF442575-BAA8-4A76-A115-9DF0912F4B51}" destId="{1DD0955E-A6FB-4559-B39A-D9EC982381E2}" srcOrd="0" destOrd="0" presId="urn:microsoft.com/office/officeart/2005/8/layout/hierarchy3"/>
+    <dgm:cxn modelId="{D9F77C27-8616-49D4-BE05-850D6DAEE2BA}" type="presParOf" srcId="{DF442575-BAA8-4A76-A115-9DF0912F4B51}" destId="{D889F875-0D55-4056-96B2-F64547D53BE7}" srcOrd="1" destOrd="0" presId="urn:microsoft.com/office/officeart/2005/8/layout/hierarchy3"/>
+    <dgm:cxn modelId="{D42C541E-5A78-4392-8008-9F9CD98FB6BC}" type="presParOf" srcId="{DF442575-BAA8-4A76-A115-9DF0912F4B51}" destId="{AF165F75-F34C-4652-AA87-30D509310FE4}" srcOrd="2" destOrd="0" presId="urn:microsoft.com/office/officeart/2005/8/layout/hierarchy3"/>
+    <dgm:cxn modelId="{84D2FB1B-749D-4175-AC9F-EFA3A8892D94}" type="presParOf" srcId="{DF442575-BAA8-4A76-A115-9DF0912F4B51}" destId="{2956732A-EC9F-48B6-B905-0B71C0D6725E}" srcOrd="3" destOrd="0" presId="urn:microsoft.com/office/officeart/2005/8/layout/hierarchy3"/>
+    <dgm:cxn modelId="{7B3D77A1-FFBB-40BE-A4A8-EC95DED82FAD}" type="presParOf" srcId="{DF442575-BAA8-4A76-A115-9DF0912F4B51}" destId="{62DB1C1A-3B53-46BF-93F4-ED7D4DC0D269}" srcOrd="4" destOrd="0" presId="urn:microsoft.com/office/officeart/2005/8/layout/hierarchy3"/>
+    <dgm:cxn modelId="{734FCE2F-CDC6-4CDD-947E-CCE9E9EC8773}" type="presParOf" srcId="{DF442575-BAA8-4A76-A115-9DF0912F4B51}" destId="{C83CC842-E685-41A3-BA96-B32D97AE6CB2}" srcOrd="5" destOrd="0" presId="urn:microsoft.com/office/officeart/2005/8/layout/hierarchy3"/>
+  </dgm:cxnLst>
+  <dgm:bg/>
+  <dgm:whole/>
+</dgm:dataModel>
+</file>
+
+<file path=ppt/diagrams/layout1.xml><?xml version="1.0" encoding="utf-8"?>
+<dgm:layoutDef xmlns:dgm="http://schemas.openxmlformats.org/drawingml/2006/diagram" xmlns:a="http://schemas.openxmlformats.org/drawingml/2006/main" uniqueId="urn:microsoft.com/office/officeart/2005/8/layout/hierarchy3">
+  <dgm:title val=""/>
+  <dgm:desc val=""/>
+  <dgm:catLst>
+    <dgm:cat type="hierarchy" pri="7000"/>
+    <dgm:cat type="list" pri="23000"/>
+    <dgm:cat type="relationship" pri="15000"/>
+    <dgm:cat type="convert" pri="7000"/>
+  </dgm:catLst>
+  <dgm:sampData>
+    <dgm:dataModel>
+      <dgm:ptLst>
+        <dgm:pt modelId="0" type="doc"/>
+        <dgm:pt modelId="1">
+          <dgm:prSet phldr="1"/>
+        </dgm:pt>
+        <dgm:pt modelId="11">
+          <dgm:prSet phldr="1"/>
+        </dgm:pt>
+        <dgm:pt modelId="12">
+          <dgm:prSet phldr="1"/>
+        </dgm:pt>
+        <dgm:pt modelId="2">
+          <dgm:prSet phldr="1"/>
+        </dgm:pt>
+        <dgm:pt modelId="21">
+          <dgm:prSet phldr="1"/>
+        </dgm:pt>
+        <dgm:pt modelId="22">
+          <dgm:prSet phldr="1"/>
+        </dgm:pt>
+      </dgm:ptLst>
+      <dgm:cxnLst>
+        <dgm:cxn modelId="4" srcId="0" destId="1" srcOrd="0" destOrd="0"/>
+        <dgm:cxn modelId="5" srcId="1" destId="11" srcOrd="0" destOrd="0"/>
+        <dgm:cxn modelId="6" srcId="1" destId="12" srcOrd="1" destOrd="0"/>
+        <dgm:cxn modelId="7" srcId="0" destId="2" srcOrd="1" destOrd="0"/>
+        <dgm:cxn modelId="8" srcId="2" destId="21" srcOrd="0" destOrd="0"/>
+        <dgm:cxn modelId="9" srcId="2" destId="22" srcOrd="1" destOrd="0"/>
+      </dgm:cxnLst>
+      <dgm:bg/>
+      <dgm:whole/>
+    </dgm:dataModel>
+  </dgm:sampData>
+  <dgm:styleData>
+    <dgm:dataModel>
+      <dgm:ptLst>
+        <dgm:pt modelId="0" type="doc"/>
+        <dgm:pt modelId="1"/>
+        <dgm:pt modelId="11"/>
+        <dgm:pt modelId="2"/>
+        <dgm:pt modelId="21"/>
+      </dgm:ptLst>
+      <dgm:cxnLst>
+        <dgm:cxn modelId="4" srcId="0" destId="1" srcOrd="0" destOrd="0"/>
+        <dgm:cxn modelId="5" srcId="0" destId="2" srcOrd="1" destOrd="0"/>
+        <dgm:cxn modelId="13" srcId="1" destId="11" srcOrd="0" destOrd="0"/>
+        <dgm:cxn modelId="23" srcId="2" destId="21" srcOrd="0" destOrd="0"/>
+      </dgm:cxnLst>
+      <dgm:bg/>
+      <dgm:whole/>
+    </dgm:dataModel>
+  </dgm:styleData>
+  <dgm:clrData>
+    <dgm:dataModel>
+      <dgm:ptLst>
+        <dgm:pt modelId="0" type="doc"/>
+        <dgm:pt modelId="1"/>
+        <dgm:pt modelId="11"/>
+        <dgm:pt modelId="2"/>
+        <dgm:pt modelId="21"/>
+        <dgm:pt modelId="3"/>
+        <dgm:pt modelId="31"/>
+        <dgm:pt modelId="4"/>
+        <dgm:pt modelId="41"/>
+      </dgm:ptLst>
+      <dgm:cxnLst>
+        <dgm:cxn modelId="5" srcId="0" destId="1" srcOrd="0" destOrd="0"/>
+        <dgm:cxn modelId="6" srcId="0" destId="2" srcOrd="1" destOrd="0"/>
+        <dgm:cxn modelId="7" srcId="0" destId="3" srcOrd="2" destOrd="0"/>
+        <dgm:cxn modelId="8" srcId="0" destId="4" srcOrd="3" destOrd="0"/>
+        <dgm:cxn modelId="13" srcId="1" destId="11" srcOrd="0" destOrd="0"/>
+        <dgm:cxn modelId="23" srcId="2" destId="21" srcOrd="0" destOrd="0"/>
+        <dgm:cxn modelId="33" srcId="3" destId="31" srcOrd="0" destOrd="0"/>
+        <dgm:cxn modelId="43" srcId="4" destId="41" srcOrd="0" destOrd="0"/>
+      </dgm:cxnLst>
+      <dgm:bg/>
+      <dgm:whole/>
+    </dgm:dataModel>
+  </dgm:clrData>
+  <dgm:layoutNode name="diagram">
+    <dgm:varLst>
+      <dgm:chPref val="1"/>
+      <dgm:dir/>
+      <dgm:animOne val="branch"/>
+      <dgm:animLvl val="lvl"/>
+      <dgm:resizeHandles/>
+    </dgm:varLst>
+    <dgm:choose name="Name0">
+      <dgm:if name="Name1" func="var" arg="dir" op="equ" val="norm">
+        <dgm:alg type="hierChild">
+          <dgm:param type="linDir" val="fromL"/>
+        </dgm:alg>
+      </dgm:if>
+      <dgm:else name="Name2">
+        <dgm:alg type="hierChild">
+          <dgm:param type="linDir" val="fromR"/>
+        </dgm:alg>
+      </dgm:else>
+    </dgm:choose>
+    <dgm:shape xmlns:r="http://schemas.openxmlformats.org/officeDocument/2006/relationships" r:blip="">
+      <dgm:adjLst/>
+    </dgm:shape>
+    <dgm:presOf/>
+    <dgm:constrLst>
+      <dgm:constr type="primFontSz" for="des" forName="rootText" op="equ" val="65"/>
+      <dgm:constr type="primFontSz" for="des" forName="childText" op="equ" val="65"/>
+      <dgm:constr type="w" for="des" forName="rootComposite" refType="w"/>
+      <dgm:constr type="h" for="des" forName="rootComposite" refType="w" fact="0.5"/>
+      <dgm:constr type="w" for="des" forName="childText" refType="w" refFor="des" refForName="rootComposite" fact="0.8"/>
+      <dgm:constr type="h" for="des" forName="childText" refType="h" refFor="des" refForName="rootComposite"/>
+      <dgm:constr type="sibSp" refType="w" refFor="des" refForName="rootComposite" fact="0.25"/>
+      <dgm:constr type="sibSp" for="des" forName="childShape" refType="h" refFor="des" refForName="childText" fact="0.25"/>
+      <dgm:constr type="sp" for="des" forName="root" refType="h" refFor="des" refForName="childText" fact="0.25"/>
+    </dgm:constrLst>
+    <dgm:ruleLst/>
+    <dgm:forEach name="Name3" axis="ch">
+      <dgm:forEach name="Name4" axis="self" ptType="node" cnt="1">
+        <dgm:layoutNode name="root">
+          <dgm:choose name="Name5">
+            <dgm:if name="Name6" func="var" arg="dir" op="equ" val="norm">
+              <dgm:alg type="hierRoot">
+                <dgm:param type="hierAlign" val="tL"/>
+              </dgm:alg>
+            </dgm:if>
+            <dgm:else name="Name7">
+              <dgm:alg type="hierRoot">
+                <dgm:param type="hierAlign" val="tR"/>
+              </dgm:alg>
+            </dgm:else>
+          </dgm:choose>
+          <dgm:shape xmlns:r="http://schemas.openxmlformats.org/officeDocument/2006/relationships" r:blip="">
+            <dgm:adjLst/>
+          </dgm:shape>
+          <dgm:presOf/>
+          <dgm:constrLst>
+            <dgm:constr type="alignOff" val="0.2"/>
+          </dgm:constrLst>
+          <dgm:ruleLst/>
+          <dgm:layoutNode name="rootComposite">
+            <dgm:alg type="composite"/>
+            <dgm:shape xmlns:r="http://schemas.openxmlformats.org/officeDocument/2006/relationships" r:blip="">
+              <dgm:adjLst/>
+            </dgm:shape>
+            <dgm:presOf axis="self" ptType="node" cnt="1"/>
+            <dgm:choose name="Name8">
+              <dgm:if name="Name9" func="var" arg="dir" op="equ" val="norm">
+                <dgm:constrLst>
+                  <dgm:constr type="l" for="ch" forName="rootText"/>
+                  <dgm:constr type="t" for="ch" forName="rootText"/>
+                  <dgm:constr type="w" for="ch" forName="rootText" refType="w"/>
+                  <dgm:constr type="h" for="ch" forName="rootText" refType="h"/>
+                  <dgm:constr type="l" for="ch" forName="rootConnector"/>
+                  <dgm:constr type="t" for="ch" forName="rootConnector"/>
+                  <dgm:constr type="w" for="ch" forName="rootConnector" refType="w" refFor="ch" refForName="rootText" fact="0.2"/>
+                  <dgm:constr type="h" for="ch" forName="rootConnector" refType="h" refFor="ch" refForName="rootText"/>
+                </dgm:constrLst>
+              </dgm:if>
+              <dgm:else name="Name10">
+                <dgm:constrLst>
+                  <dgm:constr type="l" for="ch" forName="rootText"/>
+                  <dgm:constr type="t" for="ch" forName="rootText"/>
+                  <dgm:constr type="w" for="ch" forName="rootText" refType="w"/>
+                  <dgm:constr type="h" for="ch" forName="rootText" refType="h"/>
+                  <dgm:constr type="r" for="ch" forName="rootConnector" refType="w"/>
+                  <dgm:constr type="t" for="ch" forName="rootConnector"/>
+                  <dgm:constr type="w" for="ch" forName="rootConnector" refType="w" refFor="ch" refForName="rootText" fact="0.2"/>
+                  <dgm:constr type="h" for="ch" forName="rootConnector" refType="h" refFor="ch" refForName="rootText"/>
+                </dgm:constrLst>
+              </dgm:else>
+            </dgm:choose>
+            <dgm:ruleLst/>
+            <dgm:layoutNode name="rootText" styleLbl="node1">
+              <dgm:alg type="tx"/>
+              <dgm:shape xmlns:r="http://schemas.openxmlformats.org/officeDocument/2006/relationships" type="roundRect" r:blip="">
+                <dgm:adjLst>
+                  <dgm:adj idx="1" val="0.1"/>
+                </dgm:adjLst>
+              </dgm:shape>
+              <dgm:presOf axis="self" ptType="node" cnt="1"/>
+              <dgm:constrLst>
+                <dgm:constr type="tMarg" refType="primFontSz" fact="0.1"/>
+                <dgm:constr type="bMarg" refType="primFontSz" fact="0.1"/>
+                <dgm:constr type="lMarg" refType="primFontSz" fact="0.15"/>
+                <dgm:constr type="rMarg" refType="primFontSz" fact="0.15"/>
+              </dgm:constrLst>
+              <dgm:ruleLst>
+                <dgm:rule type="primFontSz" val="5" fact="NaN" max="NaN"/>
+              </dgm:ruleLst>
+            </dgm:layoutNode>
+            <dgm:layoutNode name="rootConnector" moveWith="rootText">
+              <dgm:alg type="sp"/>
+              <dgm:shape xmlns:r="http://schemas.openxmlformats.org/officeDocument/2006/relationships" type="roundRect" r:blip="" hideGeom="1">
+                <dgm:adjLst>
+                  <dgm:adj idx="1" val="0.1"/>
+                </dgm:adjLst>
+              </dgm:shape>
+              <dgm:presOf axis="self" ptType="node" cnt="1"/>
+              <dgm:constrLst/>
+              <dgm:ruleLst/>
+            </dgm:layoutNode>
+          </dgm:layoutNode>
+          <dgm:layoutNode name="childShape">
+            <dgm:alg type="hierChild">
+              <dgm:param type="chAlign" val="l"/>
+              <dgm:param type="linDir" val="fromT"/>
+            </dgm:alg>
+            <dgm:shape xmlns:r="http://schemas.openxmlformats.org/officeDocument/2006/relationships" r:blip="">
+              <dgm:adjLst/>
+            </dgm:shape>
+            <dgm:presOf/>
+            <dgm:constrLst/>
+            <dgm:ruleLst/>
+            <dgm:forEach name="Name11" axis="ch">
+              <dgm:forEach name="Name12" axis="self" ptType="parTrans" cnt="1">
+                <dgm:layoutNode name="Name13">
+                  <dgm:choose name="Name14">
+                    <dgm:if name="Name15" func="var" arg="dir" op="equ" val="norm">
+                      <dgm:alg type="conn">
+                        <dgm:param type="dim" val="1D"/>
+                        <dgm:param type="endSty" val="noArr"/>
+                        <dgm:param type="connRout" val="bend"/>
+                        <dgm:param type="srcNode" val="rootConnector"/>
+                        <dgm:param type="begPts" val="bCtr"/>
+                        <dgm:param type="endPts" val="midL"/>
+                      </dgm:alg>
+                    </dgm:if>
+                    <dgm:else name="Name16">
+                      <dgm:alg type="conn">
+                        <dgm:param type="dim" val="1D"/>
+                        <dgm:param type="endSty" val="noArr"/>
+                        <dgm:param type="connRout" val="bend"/>
+                        <dgm:param type="srcNode" val="rootConnector"/>
+                        <dgm:param type="begPts" val="bCtr"/>
+                        <dgm:param type="endPts" val="midR"/>
+                      </dgm:alg>
+                    </dgm:else>
+                  </dgm:choose>
+                  <dgm:shape xmlns:r="http://schemas.openxmlformats.org/officeDocument/2006/relationships" type="conn" r:blip="">
+                    <dgm:adjLst/>
+                  </dgm:shape>
+                  <dgm:presOf axis="self"/>
+                  <dgm:constrLst>
+                    <dgm:constr type="begPad"/>
+                    <dgm:constr type="endPad"/>
+                  </dgm:constrLst>
+                  <dgm:ruleLst/>
+                </dgm:layoutNode>
+              </dgm:forEach>
+              <dgm:forEach name="Name17" axis="self" ptType="node">
+                <dgm:layoutNode name="childText" styleLbl="bgAcc1">
+                  <dgm:varLst>
+                    <dgm:bulletEnabled val="1"/>
+                  </dgm:varLst>
+                  <dgm:alg type="tx"/>
+                  <dgm:shape xmlns:r="http://schemas.openxmlformats.org/officeDocument/2006/relationships" type="roundRect" r:blip="">
+                    <dgm:adjLst>
+                      <dgm:adj idx="1" val="0.1"/>
+                    </dgm:adjLst>
+                  </dgm:shape>
+                  <dgm:presOf axis="self desOrSelf" ptType="node node" st="1 1" cnt="1 0"/>
+                  <dgm:constrLst>
+                    <dgm:constr type="tMarg" refType="primFontSz" fact="0.1"/>
+                    <dgm:constr type="bMarg" refType="primFontSz" fact="0.1"/>
+                    <dgm:constr type="lMarg" refType="primFontSz" fact="0.15"/>
+                    <dgm:constr type="rMarg" refType="primFontSz" fact="0.15"/>
+                  </dgm:constrLst>
+                  <dgm:ruleLst>
+                    <dgm:rule type="primFontSz" val="5" fact="NaN" max="NaN"/>
+                  </dgm:ruleLst>
+                </dgm:layoutNode>
+              </dgm:forEach>
+            </dgm:forEach>
+          </dgm:layoutNode>
+        </dgm:layoutNode>
+      </dgm:forEach>
+    </dgm:forEach>
+  </dgm:layoutNode>
+</dgm:layoutDef>
+</file>
+
+<file path=ppt/diagrams/quickStyle1.xml><?xml version="1.0" encoding="utf-8"?>
+<dgm:styleDef xmlns:dgm="http://schemas.openxmlformats.org/drawingml/2006/diagram" xmlns:a="http://schemas.openxmlformats.org/drawingml/2006/main" uniqueId="urn:microsoft.com/office/officeart/2005/8/quickstyle/simple1">
+  <dgm:title val=""/>
+  <dgm:desc val=""/>
+  <dgm:catLst>
+    <dgm:cat type="simple" pri="10100"/>
+  </dgm:catLst>
+  <dgm:scene3d>
+    <a:camera prst="orthographicFront"/>
+    <a:lightRig rig="threePt" dir="t"/>
+  </dgm:scene3d>
+  <dgm:styleLbl name="node0">
+    <dgm:scene3d>
+      <a:camera prst="orthographicFront"/>
+      <a:lightRig rig="threePt" dir="t"/>
+    </dgm:scene3d>
+    <dgm:sp3d/>
+    <dgm:txPr/>
+    <dgm:style>
+      <a:lnRef idx="2">
+        <a:scrgbClr r="0" g="0" b="0"/>
+      </a:lnRef>
+      <a:fillRef idx="1">
+        <a:scrgbClr r="0" g="0" b="0"/>
+      </a:fillRef>
+      <a:effectRef idx="0">
+        <a:scrgbClr r="0" g="0" b="0"/>
+      </a:effectRef>
+      <a:fontRef idx="minor">
+        <a:schemeClr val="lt1"/>
+      </a:fontRef>
+    </dgm:style>
+  </dgm:styleLbl>
+  <dgm:styleLbl name="lnNode1">
+    <dgm:scene3d>
+      <a:camera prst="orthographicFront"/>
+      <a:lightRig rig="threePt" dir="t"/>
+    </dgm:scene3d>
+    <dgm:sp3d/>
+    <dgm:txPr/>
+    <dgm:style>
+      <a:lnRef idx="2">
+        <a:scrgbClr r="0" g="0" b="0"/>
+      </a:lnRef>
+      <a:fillRef idx="1">
+        <a:scrgbClr r="0" g="0" b="0"/>
+      </a:fillRef>
+      <a:effectRef idx="0">
+        <a:scrgbClr r="0" g="0" b="0"/>
+      </a:effectRef>
+      <a:fontRef idx="minor">
+        <a:schemeClr val="lt1"/>
+      </a:fontRef>
+    </dgm:style>
+  </dgm:styleLbl>
+  <dgm:styleLbl name="vennNode1">
+    <dgm:scene3d>
+      <a:camera prst="orthographicFront"/>
+      <a:lightRig rig="threePt" dir="t"/>
+    </dgm:scene3d>
+    <dgm:sp3d/>
+    <dgm:txPr/>
+    <dgm:style>
+      <a:lnRef idx="2">
+        <a:scrgbClr r="0" g="0" b="0"/>
+      </a:lnRef>
+      <a:fillRef idx="1">
+        <a:scrgbClr r="0" g="0" b="0"/>
+      </a:fillRef>
+      <a:effectRef idx="0">
+        <a:scrgbClr r="0" g="0" b="0"/>
+      </a:effectRef>
+      <a:fontRef idx="minor">
+        <a:schemeClr val="tx1"/>
+      </a:fontRef>
+    </dgm:style>
+  </dgm:styleLbl>
+  <dgm:styleLbl name="alignNode1">
+    <dgm:scene3d>
+      <a:camera prst="orthographicFront"/>
+      <a:lightRig rig="threePt" dir="t"/>
+    </dgm:scene3d>
+    <dgm:sp3d/>
+    <dgm:txPr/>
+    <dgm:style>
+      <a:lnRef idx="2">
+        <a:scrgbClr r="0" g="0" b="0"/>
+      </a:lnRef>
+      <a:fillRef idx="1">
+        <a:scrgbClr r="0" g="0" b="0"/>
+      </a:fillRef>
+      <a:effectRef idx="0">
+        <a:scrgbClr r="0" g="0" b="0"/>
+      </a:effectRef>
+      <a:fontRef idx="minor">
+        <a:schemeClr val="lt1"/>
+      </a:fontRef>
+    </dgm:style>
+  </dgm:styleLbl>
+  <dgm:styleLbl name="node1">
+    <dgm:scene3d>
+      <a:camera prst="orthographicFront"/>
+      <a:lightRig rig="threePt" dir="t"/>
+    </dgm:scene3d>
+    <dgm:sp3d/>
+    <dgm:txPr/>
+    <dgm:style>
+      <a:lnRef idx="2">
+        <a:scrgbClr r="0" g="0" b="0"/>
+      </a:lnRef>
+      <a:fillRef idx="1">
+        <a:scrgbClr r="0" g="0" b="0"/>
+      </a:fillRef>
+      <a:effectRef idx="0">
+        <a:scrgbClr r="0" g="0" b="0"/>
+      </a:effectRef>
+      <a:fontRef idx="minor">
+        <a:schemeClr val="lt1"/>
+      </a:fontRef>
+    </dgm:style>
+  </dgm:styleLbl>
+  <dgm:styleLbl name="node2">
+    <dgm:scene3d>
+      <a:camera prst="orthographicFront"/>
+      <a:lightRig rig="threePt" dir="t"/>
+    </dgm:scene3d>
+    <dgm:sp3d/>
+    <dgm:txPr/>
+    <dgm:style>
+      <a:lnRef idx="2">
+        <a:scrgbClr r="0" g="0" b="0"/>
+      </a:lnRef>
+      <a:fillRef idx="1">
+        <a:scrgbClr r="0" g="0" b="0"/>
+      </a:fillRef>
+      <a:effectRef idx="0">
+        <a:scrgbClr r="0" g="0" b="0"/>
+      </a:effectRef>
+      <a:fontRef idx="minor">
+        <a:schemeClr val="lt1"/>
+      </a:fontRef>
+    </dgm:style>
+  </dgm:styleLbl>
+  <dgm:styleLbl name="node3">
+    <dgm:scene3d>
+      <a:camera prst="orthographicFront"/>
+      <a:lightRig rig="threePt" dir="t"/>
+    </dgm:scene3d>
+    <dgm:sp3d/>
+    <dgm:txPr/>
+    <dgm:style>
+      <a:lnRef idx="2">
+        <a:scrgbClr r="0" g="0" b="0"/>
+      </a:lnRef>
+      <a:fillRef idx="1">
+        <a:scrgbClr r="0" g="0" b="0"/>
+      </a:fillRef>
+      <a:effectRef idx="0">
+        <a:scrgbClr r="0" g="0" b="0"/>
+      </a:effectRef>
+      <a:fontRef idx="minor">
+        <a:schemeClr val="lt1"/>
+      </a:fontRef>
+    </dgm:style>
+  </dgm:styleLbl>
+  <dgm:styleLbl name="node4">
+    <dgm:scene3d>
+      <a:camera prst="orthographicFront"/>
+      <a:lightRig rig="threePt" dir="t"/>
+    </dgm:scene3d>
+    <dgm:sp3d/>
+    <dgm:txPr/>
+    <dgm:style>
+      <a:lnRef idx="2">
+        <a:scrgbClr r="0" g="0" b="0"/>
+      </a:lnRef>
+      <a:fillRef idx="1">
+        <a:scrgbClr r="0" g="0" b="0"/>
+      </a:fillRef>
+      <a:effectRef idx="0">
+        <a:scrgbClr r="0" g="0" b="0"/>
+      </a:effectRef>
+      <a:fontRef idx="minor">
+        <a:schemeClr val="lt1"/>
+      </a:fontRef>
+    </dgm:style>
+  </dgm:styleLbl>
+  <dgm:styleLbl name="fgImgPlace1">
+    <dgm:scene3d>
+      <a:camera prst="orthographicFront"/>
+      <a:lightRig rig="threePt" dir="t"/>
+    </dgm:scene3d>
+    <dgm:sp3d/>
+    <dgm:txPr/>
+    <dgm:style>
+      <a:lnRef idx="2">
+        <a:scrgbClr r="0" g="0" b="0"/>
+      </a:lnRef>
+      <a:fillRef idx="1">
+        <a:scrgbClr r="0" g="0" b="0"/>
+      </a:fillRef>
+      <a:effectRef idx="0">
+        <a:scrgbClr r="0" g="0" b="0"/>
+      </a:effectRef>
+      <a:fontRef idx="minor"/>
+    </dgm:style>
+  </dgm:styleLbl>
+  <dgm:styleLbl name="alignImgPlace1">
+    <dgm:scene3d>
+      <a:camera prst="orthographicFront"/>
+      <a:lightRig rig="threePt" dir="t"/>
+    </dgm:scene3d>
+    <dgm:sp3d/>
+    <dgm:txPr/>
+    <dgm:style>
+      <a:lnRef idx="2">
+        <a:scrgbClr r="0" g="0" b="0"/>
+      </a:lnRef>
+      <a:fillRef idx="1">
+        <a:scrgbClr r="0" g="0" b="0"/>
+      </a:fillRef>
+      <a:effectRef idx="0">
+        <a:scrgbClr r="0" g="0" b="0"/>
+      </a:effectRef>
+      <a:fontRef idx="minor"/>
+    </dgm:style>
+  </dgm:styleLbl>
+  <dgm:styleLbl name="bgImgPlace1">
+    <dgm:scene3d>
+      <a:camera prst="orthographicFront"/>
+      <a:lightRig rig="threePt" dir="t"/>
+    </dgm:scene3d>
+    <dgm:sp3d/>
+    <dgm:txPr/>
+    <dgm:style>
+      <a:lnRef idx="2">
+        <a:scrgbClr r="0" g="0" b="0"/>
+      </a:lnRef>
+      <a:fillRef idx="1">
+        <a:scrgbClr r="0" g="0" b="0"/>
+      </a:fillRef>
+      <a:effectRef idx="0">
+        <a:scrgbClr r="0" g="0" b="0"/>
+      </a:effectRef>
+      <a:fontRef idx="minor"/>
+    </dgm:style>
+  </dgm:styleLbl>
+  <dgm:styleLbl name="sibTrans2D1">
+    <dgm:scene3d>
+      <a:camera prst="orthographicFront"/>
+      <a:lightRig rig="threePt" dir="t"/>
+    </dgm:scene3d>
+    <dgm:sp3d/>
+    <dgm:txPr/>
+    <dgm:style>
+      <a:lnRef idx="0">
+        <a:scrgbClr r="0" g="0" b="0"/>
+      </a:lnRef>
+      <a:fillRef idx="1">
+        <a:scrgbClr r="0" g="0" b="0"/>
+      </a:fillRef>
+      <a:effectRef idx="0">
+        <a:scrgbClr r="0" g="0" b="0"/>
+      </a:effectRef>
+      <a:fontRef idx="minor">
+        <a:schemeClr val="lt1"/>
+      </a:fontRef>
+    </dgm:style>
+  </dgm:styleLbl>
+  <dgm:styleLbl name="fgSibTrans2D1">
+    <dgm:scene3d>
+      <a:camera prst="orthographicFront"/>
+      <a:lightRig rig="threePt" dir="t"/>
+    </dgm:scene3d>
+    <dgm:sp3d/>
+    <dgm:txPr/>
+    <dgm:style>
+      <a:lnRef idx="0">
+        <a:scrgbClr r="0" g="0" b="0"/>
+      </a:lnRef>
+      <a:fillRef idx="1">
+        <a:scrgbClr r="0" g="0" b="0"/>
+      </a:fillRef>
+      <a:effectRef idx="0">
+        <a:scrgbClr r="0" g="0" b="0"/>
+      </a:effectRef>
+      <a:fontRef idx="minor">
+        <a:schemeClr val="lt1"/>
+      </a:fontRef>
+    </dgm:style>
+  </dgm:styleLbl>
+  <dgm:styleLbl name="bgSibTrans2D1">
+    <dgm:scene3d>
+      <a:camera prst="orthographicFront"/>
+      <a:lightRig rig="threePt" dir="t"/>
+    </dgm:scene3d>
+    <dgm:sp3d/>
+    <dgm:txPr/>
+    <dgm:style>
+      <a:lnRef idx="0">
+        <a:scrgbClr r="0" g="0" b="0"/>
+      </a:lnRef>
+      <a:fillRef idx="1">
+        <a:scrgbClr r="0" g="0" b="0"/>
+      </a:fillRef>
+      <a:effectRef idx="0">
+        <a:scrgbClr r="0" g="0" b="0"/>
+      </a:effectRef>
+      <a:fontRef idx="minor">
+        <a:schemeClr val="lt1"/>
+      </a:fontRef>
+    </dgm:style>
+  </dgm:styleLbl>
+  <dgm:styleLbl name="sibTrans1D1">
+    <dgm:scene3d>
+      <a:camera prst="orthographicFront"/>
+      <a:lightRig rig="threePt" dir="t"/>
+    </dgm:scene3d>
+    <dgm:sp3d/>
+    <dgm:txPr/>
+    <dgm:style>
+      <a:lnRef idx="1">
+        <a:scrgbClr r="0" g="0" b="0"/>
+      </a:lnRef>
+      <a:fillRef idx="0">
+        <a:scrgbClr r="0" g="0" b="0"/>
+      </a:fillRef>
+      <a:effectRef idx="0">
+        <a:scrgbClr r="0" g="0" b="0"/>
+      </a:effectRef>
+      <a:fontRef idx="minor"/>
+    </dgm:style>
+  </dgm:styleLbl>
+  <dgm:styleLbl name="callout">
+    <dgm:scene3d>
+      <a:camera prst="orthographicFront"/>
+      <a:lightRig rig="threePt" dir="t"/>
+    </dgm:scene3d>
+    <dgm:sp3d/>
+    <dgm:txPr/>
+    <dgm:style>
+      <a:lnRef idx="2">
+        <a:scrgbClr r="0" g="0" b="0"/>
+      </a:lnRef>
+      <a:fillRef idx="1">
+        <a:scrgbClr r="0" g="0" b="0"/>
+      </a:fillRef>
+      <a:effectRef idx="0">
+        <a:scrgbClr r="0" g="0" b="0"/>
+      </a:effectRef>
+      <a:fontRef idx="minor"/>
+    </dgm:style>
+  </dgm:styleLbl>
+  <dgm:styleLbl name="asst0">
+    <dgm:scene3d>
+      <a:camera prst="orthographicFront"/>
+      <a:lightRig rig="threePt" dir="t"/>
+    </dgm:scene3d>
+    <dgm:sp3d/>
+    <dgm:txPr/>
+    <dgm:style>
+      <a:lnRef idx="2">
+        <a:scrgbClr r="0" g="0" b="0"/>
+      </a:lnRef>
+      <a:fillRef idx="1">
+        <a:scrgbClr r="0" g="0" b="0"/>
+      </a:fillRef>
+      <a:effectRef idx="0">
+        <a:scrgbClr r="0" g="0" b="0"/>
+      </a:effectRef>
+      <a:fontRef idx="minor">
+        <a:schemeClr val="lt1"/>
+      </a:fontRef>
+    </dgm:style>
+  </dgm:styleLbl>
+  <dgm:styleLbl name="asst1">
+    <dgm:scene3d>
+      <a:camera prst="orthographicFront"/>
+      <a:lightRig rig="threePt" dir="t"/>
+    </dgm:scene3d>
+    <dgm:sp3d/>
+    <dgm:txPr/>
+    <dgm:style>
+      <a:lnRef idx="2">
+        <a:scrgbClr r="0" g="0" b="0"/>
+      </a:lnRef>
+      <a:fillRef idx="1">
+        <a:scrgbClr r="0" g="0" b="0"/>
+      </a:fillRef>
+      <a:effectRef idx="0">
+        <a:scrgbClr r="0" g="0" b="0"/>
+      </a:effectRef>
+      <a:fontRef idx="minor">
+        <a:schemeClr val="lt1"/>
+      </a:fontRef>
+    </dgm:style>
+  </dgm:styleLbl>
+  <dgm:styleLbl name="asst2">
+    <dgm:scene3d>
+      <a:camera prst="orthographicFront"/>
+      <a:lightRig rig="threePt" dir="t"/>
+    </dgm:scene3d>
+    <dgm:sp3d/>
+    <dgm:txPr/>
+    <dgm:style>
+      <a:lnRef idx="2">
+        <a:scrgbClr r="0" g="0" b="0"/>
+      </a:lnRef>
+      <a:fillRef idx="1">
+        <a:scrgbClr r="0" g="0" b="0"/>
+      </a:fillRef>
+      <a:effectRef idx="0">
+        <a:scrgbClr r="0" g="0" b="0"/>
+      </a:effectRef>
+      <a:fontRef idx="minor">
+        <a:schemeClr val="lt1"/>
+      </a:fontRef>
+    </dgm:style>
+  </dgm:styleLbl>
+  <dgm:styleLbl name="asst3">
+    <dgm:scene3d>
+      <a:camera prst="orthographicFront"/>
+      <a:lightRig rig="threePt" dir="t"/>
+    </dgm:scene3d>
+    <dgm:sp3d/>
+    <dgm:txPr/>
+    <dgm:style>
+      <a:lnRef idx="2">
+        <a:scrgbClr r="0" g="0" b="0"/>
+      </a:lnRef>
+      <a:fillRef idx="1">
+        <a:scrgbClr r="0" g="0" b="0"/>
+      </a:fillRef>
+      <a:effectRef idx="0">
+        <a:scrgbClr r="0" g="0" b="0"/>
+      </a:effectRef>
+      <a:fontRef idx="minor">
+        <a:schemeClr val="lt1"/>
+      </a:fontRef>
+    </dgm:style>
+  </dgm:styleLbl>
+  <dgm:styleLbl name="asst4">
+    <dgm:scene3d>
+      <a:camera prst="orthographicFront"/>
+      <a:lightRig rig="threePt" dir="t"/>
+    </dgm:scene3d>
+    <dgm:sp3d/>
+    <dgm:txPr/>
+    <dgm:style>
+      <a:lnRef idx="2">
+        <a:scrgbClr r="0" g="0" b="0"/>
+      </a:lnRef>
+      <a:fillRef idx="1">
+        <a:scrgbClr r="0" g="0" b="0"/>
+      </a:fillRef>
+      <a:effectRef idx="0">
+        <a:scrgbClr r="0" g="0" b="0"/>
+      </a:effectRef>
+      <a:fontRef idx="minor">
+        <a:schemeClr val="lt1"/>
+      </a:fontRef>
+    </dgm:style>
+  </dgm:styleLbl>
+  <dgm:styleLbl name="parChTrans2D1">
+    <dgm:scene3d>
+      <a:camera prst="orthographicFront"/>
+      <a:lightRig rig="threePt" dir="t"/>
+    </dgm:scene3d>
+    <dgm:sp3d/>
+    <dgm:txPr/>
+    <dgm:style>
+      <a:lnRef idx="2">
+        <a:scrgbClr r="0" g="0" b="0"/>
+      </a:lnRef>
+      <a:fillRef idx="1">
+        <a:scrgbClr r="0" g="0" b="0"/>
+      </a:fillRef>
+      <a:effectRef idx="0">
+        <a:scrgbClr r="0" g="0" b="0"/>
+      </a:effectRef>
+      <a:fontRef idx="minor">
+        <a:schemeClr val="lt1"/>
+      </a:fontRef>
+    </dgm:style>
+  </dgm:styleLbl>
+  <dgm:styleLbl name="parChTrans2D2">
+    <dgm:scene3d>
+      <a:camera prst="orthographicFront"/>
+      <a:lightRig rig="threePt" dir="t"/>
+    </dgm:scene3d>
+    <dgm:sp3d/>
+    <dgm:txPr/>
+    <dgm:style>
+      <a:lnRef idx="2">
+        <a:scrgbClr r="0" g="0" b="0"/>
+      </a:lnRef>
+      <a:fillRef idx="1">
+        <a:scrgbClr r="0" g="0" b="0"/>
+      </a:fillRef>
+      <a:effectRef idx="0">
+        <a:scrgbClr r="0" g="0" b="0"/>
+      </a:effectRef>
+      <a:fontRef idx="minor">
+        <a:schemeClr val="lt1"/>
+      </a:fontRef>
+    </dgm:style>
+  </dgm:styleLbl>
+  <dgm:styleLbl name="parChTrans2D3">
+    <dgm:scene3d>
+      <a:camera prst="orthographicFront"/>
+      <a:lightRig rig="threePt" dir="t"/>
+    </dgm:scene3d>
+    <dgm:sp3d/>
+    <dgm:txPr/>
+    <dgm:style>
+      <a:lnRef idx="2">
+        <a:scrgbClr r="0" g="0" b="0"/>
+      </a:lnRef>
+      <a:fillRef idx="1">
+        <a:scrgbClr r="0" g="0" b="0"/>
+      </a:fillRef>
+      <a:effectRef idx="0">
+        <a:scrgbClr r="0" g="0" b="0"/>
+      </a:effectRef>
+      <a:fontRef idx="minor">
+        <a:schemeClr val="lt1"/>
+      </a:fontRef>
+    </dgm:style>
+  </dgm:styleLbl>
+  <dgm:styleLbl name="parChTrans2D4">
+    <dgm:scene3d>
+      <a:camera prst="orthographicFront"/>
+      <a:lightRig rig="threePt" dir="t"/>
+    </dgm:scene3d>
+    <dgm:sp3d/>
+    <dgm:txPr/>
+    <dgm:style>
+      <a:lnRef idx="2">
+        <a:scrgbClr r="0" g="0" b="0"/>
+      </a:lnRef>
+      <a:fillRef idx="1">
+        <a:scrgbClr r="0" g="0" b="0"/>
+      </a:fillRef>
+      <a:effectRef idx="0">
+        <a:scrgbClr r="0" g="0" b="0"/>
+      </a:effectRef>
+      <a:fontRef idx="minor">
+        <a:schemeClr val="lt1"/>
+      </a:fontRef>
+    </dgm:style>
+  </dgm:styleLbl>
+  <dgm:styleLbl name="parChTrans1D1">
+    <dgm:scene3d>
+      <a:camera prst="orthographicFront"/>
+      <a:lightRig rig="threePt" dir="t"/>
+    </dgm:scene3d>
+    <dgm:sp3d/>
+    <dgm:txPr/>
+    <dgm:style>
+      <a:lnRef idx="2">
+        <a:scrgbClr r="0" g="0" b="0"/>
+      </a:lnRef>
+      <a:fillRef idx="0">
+        <a:scrgbClr r="0" g="0" b="0"/>
+      </a:fillRef>
+      <a:effectRef idx="0">
+        <a:scrgbClr r="0" g="0" b="0"/>
+      </a:effectRef>
+      <a:fontRef idx="minor"/>
+    </dgm:style>
+  </dgm:styleLbl>
+  <dgm:styleLbl name="parChTrans1D2">
+    <dgm:scene3d>
+      <a:camera prst="orthographicFront"/>
+      <a:lightRig rig="threePt" dir="t"/>
+    </dgm:scene3d>
+    <dgm:sp3d/>
+    <dgm:txPr/>
+    <dgm:style>
+      <a:lnRef idx="2">
+        <a:scrgbClr r="0" g="0" b="0"/>
+      </a:lnRef>
+      <a:fillRef idx="0">
+        <a:scrgbClr r="0" g="0" b="0"/>
+      </a:fillRef>
+      <a:effectRef idx="0">
+        <a:scrgbClr r="0" g="0" b="0"/>
+      </a:effectRef>
+      <a:fontRef idx="minor"/>
+    </dgm:style>
+  </dgm:styleLbl>
+  <dgm:styleLbl name="parChTrans1D3">
+    <dgm:scene3d>
+      <a:camera prst="orthographicFront"/>
+      <a:lightRig rig="threePt" dir="t"/>
+    </dgm:scene3d>
+    <dgm:sp3d/>
+    <dgm:txPr/>
+    <dgm:style>
+      <a:lnRef idx="2">
+        <a:scrgbClr r="0" g="0" b="0"/>
+      </a:lnRef>
+      <a:fillRef idx="0">
+        <a:scrgbClr r="0" g="0" b="0"/>
+      </a:fillRef>
+      <a:effectRef idx="0">
+        <a:scrgbClr r="0" g="0" b="0"/>
+      </a:effectRef>
+      <a:fontRef idx="minor"/>
+    </dgm:style>
+  </dgm:styleLbl>
+  <dgm:styleLbl name="parChTrans1D4">
+    <dgm:scene3d>
+      <a:camera prst="orthographicFront"/>
+      <a:lightRig rig="threePt" dir="t"/>
+    </dgm:scene3d>
+    <dgm:sp3d/>
+    <dgm:txPr/>
+    <dgm:style>
+      <a:lnRef idx="2">
+        <a:scrgbClr r="0" g="0" b="0"/>
+      </a:lnRef>
+      <a:fillRef idx="0">
+        <a:scrgbClr r="0" g="0" b="0"/>
+      </a:fillRef>
+      <a:effectRef idx="0">
+        <a:scrgbClr r="0" g="0" b="0"/>
+      </a:effectRef>
+      <a:fontRef idx="minor"/>
+    </dgm:style>
+  </dgm:styleLbl>
+  <dgm:styleLbl name="fgAcc1">
+    <dgm:scene3d>
+      <a:camera prst="orthographicFront"/>
+      <a:lightRig rig="threePt" dir="t"/>
+    </dgm:scene3d>
+    <dgm:sp3d/>
+    <dgm:txPr/>
+    <dgm:style>
+      <a:lnRef idx="2">
+        <a:scrgbClr r="0" g="0" b="0"/>
+      </a:lnRef>
+      <a:fillRef idx="1">
+        <a:scrgbClr r="0" g="0" b="0"/>
+      </a:fillRef>
+      <a:effectRef idx="0">
+        <a:scrgbClr r="0" g="0" b="0"/>
+      </a:effectRef>
+      <a:fontRef idx="minor"/>
+    </dgm:style>
+  </dgm:styleLbl>
+  <dgm:styleLbl name="conFgAcc1">
+    <dgm:scene3d>
+      <a:camera prst="orthographicFront"/>
+      <a:lightRig rig="threePt" dir="t"/>
+    </dgm:scene3d>
+    <dgm:sp3d/>
+    <dgm:txPr/>
+    <dgm:style>
+      <a:lnRef idx="2">
+        <a:scrgbClr r="0" g="0" b="0"/>
+      </a:lnRef>
+      <a:fillRef idx="1">
+        <a:scrgbClr r="0" g="0" b="0"/>
+      </a:fillRef>
+      <a:effectRef idx="0">
+        <a:scrgbClr r="0" g="0" b="0"/>
+      </a:effectRef>
+      <a:fontRef idx="minor"/>
+    </dgm:style>
+  </dgm:styleLbl>
+  <dgm:styleLbl name="alignAcc1">
+    <dgm:scene3d>
+      <a:camera prst="orthographicFront"/>
+      <a:lightRig rig="threePt" dir="t"/>
+    </dgm:scene3d>
+    <dgm:sp3d/>
+    <dgm:txPr/>
+    <dgm:style>
+      <a:lnRef idx="2">
+        <a:scrgbClr r="0" g="0" b="0"/>
+      </a:lnRef>
+      <a:fillRef idx="1">
+        <a:scrgbClr r="0" g="0" b="0"/>
+      </a:fillRef>
+      <a:effectRef idx="0">
+        <a:scrgbClr r="0" g="0" b="0"/>
+      </a:effectRef>
+      <a:fontRef idx="minor"/>
+    </dgm:style>
+  </dgm:styleLbl>
+  <dgm:styleLbl name="trAlignAcc1">
+    <dgm:scene3d>
+      <a:camera prst="orthographicFront"/>
+      <a:lightRig rig="threePt" dir="t"/>
+    </dgm:scene3d>
+    <dgm:sp3d/>
+    <dgm:txPr/>
+    <dgm:style>
+      <a:lnRef idx="1">
+        <a:scrgbClr r="0" g="0" b="0"/>
+      </a:lnRef>
+      <a:fillRef idx="1">
+        <a:scrgbClr r="0" g="0" b="0"/>
+      </a:fillRef>
+      <a:effectRef idx="0">
+        <a:scrgbClr r="0" g="0" b="0"/>
+      </a:effectRef>
+      <a:fontRef idx="minor"/>
+    </dgm:style>
+  </dgm:styleLbl>
+  <dgm:styleLbl name="bgAcc1">
+    <dgm:scene3d>
+      <a:camera prst="orthographicFront"/>
+      <a:lightRig rig="threePt" dir="t"/>
+    </dgm:scene3d>
+    <dgm:sp3d/>
+    <dgm:txPr/>
+    <dgm:style>
+      <a:lnRef idx="2">
+        <a:scrgbClr r="0" g="0" b="0"/>
+      </a:lnRef>
+      <a:fillRef idx="1">
+        <a:scrgbClr r="0" g="0" b="0"/>
+      </a:fillRef>
+      <a:effectRef idx="0">
+        <a:scrgbClr r="0" g="0" b="0"/>
+      </a:effectRef>
+      <a:fontRef idx="minor"/>
+    </dgm:style>
+  </dgm:styleLbl>
+  <dgm:styleLbl name="solidFgAcc1">
+    <dgm:scene3d>
+      <a:camera prst="orthographicFront"/>
+      <a:lightRig rig="threePt" dir="t"/>
+    </dgm:scene3d>
+    <dgm:sp3d/>
+    <dgm:txPr/>
+    <dgm:style>
+      <a:lnRef idx="2">
+        <a:scrgbClr r="0" g="0" b="0"/>
+      </a:lnRef>
+      <a:fillRef idx="1">
+        <a:scrgbClr r="0" g="0" b="0"/>
+      </a:fillRef>
+      <a:effectRef idx="0">
+        <a:scrgbClr r="0" g="0" b="0"/>
+      </a:effectRef>
+      <a:fontRef idx="minor"/>
+    </dgm:style>
+  </dgm:styleLbl>
+  <dgm:styleLbl name="solidAlignAcc1">
+    <dgm:scene3d>
+      <a:camera prst="orthographicFront"/>
+      <a:lightRig rig="threePt" dir="t"/>
+    </dgm:scene3d>
+    <dgm:sp3d/>
+    <dgm:txPr/>
+    <dgm:style>
+      <a:lnRef idx="2">
+        <a:scrgbClr r="0" g="0" b="0"/>
+      </a:lnRef>
+      <a:fillRef idx="1">
+        <a:scrgbClr r="0" g="0" b="0"/>
+      </a:fillRef>
+      <a:effectRef idx="0">
+        <a:scrgbClr r="0" g="0" b="0"/>
+      </a:effectRef>
+      <a:fontRef idx="minor"/>
+    </dgm:style>
+  </dgm:styleLbl>
+  <dgm:styleLbl name="solidBgAcc1">
+    <dgm:scene3d>
+      <a:camera prst="orthographicFront"/>
+      <a:lightRig rig="threePt" dir="t"/>
+    </dgm:scene3d>
+    <dgm:sp3d/>
+    <dgm:txPr/>
+    <dgm:style>
+      <a:lnRef idx="2">
+        <a:scrgbClr r="0" g="0" b="0"/>
+      </a:lnRef>
+      <a:fillRef idx="1">
+        <a:scrgbClr r="0" g="0" b="0"/>
+      </a:fillRef>
+      <a:effectRef idx="0">
+        <a:scrgbClr r="0" g="0" b="0"/>
+      </a:effectRef>
+      <a:fontRef idx="minor"/>
+    </dgm:style>
+  </dgm:styleLbl>
+  <dgm:styleLbl name="fgAccFollowNode1">
+    <dgm:scene3d>
+      <a:camera prst="orthographicFront"/>
+      <a:lightRig rig="threePt" dir="t"/>
+    </dgm:scene3d>
+    <dgm:sp3d/>
+    <dgm:txPr/>
+    <dgm:style>
+      <a:lnRef idx="2">
+        <a:scrgbClr r="0" g="0" b="0"/>
+      </a:lnRef>
+      <a:fillRef idx="1">
+        <a:scrgbClr r="0" g="0" b="0"/>
+      </a:fillRef>
+      <a:effectRef idx="0">
+        <a:scrgbClr r="0" g="0" b="0"/>
+      </a:effectRef>
+      <a:fontRef idx="minor"/>
+    </dgm:style>
+  </dgm:styleLbl>
+  <dgm:styleLbl name="alignAccFollowNode1">
+    <dgm:scene3d>
+      <a:camera prst="orthographicFront"/>
+      <a:lightRig rig="threePt" dir="t"/>
+    </dgm:scene3d>
+    <dgm:sp3d/>
+    <dgm:txPr/>
+    <dgm:style>
+      <a:lnRef idx="2">
+        <a:scrgbClr r="0" g="0" b="0"/>
+      </a:lnRef>
+      <a:fillRef idx="1">
+        <a:scrgbClr r="0" g="0" b="0"/>
+      </a:fillRef>
+      <a:effectRef idx="0">
+        <a:scrgbClr r="0" g="0" b="0"/>
+      </a:effectRef>
+      <a:fontRef idx="minor"/>
+    </dgm:style>
+  </dgm:styleLbl>
+  <dgm:styleLbl name="bgAccFollowNode1">
+    <dgm:scene3d>
+      <a:camera prst="orthographicFront"/>
+      <a:lightRig rig="threePt" dir="t"/>
+    </dgm:scene3d>
+    <dgm:sp3d/>
+    <dgm:txPr/>
+    <dgm:style>
+      <a:lnRef idx="2">
+        <a:scrgbClr r="0" g="0" b="0"/>
+      </a:lnRef>
+      <a:fillRef idx="1">
+        <a:scrgbClr r="0" g="0" b="0"/>
+      </a:fillRef>
+      <a:effectRef idx="0">
+        <a:scrgbClr r="0" g="0" b="0"/>
+      </a:effectRef>
+      <a:fontRef idx="minor"/>
+    </dgm:style>
+  </dgm:styleLbl>
+  <dgm:styleLbl name="fgAcc0">
+    <dgm:scene3d>
+      <a:camera prst="orthographicFront"/>
+      <a:lightRig rig="threePt" dir="t"/>
+    </dgm:scene3d>
+    <dgm:sp3d/>
+    <dgm:txPr/>
+    <dgm:style>
+      <a:lnRef idx="2">
+        <a:scrgbClr r="0" g="0" b="0"/>
+      </a:lnRef>
+      <a:fillRef idx="1">
+        <a:scrgbClr r="0" g="0" b="0"/>
+      </a:fillRef>
+      <a:effectRef idx="0">
+        <a:scrgbClr r="0" g="0" b="0"/>
+      </a:effectRef>
+      <a:fontRef idx="minor"/>
+    </dgm:style>
+  </dgm:styleLbl>
+  <dgm:styleLbl name="fgAcc2">
+    <dgm:scene3d>
+      <a:camera prst="orthographicFront"/>
+      <a:lightRig rig="threePt" dir="t"/>
+    </dgm:scene3d>
+    <dgm:sp3d/>
+    <dgm:txPr/>
+    <dgm:style>
+      <a:lnRef idx="2">
+        <a:scrgbClr r="0" g="0" b="0"/>
+      </a:lnRef>
+      <a:fillRef idx="1">
+        <a:scrgbClr r="0" g="0" b="0"/>
+      </a:fillRef>
+      <a:effectRef idx="0">
+        <a:scrgbClr r="0" g="0" b="0"/>
+      </a:effectRef>
+      <a:fontRef idx="minor"/>
+    </dgm:style>
+  </dgm:styleLbl>
+  <dgm:styleLbl name="fgAcc3">
+    <dgm:scene3d>
+      <a:camera prst="orthographicFront"/>
+      <a:lightRig rig="threePt" dir="t"/>
+    </dgm:scene3d>
+    <dgm:sp3d/>
+    <dgm:txPr/>
+    <dgm:style>
+      <a:lnRef idx="2">
+        <a:scrgbClr r="0" g="0" b="0"/>
+      </a:lnRef>
+      <a:fillRef idx="1">
+        <a:scrgbClr r="0" g="0" b="0"/>
+      </a:fillRef>
+      <a:effectRef idx="0">
+        <a:scrgbClr r="0" g="0" b="0"/>
+      </a:effectRef>
+      <a:fontRef idx="minor"/>
+    </dgm:style>
+  </dgm:styleLbl>
+  <dgm:styleLbl name="fgAcc4">
+    <dgm:scene3d>
+      <a:camera prst="orthographicFront"/>
+      <a:lightRig rig="threePt" dir="t"/>
+    </dgm:scene3d>
+    <dgm:sp3d/>
+    <dgm:txPr/>
+    <dgm:style>
+      <a:lnRef idx="2">
+        <a:scrgbClr r="0" g="0" b="0"/>
+      </a:lnRef>
+      <a:fillRef idx="1">
+        <a:scrgbClr r="0" g="0" b="0"/>
+      </a:fillRef>
+      <a:effectRef idx="0">
+        <a:scrgbClr r="0" g="0" b="0"/>
+      </a:effectRef>
+      <a:fontRef idx="minor"/>
+    </dgm:style>
+  </dgm:styleLbl>
+  <dgm:styleLbl name="bgShp">
+    <dgm:scene3d>
+      <a:camera prst="orthographicFront"/>
+      <a:lightRig rig="threePt" dir="t"/>
+    </dgm:scene3d>
+    <dgm:sp3d/>
+    <dgm:txPr/>
+    <dgm:style>
+      <a:lnRef idx="0">
+        <a:scrgbClr r="0" g="0" b="0"/>
+      </a:lnRef>
+      <a:fillRef idx="1">
+        <a:scrgbClr r="0" g="0" b="0"/>
+      </a:fillRef>
+      <a:effectRef idx="0">
+        <a:scrgbClr r="0" g="0" b="0"/>
+      </a:effectRef>
+      <a:fontRef idx="minor"/>
+    </dgm:style>
+  </dgm:styleLbl>
+  <dgm:styleLbl name="dkBgShp">
+    <dgm:scene3d>
+      <a:camera prst="orthographicFront"/>
+      <a:lightRig rig="threePt" dir="t"/>
+    </dgm:scene3d>
+    <dgm:sp3d/>
+    <dgm:txPr/>
+    <dgm:style>
+      <a:lnRef idx="0">
+        <a:scrgbClr r="0" g="0" b="0"/>
+      </a:lnRef>
+      <a:fillRef idx="1">
+        <a:scrgbClr r="0" g="0" b="0"/>
+      </a:fillRef>
+      <a:effectRef idx="0">
+        <a:scrgbClr r="0" g="0" b="0"/>
+      </a:effectRef>
+      <a:fontRef idx="minor"/>
+    </dgm:style>
+  </dgm:styleLbl>
+  <dgm:styleLbl name="trBgShp">
+    <dgm:scene3d>
+      <a:camera prst="orthographicFront"/>
+      <a:lightRig rig="threePt" dir="t"/>
+    </dgm:scene3d>
+    <dgm:sp3d/>
+    <dgm:txPr/>
+    <dgm:style>
+      <a:lnRef idx="0">
+        <a:scrgbClr r="0" g="0" b="0"/>
+      </a:lnRef>
+      <a:fillRef idx="1">
+        <a:scrgbClr r="0" g="0" b="0"/>
+      </a:fillRef>
+      <a:effectRef idx="0">
+        <a:scrgbClr r="0" g="0" b="0"/>
+      </a:effectRef>
+      <a:fontRef idx="minor"/>
+    </dgm:style>
+  </dgm:styleLbl>
+  <dgm:styleLbl name="fgShp">
+    <dgm:scene3d>
+      <a:camera prst="orthographicFront"/>
+      <a:lightRig rig="threePt" dir="t"/>
+    </dgm:scene3d>
+    <dgm:sp3d/>
+    <dgm:txPr/>
+    <dgm:style>
+      <a:lnRef idx="2">
+        <a:scrgbClr r="0" g="0" b="0"/>
+      </a:lnRef>
+      <a:fillRef idx="1">
+        <a:scrgbClr r="0" g="0" b="0"/>
+      </a:fillRef>
+      <a:effectRef idx="0">
+        <a:scrgbClr r="0" g="0" b="0"/>
+      </a:effectRef>
+      <a:fontRef idx="minor"/>
+    </dgm:style>
+  </dgm:styleLbl>
+  <dgm:styleLbl name="revTx">
+    <dgm:scene3d>
+      <a:camera prst="orthographicFront"/>
+      <a:lightRig rig="threePt" dir="t"/>
+    </dgm:scene3d>
+    <dgm:sp3d/>
+    <dgm:txPr/>
+    <dgm:style>
+      <a:lnRef idx="0">
+        <a:scrgbClr r="0" g="0" b="0"/>
+      </a:lnRef>
+      <a:fillRef idx="0">
+        <a:scrgbClr r="0" g="0" b="0"/>
+      </a:fillRef>
+      <a:effectRef idx="0">
+        <a:scrgbClr r="0" g="0" b="0"/>
+      </a:effectRef>
+      <a:fontRef idx="minor"/>
+    </dgm:style>
+  </dgm:styleLbl>
+</dgm:styleDef>
 </file>
 
 <file path=ppt/slideLayouts/slideLayout1.xml><?xml version="1.0" encoding="utf-8"?>
@@ -5175,6 +7708,1321 @@
         </p:nvSpPr>
         <p:spPr>
           <a:xfrm>
+            <a:off x="457200" y="254170"/>
+            <a:ext cx="8274908" cy="736430"/>
+          </a:xfrm>
+        </p:spPr>
+        <p:txBody>
+          <a:bodyPr/>
+          <a:lstStyle/>
+          <a:p>
+            <a:r>
+              <a:rPr lang="en-US" sz="3200" b="1" dirty="0" smtClean="0">
+                <a:solidFill>
+                  <a:schemeClr val="tx1">
+                    <a:lumMod val="65000"/>
+                    <a:lumOff val="35000"/>
+                  </a:schemeClr>
+                </a:solidFill>
+              </a:rPr>
+              <a:t>About</a:t>
+            </a:r>
+            <a:r>
+              <a:rPr lang="en-US" sz="3200" b="1" dirty="0" smtClean="0">
+                <a:solidFill>
+                  <a:schemeClr val="accent2"/>
+                </a:solidFill>
+              </a:rPr>
+              <a:t> </a:t>
+            </a:r>
+            <a:r>
+              <a:rPr lang="en-US" sz="3200" b="1" dirty="0" smtClean="0">
+                <a:solidFill>
+                  <a:srgbClr val="1F74DB"/>
+                </a:solidFill>
+              </a:rPr>
+              <a:t>G</a:t>
+            </a:r>
+            <a:r>
+              <a:rPr lang="en-US" sz="3200" b="1" dirty="0" smtClean="0">
+                <a:solidFill>
+                  <a:srgbClr val="FF0000"/>
+                </a:solidFill>
+              </a:rPr>
+              <a:t>o</a:t>
+            </a:r>
+            <a:r>
+              <a:rPr lang="en-US" sz="3200" b="1" dirty="0" smtClean="0">
+                <a:solidFill>
+                  <a:schemeClr val="accent4"/>
+                </a:solidFill>
+              </a:rPr>
+              <a:t>o</a:t>
+            </a:r>
+            <a:r>
+              <a:rPr lang="en-US" sz="3200" b="1" dirty="0" smtClean="0">
+                <a:solidFill>
+                  <a:srgbClr val="1B79D7"/>
+                </a:solidFill>
+              </a:rPr>
+              <a:t>g</a:t>
+            </a:r>
+            <a:r>
+              <a:rPr lang="en-US" sz="3200" b="1" dirty="0" smtClean="0">
+                <a:solidFill>
+                  <a:srgbClr val="009900"/>
+                </a:solidFill>
+              </a:rPr>
+              <a:t>l</a:t>
+            </a:r>
+            <a:r>
+              <a:rPr lang="en-US" sz="3200" b="1" dirty="0" smtClean="0">
+                <a:solidFill>
+                  <a:srgbClr val="ED483D"/>
+                </a:solidFill>
+              </a:rPr>
+              <a:t>e</a:t>
+            </a:r>
+            <a:endParaRPr lang="en-US" dirty="0">
+              <a:solidFill>
+                <a:schemeClr val="tx1">
+                  <a:lumMod val="65000"/>
+                  <a:lumOff val="35000"/>
+                </a:schemeClr>
+              </a:solidFill>
+            </a:endParaRPr>
+          </a:p>
+        </p:txBody>
+      </p:sp>
+      <p:graphicFrame>
+        <p:nvGraphicFramePr>
+          <p:cNvPr id="5" name="Content Placeholder 4"/>
+          <p:cNvGraphicFramePr>
+            <a:graphicFrameLocks noGrp="1"/>
+          </p:cNvGraphicFramePr>
+          <p:nvPr>
+            <p:ph sz="quarter" idx="1"/>
+          </p:nvPr>
+        </p:nvGraphicFramePr>
+        <p:xfrm>
+          <a:off x="228600" y="990600"/>
+          <a:ext cx="8382000" cy="5483352"/>
+        </p:xfrm>
+        <a:graphic>
+          <a:graphicData uri="http://schemas.openxmlformats.org/drawingml/2006/diagram">
+            <dgm:relIds xmlns:dgm="http://schemas.openxmlformats.org/drawingml/2006/diagram" xmlns:r="http://schemas.openxmlformats.org/officeDocument/2006/relationships" r:dm="rId2" r:lo="rId3" r:qs="rId4" r:cs="rId5"/>
+          </a:graphicData>
+        </a:graphic>
+      </p:graphicFrame>
+    </p:spTree>
+  </p:cSld>
+  <p:clrMapOvr>
+    <a:masterClrMapping/>
+  </p:clrMapOvr>
+  <p:timing>
+    <p:tnLst>
+      <p:par>
+        <p:cTn id="1" dur="indefinite" restart="never" nodeType="tmRoot"/>
+      </p:par>
+    </p:tnLst>
+  </p:timing>
+</p:sld>
+</file>
+
+<file path=ppt/slides/slide11.xml><?xml version="1.0" encoding="utf-8"?>
+<p:sld xmlns:a="http://schemas.openxmlformats.org/drawingml/2006/main" xmlns:r="http://schemas.openxmlformats.org/officeDocument/2006/relationships" xmlns:p="http://schemas.openxmlformats.org/presentationml/2006/main">
+  <p:cSld>
+    <p:spTree>
+      <p:nvGrpSpPr>
+        <p:cNvPr id="1" name=""/>
+        <p:cNvGrpSpPr/>
+        <p:nvPr/>
+      </p:nvGrpSpPr>
+      <p:grpSpPr>
+        <a:xfrm>
+          <a:off x="0" y="0"/>
+          <a:ext cx="0" cy="0"/>
+          <a:chOff x="0" y="0"/>
+          <a:chExt cx="0" cy="0"/>
+        </a:xfrm>
+      </p:grpSpPr>
+      <p:sp>
+        <p:nvSpPr>
+          <p:cNvPr id="11" name="Title 10"/>
+          <p:cNvSpPr>
+            <a:spLocks noGrp="1"/>
+          </p:cNvSpPr>
+          <p:nvPr>
+            <p:ph type="title"/>
+          </p:nvPr>
+        </p:nvSpPr>
+        <p:spPr>
+          <a:xfrm>
+            <a:off x="457200" y="254170"/>
+            <a:ext cx="8274908" cy="736430"/>
+          </a:xfrm>
+        </p:spPr>
+        <p:txBody>
+          <a:bodyPr/>
+          <a:lstStyle/>
+          <a:p>
+            <a:r>
+              <a:rPr lang="en-US" sz="3200" b="1" dirty="0" smtClean="0">
+                <a:solidFill>
+                  <a:srgbClr val="1F74DB"/>
+                </a:solidFill>
+              </a:rPr>
+              <a:t>G</a:t>
+            </a:r>
+            <a:r>
+              <a:rPr lang="en-US" sz="3200" b="1" dirty="0" smtClean="0">
+                <a:solidFill>
+                  <a:srgbClr val="FF0000"/>
+                </a:solidFill>
+              </a:rPr>
+              <a:t>o</a:t>
+            </a:r>
+            <a:r>
+              <a:rPr lang="en-US" sz="3200" b="1" dirty="0" smtClean="0">
+                <a:solidFill>
+                  <a:schemeClr val="accent4"/>
+                </a:solidFill>
+              </a:rPr>
+              <a:t>o</a:t>
+            </a:r>
+            <a:r>
+              <a:rPr lang="en-US" sz="3200" b="1" dirty="0" smtClean="0">
+                <a:solidFill>
+                  <a:srgbClr val="1B79D7"/>
+                </a:solidFill>
+              </a:rPr>
+              <a:t>g</a:t>
+            </a:r>
+            <a:r>
+              <a:rPr lang="en-US" sz="3200" b="1" dirty="0" smtClean="0">
+                <a:solidFill>
+                  <a:srgbClr val="009900"/>
+                </a:solidFill>
+              </a:rPr>
+              <a:t>l</a:t>
+            </a:r>
+            <a:r>
+              <a:rPr lang="en-US" sz="3200" b="1" dirty="0" smtClean="0">
+                <a:solidFill>
+                  <a:srgbClr val="ED483D"/>
+                </a:solidFill>
+              </a:rPr>
+              <a:t>e </a:t>
+            </a:r>
+            <a:r>
+              <a:rPr lang="en-US" sz="2400" b="1" dirty="0" smtClean="0">
+                <a:solidFill>
+                  <a:srgbClr val="1F74DB"/>
+                </a:solidFill>
+              </a:rPr>
+              <a:t>Who we are?</a:t>
+            </a:r>
+            <a:endParaRPr lang="en-US" sz="2400" dirty="0">
+              <a:solidFill>
+                <a:srgbClr val="1F74DB"/>
+              </a:solidFill>
+            </a:endParaRPr>
+          </a:p>
+        </p:txBody>
+      </p:sp>
+      <p:sp>
+        <p:nvSpPr>
+          <p:cNvPr id="4" name="Content Placeholder 3"/>
+          <p:cNvSpPr>
+            <a:spLocks noGrp="1"/>
+          </p:cNvSpPr>
+          <p:nvPr>
+            <p:ph sz="quarter" idx="1"/>
+          </p:nvPr>
+        </p:nvSpPr>
+        <p:spPr/>
+        <p:txBody>
+          <a:bodyPr>
+            <a:normAutofit/>
+          </a:bodyPr>
+          <a:lstStyle/>
+          <a:p>
+            <a:pPr>
+              <a:buNone/>
+            </a:pPr>
+            <a:r>
+              <a:rPr lang="en-US" sz="1800" dirty="0" smtClean="0"/>
+              <a:t>Building great products depends on great </a:t>
+            </a:r>
+            <a:r>
+              <a:rPr lang="en-US" sz="1800" dirty="0" smtClean="0"/>
+              <a:t>people.</a:t>
+            </a:r>
+          </a:p>
+          <a:p>
+            <a:pPr>
+              <a:buNone/>
+            </a:pPr>
+            <a:r>
+              <a:rPr lang="en-US" sz="1800" dirty="0" smtClean="0"/>
+              <a:t>And there </a:t>
+            </a:r>
+            <a:r>
+              <a:rPr lang="en-US" sz="1800" dirty="0" smtClean="0"/>
+              <a:t>are more than 40,000 </a:t>
+            </a:r>
+            <a:r>
+              <a:rPr lang="en-US" sz="1800" dirty="0" smtClean="0"/>
+              <a:t>“</a:t>
+            </a:r>
+            <a:r>
+              <a:rPr lang="en-US" sz="1800" dirty="0" err="1" smtClean="0"/>
+              <a:t>Googlers</a:t>
+            </a:r>
+            <a:r>
+              <a:rPr lang="en-US" sz="1800" dirty="0" smtClean="0"/>
+              <a:t>” behind </a:t>
+            </a:r>
+            <a:r>
+              <a:rPr lang="en-US" sz="1800" dirty="0" smtClean="0"/>
+              <a:t>the tools that </a:t>
+            </a:r>
+            <a:r>
+              <a:rPr lang="en-US" sz="1800" dirty="0" smtClean="0"/>
+              <a:t>we use </a:t>
+            </a:r>
+            <a:r>
+              <a:rPr lang="en-US" sz="1800" dirty="0" smtClean="0"/>
+              <a:t>every </a:t>
+            </a:r>
+            <a:r>
+              <a:rPr lang="en-US" sz="1800" dirty="0" smtClean="0"/>
+              <a:t>day…</a:t>
+            </a:r>
+          </a:p>
+          <a:p>
+            <a:pPr>
+              <a:buNone/>
+            </a:pPr>
+            <a:endParaRPr lang="en-US" sz="1800" b="1" dirty="0" smtClean="0">
+              <a:solidFill>
+                <a:srgbClr val="1F74DB"/>
+              </a:solidFill>
+            </a:endParaRPr>
+          </a:p>
+          <a:p>
+            <a:pPr>
+              <a:buNone/>
+            </a:pPr>
+            <a:r>
+              <a:rPr lang="en-US" sz="1800" b="1" dirty="0" smtClean="0">
+                <a:solidFill>
+                  <a:srgbClr val="1F74DB"/>
+                </a:solidFill>
+              </a:rPr>
+              <a:t>Work Culture:</a:t>
+            </a:r>
+          </a:p>
+          <a:p>
+            <a:r>
+              <a:rPr lang="en-US" sz="1800" dirty="0" smtClean="0">
+                <a:solidFill>
+                  <a:schemeClr val="tx1">
+                    <a:lumMod val="85000"/>
+                    <a:lumOff val="15000"/>
+                  </a:schemeClr>
+                </a:solidFill>
+              </a:rPr>
+              <a:t>Believe people make company, so the hire people who are smart and determined.</a:t>
+            </a:r>
+          </a:p>
+          <a:p>
+            <a:r>
+              <a:rPr lang="en-US" sz="1800" dirty="0" smtClean="0">
+                <a:solidFill>
+                  <a:schemeClr val="tx1">
+                    <a:lumMod val="85000"/>
+                    <a:lumOff val="15000"/>
+                  </a:schemeClr>
+                </a:solidFill>
+              </a:rPr>
+              <a:t>Believes </a:t>
+            </a:r>
+            <a:r>
+              <a:rPr lang="en-US" sz="1800" dirty="0" smtClean="0">
+                <a:solidFill>
+                  <a:schemeClr val="tx1">
+                    <a:lumMod val="85000"/>
+                    <a:lumOff val="15000"/>
+                  </a:schemeClr>
+                </a:solidFill>
+              </a:rPr>
+              <a:t>that treating people well is more important than making a lot of money</a:t>
+            </a:r>
+            <a:r>
+              <a:rPr lang="en-US" sz="1800" dirty="0" smtClean="0">
+                <a:solidFill>
+                  <a:schemeClr val="tx1">
+                    <a:lumMod val="85000"/>
+                    <a:lumOff val="15000"/>
+                  </a:schemeClr>
+                </a:solidFill>
+              </a:rPr>
+              <a:t>.</a:t>
+            </a:r>
+          </a:p>
+          <a:p>
+            <a:r>
+              <a:rPr lang="en-US" sz="1800" dirty="0" smtClean="0">
+                <a:solidFill>
+                  <a:schemeClr val="tx1">
+                    <a:lumMod val="85000"/>
+                    <a:lumOff val="15000"/>
+                  </a:schemeClr>
+                </a:solidFill>
+              </a:rPr>
+              <a:t>Employees</a:t>
+            </a:r>
+            <a:r>
+              <a:rPr lang="en-US" sz="1800" dirty="0" smtClean="0">
+                <a:solidFill>
+                  <a:schemeClr val="tx1">
+                    <a:lumMod val="85000"/>
+                    <a:lumOff val="15000"/>
+                  </a:schemeClr>
+                </a:solidFill>
+              </a:rPr>
+              <a:t>' ideas </a:t>
+            </a:r>
+            <a:r>
+              <a:rPr lang="en-US" sz="1800" dirty="0" smtClean="0">
+                <a:solidFill>
+                  <a:schemeClr val="tx1">
+                    <a:lumMod val="85000"/>
+                    <a:lumOff val="15000"/>
+                  </a:schemeClr>
+                </a:solidFill>
+              </a:rPr>
+              <a:t>are </a:t>
+            </a:r>
+            <a:r>
+              <a:rPr lang="en-US" sz="1800" dirty="0" smtClean="0">
+                <a:solidFill>
+                  <a:schemeClr val="tx1">
+                    <a:lumMod val="85000"/>
+                    <a:lumOff val="15000"/>
+                  </a:schemeClr>
+                </a:solidFill>
+              </a:rPr>
+              <a:t>very </a:t>
+            </a:r>
+            <a:r>
+              <a:rPr lang="en-US" sz="1800" dirty="0" smtClean="0">
+                <a:solidFill>
+                  <a:schemeClr val="tx1">
+                    <a:lumMod val="85000"/>
+                    <a:lumOff val="15000"/>
+                  </a:schemeClr>
+                </a:solidFill>
+              </a:rPr>
+              <a:t>important.</a:t>
+            </a:r>
+          </a:p>
+          <a:p>
+            <a:r>
+              <a:rPr lang="en-US" sz="1800" dirty="0" smtClean="0">
+                <a:solidFill>
+                  <a:schemeClr val="tx1">
+                    <a:lumMod val="85000"/>
+                    <a:lumOff val="15000"/>
+                  </a:schemeClr>
+                </a:solidFill>
+              </a:rPr>
+              <a:t>Google offers a unique program called "The 20% </a:t>
+            </a:r>
+            <a:r>
+              <a:rPr lang="en-US" sz="1800" dirty="0" smtClean="0">
+                <a:solidFill>
+                  <a:schemeClr val="tx1">
+                    <a:lumMod val="85000"/>
+                    <a:lumOff val="15000"/>
+                  </a:schemeClr>
+                </a:solidFill>
+              </a:rPr>
+              <a:t>project“</a:t>
+            </a:r>
+          </a:p>
+          <a:p>
+            <a:r>
+              <a:rPr lang="en-US" sz="1800" dirty="0" smtClean="0">
+                <a:solidFill>
+                  <a:schemeClr val="tx1">
+                    <a:lumMod val="85000"/>
+                    <a:lumOff val="15000"/>
+                  </a:schemeClr>
+                </a:solidFill>
+              </a:rPr>
+              <a:t>By Google “TGIC” </a:t>
+            </a:r>
+            <a:r>
+              <a:rPr lang="en-US" sz="1800" dirty="0" err="1" smtClean="0">
+                <a:solidFill>
+                  <a:schemeClr val="tx1">
+                    <a:lumMod val="85000"/>
+                    <a:lumOff val="15000"/>
+                  </a:schemeClr>
+                </a:solidFill>
+              </a:rPr>
+              <a:t>QandA</a:t>
+            </a:r>
+            <a:r>
+              <a:rPr lang="en-US" sz="1800" dirty="0" smtClean="0">
+                <a:solidFill>
+                  <a:schemeClr val="tx1">
+                    <a:lumMod val="85000"/>
+                    <a:lumOff val="15000"/>
+                  </a:schemeClr>
+                </a:solidFill>
+              </a:rPr>
+              <a:t> program </a:t>
+            </a:r>
+            <a:r>
+              <a:rPr lang="en-US" sz="1800" dirty="0" err="1" smtClean="0">
+                <a:solidFill>
+                  <a:schemeClr val="tx1">
+                    <a:lumMod val="85000"/>
+                    <a:lumOff val="15000"/>
+                  </a:schemeClr>
+                </a:solidFill>
+              </a:rPr>
+              <a:t>Googlers</a:t>
+            </a:r>
+            <a:r>
+              <a:rPr lang="en-US" sz="1800" dirty="0" smtClean="0">
+                <a:solidFill>
+                  <a:schemeClr val="tx1">
+                    <a:lumMod val="85000"/>
+                    <a:lumOff val="15000"/>
+                  </a:schemeClr>
+                </a:solidFill>
+              </a:rPr>
+              <a:t> ask questions directly to Larry, Sergey and other execs about any number of company </a:t>
+            </a:r>
+            <a:r>
+              <a:rPr lang="en-US" sz="1800" dirty="0" smtClean="0">
+                <a:solidFill>
+                  <a:schemeClr val="tx1">
+                    <a:lumMod val="85000"/>
+                    <a:lumOff val="15000"/>
+                  </a:schemeClr>
+                </a:solidFill>
+              </a:rPr>
+              <a:t>issues.</a:t>
+            </a:r>
+          </a:p>
+          <a:p>
+            <a:endParaRPr lang="en-US" sz="1800" dirty="0" smtClean="0">
+              <a:solidFill>
+                <a:schemeClr val="tx1">
+                  <a:lumMod val="65000"/>
+                  <a:lumOff val="35000"/>
+                </a:schemeClr>
+              </a:solidFill>
+            </a:endParaRPr>
+          </a:p>
+        </p:txBody>
+      </p:sp>
+    </p:spTree>
+  </p:cSld>
+  <p:clrMapOvr>
+    <a:masterClrMapping/>
+  </p:clrMapOvr>
+  <p:timing>
+    <p:tnLst>
+      <p:par>
+        <p:cTn id="1" dur="indefinite" restart="never" nodeType="tmRoot"/>
+      </p:par>
+    </p:tnLst>
+  </p:timing>
+</p:sld>
+</file>
+
+<file path=ppt/slides/slide12.xml><?xml version="1.0" encoding="utf-8"?>
+<p:sld xmlns:a="http://schemas.openxmlformats.org/drawingml/2006/main" xmlns:r="http://schemas.openxmlformats.org/officeDocument/2006/relationships" xmlns:p="http://schemas.openxmlformats.org/presentationml/2006/main">
+  <p:cSld>
+    <p:spTree>
+      <p:nvGrpSpPr>
+        <p:cNvPr id="1" name=""/>
+        <p:cNvGrpSpPr/>
+        <p:nvPr/>
+      </p:nvGrpSpPr>
+      <p:grpSpPr>
+        <a:xfrm>
+          <a:off x="0" y="0"/>
+          <a:ext cx="0" cy="0"/>
+          <a:chOff x="0" y="0"/>
+          <a:chExt cx="0" cy="0"/>
+        </a:xfrm>
+      </p:grpSpPr>
+      <p:sp>
+        <p:nvSpPr>
+          <p:cNvPr id="11" name="Title 10"/>
+          <p:cNvSpPr>
+            <a:spLocks noGrp="1"/>
+          </p:cNvSpPr>
+          <p:nvPr>
+            <p:ph type="title"/>
+          </p:nvPr>
+        </p:nvSpPr>
+        <p:spPr>
+          <a:xfrm>
+            <a:off x="457200" y="254170"/>
+            <a:ext cx="8274908" cy="736430"/>
+          </a:xfrm>
+        </p:spPr>
+        <p:txBody>
+          <a:bodyPr/>
+          <a:lstStyle/>
+          <a:p>
+            <a:r>
+              <a:rPr lang="en-US" sz="3200" b="1" dirty="0" smtClean="0">
+                <a:solidFill>
+                  <a:srgbClr val="1F74DB"/>
+                </a:solidFill>
+              </a:rPr>
+              <a:t>G</a:t>
+            </a:r>
+            <a:r>
+              <a:rPr lang="en-US" sz="3200" b="1" dirty="0" smtClean="0">
+                <a:solidFill>
+                  <a:srgbClr val="FF0000"/>
+                </a:solidFill>
+              </a:rPr>
+              <a:t>o</a:t>
+            </a:r>
+            <a:r>
+              <a:rPr lang="en-US" sz="3200" b="1" dirty="0" smtClean="0">
+                <a:solidFill>
+                  <a:schemeClr val="accent4"/>
+                </a:solidFill>
+              </a:rPr>
+              <a:t>o</a:t>
+            </a:r>
+            <a:r>
+              <a:rPr lang="en-US" sz="3200" b="1" dirty="0" smtClean="0">
+                <a:solidFill>
+                  <a:srgbClr val="1B79D7"/>
+                </a:solidFill>
+              </a:rPr>
+              <a:t>g</a:t>
+            </a:r>
+            <a:r>
+              <a:rPr lang="en-US" sz="3200" b="1" dirty="0" smtClean="0">
+                <a:solidFill>
+                  <a:srgbClr val="009900"/>
+                </a:solidFill>
+              </a:rPr>
+              <a:t>l</a:t>
+            </a:r>
+            <a:r>
+              <a:rPr lang="en-US" sz="3200" b="1" dirty="0" smtClean="0">
+                <a:solidFill>
+                  <a:srgbClr val="ED483D"/>
+                </a:solidFill>
+              </a:rPr>
+              <a:t>e </a:t>
+            </a:r>
+            <a:r>
+              <a:rPr lang="en-US" sz="2400" b="1" dirty="0" smtClean="0">
+                <a:solidFill>
+                  <a:srgbClr val="1F74DB"/>
+                </a:solidFill>
+              </a:rPr>
+              <a:t>Who we are?</a:t>
+            </a:r>
+            <a:endParaRPr lang="en-US" sz="2400" dirty="0">
+              <a:solidFill>
+                <a:srgbClr val="1F74DB"/>
+              </a:solidFill>
+            </a:endParaRPr>
+          </a:p>
+        </p:txBody>
+      </p:sp>
+      <p:sp>
+        <p:nvSpPr>
+          <p:cNvPr id="4" name="Content Placeholder 3"/>
+          <p:cNvSpPr>
+            <a:spLocks noGrp="1"/>
+          </p:cNvSpPr>
+          <p:nvPr>
+            <p:ph sz="quarter" idx="1"/>
+          </p:nvPr>
+        </p:nvSpPr>
+        <p:spPr/>
+        <p:txBody>
+          <a:bodyPr>
+            <a:normAutofit/>
+          </a:bodyPr>
+          <a:lstStyle/>
+          <a:p>
+            <a:pPr>
+              <a:buNone/>
+            </a:pPr>
+            <a:r>
+              <a:rPr lang="en-US" sz="1800" b="1" dirty="0" smtClean="0">
+                <a:solidFill>
+                  <a:srgbClr val="1F74DB"/>
+                </a:solidFill>
+              </a:rPr>
+              <a:t>Location:</a:t>
+            </a:r>
+          </a:p>
+          <a:p>
+            <a:pPr>
+              <a:buNone/>
+            </a:pPr>
+            <a:r>
+              <a:rPr lang="en-US" sz="1800" dirty="0" smtClean="0">
+                <a:solidFill>
+                  <a:schemeClr val="tx1">
+                    <a:lumMod val="85000"/>
+                    <a:lumOff val="15000"/>
+                  </a:schemeClr>
+                </a:solidFill>
+              </a:rPr>
+              <a:t>Today Google has more than 70 offices in more than 40 countries.</a:t>
+            </a:r>
+          </a:p>
+          <a:p>
+            <a:pPr>
+              <a:buNone/>
+            </a:pPr>
+            <a:endParaRPr lang="en-US" sz="1800" dirty="0" smtClean="0">
+              <a:solidFill>
+                <a:schemeClr val="tx1">
+                  <a:lumMod val="85000"/>
+                  <a:lumOff val="15000"/>
+                </a:schemeClr>
+              </a:solidFill>
+            </a:endParaRPr>
+          </a:p>
+          <a:p>
+            <a:pPr>
+              <a:buNone/>
+            </a:pPr>
+            <a:endParaRPr lang="en-US" sz="1800" dirty="0" smtClean="0">
+              <a:solidFill>
+                <a:schemeClr val="tx1">
+                  <a:lumMod val="65000"/>
+                  <a:lumOff val="35000"/>
+                </a:schemeClr>
+              </a:solidFill>
+            </a:endParaRPr>
+          </a:p>
+        </p:txBody>
+      </p:sp>
+      <p:pic>
+        <p:nvPicPr>
+          <p:cNvPr id="5" name="Picture 4" descr="Google locations – Company – Google.png"/>
+          <p:cNvPicPr>
+            <a:picLocks noChangeAspect="1"/>
+          </p:cNvPicPr>
+          <p:nvPr/>
+        </p:nvPicPr>
+        <p:blipFill>
+          <a:blip r:embed="rId2"/>
+          <a:stretch>
+            <a:fillRect/>
+          </a:stretch>
+        </p:blipFill>
+        <p:spPr>
+          <a:xfrm>
+            <a:off x="228601" y="2362200"/>
+            <a:ext cx="8548292" cy="4191000"/>
+          </a:xfrm>
+          <a:prstGeom prst="rect">
+            <a:avLst/>
+          </a:prstGeom>
+        </p:spPr>
+      </p:pic>
+    </p:spTree>
+  </p:cSld>
+  <p:clrMapOvr>
+    <a:masterClrMapping/>
+  </p:clrMapOvr>
+  <p:timing>
+    <p:tnLst>
+      <p:par>
+        <p:cTn id="1" dur="indefinite" restart="never" nodeType="tmRoot"/>
+      </p:par>
+    </p:tnLst>
+  </p:timing>
+</p:sld>
+</file>
+
+<file path=ppt/slides/slide13.xml><?xml version="1.0" encoding="utf-8"?>
+<p:sld xmlns:a="http://schemas.openxmlformats.org/drawingml/2006/main" xmlns:r="http://schemas.openxmlformats.org/officeDocument/2006/relationships" xmlns:p="http://schemas.openxmlformats.org/presentationml/2006/main">
+  <p:cSld>
+    <p:spTree>
+      <p:nvGrpSpPr>
+        <p:cNvPr id="1" name=""/>
+        <p:cNvGrpSpPr/>
+        <p:nvPr/>
+      </p:nvGrpSpPr>
+      <p:grpSpPr>
+        <a:xfrm>
+          <a:off x="0" y="0"/>
+          <a:ext cx="0" cy="0"/>
+          <a:chOff x="0" y="0"/>
+          <a:chExt cx="0" cy="0"/>
+        </a:xfrm>
+      </p:grpSpPr>
+      <p:sp>
+        <p:nvSpPr>
+          <p:cNvPr id="11" name="Title 10"/>
+          <p:cNvSpPr>
+            <a:spLocks noGrp="1"/>
+          </p:cNvSpPr>
+          <p:nvPr>
+            <p:ph type="title"/>
+          </p:nvPr>
+        </p:nvSpPr>
+        <p:spPr>
+          <a:xfrm>
+            <a:off x="457200" y="254170"/>
+            <a:ext cx="8274908" cy="736430"/>
+          </a:xfrm>
+        </p:spPr>
+        <p:txBody>
+          <a:bodyPr/>
+          <a:lstStyle/>
+          <a:p>
+            <a:r>
+              <a:rPr lang="en-US" sz="3200" b="1" dirty="0" smtClean="0">
+                <a:solidFill>
+                  <a:srgbClr val="1F74DB"/>
+                </a:solidFill>
+              </a:rPr>
+              <a:t>G</a:t>
+            </a:r>
+            <a:r>
+              <a:rPr lang="en-US" sz="3200" b="1" dirty="0" smtClean="0">
+                <a:solidFill>
+                  <a:srgbClr val="FF0000"/>
+                </a:solidFill>
+              </a:rPr>
+              <a:t>o</a:t>
+            </a:r>
+            <a:r>
+              <a:rPr lang="en-US" sz="3200" b="1" dirty="0" smtClean="0">
+                <a:solidFill>
+                  <a:schemeClr val="accent4"/>
+                </a:solidFill>
+              </a:rPr>
+              <a:t>o</a:t>
+            </a:r>
+            <a:r>
+              <a:rPr lang="en-US" sz="3200" b="1" dirty="0" smtClean="0">
+                <a:solidFill>
+                  <a:srgbClr val="1B79D7"/>
+                </a:solidFill>
+              </a:rPr>
+              <a:t>g</a:t>
+            </a:r>
+            <a:r>
+              <a:rPr lang="en-US" sz="3200" b="1" dirty="0" smtClean="0">
+                <a:solidFill>
+                  <a:srgbClr val="009900"/>
+                </a:solidFill>
+              </a:rPr>
+              <a:t>l</a:t>
+            </a:r>
+            <a:r>
+              <a:rPr lang="en-US" sz="3200" b="1" dirty="0" smtClean="0">
+                <a:solidFill>
+                  <a:srgbClr val="ED483D"/>
+                </a:solidFill>
+              </a:rPr>
+              <a:t>e </a:t>
+            </a:r>
+            <a:r>
+              <a:rPr lang="en-US" sz="2400" b="1" dirty="0" smtClean="0">
+                <a:solidFill>
+                  <a:srgbClr val="1F74DB"/>
+                </a:solidFill>
+              </a:rPr>
+              <a:t>What we believe?</a:t>
+            </a:r>
+            <a:endParaRPr lang="en-US" sz="2400" dirty="0">
+              <a:solidFill>
+                <a:srgbClr val="1F74DB"/>
+              </a:solidFill>
+            </a:endParaRPr>
+          </a:p>
+        </p:txBody>
+      </p:sp>
+      <p:sp>
+        <p:nvSpPr>
+          <p:cNvPr id="4" name="Content Placeholder 3"/>
+          <p:cNvSpPr>
+            <a:spLocks noGrp="1"/>
+          </p:cNvSpPr>
+          <p:nvPr>
+            <p:ph sz="quarter" idx="1"/>
+          </p:nvPr>
+        </p:nvSpPr>
+        <p:spPr>
+          <a:xfrm>
+            <a:off x="457200" y="1143000"/>
+            <a:ext cx="8229600" cy="5330952"/>
+          </a:xfrm>
+        </p:spPr>
+        <p:txBody>
+          <a:bodyPr>
+            <a:normAutofit/>
+          </a:bodyPr>
+          <a:lstStyle/>
+          <a:p>
+            <a:pPr>
+              <a:buNone/>
+            </a:pPr>
+            <a:r>
+              <a:rPr lang="en-US" sz="1800" dirty="0" smtClean="0"/>
+              <a:t>Google wrote these </a:t>
+            </a:r>
+            <a:r>
+              <a:rPr lang="en-US" sz="1800" dirty="0" smtClean="0"/>
+              <a:t>“10 things” when Google was just a few years </a:t>
+            </a:r>
+            <a:r>
+              <a:rPr lang="en-US" sz="1800" dirty="0" smtClean="0"/>
+              <a:t>old. Google still following it.</a:t>
+            </a:r>
+            <a:endParaRPr lang="en-US" sz="1800" dirty="0" smtClean="0">
+              <a:solidFill>
+                <a:schemeClr val="tx1">
+                  <a:lumMod val="85000"/>
+                  <a:lumOff val="15000"/>
+                </a:schemeClr>
+              </a:solidFill>
+            </a:endParaRPr>
+          </a:p>
+          <a:p>
+            <a:r>
+              <a:rPr lang="en-US" sz="1800" b="1" dirty="0" smtClean="0"/>
+              <a:t>Focus on the user and all else will follow.</a:t>
+            </a:r>
+          </a:p>
+          <a:p>
+            <a:r>
+              <a:rPr lang="en-US" sz="1800" b="1" dirty="0" smtClean="0"/>
+              <a:t>It’s best to do one thing really, really well.</a:t>
+            </a:r>
+          </a:p>
+          <a:p>
+            <a:r>
+              <a:rPr lang="en-US" sz="1800" b="1" dirty="0" smtClean="0"/>
+              <a:t>Fast is better than slow.</a:t>
+            </a:r>
+          </a:p>
+          <a:p>
+            <a:r>
+              <a:rPr lang="en-US" sz="1800" b="1" dirty="0" smtClean="0"/>
+              <a:t>Democracy on the web works.</a:t>
+            </a:r>
+          </a:p>
+          <a:p>
+            <a:r>
+              <a:rPr lang="en-US" sz="1800" b="1" dirty="0" smtClean="0"/>
+              <a:t>You don’t need to be at your desk to need an answer.</a:t>
+            </a:r>
+          </a:p>
+          <a:p>
+            <a:r>
+              <a:rPr lang="en-US" sz="1800" b="1" dirty="0" smtClean="0"/>
+              <a:t>You can make money without doing evil.</a:t>
+            </a:r>
+          </a:p>
+          <a:p>
+            <a:r>
+              <a:rPr lang="en-US" sz="1800" b="1" dirty="0" smtClean="0"/>
+              <a:t>There’s always more information out there.</a:t>
+            </a:r>
+          </a:p>
+          <a:p>
+            <a:r>
+              <a:rPr lang="en-US" sz="1800" b="1" dirty="0" smtClean="0"/>
+              <a:t>The need for information crosses all borders.</a:t>
+            </a:r>
+          </a:p>
+          <a:p>
+            <a:r>
+              <a:rPr lang="en-US" sz="1800" b="1" dirty="0" smtClean="0"/>
+              <a:t>You can be serious without a suit.</a:t>
+            </a:r>
+          </a:p>
+          <a:p>
+            <a:r>
+              <a:rPr lang="en-US" sz="1800" b="1" dirty="0" smtClean="0"/>
+              <a:t>Great just isn’t good enough.</a:t>
+            </a:r>
+            <a:endParaRPr lang="en-US" sz="1800" b="1" smtClean="0"/>
+          </a:p>
+          <a:p>
+            <a:pPr>
+              <a:buNone/>
+            </a:pPr>
+            <a:endParaRPr lang="en-US" sz="1800" dirty="0" smtClean="0">
+              <a:solidFill>
+                <a:schemeClr val="tx1">
+                  <a:lumMod val="85000"/>
+                  <a:lumOff val="15000"/>
+                </a:schemeClr>
+              </a:solidFill>
+            </a:endParaRPr>
+          </a:p>
+          <a:p>
+            <a:endParaRPr lang="en-US" sz="1800" dirty="0" smtClean="0">
+              <a:solidFill>
+                <a:schemeClr val="tx1">
+                  <a:lumMod val="65000"/>
+                  <a:lumOff val="35000"/>
+                </a:schemeClr>
+              </a:solidFill>
+            </a:endParaRPr>
+          </a:p>
+        </p:txBody>
+      </p:sp>
+    </p:spTree>
+  </p:cSld>
+  <p:clrMapOvr>
+    <a:masterClrMapping/>
+  </p:clrMapOvr>
+  <p:timing>
+    <p:tnLst>
+      <p:par>
+        <p:cTn id="1" dur="indefinite" restart="never" nodeType="tmRoot"/>
+      </p:par>
+    </p:tnLst>
+  </p:timing>
+</p:sld>
+</file>
+
+<file path=ppt/slides/slide14.xml><?xml version="1.0" encoding="utf-8"?>
+<p:sld xmlns:a="http://schemas.openxmlformats.org/drawingml/2006/main" xmlns:r="http://schemas.openxmlformats.org/officeDocument/2006/relationships" xmlns:p="http://schemas.openxmlformats.org/presentationml/2006/main">
+  <p:cSld>
+    <p:spTree>
+      <p:nvGrpSpPr>
+        <p:cNvPr id="1" name=""/>
+        <p:cNvGrpSpPr/>
+        <p:nvPr/>
+      </p:nvGrpSpPr>
+      <p:grpSpPr>
+        <a:xfrm>
+          <a:off x="0" y="0"/>
+          <a:ext cx="0" cy="0"/>
+          <a:chOff x="0" y="0"/>
+          <a:chExt cx="0" cy="0"/>
+        </a:xfrm>
+      </p:grpSpPr>
+      <p:sp>
+        <p:nvSpPr>
+          <p:cNvPr id="11" name="Title 10"/>
+          <p:cNvSpPr>
+            <a:spLocks noGrp="1"/>
+          </p:cNvSpPr>
+          <p:nvPr>
+            <p:ph type="title"/>
+          </p:nvPr>
+        </p:nvSpPr>
+        <p:spPr>
+          <a:xfrm>
+            <a:off x="457200" y="274638"/>
+            <a:ext cx="8274908" cy="715962"/>
+          </a:xfrm>
+        </p:spPr>
+        <p:txBody>
+          <a:bodyPr/>
+          <a:lstStyle/>
+          <a:p>
+            <a:r>
+              <a:rPr lang="en-US" sz="3200" b="1" dirty="0" smtClean="0">
+                <a:solidFill>
+                  <a:schemeClr val="accent2"/>
+                </a:solidFill>
+              </a:rPr>
+              <a:t>G</a:t>
+            </a:r>
+            <a:r>
+              <a:rPr lang="en-US" sz="3200" b="1" dirty="0" smtClean="0">
+                <a:solidFill>
+                  <a:srgbClr val="FF0000"/>
+                </a:solidFill>
+              </a:rPr>
+              <a:t>o</a:t>
+            </a:r>
+            <a:r>
+              <a:rPr lang="en-US" sz="3200" b="1" dirty="0" smtClean="0">
+                <a:solidFill>
+                  <a:srgbClr val="FFF529"/>
+                </a:solidFill>
+              </a:rPr>
+              <a:t>o</a:t>
+            </a:r>
+            <a:r>
+              <a:rPr lang="en-US" sz="3200" b="1" dirty="0" smtClean="0">
+                <a:solidFill>
+                  <a:srgbClr val="1B79D7"/>
+                </a:solidFill>
+              </a:rPr>
+              <a:t>g</a:t>
+            </a:r>
+            <a:r>
+              <a:rPr lang="en-US" sz="3200" b="1" dirty="0" smtClean="0">
+                <a:solidFill>
+                  <a:srgbClr val="009900"/>
+                </a:solidFill>
+              </a:rPr>
+              <a:t>l</a:t>
+            </a:r>
+            <a:r>
+              <a:rPr lang="en-US" sz="3200" b="1" dirty="0" smtClean="0">
+                <a:solidFill>
+                  <a:srgbClr val="ED483D"/>
+                </a:solidFill>
+              </a:rPr>
+              <a:t>e</a:t>
+            </a:r>
+            <a:r>
+              <a:rPr lang="en-US" sz="3200" b="1" dirty="0" smtClean="0">
+                <a:solidFill>
+                  <a:schemeClr val="accent1"/>
+                </a:solidFill>
+              </a:rPr>
+              <a:t> </a:t>
+            </a:r>
+            <a:r>
+              <a:rPr lang="en-US" sz="2400" b="1" dirty="0" smtClean="0">
+                <a:solidFill>
+                  <a:srgbClr val="1B79D7"/>
+                </a:solidFill>
+              </a:rPr>
+              <a:t>Evolution</a:t>
+            </a:r>
+            <a:endParaRPr lang="en-US" dirty="0"/>
+          </a:p>
+        </p:txBody>
+      </p:sp>
+      <p:pic>
+        <p:nvPicPr>
+          <p:cNvPr id="5" name="Content Placeholder 4" descr="part1.jpg"/>
+          <p:cNvPicPr>
+            <a:picLocks noGrp="1" noChangeAspect="1"/>
+          </p:cNvPicPr>
+          <p:nvPr>
+            <p:ph sz="quarter" idx="1"/>
+          </p:nvPr>
+        </p:nvPicPr>
+        <p:blipFill>
+          <a:blip r:embed="rId2" cstate="print"/>
+          <a:stretch>
+            <a:fillRect/>
+          </a:stretch>
+        </p:blipFill>
+        <p:spPr>
+          <a:xfrm>
+            <a:off x="228600" y="990600"/>
+            <a:ext cx="8458200" cy="5867400"/>
+          </a:xfrm>
+        </p:spPr>
+      </p:pic>
+    </p:spTree>
+  </p:cSld>
+  <p:clrMapOvr>
+    <a:masterClrMapping/>
+  </p:clrMapOvr>
+  <p:timing>
+    <p:tnLst>
+      <p:par>
+        <p:cTn id="1" dur="indefinite" restart="never" nodeType="tmRoot"/>
+      </p:par>
+    </p:tnLst>
+  </p:timing>
+</p:sld>
+</file>
+
+<file path=ppt/slides/slide15.xml><?xml version="1.0" encoding="utf-8"?>
+<p:sld xmlns:a="http://schemas.openxmlformats.org/drawingml/2006/main" xmlns:r="http://schemas.openxmlformats.org/officeDocument/2006/relationships" xmlns:p="http://schemas.openxmlformats.org/presentationml/2006/main">
+  <p:cSld>
+    <p:spTree>
+      <p:nvGrpSpPr>
+        <p:cNvPr id="1" name=""/>
+        <p:cNvGrpSpPr/>
+        <p:nvPr/>
+      </p:nvGrpSpPr>
+      <p:grpSpPr>
+        <a:xfrm>
+          <a:off x="0" y="0"/>
+          <a:ext cx="0" cy="0"/>
+          <a:chOff x="0" y="0"/>
+          <a:chExt cx="0" cy="0"/>
+        </a:xfrm>
+      </p:grpSpPr>
+      <p:sp>
+        <p:nvSpPr>
+          <p:cNvPr id="11" name="Title 10"/>
+          <p:cNvSpPr>
+            <a:spLocks noGrp="1"/>
+          </p:cNvSpPr>
+          <p:nvPr>
+            <p:ph type="title"/>
+          </p:nvPr>
+        </p:nvSpPr>
+        <p:spPr>
+          <a:xfrm>
+            <a:off x="457200" y="274638"/>
+            <a:ext cx="8274908" cy="715962"/>
+          </a:xfrm>
+        </p:spPr>
+        <p:txBody>
+          <a:bodyPr/>
+          <a:lstStyle/>
+          <a:p>
+            <a:r>
+              <a:rPr lang="en-US" sz="3200" b="1" dirty="0" smtClean="0">
+                <a:solidFill>
+                  <a:schemeClr val="accent2"/>
+                </a:solidFill>
+              </a:rPr>
+              <a:t>G</a:t>
+            </a:r>
+            <a:r>
+              <a:rPr lang="en-US" sz="3200" b="1" dirty="0" smtClean="0">
+                <a:solidFill>
+                  <a:srgbClr val="FF0000"/>
+                </a:solidFill>
+              </a:rPr>
+              <a:t>o</a:t>
+            </a:r>
+            <a:r>
+              <a:rPr lang="en-US" sz="3200" b="1" dirty="0" smtClean="0">
+                <a:solidFill>
+                  <a:srgbClr val="FFF529"/>
+                </a:solidFill>
+              </a:rPr>
+              <a:t>o</a:t>
+            </a:r>
+            <a:r>
+              <a:rPr lang="en-US" sz="3200" b="1" dirty="0" smtClean="0">
+                <a:solidFill>
+                  <a:srgbClr val="1B79D7"/>
+                </a:solidFill>
+              </a:rPr>
+              <a:t>g</a:t>
+            </a:r>
+            <a:r>
+              <a:rPr lang="en-US" sz="3200" b="1" dirty="0" smtClean="0">
+                <a:solidFill>
+                  <a:srgbClr val="009900"/>
+                </a:solidFill>
+              </a:rPr>
+              <a:t>l</a:t>
+            </a:r>
+            <a:r>
+              <a:rPr lang="en-US" sz="3200" b="1" dirty="0" smtClean="0">
+                <a:solidFill>
+                  <a:srgbClr val="ED483D"/>
+                </a:solidFill>
+              </a:rPr>
+              <a:t>e</a:t>
+            </a:r>
+            <a:r>
+              <a:rPr lang="en-US" sz="3200" b="1" dirty="0" smtClean="0">
+                <a:solidFill>
+                  <a:schemeClr val="accent1"/>
+                </a:solidFill>
+              </a:rPr>
+              <a:t> </a:t>
+            </a:r>
+            <a:r>
+              <a:rPr lang="en-US" sz="2400" b="1" dirty="0" smtClean="0">
+                <a:solidFill>
+                  <a:srgbClr val="1B79D7"/>
+                </a:solidFill>
+              </a:rPr>
+              <a:t>Evolution</a:t>
+            </a:r>
+            <a:endParaRPr lang="en-US" dirty="0"/>
+          </a:p>
+        </p:txBody>
+      </p:sp>
+      <p:pic>
+        <p:nvPicPr>
+          <p:cNvPr id="5" name="Content Placeholder 4" descr="part2.jpg"/>
+          <p:cNvPicPr>
+            <a:picLocks noGrp="1" noChangeAspect="1"/>
+          </p:cNvPicPr>
+          <p:nvPr>
+            <p:ph sz="quarter" idx="1"/>
+          </p:nvPr>
+        </p:nvPicPr>
+        <p:blipFill>
+          <a:blip r:embed="rId2" cstate="print"/>
+          <a:stretch>
+            <a:fillRect/>
+          </a:stretch>
+        </p:blipFill>
+        <p:spPr>
+          <a:xfrm>
+            <a:off x="152400" y="914400"/>
+            <a:ext cx="8686800" cy="5943599"/>
+          </a:xfrm>
+        </p:spPr>
+      </p:pic>
+    </p:spTree>
+  </p:cSld>
+  <p:clrMapOvr>
+    <a:masterClrMapping/>
+  </p:clrMapOvr>
+  <p:timing>
+    <p:tnLst>
+      <p:par>
+        <p:cTn id="1" dur="indefinite" restart="never" nodeType="tmRoot"/>
+      </p:par>
+    </p:tnLst>
+  </p:timing>
+</p:sld>
+</file>
+
+<file path=ppt/slides/slide16.xml><?xml version="1.0" encoding="utf-8"?>
+<p:sld xmlns:a="http://schemas.openxmlformats.org/drawingml/2006/main" xmlns:r="http://schemas.openxmlformats.org/officeDocument/2006/relationships" xmlns:p="http://schemas.openxmlformats.org/presentationml/2006/main">
+  <p:cSld>
+    <p:spTree>
+      <p:nvGrpSpPr>
+        <p:cNvPr id="1" name=""/>
+        <p:cNvGrpSpPr/>
+        <p:nvPr/>
+      </p:nvGrpSpPr>
+      <p:grpSpPr>
+        <a:xfrm>
+          <a:off x="0" y="0"/>
+          <a:ext cx="0" cy="0"/>
+          <a:chOff x="0" y="0"/>
+          <a:chExt cx="0" cy="0"/>
+        </a:xfrm>
+      </p:grpSpPr>
+      <p:sp>
+        <p:nvSpPr>
+          <p:cNvPr id="11" name="Title 10"/>
+          <p:cNvSpPr>
+            <a:spLocks noGrp="1"/>
+          </p:cNvSpPr>
+          <p:nvPr>
+            <p:ph type="title"/>
+          </p:nvPr>
+        </p:nvSpPr>
+        <p:spPr>
+          <a:xfrm>
             <a:off x="457200" y="274638"/>
             <a:ext cx="8274908" cy="715962"/>
           </a:xfrm>
@@ -5289,7 +9137,7 @@
 </p:sld>
 </file>
 
-<file path=ppt/slides/slide11.xml><?xml version="1.0" encoding="utf-8"?>
+<file path=ppt/slides/slide17.xml><?xml version="1.0" encoding="utf-8"?>
 <p:sld xmlns:a="http://schemas.openxmlformats.org/drawingml/2006/main" xmlns:r="http://schemas.openxmlformats.org/officeDocument/2006/relationships" xmlns:p="http://schemas.openxmlformats.org/presentationml/2006/main">
   <p:cSld>
     <p:spTree>
@@ -5819,7 +9667,7 @@
 </p:sld>
 </file>
 
-<file path=ppt/slides/slide12.xml><?xml version="1.0" encoding="utf-8"?>
+<file path=ppt/slides/slide18.xml><?xml version="1.0" encoding="utf-8"?>
 <p:sld xmlns:a="http://schemas.openxmlformats.org/drawingml/2006/main" xmlns:r="http://schemas.openxmlformats.org/officeDocument/2006/relationships" xmlns:p="http://schemas.openxmlformats.org/presentationml/2006/main">
   <p:cSld>
     <p:spTree>
@@ -6637,7 +10485,7 @@
 </p:sld>
 </file>
 
-<file path=ppt/slides/slide13.xml><?xml version="1.0" encoding="utf-8"?>
+<file path=ppt/slides/slide19.xml><?xml version="1.0" encoding="utf-8"?>
 <p:sld xmlns:a="http://schemas.openxmlformats.org/drawingml/2006/main" xmlns:r="http://schemas.openxmlformats.org/officeDocument/2006/relationships" xmlns:p="http://schemas.openxmlformats.org/presentationml/2006/main">
   <p:cSld>
     <p:spTree>
@@ -7475,119 +11323,6 @@
           </a:p>
         </p:txBody>
       </p:sp>
-    </p:spTree>
-  </p:cSld>
-  <p:clrMapOvr>
-    <a:masterClrMapping/>
-  </p:clrMapOvr>
-  <p:timing>
-    <p:tnLst>
-      <p:par>
-        <p:cTn id="1" dur="indefinite" restart="never" nodeType="tmRoot"/>
-      </p:par>
-    </p:tnLst>
-  </p:timing>
-</p:sld>
-</file>
-
-<file path=ppt/slides/slide14.xml><?xml version="1.0" encoding="utf-8"?>
-<p:sld xmlns:a="http://schemas.openxmlformats.org/drawingml/2006/main" xmlns:r="http://schemas.openxmlformats.org/officeDocument/2006/relationships" xmlns:p="http://schemas.openxmlformats.org/presentationml/2006/main">
-  <p:cSld>
-    <p:spTree>
-      <p:nvGrpSpPr>
-        <p:cNvPr id="1" name=""/>
-        <p:cNvGrpSpPr/>
-        <p:nvPr/>
-      </p:nvGrpSpPr>
-      <p:grpSpPr>
-        <a:xfrm>
-          <a:off x="0" y="0"/>
-          <a:ext cx="0" cy="0"/>
-          <a:chOff x="0" y="0"/>
-          <a:chExt cx="0" cy="0"/>
-        </a:xfrm>
-      </p:grpSpPr>
-      <p:sp>
-        <p:nvSpPr>
-          <p:cNvPr id="3" name="Content Placeholder 2"/>
-          <p:cNvSpPr>
-            <a:spLocks noGrp="1"/>
-          </p:cNvSpPr>
-          <p:nvPr>
-            <p:ph sz="quarter" idx="1"/>
-          </p:nvPr>
-        </p:nvSpPr>
-        <p:spPr>
-          <a:xfrm>
-            <a:off x="457200" y="228600"/>
-            <a:ext cx="7467600" cy="6245352"/>
-          </a:xfrm>
-        </p:spPr>
-        <p:txBody>
-          <a:bodyPr/>
-          <a:lstStyle/>
-          <a:p>
-            <a:r>
-              <a:rPr lang="en-US" dirty="0" smtClean="0"/>
-              <a:t>Top companies by market capitalization (2015)</a:t>
-            </a:r>
-          </a:p>
-          <a:p>
-            <a:pPr>
-              <a:buNone/>
-            </a:pPr>
-            <a:endParaRPr lang="en-US" dirty="0"/>
-          </a:p>
-        </p:txBody>
-      </p:sp>
-      <p:pic>
-        <p:nvPicPr>
-          <p:cNvPr id="4" name="Picture 3" descr="• Top companies in the world by market value 2015   Statistic.png"/>
-          <p:cNvPicPr>
-            <a:picLocks noChangeAspect="1"/>
-          </p:cNvPicPr>
-          <p:nvPr/>
-        </p:nvPicPr>
-        <p:blipFill>
-          <a:blip r:embed="rId2"/>
-          <a:stretch>
-            <a:fillRect/>
-          </a:stretch>
-        </p:blipFill>
-        <p:spPr>
-          <a:xfrm>
-            <a:off x="76200" y="838200"/>
-            <a:ext cx="8763000" cy="4093243"/>
-          </a:xfrm>
-          <a:prstGeom prst="rect">
-            <a:avLst/>
-          </a:prstGeom>
-        </p:spPr>
-      </p:pic>
-      <p:pic>
-        <p:nvPicPr>
-          <p:cNvPr id="6" name="Picture 5" descr="• Top companies in the world by market value 2015   Statistic_footer.png"/>
-          <p:cNvPicPr>
-            <a:picLocks noChangeAspect="1"/>
-          </p:cNvPicPr>
-          <p:nvPr/>
-        </p:nvPicPr>
-        <p:blipFill>
-          <a:blip r:embed="rId3"/>
-          <a:stretch>
-            <a:fillRect/>
-          </a:stretch>
-        </p:blipFill>
-        <p:spPr>
-          <a:xfrm>
-            <a:off x="381000" y="5000625"/>
-            <a:ext cx="8324850" cy="485775"/>
-          </a:xfrm>
-          <a:prstGeom prst="rect">
-            <a:avLst/>
-          </a:prstGeom>
-        </p:spPr>
-      </p:pic>
     </p:spTree>
   </p:cSld>
   <p:clrMapOvr>
@@ -7642,11 +11377,7 @@
           <a:p>
             <a:r>
               <a:rPr lang="en-US" dirty="0" smtClean="0"/>
-              <a:t>About</a:t>
-            </a:r>
-            <a:r>
-              <a:rPr lang="en-US" dirty="0" smtClean="0"/>
-              <a:t>                        </a:t>
+              <a:t>How                             Start                        </a:t>
             </a:r>
             <a:endParaRPr lang="en-US" dirty="0"/>
           </a:p>
@@ -7692,7 +11423,7 @@
         </p:blipFill>
         <p:spPr>
           <a:xfrm>
-            <a:off x="3810000" y="2819400"/>
+            <a:off x="3429000" y="2819400"/>
             <a:ext cx="2819400" cy="995699"/>
           </a:xfrm>
           <a:prstGeom prst="rect">
@@ -7700,6 +11431,666 @@
           </a:prstGeom>
         </p:spPr>
       </p:pic>
+    </p:spTree>
+  </p:cSld>
+  <p:clrMapOvr>
+    <a:masterClrMapping/>
+  </p:clrMapOvr>
+  <p:timing>
+    <p:tnLst>
+      <p:par>
+        <p:cTn id="1" dur="indefinite" restart="never" nodeType="tmRoot"/>
+      </p:par>
+    </p:tnLst>
+  </p:timing>
+</p:sld>
+</file>
+
+<file path=ppt/slides/slide20.xml><?xml version="1.0" encoding="utf-8"?>
+<p:sld xmlns:a="http://schemas.openxmlformats.org/drawingml/2006/main" xmlns:r="http://schemas.openxmlformats.org/officeDocument/2006/relationships" xmlns:p="http://schemas.openxmlformats.org/presentationml/2006/main">
+  <p:cSld>
+    <p:spTree>
+      <p:nvGrpSpPr>
+        <p:cNvPr id="1" name=""/>
+        <p:cNvGrpSpPr/>
+        <p:nvPr/>
+      </p:nvGrpSpPr>
+      <p:grpSpPr>
+        <a:xfrm>
+          <a:off x="0" y="0"/>
+          <a:ext cx="0" cy="0"/>
+          <a:chOff x="0" y="0"/>
+          <a:chExt cx="0" cy="0"/>
+        </a:xfrm>
+      </p:grpSpPr>
+      <p:sp>
+        <p:nvSpPr>
+          <p:cNvPr id="3" name="Content Placeholder 2"/>
+          <p:cNvSpPr>
+            <a:spLocks noGrp="1"/>
+          </p:cNvSpPr>
+          <p:nvPr>
+            <p:ph sz="quarter" idx="1"/>
+          </p:nvPr>
+        </p:nvSpPr>
+        <p:spPr>
+          <a:xfrm>
+            <a:off x="457200" y="228600"/>
+            <a:ext cx="7467600" cy="6245352"/>
+          </a:xfrm>
+        </p:spPr>
+        <p:txBody>
+          <a:bodyPr/>
+          <a:lstStyle/>
+          <a:p>
+            <a:r>
+              <a:rPr lang="en-US" dirty="0" smtClean="0"/>
+              <a:t>Top companies by market capitalization (2015)</a:t>
+            </a:r>
+          </a:p>
+          <a:p>
+            <a:pPr>
+              <a:buNone/>
+            </a:pPr>
+            <a:endParaRPr lang="en-US" dirty="0"/>
+          </a:p>
+        </p:txBody>
+      </p:sp>
+      <p:pic>
+        <p:nvPicPr>
+          <p:cNvPr id="4" name="Picture 3" descr="• Top companies in the world by market value 2015   Statistic.png"/>
+          <p:cNvPicPr>
+            <a:picLocks noChangeAspect="1"/>
+          </p:cNvPicPr>
+          <p:nvPr/>
+        </p:nvPicPr>
+        <p:blipFill>
+          <a:blip r:embed="rId2"/>
+          <a:stretch>
+            <a:fillRect/>
+          </a:stretch>
+        </p:blipFill>
+        <p:spPr>
+          <a:xfrm>
+            <a:off x="76200" y="838200"/>
+            <a:ext cx="8763000" cy="4093243"/>
+          </a:xfrm>
+          <a:prstGeom prst="rect">
+            <a:avLst/>
+          </a:prstGeom>
+        </p:spPr>
+      </p:pic>
+      <p:pic>
+        <p:nvPicPr>
+          <p:cNvPr id="6" name="Picture 5" descr="• Top companies in the world by market value 2015   Statistic_footer.png"/>
+          <p:cNvPicPr>
+            <a:picLocks noChangeAspect="1"/>
+          </p:cNvPicPr>
+          <p:nvPr/>
+        </p:nvPicPr>
+        <p:blipFill>
+          <a:blip r:embed="rId3"/>
+          <a:stretch>
+            <a:fillRect/>
+          </a:stretch>
+        </p:blipFill>
+        <p:spPr>
+          <a:xfrm>
+            <a:off x="381000" y="5000625"/>
+            <a:ext cx="8324850" cy="485775"/>
+          </a:xfrm>
+          <a:prstGeom prst="rect">
+            <a:avLst/>
+          </a:prstGeom>
+        </p:spPr>
+      </p:pic>
+    </p:spTree>
+  </p:cSld>
+  <p:clrMapOvr>
+    <a:masterClrMapping/>
+  </p:clrMapOvr>
+  <p:timing>
+    <p:tnLst>
+      <p:par>
+        <p:cTn id="1" dur="indefinite" restart="never" nodeType="tmRoot"/>
+      </p:par>
+    </p:tnLst>
+  </p:timing>
+</p:sld>
+</file>
+
+<file path=ppt/slides/slide21.xml><?xml version="1.0" encoding="utf-8"?>
+<p:sld xmlns:a="http://schemas.openxmlformats.org/drawingml/2006/main" xmlns:r="http://schemas.openxmlformats.org/officeDocument/2006/relationships" xmlns:p="http://schemas.openxmlformats.org/presentationml/2006/main">
+  <p:cSld>
+    <p:spTree>
+      <p:nvGrpSpPr>
+        <p:cNvPr id="1" name=""/>
+        <p:cNvGrpSpPr/>
+        <p:nvPr/>
+      </p:nvGrpSpPr>
+      <p:grpSpPr>
+        <a:xfrm>
+          <a:off x="0" y="0"/>
+          <a:ext cx="0" cy="0"/>
+          <a:chOff x="0" y="0"/>
+          <a:chExt cx="0" cy="0"/>
+        </a:xfrm>
+      </p:grpSpPr>
+      <p:sp>
+        <p:nvSpPr>
+          <p:cNvPr id="2" name="Title 1"/>
+          <p:cNvSpPr>
+            <a:spLocks noGrp="1"/>
+          </p:cNvSpPr>
+          <p:nvPr>
+            <p:ph type="ctrTitle"/>
+          </p:nvPr>
+        </p:nvSpPr>
+        <p:spPr>
+          <a:xfrm>
+            <a:off x="2286000" y="1676400"/>
+            <a:ext cx="6172200" cy="1894362"/>
+          </a:xfrm>
+        </p:spPr>
+        <p:txBody>
+          <a:bodyPr/>
+          <a:lstStyle/>
+          <a:p>
+            <a:r>
+              <a:rPr lang="en-US" dirty="0" smtClean="0"/>
+              <a:t>                          Work Culture</a:t>
+            </a:r>
+            <a:r>
+              <a:rPr lang="en-US" dirty="0" smtClean="0"/>
+              <a:t>                        </a:t>
+            </a:r>
+            <a:endParaRPr lang="en-US" dirty="0"/>
+          </a:p>
+        </p:txBody>
+      </p:sp>
+      <p:sp>
+        <p:nvSpPr>
+          <p:cNvPr id="3" name="Subtitle 2"/>
+          <p:cNvSpPr>
+            <a:spLocks noGrp="1"/>
+          </p:cNvSpPr>
+          <p:nvPr>
+            <p:ph type="subTitle" idx="1"/>
+          </p:nvPr>
+        </p:nvSpPr>
+        <p:spPr>
+          <a:xfrm>
+            <a:off x="2286000" y="3555522"/>
+            <a:ext cx="6172200" cy="1371600"/>
+          </a:xfrm>
+        </p:spPr>
+        <p:txBody>
+          <a:bodyPr/>
+          <a:lstStyle/>
+          <a:p>
+            <a:endParaRPr lang="en-US" dirty="0"/>
+          </a:p>
+        </p:txBody>
+      </p:sp>
+      <p:pic>
+        <p:nvPicPr>
+          <p:cNvPr id="4" name="Picture 3" descr="logo11w.png"/>
+          <p:cNvPicPr>
+            <a:picLocks noChangeAspect="1"/>
+          </p:cNvPicPr>
+          <p:nvPr/>
+        </p:nvPicPr>
+        <p:blipFill>
+          <a:blip r:embed="rId2"/>
+          <a:stretch>
+            <a:fillRect/>
+          </a:stretch>
+        </p:blipFill>
+        <p:spPr>
+          <a:xfrm>
+            <a:off x="2286000" y="2819400"/>
+            <a:ext cx="2819400" cy="995699"/>
+          </a:xfrm>
+          <a:prstGeom prst="rect">
+            <a:avLst/>
+          </a:prstGeom>
+        </p:spPr>
+      </p:pic>
+    </p:spTree>
+  </p:cSld>
+  <p:clrMapOvr>
+    <a:masterClrMapping/>
+  </p:clrMapOvr>
+  <p:timing>
+    <p:tnLst>
+      <p:par>
+        <p:cTn id="1" dur="indefinite" restart="never" nodeType="tmRoot"/>
+      </p:par>
+    </p:tnLst>
+  </p:timing>
+</p:sld>
+</file>
+
+<file path=ppt/slides/slide22.xml><?xml version="1.0" encoding="utf-8"?>
+<p:sld xmlns:a="http://schemas.openxmlformats.org/drawingml/2006/main" xmlns:r="http://schemas.openxmlformats.org/officeDocument/2006/relationships" xmlns:p="http://schemas.openxmlformats.org/presentationml/2006/main">
+  <p:cSld>
+    <p:spTree>
+      <p:nvGrpSpPr>
+        <p:cNvPr id="1" name=""/>
+        <p:cNvGrpSpPr/>
+        <p:nvPr/>
+      </p:nvGrpSpPr>
+      <p:grpSpPr>
+        <a:xfrm>
+          <a:off x="0" y="0"/>
+          <a:ext cx="0" cy="0"/>
+          <a:chOff x="0" y="0"/>
+          <a:chExt cx="0" cy="0"/>
+        </a:xfrm>
+      </p:grpSpPr>
+      <p:sp>
+        <p:nvSpPr>
+          <p:cNvPr id="11" name="Title 10"/>
+          <p:cNvSpPr>
+            <a:spLocks noGrp="1"/>
+          </p:cNvSpPr>
+          <p:nvPr>
+            <p:ph type="title"/>
+          </p:nvPr>
+        </p:nvSpPr>
+        <p:spPr>
+          <a:xfrm>
+            <a:off x="457200" y="274638"/>
+            <a:ext cx="7467600" cy="715962"/>
+          </a:xfrm>
+        </p:spPr>
+        <p:txBody>
+          <a:bodyPr>
+            <a:normAutofit/>
+          </a:bodyPr>
+          <a:lstStyle/>
+          <a:p>
+            <a:r>
+              <a:rPr lang="en-US" sz="3200" b="1" dirty="0" smtClean="0">
+                <a:solidFill>
+                  <a:schemeClr val="accent2"/>
+                </a:solidFill>
+              </a:rPr>
+              <a:t>G</a:t>
+            </a:r>
+            <a:r>
+              <a:rPr lang="en-US" sz="3200" b="1" dirty="0" smtClean="0">
+                <a:solidFill>
+                  <a:srgbClr val="FF0000"/>
+                </a:solidFill>
+              </a:rPr>
+              <a:t>o</a:t>
+            </a:r>
+            <a:r>
+              <a:rPr lang="en-US" sz="3200" b="1" dirty="0" smtClean="0">
+                <a:solidFill>
+                  <a:srgbClr val="FFF529"/>
+                </a:solidFill>
+              </a:rPr>
+              <a:t>o</a:t>
+            </a:r>
+            <a:r>
+              <a:rPr lang="en-US" sz="3200" b="1" dirty="0" smtClean="0">
+                <a:solidFill>
+                  <a:srgbClr val="1B79D7"/>
+                </a:solidFill>
+              </a:rPr>
+              <a:t>g</a:t>
+            </a:r>
+            <a:r>
+              <a:rPr lang="en-US" sz="3200" b="1" dirty="0" smtClean="0">
+                <a:solidFill>
+                  <a:srgbClr val="009900"/>
+                </a:solidFill>
+              </a:rPr>
+              <a:t>l</a:t>
+            </a:r>
+            <a:r>
+              <a:rPr lang="en-US" sz="3200" b="1" dirty="0" smtClean="0">
+                <a:solidFill>
+                  <a:srgbClr val="ED483D"/>
+                </a:solidFill>
+              </a:rPr>
+              <a:t>e</a:t>
+            </a:r>
+            <a:r>
+              <a:rPr lang="en-US" sz="3200" b="1" dirty="0" smtClean="0">
+                <a:solidFill>
+                  <a:schemeClr val="accent1"/>
+                </a:solidFill>
+              </a:rPr>
+              <a:t> </a:t>
+            </a:r>
+            <a:r>
+              <a:rPr lang="en-AU" sz="2400" b="1" dirty="0" smtClean="0">
+                <a:solidFill>
+                  <a:srgbClr val="1B79D7"/>
+                </a:solidFill>
+              </a:rPr>
+              <a:t>work culture</a:t>
+            </a:r>
+            <a:endParaRPr lang="en-US" dirty="0"/>
+          </a:p>
+        </p:txBody>
+      </p:sp>
+      <p:sp>
+        <p:nvSpPr>
+          <p:cNvPr id="6" name="Content Placeholder 5"/>
+          <p:cNvSpPr>
+            <a:spLocks noGrp="1"/>
+          </p:cNvSpPr>
+          <p:nvPr>
+            <p:ph sz="quarter" idx="1"/>
+          </p:nvPr>
+        </p:nvSpPr>
+        <p:spPr>
+          <a:xfrm>
+            <a:off x="457200" y="1219200"/>
+            <a:ext cx="7467600" cy="5254752"/>
+          </a:xfrm>
+        </p:spPr>
+        <p:txBody>
+          <a:bodyPr>
+            <a:normAutofit/>
+            <a:scene3d>
+              <a:camera prst="orthographicFront"/>
+              <a:lightRig rig="sunset" dir="t"/>
+            </a:scene3d>
+            <a:sp3d prstMaterial="dkEdge"/>
+          </a:bodyPr>
+          <a:lstStyle/>
+          <a:p>
+            <a:pPr marL="339725" indent="-339725">
+              <a:lnSpc>
+                <a:spcPct val="100000"/>
+              </a:lnSpc>
+              <a:spcBef>
+                <a:spcPct val="55000"/>
+              </a:spcBef>
+              <a:spcAft>
+                <a:spcPct val="0"/>
+              </a:spcAft>
+              <a:buClr>
+                <a:srgbClr val="1B79D7"/>
+              </a:buClr>
+              <a:buNone/>
+            </a:pPr>
+            <a:r>
+              <a:rPr lang="en-US" sz="4000" dirty="0" smtClean="0">
+                <a:solidFill>
+                  <a:schemeClr val="accent2">
+                    <a:lumMod val="75000"/>
+                  </a:schemeClr>
+                </a:solidFill>
+              </a:rPr>
+              <a:t>Google </a:t>
+            </a:r>
+            <a:r>
+              <a:rPr lang="en-US" sz="4000" dirty="0" smtClean="0">
+                <a:solidFill>
+                  <a:schemeClr val="accent2">
+                    <a:lumMod val="75000"/>
+                  </a:schemeClr>
+                </a:solidFill>
+              </a:rPr>
+              <a:t>has been ranked No.1 in Fortune's latest annual list of '100 Best Companies to Work </a:t>
+            </a:r>
+            <a:r>
+              <a:rPr lang="en-US" sz="4000" dirty="0" smtClean="0">
+                <a:solidFill>
+                  <a:schemeClr val="accent2">
+                    <a:lumMod val="75000"/>
+                  </a:schemeClr>
+                </a:solidFill>
+              </a:rPr>
+              <a:t>For</a:t>
+            </a:r>
+          </a:p>
+          <a:p>
+            <a:pPr marL="339725" indent="-339725">
+              <a:lnSpc>
+                <a:spcPct val="100000"/>
+              </a:lnSpc>
+              <a:spcBef>
+                <a:spcPct val="55000"/>
+              </a:spcBef>
+              <a:spcAft>
+                <a:spcPct val="0"/>
+              </a:spcAft>
+              <a:buClr>
+                <a:srgbClr val="1B79D7"/>
+              </a:buClr>
+              <a:buNone/>
+            </a:pPr>
+            <a:endParaRPr lang="en-US" sz="4000" dirty="0" smtClean="0">
+              <a:solidFill>
+                <a:schemeClr val="accent2">
+                  <a:lumMod val="75000"/>
+                </a:schemeClr>
+              </a:solidFill>
+            </a:endParaRPr>
+          </a:p>
+          <a:p>
+            <a:pPr marL="339725" indent="-339725">
+              <a:lnSpc>
+                <a:spcPct val="100000"/>
+              </a:lnSpc>
+              <a:spcBef>
+                <a:spcPct val="55000"/>
+              </a:spcBef>
+              <a:spcAft>
+                <a:spcPct val="0"/>
+              </a:spcAft>
+              <a:buClr>
+                <a:srgbClr val="1B79D7"/>
+              </a:buClr>
+              <a:buNone/>
+            </a:pPr>
+            <a:r>
+              <a:rPr lang="en-US" sz="4000" dirty="0" smtClean="0">
+                <a:solidFill>
+                  <a:schemeClr val="accent2">
+                    <a:lumMod val="75000"/>
+                  </a:schemeClr>
+                </a:solidFill>
+              </a:rPr>
+              <a:t>                   </a:t>
+            </a:r>
+            <a:r>
+              <a:rPr lang="en-US" sz="7200" dirty="0" smtClean="0">
+                <a:solidFill>
+                  <a:srgbClr val="C00000"/>
+                </a:solidFill>
+              </a:rPr>
+              <a:t>Why?</a:t>
+            </a:r>
+            <a:endParaRPr lang="en-US" dirty="0">
+              <a:solidFill>
+                <a:srgbClr val="C00000"/>
+              </a:solidFill>
+            </a:endParaRPr>
+          </a:p>
+        </p:txBody>
+      </p:sp>
+    </p:spTree>
+  </p:cSld>
+  <p:clrMapOvr>
+    <a:masterClrMapping/>
+  </p:clrMapOvr>
+  <p:timing>
+    <p:tnLst>
+      <p:par>
+        <p:cTn id="1" dur="indefinite" restart="never" nodeType="tmRoot"/>
+      </p:par>
+    </p:tnLst>
+  </p:timing>
+</p:sld>
+</file>
+
+<file path=ppt/slides/slide23.xml><?xml version="1.0" encoding="utf-8"?>
+<p:sld xmlns:a="http://schemas.openxmlformats.org/drawingml/2006/main" xmlns:r="http://schemas.openxmlformats.org/officeDocument/2006/relationships" xmlns:p="http://schemas.openxmlformats.org/presentationml/2006/main">
+  <p:cSld>
+    <p:spTree>
+      <p:nvGrpSpPr>
+        <p:cNvPr id="1" name=""/>
+        <p:cNvGrpSpPr/>
+        <p:nvPr/>
+      </p:nvGrpSpPr>
+      <p:grpSpPr>
+        <a:xfrm>
+          <a:off x="0" y="0"/>
+          <a:ext cx="0" cy="0"/>
+          <a:chOff x="0" y="0"/>
+          <a:chExt cx="0" cy="0"/>
+        </a:xfrm>
+      </p:grpSpPr>
+      <p:sp>
+        <p:nvSpPr>
+          <p:cNvPr id="11" name="Title 10"/>
+          <p:cNvSpPr>
+            <a:spLocks noGrp="1"/>
+          </p:cNvSpPr>
+          <p:nvPr>
+            <p:ph type="title"/>
+          </p:nvPr>
+        </p:nvSpPr>
+        <p:spPr>
+          <a:xfrm>
+            <a:off x="457200" y="274638"/>
+            <a:ext cx="7467600" cy="715962"/>
+          </a:xfrm>
+        </p:spPr>
+        <p:txBody>
+          <a:bodyPr>
+            <a:normAutofit/>
+          </a:bodyPr>
+          <a:lstStyle/>
+          <a:p>
+            <a:r>
+              <a:rPr lang="en-US" sz="3200" b="1" dirty="0" smtClean="0">
+                <a:solidFill>
+                  <a:schemeClr val="accent2"/>
+                </a:solidFill>
+              </a:rPr>
+              <a:t>G</a:t>
+            </a:r>
+            <a:r>
+              <a:rPr lang="en-US" sz="3200" b="1" dirty="0" smtClean="0">
+                <a:solidFill>
+                  <a:srgbClr val="FF0000"/>
+                </a:solidFill>
+              </a:rPr>
+              <a:t>o</a:t>
+            </a:r>
+            <a:r>
+              <a:rPr lang="en-US" sz="3200" b="1" dirty="0" smtClean="0">
+                <a:solidFill>
+                  <a:srgbClr val="FFF529"/>
+                </a:solidFill>
+              </a:rPr>
+              <a:t>o</a:t>
+            </a:r>
+            <a:r>
+              <a:rPr lang="en-US" sz="3200" b="1" dirty="0" smtClean="0">
+                <a:solidFill>
+                  <a:srgbClr val="1B79D7"/>
+                </a:solidFill>
+              </a:rPr>
+              <a:t>g</a:t>
+            </a:r>
+            <a:r>
+              <a:rPr lang="en-US" sz="3200" b="1" dirty="0" smtClean="0">
+                <a:solidFill>
+                  <a:srgbClr val="009900"/>
+                </a:solidFill>
+              </a:rPr>
+              <a:t>l</a:t>
+            </a:r>
+            <a:r>
+              <a:rPr lang="en-US" sz="3200" b="1" dirty="0" smtClean="0">
+                <a:solidFill>
+                  <a:srgbClr val="ED483D"/>
+                </a:solidFill>
+              </a:rPr>
+              <a:t>e</a:t>
+            </a:r>
+            <a:r>
+              <a:rPr lang="en-US" sz="3200" b="1" dirty="0" smtClean="0">
+                <a:solidFill>
+                  <a:schemeClr val="accent1"/>
+                </a:solidFill>
+              </a:rPr>
+              <a:t> </a:t>
+            </a:r>
+            <a:r>
+              <a:rPr lang="en-AU" sz="2400" b="1" dirty="0" smtClean="0">
+                <a:solidFill>
+                  <a:srgbClr val="1B79D7"/>
+                </a:solidFill>
+              </a:rPr>
+              <a:t>work culture</a:t>
+            </a:r>
+            <a:endParaRPr lang="en-US" dirty="0"/>
+          </a:p>
+        </p:txBody>
+      </p:sp>
+      <p:sp>
+        <p:nvSpPr>
+          <p:cNvPr id="6" name="Content Placeholder 5"/>
+          <p:cNvSpPr>
+            <a:spLocks noGrp="1"/>
+          </p:cNvSpPr>
+          <p:nvPr>
+            <p:ph sz="quarter" idx="1"/>
+          </p:nvPr>
+        </p:nvSpPr>
+        <p:spPr>
+          <a:xfrm>
+            <a:off x="457200" y="1219200"/>
+            <a:ext cx="7467600" cy="5254752"/>
+          </a:xfrm>
+        </p:spPr>
+        <p:txBody>
+          <a:bodyPr>
+            <a:normAutofit/>
+            <a:scene3d>
+              <a:camera prst="orthographicFront"/>
+              <a:lightRig rig="sunset" dir="t"/>
+            </a:scene3d>
+            <a:sp3d prstMaterial="dkEdge"/>
+          </a:bodyPr>
+          <a:lstStyle/>
+          <a:p>
+            <a:pPr marL="339725" indent="-339725">
+              <a:lnSpc>
+                <a:spcPct val="100000"/>
+              </a:lnSpc>
+              <a:spcBef>
+                <a:spcPct val="55000"/>
+              </a:spcBef>
+              <a:spcAft>
+                <a:spcPct val="0"/>
+              </a:spcAft>
+              <a:buClr>
+                <a:srgbClr val="1B79D7"/>
+              </a:buClr>
+              <a:buNone/>
+            </a:pPr>
+            <a:endParaRPr lang="en-US" dirty="0" smtClean="0">
+              <a:solidFill>
+                <a:schemeClr val="accent2">
+                  <a:lumMod val="75000"/>
+                </a:schemeClr>
+              </a:solidFill>
+            </a:endParaRPr>
+          </a:p>
+        </p:txBody>
+      </p:sp>
     </p:spTree>
   </p:cSld>
   <p:clrMapOvr>
@@ -7907,11 +12298,7 @@
           <a:p>
             <a:r>
               <a:rPr lang="en-US" dirty="0" smtClean="0"/>
-              <a:t>Larry and Sergey formally </a:t>
-            </a:r>
-            <a:r>
-              <a:rPr lang="en-US" dirty="0" smtClean="0"/>
-              <a:t>incorporated their company, </a:t>
+              <a:t>Larry and Sergey formally incorporated their company, </a:t>
             </a:r>
             <a:r>
               <a:rPr lang="en-US" i="1" dirty="0" smtClean="0"/>
@@ -7919,19 +12306,7 @@
             </a:r>
             <a:r>
               <a:rPr lang="en-US" dirty="0" smtClean="0"/>
-              <a:t>, on September 4, 1998 at a </a:t>
-            </a:r>
-            <a:r>
-              <a:rPr lang="en-US" dirty="0" smtClean="0"/>
-              <a:t>friend's garage </a:t>
-            </a:r>
-            <a:r>
-              <a:rPr lang="en-US" dirty="0" smtClean="0"/>
-              <a:t>in </a:t>
-            </a:r>
-            <a:r>
-              <a:rPr lang="en-US" dirty="0" smtClean="0"/>
-              <a:t>Menlo </a:t>
+              <a:t>, on September 4, 1998 at a friend's garage in Menlo </a:t>
             </a:r>
             <a:r>
               <a:rPr lang="en-US" dirty="0" err="1" smtClean="0"/>
@@ -8137,18 +12512,7 @@
                   </a:schemeClr>
                 </a:solidFill>
               </a:rPr>
-              <a:t>    Google </a:t>
-            </a:r>
-            <a:r>
-              <a:rPr lang="en-US" dirty="0" smtClean="0">
-                <a:solidFill>
-                  <a:schemeClr val="tx1">
-                    <a:lumMod val="65000"/>
-                    <a:lumOff val="35000"/>
-                  </a:schemeClr>
-                </a:solidFill>
-              </a:rPr>
-              <a:t>First office</a:t>
+              <a:t>    Google First office</a:t>
             </a:r>
           </a:p>
           <a:p>
@@ -8356,18 +12720,7 @@
                   </a:schemeClr>
                 </a:solidFill>
               </a:rPr>
-              <a:t>    Google </a:t>
-            </a:r>
-            <a:r>
-              <a:rPr lang="en-US" dirty="0" smtClean="0">
-                <a:solidFill>
-                  <a:schemeClr val="tx1">
-                    <a:lumMod val="65000"/>
-                    <a:lumOff val="35000"/>
-                  </a:schemeClr>
-                </a:solidFill>
-              </a:rPr>
-              <a:t>First office</a:t>
+              <a:t>    Google First office</a:t>
             </a:r>
           </a:p>
           <a:p>
@@ -8446,66 +12799,16 @@
         </p:nvSpPr>
         <p:spPr>
           <a:xfrm>
-            <a:off x="152400" y="254170"/>
-            <a:ext cx="8579708" cy="736430"/>
-          </a:xfrm>
-        </p:spPr>
-        <p:txBody>
-          <a:bodyPr>
-            <a:normAutofit fontScale="90000"/>
-          </a:bodyPr>
+            <a:off x="457200" y="254170"/>
+            <a:ext cx="8274908" cy="736430"/>
+          </a:xfrm>
+        </p:spPr>
+        <p:txBody>
+          <a:bodyPr/>
           <a:lstStyle/>
           <a:p>
             <a:r>
               <a:rPr lang="en-US" sz="3200" b="1" dirty="0" smtClean="0">
-                <a:solidFill>
-                  <a:srgbClr val="1F74DB"/>
-                </a:solidFill>
-              </a:rPr>
-              <a:t>G</a:t>
-            </a:r>
-            <a:r>
-              <a:rPr lang="en-US" sz="3200" b="1" dirty="0" smtClean="0">
-                <a:solidFill>
-                  <a:srgbClr val="FF0000"/>
-                </a:solidFill>
-              </a:rPr>
-              <a:t>o</a:t>
-            </a:r>
-            <a:r>
-              <a:rPr lang="en-US" sz="3200" b="1" dirty="0" smtClean="0">
-                <a:solidFill>
-                  <a:schemeClr val="accent4"/>
-                </a:solidFill>
-              </a:rPr>
-              <a:t>o</a:t>
-            </a:r>
-            <a:r>
-              <a:rPr lang="en-US" sz="3200" b="1" dirty="0" smtClean="0">
-                <a:solidFill>
-                  <a:srgbClr val="1B79D7"/>
-                </a:solidFill>
-              </a:rPr>
-              <a:t>g</a:t>
-            </a:r>
-            <a:r>
-              <a:rPr lang="en-US" sz="3200" b="1" dirty="0" smtClean="0">
-                <a:solidFill>
-                  <a:srgbClr val="009900"/>
-                </a:solidFill>
-              </a:rPr>
-              <a:t>l</a:t>
-            </a:r>
-            <a:r>
-              <a:rPr lang="en-US" sz="3200" b="1" dirty="0" smtClean="0">
-                <a:solidFill>
-                  <a:srgbClr val="ED483D"/>
-                </a:solidFill>
-              </a:rPr>
-              <a:t>e </a:t>
-            </a:r>
-            <a:r>
-              <a:rPr lang="en-US" dirty="0" smtClean="0">
                 <a:solidFill>
                   <a:schemeClr val="tx1">
                     <a:lumMod val="65000"/>
@@ -8513,7 +12816,74 @@
                   </a:schemeClr>
                 </a:solidFill>
               </a:rPr>
-              <a:t>Current Head Quarters in California</a:t>
+              <a:t>How</a:t>
+            </a:r>
+            <a:r>
+              <a:rPr lang="en-US" sz="3200" b="1" dirty="0" smtClean="0">
+                <a:solidFill>
+                  <a:schemeClr val="accent2"/>
+                </a:solidFill>
+              </a:rPr>
+              <a:t> </a:t>
+            </a:r>
+            <a:r>
+              <a:rPr lang="en-US" sz="3200" b="1" dirty="0" smtClean="0">
+                <a:solidFill>
+                  <a:srgbClr val="1F74DB"/>
+                </a:solidFill>
+              </a:rPr>
+              <a:t>G</a:t>
+            </a:r>
+            <a:r>
+              <a:rPr lang="en-US" sz="3200" b="1" dirty="0" smtClean="0">
+                <a:solidFill>
+                  <a:srgbClr val="FF0000"/>
+                </a:solidFill>
+              </a:rPr>
+              <a:t>o</a:t>
+            </a:r>
+            <a:r>
+              <a:rPr lang="en-US" sz="3200" b="1" dirty="0" smtClean="0">
+                <a:solidFill>
+                  <a:schemeClr val="accent4"/>
+                </a:solidFill>
+              </a:rPr>
+              <a:t>o</a:t>
+            </a:r>
+            <a:r>
+              <a:rPr lang="en-US" sz="3200" b="1" dirty="0" smtClean="0">
+                <a:solidFill>
+                  <a:srgbClr val="1B79D7"/>
+                </a:solidFill>
+              </a:rPr>
+              <a:t>g</a:t>
+            </a:r>
+            <a:r>
+              <a:rPr lang="en-US" sz="3200" b="1" dirty="0" smtClean="0">
+                <a:solidFill>
+                  <a:srgbClr val="009900"/>
+                </a:solidFill>
+              </a:rPr>
+              <a:t>l</a:t>
+            </a:r>
+            <a:r>
+              <a:rPr lang="en-US" sz="3200" b="1" dirty="0" smtClean="0">
+                <a:solidFill>
+                  <a:srgbClr val="ED483D"/>
+                </a:solidFill>
+              </a:rPr>
+              <a:t>e </a:t>
+            </a:r>
+            <a:r>
+              <a:rPr lang="en-US" sz="3200" b="1" dirty="0" smtClean="0">
+                <a:solidFill>
+                  <a:schemeClr val="tx1">
+                    <a:lumMod val="65000"/>
+                    <a:lumOff val="35000"/>
+                  </a:schemeClr>
+                </a:solidFill>
+              </a:rPr>
+              <a:t>Start</a:t>
             </a:r>
             <a:endParaRPr lang="en-US" dirty="0">
               <a:solidFill>
@@ -8558,7 +12928,18 @@
                   </a:schemeClr>
                 </a:solidFill>
               </a:rPr>
-              <a:t>    </a:t>
+              <a:t>    Google </a:t>
+            </a:r>
+            <a:r>
+              <a:rPr lang="en-US" dirty="0" smtClean="0">
+                <a:solidFill>
+                  <a:schemeClr val="tx1">
+                    <a:lumMod val="65000"/>
+                    <a:lumOff val="35000"/>
+                  </a:schemeClr>
+                </a:solidFill>
+              </a:rPr>
+              <a:t>beta version</a:t>
             </a:r>
             <a:endParaRPr lang="en-US" dirty="0" smtClean="0">
               <a:solidFill>
@@ -8593,8 +12974,8 @@
         </p:blipFill>
         <p:spPr>
           <a:xfrm>
-            <a:off x="152400" y="990600"/>
-            <a:ext cx="8610600" cy="5836967"/>
+            <a:off x="152400" y="1746594"/>
+            <a:ext cx="8610600" cy="4812612"/>
           </a:xfrm>
           <a:prstGeom prst="rect">
             <a:avLst/>
@@ -8645,8 +13026,8 @@
         </p:nvSpPr>
         <p:spPr>
           <a:xfrm>
-            <a:off x="228600" y="254170"/>
-            <a:ext cx="8503508" cy="736430"/>
+            <a:off x="152400" y="254170"/>
+            <a:ext cx="8579708" cy="736430"/>
           </a:xfrm>
         </p:spPr>
         <p:txBody>
@@ -8759,14 +13140,6 @@
               </a:rPr>
               <a:t>    </a:t>
             </a:r>
-            <a:endParaRPr lang="en-US" dirty="0" smtClean="0">
-              <a:solidFill>
-                <a:schemeClr val="tx1">
-                  <a:lumMod val="65000"/>
-                  <a:lumOff val="35000"/>
-                </a:schemeClr>
-              </a:solidFill>
-            </a:endParaRPr>
           </a:p>
           <a:p>
             <a:pPr>
@@ -8793,7 +13166,7 @@
         <p:spPr>
           <a:xfrm>
             <a:off x="152400" y="990600"/>
-            <a:ext cx="8610600" cy="5585009"/>
+            <a:ext cx="8610600" cy="5836967"/>
           </a:xfrm>
           <a:prstGeom prst="rect">
             <a:avLst/>
@@ -8844,18 +13217,20 @@
         </p:nvSpPr>
         <p:spPr>
           <a:xfrm>
-            <a:off x="457200" y="274638"/>
-            <a:ext cx="8274908" cy="715962"/>
-          </a:xfrm>
-        </p:spPr>
-        <p:txBody>
-          <a:bodyPr/>
+            <a:off x="228600" y="254170"/>
+            <a:ext cx="8503508" cy="736430"/>
+          </a:xfrm>
+        </p:spPr>
+        <p:txBody>
+          <a:bodyPr>
+            <a:normAutofit fontScale="90000"/>
+          </a:bodyPr>
           <a:lstStyle/>
           <a:p>
             <a:r>
               <a:rPr lang="en-US" sz="3200" b="1" dirty="0" smtClean="0">
                 <a:solidFill>
-                  <a:schemeClr val="accent2"/>
+                  <a:srgbClr val="1F74DB"/>
                 </a:solidFill>
               </a:rPr>
               <a:t>G</a:t>
@@ -8871,7 +13246,7 @@
             <a:r>
               <a:rPr lang="en-US" sz="3200" b="1" dirty="0" smtClean="0">
                 <a:solidFill>
-                  <a:srgbClr val="FFF529"/>
+                  <a:schemeClr val="accent4"/>
                 </a:solidFill>
               </a:rPr>
               <a:t>o</a:t>
@@ -8898,49 +13273,95 @@
                   <a:srgbClr val="ED483D"/>
                 </a:solidFill>
               </a:rPr>
-              <a:t>e</a:t>
-            </a:r>
-            <a:r>
-              <a:rPr lang="en-US" sz="3200" b="1" dirty="0" smtClean="0">
-                <a:solidFill>
-                  <a:schemeClr val="accent1"/>
-                </a:solidFill>
-              </a:rPr>
-              <a:t> </a:t>
-            </a:r>
-            <a:r>
-              <a:rPr lang="en-US" sz="2400" b="1" dirty="0" smtClean="0">
-                <a:solidFill>
-                  <a:srgbClr val="1B79D7"/>
-                </a:solidFill>
-              </a:rPr>
-              <a:t>Evolution</a:t>
-            </a:r>
-            <a:endParaRPr lang="en-US" dirty="0"/>
-          </a:p>
-        </p:txBody>
-      </p:sp>
-      <p:pic>
-        <p:nvPicPr>
-          <p:cNvPr id="5" name="Content Placeholder 4" descr="part1.jpg"/>
-          <p:cNvPicPr>
-            <a:picLocks noGrp="1" noChangeAspect="1"/>
-          </p:cNvPicPr>
+              <a:t>e </a:t>
+            </a:r>
+            <a:r>
+              <a:rPr lang="en-US" dirty="0" smtClean="0">
+                <a:solidFill>
+                  <a:schemeClr val="tx1">
+                    <a:lumMod val="65000"/>
+                    <a:lumOff val="35000"/>
+                  </a:schemeClr>
+                </a:solidFill>
+              </a:rPr>
+              <a:t>Current Head Quarters in California</a:t>
+            </a:r>
+            <a:endParaRPr lang="en-US" dirty="0">
+              <a:solidFill>
+                <a:schemeClr val="tx1">
+                  <a:lumMod val="65000"/>
+                  <a:lumOff val="35000"/>
+                </a:schemeClr>
+              </a:solidFill>
+            </a:endParaRPr>
+          </a:p>
+        </p:txBody>
+      </p:sp>
+      <p:sp>
+        <p:nvSpPr>
+          <p:cNvPr id="7" name="Content Placeholder 6"/>
+          <p:cNvSpPr>
+            <a:spLocks noGrp="1"/>
+          </p:cNvSpPr>
           <p:nvPr>
             <p:ph sz="quarter" idx="1"/>
           </p:nvPr>
+        </p:nvSpPr>
+        <p:spPr>
+          <a:xfrm>
+            <a:off x="152400" y="990600"/>
+            <a:ext cx="8610600" cy="5483352"/>
+          </a:xfrm>
+        </p:spPr>
+        <p:txBody>
+          <a:bodyPr/>
+          <a:lstStyle/>
+          <a:p>
+            <a:pPr>
+              <a:buNone/>
+            </a:pPr>
+            <a:r>
+              <a:rPr lang="en-US" dirty="0" smtClean="0">
+                <a:solidFill>
+                  <a:schemeClr val="tx1">
+                    <a:lumMod val="65000"/>
+                    <a:lumOff val="35000"/>
+                  </a:schemeClr>
+                </a:solidFill>
+              </a:rPr>
+              <a:t>    </a:t>
+            </a:r>
+          </a:p>
+          <a:p>
+            <a:pPr>
+              <a:buNone/>
+            </a:pPr>
+            <a:endParaRPr lang="en-US" dirty="0"/>
+          </a:p>
+        </p:txBody>
+      </p:sp>
+      <p:pic>
+        <p:nvPicPr>
+          <p:cNvPr id="8" name="Picture 7" descr="google-garage-stanford.png"/>
+          <p:cNvPicPr>
+            <a:picLocks noChangeAspect="1"/>
+          </p:cNvPicPr>
+          <p:nvPr/>
         </p:nvPicPr>
         <p:blipFill>
-          <a:blip r:embed="rId2" cstate="print"/>
+          <a:blip r:embed="rId2"/>
           <a:stretch>
             <a:fillRect/>
           </a:stretch>
         </p:blipFill>
         <p:spPr>
           <a:xfrm>
-            <a:off x="228600" y="990600"/>
-            <a:ext cx="8458200" cy="5867400"/>
-          </a:xfrm>
+            <a:off x="152400" y="990600"/>
+            <a:ext cx="8610600" cy="5585009"/>
+          </a:xfrm>
+          <a:prstGeom prst="rect">
+            <a:avLst/>
+          </a:prstGeom>
         </p:spPr>
       </p:pic>
     </p:spTree>
@@ -8977,18 +13398,18 @@
       </p:grpSpPr>
       <p:sp>
         <p:nvSpPr>
-          <p:cNvPr id="11" name="Title 10"/>
+          <p:cNvPr id="2" name="Title 1"/>
           <p:cNvSpPr>
             <a:spLocks noGrp="1"/>
           </p:cNvSpPr>
           <p:nvPr>
-            <p:ph type="title"/>
+            <p:ph type="ctrTitle"/>
           </p:nvPr>
         </p:nvSpPr>
         <p:spPr>
           <a:xfrm>
-            <a:off x="457200" y="274638"/>
-            <a:ext cx="8274908" cy="715962"/>
+            <a:off x="2286000" y="1676400"/>
+            <a:ext cx="6172200" cy="1894362"/>
           </a:xfrm>
         </p:spPr>
         <p:txBody>
@@ -8996,94 +13417,59 @@
           <a:lstStyle/>
           <a:p>
             <a:r>
-              <a:rPr lang="en-US" sz="3200" b="1" dirty="0" smtClean="0">
-                <a:solidFill>
-                  <a:schemeClr val="accent2"/>
-                </a:solidFill>
-              </a:rPr>
-              <a:t>G</a:t>
-            </a:r>
-            <a:r>
-              <a:rPr lang="en-US" sz="3200" b="1" dirty="0" smtClean="0">
-                <a:solidFill>
-                  <a:srgbClr val="FF0000"/>
-                </a:solidFill>
-              </a:rPr>
-              <a:t>o</a:t>
-            </a:r>
-            <a:r>
-              <a:rPr lang="en-US" sz="3200" b="1" dirty="0" smtClean="0">
-                <a:solidFill>
-                  <a:srgbClr val="FFF529"/>
-                </a:solidFill>
-              </a:rPr>
-              <a:t>o</a:t>
-            </a:r>
-            <a:r>
-              <a:rPr lang="en-US" sz="3200" b="1" dirty="0" smtClean="0">
-                <a:solidFill>
-                  <a:srgbClr val="1B79D7"/>
-                </a:solidFill>
-              </a:rPr>
-              <a:t>g</a:t>
-            </a:r>
-            <a:r>
-              <a:rPr lang="en-US" sz="3200" b="1" dirty="0" smtClean="0">
-                <a:solidFill>
-                  <a:srgbClr val="009900"/>
-                </a:solidFill>
-              </a:rPr>
-              <a:t>l</a:t>
-            </a:r>
-            <a:r>
-              <a:rPr lang="en-US" sz="3200" b="1" dirty="0" smtClean="0">
-                <a:solidFill>
-                  <a:srgbClr val="ED483D"/>
-                </a:solidFill>
-              </a:rPr>
-              <a:t>e</a:t>
-            </a:r>
-            <a:r>
-              <a:rPr lang="en-US" sz="3200" b="1" dirty="0" smtClean="0">
-                <a:solidFill>
-                  <a:schemeClr val="accent1"/>
-                </a:solidFill>
-              </a:rPr>
-              <a:t> </a:t>
-            </a:r>
-            <a:r>
-              <a:rPr lang="en-US" sz="2400" b="1" dirty="0" smtClean="0">
-                <a:solidFill>
-                  <a:srgbClr val="1B79D7"/>
-                </a:solidFill>
-              </a:rPr>
-              <a:t>Evolution</a:t>
-            </a:r>
+              <a:rPr lang="en-US" dirty="0" smtClean="0"/>
+              <a:t>About                        </a:t>
+            </a:r>
+            <a:endParaRPr lang="en-US" dirty="0"/>
+          </a:p>
+        </p:txBody>
+      </p:sp>
+      <p:sp>
+        <p:nvSpPr>
+          <p:cNvPr id="3" name="Subtitle 2"/>
+          <p:cNvSpPr>
+            <a:spLocks noGrp="1"/>
+          </p:cNvSpPr>
+          <p:nvPr>
+            <p:ph type="subTitle" idx="1"/>
+          </p:nvPr>
+        </p:nvSpPr>
+        <p:spPr>
+          <a:xfrm>
+            <a:off x="2286000" y="3555522"/>
+            <a:ext cx="6172200" cy="1371600"/>
+          </a:xfrm>
+        </p:spPr>
+        <p:txBody>
+          <a:bodyPr/>
+          <a:lstStyle/>
+          <a:p>
             <a:endParaRPr lang="en-US" dirty="0"/>
           </a:p>
         </p:txBody>
       </p:sp>
       <p:pic>
         <p:nvPicPr>
-          <p:cNvPr id="5" name="Content Placeholder 4" descr="part2.jpg"/>
+          <p:cNvPr id="4" name="Picture 3" descr="logo11w.png"/>
           <p:cNvPicPr>
-            <a:picLocks noGrp="1" noChangeAspect="1"/>
+            <a:picLocks noChangeAspect="1"/>
           </p:cNvPicPr>
-          <p:nvPr>
-            <p:ph sz="quarter" idx="1"/>
-          </p:nvPr>
+          <p:nvPr/>
         </p:nvPicPr>
         <p:blipFill>
-          <a:blip r:embed="rId2" cstate="print"/>
+          <a:blip r:embed="rId2"/>
           <a:stretch>
             <a:fillRect/>
           </a:stretch>
         </p:blipFill>
         <p:spPr>
           <a:xfrm>
-            <a:off x="152400" y="914400"/>
-            <a:ext cx="8686800" cy="5943599"/>
-          </a:xfrm>
+            <a:off x="3810000" y="2819400"/>
+            <a:ext cx="2819400" cy="995699"/>
+          </a:xfrm>
+          <a:prstGeom prst="rect">
+            <a:avLst/>
+          </a:prstGeom>
         </p:spPr>
       </p:pic>
     </p:spTree>

--- a/google/about_google_sanjay.pptx
+++ b/google/about_google_sanjay.pptx
@@ -18,16 +18,13 @@
     <p:sldId id="276" r:id="rId12"/>
     <p:sldId id="277" r:id="rId13"/>
     <p:sldId id="278" r:id="rId14"/>
-    <p:sldId id="265" r:id="rId15"/>
-    <p:sldId id="262" r:id="rId16"/>
-    <p:sldId id="263" r:id="rId17"/>
-    <p:sldId id="258" r:id="rId18"/>
-    <p:sldId id="260" r:id="rId19"/>
+    <p:sldId id="258" r:id="rId15"/>
+    <p:sldId id="260" r:id="rId16"/>
+    <p:sldId id="265" r:id="rId17"/>
+    <p:sldId id="262" r:id="rId18"/>
+    <p:sldId id="263" r:id="rId19"/>
     <p:sldId id="261" r:id="rId20"/>
     <p:sldId id="257" r:id="rId21"/>
-    <p:sldId id="270" r:id="rId22"/>
-    <p:sldId id="272" r:id="rId23"/>
-    <p:sldId id="273" r:id="rId24"/>
   </p:sldIdLst>
   <p:sldSz cx="9144000" cy="6858000" type="screen4x3"/>
   <p:notesSz cx="6858000" cy="9144000"/>
@@ -1231,6 +1228,13 @@
         </dgm:presLayoutVars>
       </dgm:prSet>
       <dgm:spPr/>
+      <dgm:t>
+        <a:bodyPr/>
+        <a:lstStyle/>
+        <a:p>
+          <a:endParaRPr lang="en-US"/>
+        </a:p>
+      </dgm:t>
     </dgm:pt>
     <dgm:pt modelId="{049ECBEB-0CAD-4541-8490-DE8A4A49A8BD}" type="pres">
       <dgm:prSet presAssocID="{06A81BA0-BABE-44DF-AE77-4DD601DEB203}" presName="root" presStyleCnt="0"/>
@@ -1254,6 +1258,13 @@
     <dgm:pt modelId="{B72A464C-2E90-4796-A1A6-327FB030473A}" type="pres">
       <dgm:prSet presAssocID="{06A81BA0-BABE-44DF-AE77-4DD601DEB203}" presName="rootConnector" presStyleLbl="node1" presStyleIdx="0" presStyleCnt="1"/>
       <dgm:spPr/>
+      <dgm:t>
+        <a:bodyPr/>
+        <a:lstStyle/>
+        <a:p>
+          <a:endParaRPr lang="en-US"/>
+        </a:p>
+      </dgm:t>
     </dgm:pt>
     <dgm:pt modelId="{DF442575-BAA8-4A76-A115-9DF0912F4B51}" type="pres">
       <dgm:prSet presAssocID="{06A81BA0-BABE-44DF-AE77-4DD601DEB203}" presName="childShape" presStyleCnt="0"/>
@@ -1262,6 +1273,13 @@
     <dgm:pt modelId="{1DD0955E-A6FB-4559-B39A-D9EC982381E2}" type="pres">
       <dgm:prSet presAssocID="{21069137-C5CD-4F0B-8771-91B3F924E9A6}" presName="Name13" presStyleLbl="parChTrans1D2" presStyleIdx="0" presStyleCnt="3"/>
       <dgm:spPr/>
+      <dgm:t>
+        <a:bodyPr/>
+        <a:lstStyle/>
+        <a:p>
+          <a:endParaRPr lang="en-US"/>
+        </a:p>
+      </dgm:t>
     </dgm:pt>
     <dgm:pt modelId="{D889F875-0D55-4056-96B2-F64547D53BE7}" type="pres">
       <dgm:prSet presAssocID="{75EB223E-B994-476E-A0D1-D496C0B45674}" presName="childText" presStyleLbl="bgAcc1" presStyleIdx="0" presStyleCnt="3" custScaleX="229429" custScaleY="72241" custLinFactNeighborX="1992" custLinFactNeighborY="395">
@@ -1270,10 +1288,24 @@
         </dgm:presLayoutVars>
       </dgm:prSet>
       <dgm:spPr/>
+      <dgm:t>
+        <a:bodyPr/>
+        <a:lstStyle/>
+        <a:p>
+          <a:endParaRPr lang="en-US"/>
+        </a:p>
+      </dgm:t>
     </dgm:pt>
     <dgm:pt modelId="{AF165F75-F34C-4652-AA87-30D509310FE4}" type="pres">
       <dgm:prSet presAssocID="{105D04E7-C173-4C8D-8BAC-F1E3A9DD53FE}" presName="Name13" presStyleLbl="parChTrans1D2" presStyleIdx="1" presStyleCnt="3"/>
       <dgm:spPr/>
+      <dgm:t>
+        <a:bodyPr/>
+        <a:lstStyle/>
+        <a:p>
+          <a:endParaRPr lang="en-US"/>
+        </a:p>
+      </dgm:t>
     </dgm:pt>
     <dgm:pt modelId="{2956732A-EC9F-48B6-B905-0B71C0D6725E}" type="pres">
       <dgm:prSet presAssocID="{141A0775-7785-4108-A40A-605602922E5A}" presName="childText" presStyleLbl="bgAcc1" presStyleIdx="1" presStyleCnt="3" custScaleX="233411" custScaleY="76428" custLinFactNeighborY="-6733">
@@ -1282,10 +1314,24 @@
         </dgm:presLayoutVars>
       </dgm:prSet>
       <dgm:spPr/>
+      <dgm:t>
+        <a:bodyPr/>
+        <a:lstStyle/>
+        <a:p>
+          <a:endParaRPr lang="en-US"/>
+        </a:p>
+      </dgm:t>
     </dgm:pt>
     <dgm:pt modelId="{62DB1C1A-3B53-46BF-93F4-ED7D4DC0D269}" type="pres">
       <dgm:prSet presAssocID="{672A1FD6-A25F-4503-9A4E-FD664AD266C0}" presName="Name13" presStyleLbl="parChTrans1D2" presStyleIdx="2" presStyleCnt="3"/>
       <dgm:spPr/>
+      <dgm:t>
+        <a:bodyPr/>
+        <a:lstStyle/>
+        <a:p>
+          <a:endParaRPr lang="en-US"/>
+        </a:p>
+      </dgm:t>
     </dgm:pt>
     <dgm:pt modelId="{C83CC842-E685-41A3-BA96-B32D97AE6CB2}" type="pres">
       <dgm:prSet presAssocID="{C0408A0C-D6D7-405D-A506-AE06F9D18E1A}" presName="childText" presStyleLbl="bgAcc1" presStyleIdx="2" presStyleCnt="3" custScaleX="232727" custScaleY="71376" custLinFactNeighborY="-11926">
@@ -1294,6 +1340,13 @@
         </dgm:presLayoutVars>
       </dgm:prSet>
       <dgm:spPr/>
+      <dgm:t>
+        <a:bodyPr/>
+        <a:lstStyle/>
+        <a:p>
+          <a:endParaRPr lang="en-US"/>
+        </a:p>
+      </dgm:t>
     </dgm:pt>
   </dgm:ptLst>
   <dgm:cxnLst>
@@ -2791,7 +2844,7 @@
             <a:fld id="{E6F9B8CD-342D-4579-98EC-A8FD6B7370E1}" type="datetimeFigureOut">
               <a:rPr lang="en-US" smtClean="0"/>
               <a:pPr/>
-              <a:t>23/8/2015</a:t>
+              <a:t>24/8/2015</a:t>
             </a:fld>
             <a:endParaRPr lang="en-US" dirty="0"/>
           </a:p>
@@ -3662,7 +3715,7 @@
             <a:fld id="{E6F9B8CD-342D-4579-98EC-A8FD6B7370E1}" type="datetimeFigureOut">
               <a:rPr lang="en-US" smtClean="0"/>
               <a:pPr/>
-              <a:t>23/8/2015</a:t>
+              <a:t>24/8/2015</a:t>
             </a:fld>
             <a:endParaRPr lang="en-US"/>
           </a:p>
@@ -3839,7 +3892,7 @@
             <a:fld id="{E6F9B8CD-342D-4579-98EC-A8FD6B7370E1}" type="datetimeFigureOut">
               <a:rPr lang="en-US" smtClean="0"/>
               <a:pPr/>
-              <a:t>23/8/2015</a:t>
+              <a:t>24/8/2015</a:t>
             </a:fld>
             <a:endParaRPr lang="en-US"/>
           </a:p>
@@ -4012,7 +4065,7 @@
             <a:fld id="{E6F9B8CD-342D-4579-98EC-A8FD6B7370E1}" type="datetimeFigureOut">
               <a:rPr lang="en-US" smtClean="0"/>
               <a:pPr algn="r" eaLnBrk="1" latinLnBrk="0" hangingPunct="1"/>
-              <a:t>23/8/2015</a:t>
+              <a:t>24/8/2015</a:t>
             </a:fld>
             <a:endParaRPr lang="en-US"/>
           </a:p>
@@ -4225,7 +4278,7 @@
             <a:fld id="{E6F9B8CD-342D-4579-98EC-A8FD6B7370E1}" type="datetimeFigureOut">
               <a:rPr lang="en-US" smtClean="0"/>
               <a:pPr/>
-              <a:t>23/8/2015</a:t>
+              <a:t>24/8/2015</a:t>
             </a:fld>
             <a:endParaRPr lang="en-US"/>
           </a:p>
@@ -5041,7 +5094,7 @@
             <a:fld id="{E6F9B8CD-342D-4579-98EC-A8FD6B7370E1}" type="datetimeFigureOut">
               <a:rPr lang="en-US" smtClean="0"/>
               <a:pPr/>
-              <a:t>23/8/2015</a:t>
+              <a:t>24/8/2015</a:t>
             </a:fld>
             <a:endParaRPr lang="en-US"/>
           </a:p>
@@ -5279,7 +5332,7 @@
             <a:fld id="{E6F9B8CD-342D-4579-98EC-A8FD6B7370E1}" type="datetimeFigureOut">
               <a:rPr lang="en-US" smtClean="0"/>
               <a:pPr/>
-              <a:t>23/8/2015</a:t>
+              <a:t>24/8/2015</a:t>
             </a:fld>
             <a:endParaRPr lang="en-US"/>
           </a:p>
@@ -5605,7 +5658,7 @@
             <a:fld id="{E6F9B8CD-342D-4579-98EC-A8FD6B7370E1}" type="datetimeFigureOut">
               <a:rPr lang="en-US" smtClean="0"/>
               <a:pPr algn="r" eaLnBrk="1" latinLnBrk="0" hangingPunct="1"/>
-              <a:t>23/8/2015</a:t>
+              <a:t>24/8/2015</a:t>
             </a:fld>
             <a:endParaRPr lang="en-US"/>
           </a:p>
@@ -5698,7 +5751,7 @@
             <a:fld id="{E6F9B8CD-342D-4579-98EC-A8FD6B7370E1}" type="datetimeFigureOut">
               <a:rPr lang="en-US" smtClean="0"/>
               <a:pPr/>
-              <a:t>23/8/2015</a:t>
+              <a:t>24/8/2015</a:t>
             </a:fld>
             <a:endParaRPr lang="en-US"/>
           </a:p>
@@ -6218,7 +6271,7 @@
             <a:fld id="{E6F9B8CD-342D-4579-98EC-A8FD6B7370E1}" type="datetimeFigureOut">
               <a:rPr lang="en-US" smtClean="0"/>
               <a:pPr algn="r" eaLnBrk="1" latinLnBrk="0" hangingPunct="1"/>
-              <a:t>23/8/2015</a:t>
+              <a:t>24/8/2015</a:t>
             </a:fld>
             <a:endParaRPr lang="en-US" dirty="0"/>
           </a:p>
@@ -6733,7 +6786,7 @@
             <a:fld id="{E6F9B8CD-342D-4579-98EC-A8FD6B7370E1}" type="datetimeFigureOut">
               <a:rPr lang="en-US" smtClean="0"/>
               <a:pPr algn="r" eaLnBrk="1" latinLnBrk="0" hangingPunct="1"/>
-              <a:t>23/8/2015</a:t>
+              <a:t>24/8/2015</a:t>
             </a:fld>
             <a:endParaRPr lang="en-US"/>
           </a:p>
@@ -6982,7 +7035,7 @@
             <a:fld id="{E6F9B8CD-342D-4579-98EC-A8FD6B7370E1}" type="datetimeFigureOut">
               <a:rPr lang="en-US" smtClean="0"/>
               <a:pPr algn="r" eaLnBrk="1" latinLnBrk="0" hangingPunct="1"/>
-              <a:t>23/8/2015</a:t>
+              <a:t>24/8/2015</a:t>
             </a:fld>
             <a:endParaRPr lang="en-US" dirty="0">
               <a:solidFill>
@@ -7952,11 +8005,7 @@
             </a:pPr>
             <a:r>
               <a:rPr lang="en-US" sz="1800" dirty="0" smtClean="0"/>
-              <a:t>Building great products depends on great </a:t>
-            </a:r>
-            <a:r>
-              <a:rPr lang="en-US" sz="1800" dirty="0" smtClean="0"/>
-              <a:t>people.</a:t>
+              <a:t>Building great products depends on great people.</a:t>
             </a:r>
           </a:p>
           <a:p>
@@ -7965,15 +8014,7 @@
             </a:pPr>
             <a:r>
               <a:rPr lang="en-US" sz="1800" dirty="0" smtClean="0"/>
-              <a:t>And there </a:t>
-            </a:r>
-            <a:r>
-              <a:rPr lang="en-US" sz="1800" dirty="0" smtClean="0"/>
-              <a:t>are more than 40,000 </a:t>
-            </a:r>
-            <a:r>
-              <a:rPr lang="en-US" sz="1800" dirty="0" smtClean="0"/>
-              <a:t>“</a:t>
+              <a:t>And there are more than 40,000 “</a:t>
             </a:r>
             <a:r>
               <a:rPr lang="en-US" sz="1800" dirty="0" err="1" smtClean="0"/>
@@ -7981,23 +8022,7 @@
             </a:r>
             <a:r>
               <a:rPr lang="en-US" sz="1800" dirty="0" smtClean="0"/>
-              <a:t>” behind </a:t>
-            </a:r>
-            <a:r>
-              <a:rPr lang="en-US" sz="1800" dirty="0" smtClean="0"/>
-              <a:t>the tools that </a:t>
-            </a:r>
-            <a:r>
-              <a:rPr lang="en-US" sz="1800" dirty="0" smtClean="0"/>
-              <a:t>we use </a:t>
-            </a:r>
-            <a:r>
-              <a:rPr lang="en-US" sz="1800" dirty="0" smtClean="0"/>
-              <a:t>every </a:t>
-            </a:r>
-            <a:r>
-              <a:rPr lang="en-US" sz="1800" dirty="0" smtClean="0"/>
-              <a:t>day…</a:t>
+              <a:t>” behind the tools that we use every day…</a:t>
             </a:r>
           </a:p>
           <a:p>
@@ -8046,8 +8071,10 @@
                   </a:schemeClr>
                 </a:solidFill>
               </a:rPr>
-              <a:t>Believes </a:t>
-            </a:r>
+              <a:t>Believes that treating people well is more important than making a lot of money.</a:t>
+            </a:r>
+          </a:p>
+          <a:p>
             <a:r>
               <a:rPr lang="en-US" sz="1800" dirty="0" smtClean="0">
                 <a:solidFill>
@@ -8057,8 +8084,10 @@
                   </a:schemeClr>
                 </a:solidFill>
               </a:rPr>
-              <a:t>that treating people well is more important than making a lot of money</a:t>
-            </a:r>
+              <a:t>Employees' ideas are very important.</a:t>
+            </a:r>
+          </a:p>
+          <a:p>
             <a:r>
               <a:rPr lang="en-US" sz="1800" dirty="0" smtClean="0">
                 <a:solidFill>
@@ -8068,7 +8097,7 @@
                   </a:schemeClr>
                 </a:solidFill>
               </a:rPr>
-              <a:t>.</a:t>
+              <a:t>Google offers a unique program called "The 20% project“</a:t>
             </a:r>
           </a:p>
           <a:p>
@@ -8081,10 +8110,10 @@
                   </a:schemeClr>
                 </a:solidFill>
               </a:rPr>
-              <a:t>Employees</a:t>
-            </a:r>
-            <a:r>
-              <a:rPr lang="en-US" sz="1800" dirty="0" smtClean="0">
+              <a:t>By Google “TGIC” </a:t>
+            </a:r>
+            <a:r>
+              <a:rPr lang="en-US" sz="1800" dirty="0" err="1" smtClean="0">
                 <a:solidFill>
                   <a:schemeClr val="tx1">
                     <a:lumMod val="85000"/>
@@ -8092,7 +8121,7 @@
                   </a:schemeClr>
                 </a:solidFill>
               </a:rPr>
-              <a:t>' ideas </a:t>
+              <a:t>QandA</a:t>
             </a:r>
             <a:r>
               <a:rPr lang="en-US" sz="1800" dirty="0" smtClean="0">
@@ -8103,10 +8132,10 @@
                   </a:schemeClr>
                 </a:solidFill>
               </a:rPr>
-              <a:t>are </a:t>
-            </a:r>
-            <a:r>
-              <a:rPr lang="en-US" sz="1800" dirty="0" smtClean="0">
+              <a:t> program </a:t>
+            </a:r>
+            <a:r>
+              <a:rPr lang="en-US" sz="1800" dirty="0" err="1" smtClean="0">
                 <a:solidFill>
                   <a:schemeClr val="tx1">
                     <a:lumMod val="85000"/>
@@ -8114,7 +8143,7 @@
                   </a:schemeClr>
                 </a:solidFill>
               </a:rPr>
-              <a:t>very </a:t>
+              <a:t>Googlers</a:t>
             </a:r>
             <a:r>
               <a:rPr lang="en-US" sz="1800" dirty="0" smtClean="0">
@@ -8125,99 +8154,7 @@
                   </a:schemeClr>
                 </a:solidFill>
               </a:rPr>
-              <a:t>important.</a:t>
-            </a:r>
-          </a:p>
-          <a:p>
-            <a:r>
-              <a:rPr lang="en-US" sz="1800" dirty="0" smtClean="0">
-                <a:solidFill>
-                  <a:schemeClr val="tx1">
-                    <a:lumMod val="85000"/>
-                    <a:lumOff val="15000"/>
-                  </a:schemeClr>
-                </a:solidFill>
-              </a:rPr>
-              <a:t>Google offers a unique program called "The 20% </a:t>
-            </a:r>
-            <a:r>
-              <a:rPr lang="en-US" sz="1800" dirty="0" smtClean="0">
-                <a:solidFill>
-                  <a:schemeClr val="tx1">
-                    <a:lumMod val="85000"/>
-                    <a:lumOff val="15000"/>
-                  </a:schemeClr>
-                </a:solidFill>
-              </a:rPr>
-              <a:t>project“</a:t>
-            </a:r>
-          </a:p>
-          <a:p>
-            <a:r>
-              <a:rPr lang="en-US" sz="1800" dirty="0" smtClean="0">
-                <a:solidFill>
-                  <a:schemeClr val="tx1">
-                    <a:lumMod val="85000"/>
-                    <a:lumOff val="15000"/>
-                  </a:schemeClr>
-                </a:solidFill>
-              </a:rPr>
-              <a:t>By Google “TGIC” </a:t>
-            </a:r>
-            <a:r>
-              <a:rPr lang="en-US" sz="1800" dirty="0" err="1" smtClean="0">
-                <a:solidFill>
-                  <a:schemeClr val="tx1">
-                    <a:lumMod val="85000"/>
-                    <a:lumOff val="15000"/>
-                  </a:schemeClr>
-                </a:solidFill>
-              </a:rPr>
-              <a:t>QandA</a:t>
-            </a:r>
-            <a:r>
-              <a:rPr lang="en-US" sz="1800" dirty="0" smtClean="0">
-                <a:solidFill>
-                  <a:schemeClr val="tx1">
-                    <a:lumMod val="85000"/>
-                    <a:lumOff val="15000"/>
-                  </a:schemeClr>
-                </a:solidFill>
-              </a:rPr>
-              <a:t> program </a:t>
-            </a:r>
-            <a:r>
-              <a:rPr lang="en-US" sz="1800" dirty="0" err="1" smtClean="0">
-                <a:solidFill>
-                  <a:schemeClr val="tx1">
-                    <a:lumMod val="85000"/>
-                    <a:lumOff val="15000"/>
-                  </a:schemeClr>
-                </a:solidFill>
-              </a:rPr>
-              <a:t>Googlers</a:t>
-            </a:r>
-            <a:r>
-              <a:rPr lang="en-US" sz="1800" dirty="0" smtClean="0">
-                <a:solidFill>
-                  <a:schemeClr val="tx1">
-                    <a:lumMod val="85000"/>
-                    <a:lumOff val="15000"/>
-                  </a:schemeClr>
-                </a:solidFill>
-              </a:rPr>
-              <a:t> ask questions directly to Larry, Sergey and other execs about any number of company </a:t>
-            </a:r>
-            <a:r>
-              <a:rPr lang="en-US" sz="1800" dirty="0" smtClean="0">
-                <a:solidFill>
-                  <a:schemeClr val="tx1">
-                    <a:lumMod val="85000"/>
-                    <a:lumOff val="15000"/>
-                  </a:schemeClr>
-                </a:solidFill>
-              </a:rPr>
-              <a:t>issues.</a:t>
+              <a:t> ask questions directly to Larry, Sergey and other execs about any number of company issues.</a:t>
             </a:r>
           </a:p>
           <a:p>
@@ -8588,15 +8525,7 @@
             </a:pPr>
             <a:r>
               <a:rPr lang="en-US" sz="1800" dirty="0" smtClean="0"/>
-              <a:t>Google wrote these </a:t>
-            </a:r>
-            <a:r>
-              <a:rPr lang="en-US" sz="1800" dirty="0" smtClean="0"/>
-              <a:t>“10 things” when Google was just a few years </a:t>
-            </a:r>
-            <a:r>
-              <a:rPr lang="en-US" sz="1800" dirty="0" smtClean="0"/>
-              <a:t>old. Google still following it.</a:t>
+              <a:t>Google wrote these “10 things” when Google was just a few years old. Google still following it.</a:t>
             </a:r>
             <a:endParaRPr lang="en-US" sz="1800" dirty="0" smtClean="0">
               <a:solidFill>
@@ -8735,12 +8664,7 @@
             <p:ph type="title"/>
           </p:nvPr>
         </p:nvSpPr>
-        <p:spPr>
-          <a:xfrm>
-            <a:off x="457200" y="274638"/>
-            <a:ext cx="8274908" cy="715962"/>
-          </a:xfrm>
-        </p:spPr>
+        <p:spPr/>
         <p:txBody>
           <a:bodyPr/>
           <a:lstStyle/>
@@ -8804,434 +8728,10 @@
             <a:r>
               <a:rPr lang="en-US" sz="2400" b="1" dirty="0" smtClean="0">
                 <a:solidFill>
-                  <a:srgbClr val="1B79D7"/>
-                </a:solidFill>
-              </a:rPr>
-              <a:t>Evolution</a:t>
-            </a:r>
-            <a:endParaRPr lang="en-US" dirty="0"/>
-          </a:p>
-        </p:txBody>
-      </p:sp>
-      <p:pic>
-        <p:nvPicPr>
-          <p:cNvPr id="5" name="Content Placeholder 4" descr="part1.jpg"/>
-          <p:cNvPicPr>
-            <a:picLocks noGrp="1" noChangeAspect="1"/>
-          </p:cNvPicPr>
-          <p:nvPr>
-            <p:ph sz="quarter" idx="1"/>
-          </p:nvPr>
-        </p:nvPicPr>
-        <p:blipFill>
-          <a:blip r:embed="rId2" cstate="print"/>
-          <a:stretch>
-            <a:fillRect/>
-          </a:stretch>
-        </p:blipFill>
-        <p:spPr>
-          <a:xfrm>
-            <a:off x="228600" y="990600"/>
-            <a:ext cx="8458200" cy="5867400"/>
-          </a:xfrm>
-        </p:spPr>
-      </p:pic>
-    </p:spTree>
-  </p:cSld>
-  <p:clrMapOvr>
-    <a:masterClrMapping/>
-  </p:clrMapOvr>
-  <p:timing>
-    <p:tnLst>
-      <p:par>
-        <p:cTn id="1" dur="indefinite" restart="never" nodeType="tmRoot"/>
-      </p:par>
-    </p:tnLst>
-  </p:timing>
-</p:sld>
-</file>
-
-<file path=ppt/slides/slide15.xml><?xml version="1.0" encoding="utf-8"?>
-<p:sld xmlns:a="http://schemas.openxmlformats.org/drawingml/2006/main" xmlns:r="http://schemas.openxmlformats.org/officeDocument/2006/relationships" xmlns:p="http://schemas.openxmlformats.org/presentationml/2006/main">
-  <p:cSld>
-    <p:spTree>
-      <p:nvGrpSpPr>
-        <p:cNvPr id="1" name=""/>
-        <p:cNvGrpSpPr/>
-        <p:nvPr/>
-      </p:nvGrpSpPr>
-      <p:grpSpPr>
-        <a:xfrm>
-          <a:off x="0" y="0"/>
-          <a:ext cx="0" cy="0"/>
-          <a:chOff x="0" y="0"/>
-          <a:chExt cx="0" cy="0"/>
-        </a:xfrm>
-      </p:grpSpPr>
-      <p:sp>
-        <p:nvSpPr>
-          <p:cNvPr id="11" name="Title 10"/>
-          <p:cNvSpPr>
-            <a:spLocks noGrp="1"/>
-          </p:cNvSpPr>
-          <p:nvPr>
-            <p:ph type="title"/>
-          </p:nvPr>
-        </p:nvSpPr>
-        <p:spPr>
-          <a:xfrm>
-            <a:off x="457200" y="274638"/>
-            <a:ext cx="8274908" cy="715962"/>
-          </a:xfrm>
-        </p:spPr>
-        <p:txBody>
-          <a:bodyPr/>
-          <a:lstStyle/>
-          <a:p>
-            <a:r>
-              <a:rPr lang="en-US" sz="3200" b="1" dirty="0" smtClean="0">
-                <a:solidFill>
-                  <a:schemeClr val="accent2"/>
-                </a:solidFill>
-              </a:rPr>
-              <a:t>G</a:t>
-            </a:r>
-            <a:r>
-              <a:rPr lang="en-US" sz="3200" b="1" dirty="0" smtClean="0">
-                <a:solidFill>
-                  <a:srgbClr val="FF0000"/>
-                </a:solidFill>
-              </a:rPr>
-              <a:t>o</a:t>
-            </a:r>
-            <a:r>
-              <a:rPr lang="en-US" sz="3200" b="1" dirty="0" smtClean="0">
-                <a:solidFill>
-                  <a:srgbClr val="FFF529"/>
-                </a:solidFill>
-              </a:rPr>
-              <a:t>o</a:t>
-            </a:r>
-            <a:r>
-              <a:rPr lang="en-US" sz="3200" b="1" dirty="0" smtClean="0">
-                <a:solidFill>
-                  <a:srgbClr val="1B79D7"/>
-                </a:solidFill>
-              </a:rPr>
-              <a:t>g</a:t>
-            </a:r>
-            <a:r>
-              <a:rPr lang="en-US" sz="3200" b="1" dirty="0" smtClean="0">
-                <a:solidFill>
-                  <a:srgbClr val="009900"/>
-                </a:solidFill>
-              </a:rPr>
-              <a:t>l</a:t>
-            </a:r>
-            <a:r>
-              <a:rPr lang="en-US" sz="3200" b="1" dirty="0" smtClean="0">
-                <a:solidFill>
-                  <a:srgbClr val="ED483D"/>
-                </a:solidFill>
-              </a:rPr>
-              <a:t>e</a:t>
-            </a:r>
-            <a:r>
-              <a:rPr lang="en-US" sz="3200" b="1" dirty="0" smtClean="0">
-                <a:solidFill>
-                  <a:schemeClr val="accent1"/>
-                </a:solidFill>
-              </a:rPr>
-              <a:t> </a:t>
-            </a:r>
-            <a:r>
-              <a:rPr lang="en-US" sz="2400" b="1" dirty="0" smtClean="0">
-                <a:solidFill>
-                  <a:srgbClr val="1B79D7"/>
-                </a:solidFill>
-              </a:rPr>
-              <a:t>Evolution</a:t>
-            </a:r>
-            <a:endParaRPr lang="en-US" dirty="0"/>
-          </a:p>
-        </p:txBody>
-      </p:sp>
-      <p:pic>
-        <p:nvPicPr>
-          <p:cNvPr id="5" name="Content Placeholder 4" descr="part2.jpg"/>
-          <p:cNvPicPr>
-            <a:picLocks noGrp="1" noChangeAspect="1"/>
-          </p:cNvPicPr>
-          <p:nvPr>
-            <p:ph sz="quarter" idx="1"/>
-          </p:nvPr>
-        </p:nvPicPr>
-        <p:blipFill>
-          <a:blip r:embed="rId2" cstate="print"/>
-          <a:stretch>
-            <a:fillRect/>
-          </a:stretch>
-        </p:blipFill>
-        <p:spPr>
-          <a:xfrm>
-            <a:off x="152400" y="914400"/>
-            <a:ext cx="8686800" cy="5943599"/>
-          </a:xfrm>
-        </p:spPr>
-      </p:pic>
-    </p:spTree>
-  </p:cSld>
-  <p:clrMapOvr>
-    <a:masterClrMapping/>
-  </p:clrMapOvr>
-  <p:timing>
-    <p:tnLst>
-      <p:par>
-        <p:cTn id="1" dur="indefinite" restart="never" nodeType="tmRoot"/>
-      </p:par>
-    </p:tnLst>
-  </p:timing>
-</p:sld>
-</file>
-
-<file path=ppt/slides/slide16.xml><?xml version="1.0" encoding="utf-8"?>
-<p:sld xmlns:a="http://schemas.openxmlformats.org/drawingml/2006/main" xmlns:r="http://schemas.openxmlformats.org/officeDocument/2006/relationships" xmlns:p="http://schemas.openxmlformats.org/presentationml/2006/main">
-  <p:cSld>
-    <p:spTree>
-      <p:nvGrpSpPr>
-        <p:cNvPr id="1" name=""/>
-        <p:cNvGrpSpPr/>
-        <p:nvPr/>
-      </p:nvGrpSpPr>
-      <p:grpSpPr>
-        <a:xfrm>
-          <a:off x="0" y="0"/>
-          <a:ext cx="0" cy="0"/>
-          <a:chOff x="0" y="0"/>
-          <a:chExt cx="0" cy="0"/>
-        </a:xfrm>
-      </p:grpSpPr>
-      <p:sp>
-        <p:nvSpPr>
-          <p:cNvPr id="11" name="Title 10"/>
-          <p:cNvSpPr>
-            <a:spLocks noGrp="1"/>
-          </p:cNvSpPr>
-          <p:nvPr>
-            <p:ph type="title"/>
-          </p:nvPr>
-        </p:nvSpPr>
-        <p:spPr>
-          <a:xfrm>
-            <a:off x="457200" y="274638"/>
-            <a:ext cx="8274908" cy="715962"/>
-          </a:xfrm>
-        </p:spPr>
-        <p:txBody>
-          <a:bodyPr/>
-          <a:lstStyle/>
-          <a:p>
-            <a:r>
-              <a:rPr lang="en-US" sz="3200" b="1" dirty="0" smtClean="0">
-                <a:solidFill>
-                  <a:schemeClr val="accent2"/>
-                </a:solidFill>
-              </a:rPr>
-              <a:t>G</a:t>
-            </a:r>
-            <a:r>
-              <a:rPr lang="en-US" sz="3200" b="1" dirty="0" smtClean="0">
-                <a:solidFill>
-                  <a:srgbClr val="FF0000"/>
-                </a:solidFill>
-              </a:rPr>
-              <a:t>o</a:t>
-            </a:r>
-            <a:r>
-              <a:rPr lang="en-US" sz="3200" b="1" dirty="0" smtClean="0">
-                <a:solidFill>
-                  <a:srgbClr val="FFF529"/>
-                </a:solidFill>
-              </a:rPr>
-              <a:t>o</a:t>
-            </a:r>
-            <a:r>
-              <a:rPr lang="en-US" sz="3200" b="1" dirty="0" smtClean="0">
-                <a:solidFill>
-                  <a:srgbClr val="1B79D7"/>
-                </a:solidFill>
-              </a:rPr>
-              <a:t>g</a:t>
-            </a:r>
-            <a:r>
-              <a:rPr lang="en-US" sz="3200" b="1" dirty="0" smtClean="0">
-                <a:solidFill>
-                  <a:srgbClr val="009900"/>
-                </a:solidFill>
-              </a:rPr>
-              <a:t>l</a:t>
-            </a:r>
-            <a:r>
-              <a:rPr lang="en-US" sz="3200" b="1" dirty="0" smtClean="0">
-                <a:solidFill>
-                  <a:srgbClr val="ED483D"/>
-                </a:solidFill>
-              </a:rPr>
-              <a:t>e</a:t>
-            </a:r>
-            <a:r>
-              <a:rPr lang="en-US" sz="3200" b="1" dirty="0" smtClean="0">
-                <a:solidFill>
-                  <a:schemeClr val="accent1"/>
-                </a:solidFill>
-              </a:rPr>
-              <a:t> </a:t>
-            </a:r>
-            <a:r>
-              <a:rPr lang="en-US" sz="2400" b="1" dirty="0" smtClean="0">
-                <a:solidFill>
-                  <a:srgbClr val="1B79D7"/>
-                </a:solidFill>
-              </a:rPr>
-              <a:t>Evolution</a:t>
-            </a:r>
-            <a:endParaRPr lang="en-US" dirty="0"/>
-          </a:p>
-        </p:txBody>
-      </p:sp>
-      <p:pic>
-        <p:nvPicPr>
-          <p:cNvPr id="5" name="Content Placeholder 4" descr="part3.jpg"/>
-          <p:cNvPicPr>
-            <a:picLocks noGrp="1" noChangeAspect="1"/>
-          </p:cNvPicPr>
-          <p:nvPr>
-            <p:ph sz="quarter" idx="1"/>
-          </p:nvPr>
-        </p:nvPicPr>
-        <p:blipFill>
-          <a:blip r:embed="rId2"/>
-          <a:stretch>
-            <a:fillRect/>
-          </a:stretch>
-        </p:blipFill>
-        <p:spPr>
-          <a:xfrm>
-            <a:off x="228600" y="914400"/>
-            <a:ext cx="8534400" cy="5943600"/>
-          </a:xfrm>
-        </p:spPr>
-      </p:pic>
-    </p:spTree>
-  </p:cSld>
-  <p:clrMapOvr>
-    <a:masterClrMapping/>
-  </p:clrMapOvr>
-  <p:timing>
-    <p:tnLst>
-      <p:par>
-        <p:cTn id="1" dur="indefinite" restart="never" nodeType="tmRoot"/>
-      </p:par>
-    </p:tnLst>
-  </p:timing>
-</p:sld>
-</file>
-
-<file path=ppt/slides/slide17.xml><?xml version="1.0" encoding="utf-8"?>
-<p:sld xmlns:a="http://schemas.openxmlformats.org/drawingml/2006/main" xmlns:r="http://schemas.openxmlformats.org/officeDocument/2006/relationships" xmlns:p="http://schemas.openxmlformats.org/presentationml/2006/main">
-  <p:cSld>
-    <p:spTree>
-      <p:nvGrpSpPr>
-        <p:cNvPr id="1" name=""/>
-        <p:cNvGrpSpPr/>
-        <p:nvPr/>
-      </p:nvGrpSpPr>
-      <p:grpSpPr>
-        <a:xfrm>
-          <a:off x="0" y="0"/>
-          <a:ext cx="0" cy="0"/>
-          <a:chOff x="0" y="0"/>
-          <a:chExt cx="0" cy="0"/>
-        </a:xfrm>
-      </p:grpSpPr>
-      <p:sp>
-        <p:nvSpPr>
-          <p:cNvPr id="11" name="Title 10"/>
-          <p:cNvSpPr>
-            <a:spLocks noGrp="1"/>
-          </p:cNvSpPr>
-          <p:nvPr>
-            <p:ph type="title"/>
-          </p:nvPr>
-        </p:nvSpPr>
-        <p:spPr/>
-        <p:txBody>
-          <a:bodyPr/>
-          <a:lstStyle/>
-          <a:p>
-            <a:r>
-              <a:rPr lang="en-US" sz="3200" b="1" dirty="0" smtClean="0">
-                <a:solidFill>
-                  <a:schemeClr val="accent2"/>
-                </a:solidFill>
-              </a:rPr>
-              <a:t>G</a:t>
-            </a:r>
-            <a:r>
-              <a:rPr lang="en-US" sz="3200" b="1" dirty="0" smtClean="0">
-                <a:solidFill>
-                  <a:srgbClr val="FF0000"/>
-                </a:solidFill>
-              </a:rPr>
-              <a:t>o</a:t>
-            </a:r>
-            <a:r>
-              <a:rPr lang="en-US" sz="3200" b="1" dirty="0" smtClean="0">
-                <a:solidFill>
-                  <a:srgbClr val="FFF529"/>
-                </a:solidFill>
-              </a:rPr>
-              <a:t>o</a:t>
-            </a:r>
-            <a:r>
-              <a:rPr lang="en-US" sz="3200" b="1" dirty="0" smtClean="0">
-                <a:solidFill>
-                  <a:srgbClr val="1B79D7"/>
-                </a:solidFill>
-              </a:rPr>
-              <a:t>g</a:t>
-            </a:r>
-            <a:r>
-              <a:rPr lang="en-US" sz="3200" b="1" dirty="0" smtClean="0">
-                <a:solidFill>
-                  <a:srgbClr val="009900"/>
-                </a:solidFill>
-              </a:rPr>
-              <a:t>l</a:t>
-            </a:r>
-            <a:r>
-              <a:rPr lang="en-US" sz="3200" b="1" dirty="0" smtClean="0">
-                <a:solidFill>
-                  <a:srgbClr val="ED483D"/>
-                </a:solidFill>
-              </a:rPr>
-              <a:t>e</a:t>
-            </a:r>
-            <a:r>
-              <a:rPr lang="en-US" sz="3200" b="1" dirty="0" smtClean="0">
-                <a:solidFill>
-                  <a:schemeClr val="accent1"/>
-                </a:solidFill>
-              </a:rPr>
-              <a:t> </a:t>
-            </a:r>
-            <a:r>
-              <a:rPr lang="en-US" sz="2400" b="1" dirty="0" smtClean="0">
-                <a:solidFill>
-                  <a:schemeClr val="accent2"/>
-                </a:solidFill>
-              </a:rPr>
-              <a:t>Mission</a:t>
+                  <a:srgbClr val="1F74DB"/>
+                </a:solidFill>
+              </a:rPr>
+              <a:t>What we do?</a:t>
             </a:r>
             <a:r>
               <a:rPr lang="en-US" sz="3200" b="1" dirty="0" smtClean="0">
@@ -9291,9 +8791,17 @@
             <a:pPr>
               <a:buNone/>
             </a:pPr>
-            <a:endParaRPr lang="en-US" sz="3600" b="1" dirty="0" smtClean="0">
+            <a:r>
+              <a:rPr lang="en-US" sz="2000" b="1" dirty="0" smtClean="0">
+                <a:solidFill>
+                  <a:srgbClr val="1F74DB"/>
+                </a:solidFill>
+              </a:rPr>
+              <a:t>Google Mission:</a:t>
+            </a:r>
+            <a:endParaRPr lang="en-US" sz="2000" b="1" dirty="0" smtClean="0">
               <a:solidFill>
-                <a:schemeClr val="accent2"/>
+                <a:srgbClr val="1F74DB"/>
               </a:solidFill>
             </a:endParaRPr>
           </a:p>
@@ -9667,7 +9175,7 @@
 </p:sld>
 </file>
 
-<file path=ppt/slides/slide18.xml><?xml version="1.0" encoding="utf-8"?>
+<file path=ppt/slides/slide15.xml><?xml version="1.0" encoding="utf-8"?>
 <p:sld xmlns:a="http://schemas.openxmlformats.org/drawingml/2006/main" xmlns:r="http://schemas.openxmlformats.org/officeDocument/2006/relationships" xmlns:p="http://schemas.openxmlformats.org/presentationml/2006/main">
   <p:cSld>
     <p:spTree>
@@ -10485,6 +9993,435 @@
 </p:sld>
 </file>
 
+<file path=ppt/slides/slide16.xml><?xml version="1.0" encoding="utf-8"?>
+<p:sld xmlns:a="http://schemas.openxmlformats.org/drawingml/2006/main" xmlns:r="http://schemas.openxmlformats.org/officeDocument/2006/relationships" xmlns:p="http://schemas.openxmlformats.org/presentationml/2006/main">
+  <p:cSld>
+    <p:spTree>
+      <p:nvGrpSpPr>
+        <p:cNvPr id="1" name=""/>
+        <p:cNvGrpSpPr/>
+        <p:nvPr/>
+      </p:nvGrpSpPr>
+      <p:grpSpPr>
+        <a:xfrm>
+          <a:off x="0" y="0"/>
+          <a:ext cx="0" cy="0"/>
+          <a:chOff x="0" y="0"/>
+          <a:chExt cx="0" cy="0"/>
+        </a:xfrm>
+      </p:grpSpPr>
+      <p:sp>
+        <p:nvSpPr>
+          <p:cNvPr id="11" name="Title 10"/>
+          <p:cNvSpPr>
+            <a:spLocks noGrp="1"/>
+          </p:cNvSpPr>
+          <p:nvPr>
+            <p:ph type="title"/>
+          </p:nvPr>
+        </p:nvSpPr>
+        <p:spPr>
+          <a:xfrm>
+            <a:off x="457200" y="274638"/>
+            <a:ext cx="8274908" cy="715962"/>
+          </a:xfrm>
+        </p:spPr>
+        <p:txBody>
+          <a:bodyPr/>
+          <a:lstStyle/>
+          <a:p>
+            <a:r>
+              <a:rPr lang="en-US" sz="3200" b="1" dirty="0" smtClean="0">
+                <a:solidFill>
+                  <a:schemeClr val="accent2"/>
+                </a:solidFill>
+              </a:rPr>
+              <a:t>G</a:t>
+            </a:r>
+            <a:r>
+              <a:rPr lang="en-US" sz="3200" b="1" dirty="0" smtClean="0">
+                <a:solidFill>
+                  <a:srgbClr val="FF0000"/>
+                </a:solidFill>
+              </a:rPr>
+              <a:t>o</a:t>
+            </a:r>
+            <a:r>
+              <a:rPr lang="en-US" sz="3200" b="1" dirty="0" smtClean="0">
+                <a:solidFill>
+                  <a:srgbClr val="FFF529"/>
+                </a:solidFill>
+              </a:rPr>
+              <a:t>o</a:t>
+            </a:r>
+            <a:r>
+              <a:rPr lang="en-US" sz="3200" b="1" dirty="0" smtClean="0">
+                <a:solidFill>
+                  <a:srgbClr val="1B79D7"/>
+                </a:solidFill>
+              </a:rPr>
+              <a:t>g</a:t>
+            </a:r>
+            <a:r>
+              <a:rPr lang="en-US" sz="3200" b="1" dirty="0" smtClean="0">
+                <a:solidFill>
+                  <a:srgbClr val="009900"/>
+                </a:solidFill>
+              </a:rPr>
+              <a:t>l</a:t>
+            </a:r>
+            <a:r>
+              <a:rPr lang="en-US" sz="3200" b="1" dirty="0" smtClean="0">
+                <a:solidFill>
+                  <a:srgbClr val="ED483D"/>
+                </a:solidFill>
+              </a:rPr>
+              <a:t>e</a:t>
+            </a:r>
+            <a:r>
+              <a:rPr lang="en-US" sz="3200" b="1" dirty="0" smtClean="0">
+                <a:solidFill>
+                  <a:schemeClr val="accent1"/>
+                </a:solidFill>
+              </a:rPr>
+              <a:t> </a:t>
+            </a:r>
+            <a:r>
+              <a:rPr lang="en-US" sz="2400" b="1" dirty="0" smtClean="0">
+                <a:solidFill>
+                  <a:srgbClr val="1B79D7"/>
+                </a:solidFill>
+              </a:rPr>
+              <a:t>Evolution</a:t>
+            </a:r>
+            <a:endParaRPr lang="en-US" dirty="0"/>
+          </a:p>
+        </p:txBody>
+      </p:sp>
+      <p:pic>
+        <p:nvPicPr>
+          <p:cNvPr id="5" name="Content Placeholder 4" descr="part1.jpg"/>
+          <p:cNvPicPr>
+            <a:picLocks noGrp="1" noChangeAspect="1"/>
+          </p:cNvPicPr>
+          <p:nvPr>
+            <p:ph sz="quarter" idx="1"/>
+          </p:nvPr>
+        </p:nvPicPr>
+        <p:blipFill>
+          <a:blip r:embed="rId2" cstate="print"/>
+          <a:stretch>
+            <a:fillRect/>
+          </a:stretch>
+        </p:blipFill>
+        <p:spPr>
+          <a:xfrm>
+            <a:off x="228600" y="990600"/>
+            <a:ext cx="8458200" cy="5867400"/>
+          </a:xfrm>
+        </p:spPr>
+      </p:pic>
+    </p:spTree>
+  </p:cSld>
+  <p:clrMapOvr>
+    <a:masterClrMapping/>
+  </p:clrMapOvr>
+  <p:timing>
+    <p:tnLst>
+      <p:par>
+        <p:cTn id="1" dur="indefinite" restart="never" nodeType="tmRoot"/>
+      </p:par>
+    </p:tnLst>
+  </p:timing>
+</p:sld>
+</file>
+
+<file path=ppt/slides/slide17.xml><?xml version="1.0" encoding="utf-8"?>
+<p:sld xmlns:a="http://schemas.openxmlformats.org/drawingml/2006/main" xmlns:r="http://schemas.openxmlformats.org/officeDocument/2006/relationships" xmlns:p="http://schemas.openxmlformats.org/presentationml/2006/main">
+  <p:cSld>
+    <p:spTree>
+      <p:nvGrpSpPr>
+        <p:cNvPr id="1" name=""/>
+        <p:cNvGrpSpPr/>
+        <p:nvPr/>
+      </p:nvGrpSpPr>
+      <p:grpSpPr>
+        <a:xfrm>
+          <a:off x="0" y="0"/>
+          <a:ext cx="0" cy="0"/>
+          <a:chOff x="0" y="0"/>
+          <a:chExt cx="0" cy="0"/>
+        </a:xfrm>
+      </p:grpSpPr>
+      <p:sp>
+        <p:nvSpPr>
+          <p:cNvPr id="11" name="Title 10"/>
+          <p:cNvSpPr>
+            <a:spLocks noGrp="1"/>
+          </p:cNvSpPr>
+          <p:nvPr>
+            <p:ph type="title"/>
+          </p:nvPr>
+        </p:nvSpPr>
+        <p:spPr>
+          <a:xfrm>
+            <a:off x="457200" y="274638"/>
+            <a:ext cx="8274908" cy="715962"/>
+          </a:xfrm>
+        </p:spPr>
+        <p:txBody>
+          <a:bodyPr/>
+          <a:lstStyle/>
+          <a:p>
+            <a:r>
+              <a:rPr lang="en-US" sz="3200" b="1" dirty="0" smtClean="0">
+                <a:solidFill>
+                  <a:schemeClr val="accent2"/>
+                </a:solidFill>
+              </a:rPr>
+              <a:t>G</a:t>
+            </a:r>
+            <a:r>
+              <a:rPr lang="en-US" sz="3200" b="1" dirty="0" smtClean="0">
+                <a:solidFill>
+                  <a:srgbClr val="FF0000"/>
+                </a:solidFill>
+              </a:rPr>
+              <a:t>o</a:t>
+            </a:r>
+            <a:r>
+              <a:rPr lang="en-US" sz="3200" b="1" dirty="0" smtClean="0">
+                <a:solidFill>
+                  <a:srgbClr val="FFF529"/>
+                </a:solidFill>
+              </a:rPr>
+              <a:t>o</a:t>
+            </a:r>
+            <a:r>
+              <a:rPr lang="en-US" sz="3200" b="1" dirty="0" smtClean="0">
+                <a:solidFill>
+                  <a:srgbClr val="1B79D7"/>
+                </a:solidFill>
+              </a:rPr>
+              <a:t>g</a:t>
+            </a:r>
+            <a:r>
+              <a:rPr lang="en-US" sz="3200" b="1" dirty="0" smtClean="0">
+                <a:solidFill>
+                  <a:srgbClr val="009900"/>
+                </a:solidFill>
+              </a:rPr>
+              <a:t>l</a:t>
+            </a:r>
+            <a:r>
+              <a:rPr lang="en-US" sz="3200" b="1" dirty="0" smtClean="0">
+                <a:solidFill>
+                  <a:srgbClr val="ED483D"/>
+                </a:solidFill>
+              </a:rPr>
+              <a:t>e</a:t>
+            </a:r>
+            <a:r>
+              <a:rPr lang="en-US" sz="3200" b="1" dirty="0" smtClean="0">
+                <a:solidFill>
+                  <a:schemeClr val="accent1"/>
+                </a:solidFill>
+              </a:rPr>
+              <a:t> </a:t>
+            </a:r>
+            <a:r>
+              <a:rPr lang="en-US" sz="2400" b="1" dirty="0" smtClean="0">
+                <a:solidFill>
+                  <a:srgbClr val="1B79D7"/>
+                </a:solidFill>
+              </a:rPr>
+              <a:t>Evolution</a:t>
+            </a:r>
+            <a:endParaRPr lang="en-US" dirty="0"/>
+          </a:p>
+        </p:txBody>
+      </p:sp>
+      <p:pic>
+        <p:nvPicPr>
+          <p:cNvPr id="5" name="Content Placeholder 4" descr="part2.jpg"/>
+          <p:cNvPicPr>
+            <a:picLocks noGrp="1" noChangeAspect="1"/>
+          </p:cNvPicPr>
+          <p:nvPr>
+            <p:ph sz="quarter" idx="1"/>
+          </p:nvPr>
+        </p:nvPicPr>
+        <p:blipFill>
+          <a:blip r:embed="rId2" cstate="print"/>
+          <a:stretch>
+            <a:fillRect/>
+          </a:stretch>
+        </p:blipFill>
+        <p:spPr>
+          <a:xfrm>
+            <a:off x="152400" y="914400"/>
+            <a:ext cx="8686800" cy="5943599"/>
+          </a:xfrm>
+        </p:spPr>
+      </p:pic>
+    </p:spTree>
+  </p:cSld>
+  <p:clrMapOvr>
+    <a:masterClrMapping/>
+  </p:clrMapOvr>
+  <p:timing>
+    <p:tnLst>
+      <p:par>
+        <p:cTn id="1" dur="indefinite" restart="never" nodeType="tmRoot"/>
+      </p:par>
+    </p:tnLst>
+  </p:timing>
+</p:sld>
+</file>
+
+<file path=ppt/slides/slide18.xml><?xml version="1.0" encoding="utf-8"?>
+<p:sld xmlns:a="http://schemas.openxmlformats.org/drawingml/2006/main" xmlns:r="http://schemas.openxmlformats.org/officeDocument/2006/relationships" xmlns:p="http://schemas.openxmlformats.org/presentationml/2006/main">
+  <p:cSld>
+    <p:spTree>
+      <p:nvGrpSpPr>
+        <p:cNvPr id="1" name=""/>
+        <p:cNvGrpSpPr/>
+        <p:nvPr/>
+      </p:nvGrpSpPr>
+      <p:grpSpPr>
+        <a:xfrm>
+          <a:off x="0" y="0"/>
+          <a:ext cx="0" cy="0"/>
+          <a:chOff x="0" y="0"/>
+          <a:chExt cx="0" cy="0"/>
+        </a:xfrm>
+      </p:grpSpPr>
+      <p:sp>
+        <p:nvSpPr>
+          <p:cNvPr id="11" name="Title 10"/>
+          <p:cNvSpPr>
+            <a:spLocks noGrp="1"/>
+          </p:cNvSpPr>
+          <p:nvPr>
+            <p:ph type="title"/>
+          </p:nvPr>
+        </p:nvSpPr>
+        <p:spPr>
+          <a:xfrm>
+            <a:off x="457200" y="274638"/>
+            <a:ext cx="8274908" cy="715962"/>
+          </a:xfrm>
+        </p:spPr>
+        <p:txBody>
+          <a:bodyPr/>
+          <a:lstStyle/>
+          <a:p>
+            <a:r>
+              <a:rPr lang="en-US" sz="3200" b="1" dirty="0" smtClean="0">
+                <a:solidFill>
+                  <a:schemeClr val="accent2"/>
+                </a:solidFill>
+              </a:rPr>
+              <a:t>G</a:t>
+            </a:r>
+            <a:r>
+              <a:rPr lang="en-US" sz="3200" b="1" dirty="0" smtClean="0">
+                <a:solidFill>
+                  <a:srgbClr val="FF0000"/>
+                </a:solidFill>
+              </a:rPr>
+              <a:t>o</a:t>
+            </a:r>
+            <a:r>
+              <a:rPr lang="en-US" sz="3200" b="1" dirty="0" smtClean="0">
+                <a:solidFill>
+                  <a:srgbClr val="FFF529"/>
+                </a:solidFill>
+              </a:rPr>
+              <a:t>o</a:t>
+            </a:r>
+            <a:r>
+              <a:rPr lang="en-US" sz="3200" b="1" dirty="0" smtClean="0">
+                <a:solidFill>
+                  <a:srgbClr val="1B79D7"/>
+                </a:solidFill>
+              </a:rPr>
+              <a:t>g</a:t>
+            </a:r>
+            <a:r>
+              <a:rPr lang="en-US" sz="3200" b="1" dirty="0" smtClean="0">
+                <a:solidFill>
+                  <a:srgbClr val="009900"/>
+                </a:solidFill>
+              </a:rPr>
+              <a:t>l</a:t>
+            </a:r>
+            <a:r>
+              <a:rPr lang="en-US" sz="3200" b="1" dirty="0" smtClean="0">
+                <a:solidFill>
+                  <a:srgbClr val="ED483D"/>
+                </a:solidFill>
+              </a:rPr>
+              <a:t>e</a:t>
+            </a:r>
+            <a:r>
+              <a:rPr lang="en-US" sz="3200" b="1" dirty="0" smtClean="0">
+                <a:solidFill>
+                  <a:schemeClr val="accent1"/>
+                </a:solidFill>
+              </a:rPr>
+              <a:t> </a:t>
+            </a:r>
+            <a:r>
+              <a:rPr lang="en-US" sz="2400" b="1" dirty="0" smtClean="0">
+                <a:solidFill>
+                  <a:srgbClr val="1B79D7"/>
+                </a:solidFill>
+              </a:rPr>
+              <a:t>Evolution</a:t>
+            </a:r>
+            <a:endParaRPr lang="en-US" dirty="0"/>
+          </a:p>
+        </p:txBody>
+      </p:sp>
+      <p:pic>
+        <p:nvPicPr>
+          <p:cNvPr id="5" name="Content Placeholder 4" descr="part3.jpg"/>
+          <p:cNvPicPr>
+            <a:picLocks noGrp="1" noChangeAspect="1"/>
+          </p:cNvPicPr>
+          <p:nvPr>
+            <p:ph sz="quarter" idx="1"/>
+          </p:nvPr>
+        </p:nvPicPr>
+        <p:blipFill>
+          <a:blip r:embed="rId2"/>
+          <a:stretch>
+            <a:fillRect/>
+          </a:stretch>
+        </p:blipFill>
+        <p:spPr>
+          <a:xfrm>
+            <a:off x="228600" y="914400"/>
+            <a:ext cx="8534400" cy="5943600"/>
+          </a:xfrm>
+        </p:spPr>
+      </p:pic>
+    </p:spTree>
+  </p:cSld>
+  <p:clrMapOvr>
+    <a:masterClrMapping/>
+  </p:clrMapOvr>
+  <p:timing>
+    <p:tnLst>
+      <p:par>
+        <p:cTn id="1" dur="indefinite" restart="never" nodeType="tmRoot"/>
+      </p:par>
+    </p:tnLst>
+  </p:timing>
+</p:sld>
+</file>
+
 <file path=ppt/slides/slide19.xml><?xml version="1.0" encoding="utf-8"?>
 <p:sld xmlns:a="http://schemas.openxmlformats.org/drawingml/2006/main" xmlns:r="http://schemas.openxmlformats.org/officeDocument/2006/relationships" xmlns:p="http://schemas.openxmlformats.org/presentationml/2006/main">
   <p:cSld>
@@ -11559,553 +11496,6 @@
 </p:sld>
 </file>
 
-<file path=ppt/slides/slide21.xml><?xml version="1.0" encoding="utf-8"?>
-<p:sld xmlns:a="http://schemas.openxmlformats.org/drawingml/2006/main" xmlns:r="http://schemas.openxmlformats.org/officeDocument/2006/relationships" xmlns:p="http://schemas.openxmlformats.org/presentationml/2006/main">
-  <p:cSld>
-    <p:spTree>
-      <p:nvGrpSpPr>
-        <p:cNvPr id="1" name=""/>
-        <p:cNvGrpSpPr/>
-        <p:nvPr/>
-      </p:nvGrpSpPr>
-      <p:grpSpPr>
-        <a:xfrm>
-          <a:off x="0" y="0"/>
-          <a:ext cx="0" cy="0"/>
-          <a:chOff x="0" y="0"/>
-          <a:chExt cx="0" cy="0"/>
-        </a:xfrm>
-      </p:grpSpPr>
-      <p:sp>
-        <p:nvSpPr>
-          <p:cNvPr id="2" name="Title 1"/>
-          <p:cNvSpPr>
-            <a:spLocks noGrp="1"/>
-          </p:cNvSpPr>
-          <p:nvPr>
-            <p:ph type="ctrTitle"/>
-          </p:nvPr>
-        </p:nvSpPr>
-        <p:spPr>
-          <a:xfrm>
-            <a:off x="2286000" y="1676400"/>
-            <a:ext cx="6172200" cy="1894362"/>
-          </a:xfrm>
-        </p:spPr>
-        <p:txBody>
-          <a:bodyPr/>
-          <a:lstStyle/>
-          <a:p>
-            <a:r>
-              <a:rPr lang="en-US" dirty="0" smtClean="0"/>
-              <a:t>                          Work Culture</a:t>
-            </a:r>
-            <a:r>
-              <a:rPr lang="en-US" dirty="0" smtClean="0"/>
-              <a:t>                        </a:t>
-            </a:r>
-            <a:endParaRPr lang="en-US" dirty="0"/>
-          </a:p>
-        </p:txBody>
-      </p:sp>
-      <p:sp>
-        <p:nvSpPr>
-          <p:cNvPr id="3" name="Subtitle 2"/>
-          <p:cNvSpPr>
-            <a:spLocks noGrp="1"/>
-          </p:cNvSpPr>
-          <p:nvPr>
-            <p:ph type="subTitle" idx="1"/>
-          </p:nvPr>
-        </p:nvSpPr>
-        <p:spPr>
-          <a:xfrm>
-            <a:off x="2286000" y="3555522"/>
-            <a:ext cx="6172200" cy="1371600"/>
-          </a:xfrm>
-        </p:spPr>
-        <p:txBody>
-          <a:bodyPr/>
-          <a:lstStyle/>
-          <a:p>
-            <a:endParaRPr lang="en-US" dirty="0"/>
-          </a:p>
-        </p:txBody>
-      </p:sp>
-      <p:pic>
-        <p:nvPicPr>
-          <p:cNvPr id="4" name="Picture 3" descr="logo11w.png"/>
-          <p:cNvPicPr>
-            <a:picLocks noChangeAspect="1"/>
-          </p:cNvPicPr>
-          <p:nvPr/>
-        </p:nvPicPr>
-        <p:blipFill>
-          <a:blip r:embed="rId2"/>
-          <a:stretch>
-            <a:fillRect/>
-          </a:stretch>
-        </p:blipFill>
-        <p:spPr>
-          <a:xfrm>
-            <a:off x="2286000" y="2819400"/>
-            <a:ext cx="2819400" cy="995699"/>
-          </a:xfrm>
-          <a:prstGeom prst="rect">
-            <a:avLst/>
-          </a:prstGeom>
-        </p:spPr>
-      </p:pic>
-    </p:spTree>
-  </p:cSld>
-  <p:clrMapOvr>
-    <a:masterClrMapping/>
-  </p:clrMapOvr>
-  <p:timing>
-    <p:tnLst>
-      <p:par>
-        <p:cTn id="1" dur="indefinite" restart="never" nodeType="tmRoot"/>
-      </p:par>
-    </p:tnLst>
-  </p:timing>
-</p:sld>
-</file>
-
-<file path=ppt/slides/slide22.xml><?xml version="1.0" encoding="utf-8"?>
-<p:sld xmlns:a="http://schemas.openxmlformats.org/drawingml/2006/main" xmlns:r="http://schemas.openxmlformats.org/officeDocument/2006/relationships" xmlns:p="http://schemas.openxmlformats.org/presentationml/2006/main">
-  <p:cSld>
-    <p:spTree>
-      <p:nvGrpSpPr>
-        <p:cNvPr id="1" name=""/>
-        <p:cNvGrpSpPr/>
-        <p:nvPr/>
-      </p:nvGrpSpPr>
-      <p:grpSpPr>
-        <a:xfrm>
-          <a:off x="0" y="0"/>
-          <a:ext cx="0" cy="0"/>
-          <a:chOff x="0" y="0"/>
-          <a:chExt cx="0" cy="0"/>
-        </a:xfrm>
-      </p:grpSpPr>
-      <p:sp>
-        <p:nvSpPr>
-          <p:cNvPr id="11" name="Title 10"/>
-          <p:cNvSpPr>
-            <a:spLocks noGrp="1"/>
-          </p:cNvSpPr>
-          <p:nvPr>
-            <p:ph type="title"/>
-          </p:nvPr>
-        </p:nvSpPr>
-        <p:spPr>
-          <a:xfrm>
-            <a:off x="457200" y="274638"/>
-            <a:ext cx="7467600" cy="715962"/>
-          </a:xfrm>
-        </p:spPr>
-        <p:txBody>
-          <a:bodyPr>
-            <a:normAutofit/>
-          </a:bodyPr>
-          <a:lstStyle/>
-          <a:p>
-            <a:r>
-              <a:rPr lang="en-US" sz="3200" b="1" dirty="0" smtClean="0">
-                <a:solidFill>
-                  <a:schemeClr val="accent2"/>
-                </a:solidFill>
-              </a:rPr>
-              <a:t>G</a:t>
-            </a:r>
-            <a:r>
-              <a:rPr lang="en-US" sz="3200" b="1" dirty="0" smtClean="0">
-                <a:solidFill>
-                  <a:srgbClr val="FF0000"/>
-                </a:solidFill>
-              </a:rPr>
-              <a:t>o</a:t>
-            </a:r>
-            <a:r>
-              <a:rPr lang="en-US" sz="3200" b="1" dirty="0" smtClean="0">
-                <a:solidFill>
-                  <a:srgbClr val="FFF529"/>
-                </a:solidFill>
-              </a:rPr>
-              <a:t>o</a:t>
-            </a:r>
-            <a:r>
-              <a:rPr lang="en-US" sz="3200" b="1" dirty="0" smtClean="0">
-                <a:solidFill>
-                  <a:srgbClr val="1B79D7"/>
-                </a:solidFill>
-              </a:rPr>
-              <a:t>g</a:t>
-            </a:r>
-            <a:r>
-              <a:rPr lang="en-US" sz="3200" b="1" dirty="0" smtClean="0">
-                <a:solidFill>
-                  <a:srgbClr val="009900"/>
-                </a:solidFill>
-              </a:rPr>
-              <a:t>l</a:t>
-            </a:r>
-            <a:r>
-              <a:rPr lang="en-US" sz="3200" b="1" dirty="0" smtClean="0">
-                <a:solidFill>
-                  <a:srgbClr val="ED483D"/>
-                </a:solidFill>
-              </a:rPr>
-              <a:t>e</a:t>
-            </a:r>
-            <a:r>
-              <a:rPr lang="en-US" sz="3200" b="1" dirty="0" smtClean="0">
-                <a:solidFill>
-                  <a:schemeClr val="accent1"/>
-                </a:solidFill>
-              </a:rPr>
-              <a:t> </a:t>
-            </a:r>
-            <a:r>
-              <a:rPr lang="en-AU" sz="2400" b="1" dirty="0" smtClean="0">
-                <a:solidFill>
-                  <a:srgbClr val="1B79D7"/>
-                </a:solidFill>
-              </a:rPr>
-              <a:t>work culture</a:t>
-            </a:r>
-            <a:endParaRPr lang="en-US" dirty="0"/>
-          </a:p>
-        </p:txBody>
-      </p:sp>
-      <p:sp>
-        <p:nvSpPr>
-          <p:cNvPr id="6" name="Content Placeholder 5"/>
-          <p:cNvSpPr>
-            <a:spLocks noGrp="1"/>
-          </p:cNvSpPr>
-          <p:nvPr>
-            <p:ph sz="quarter" idx="1"/>
-          </p:nvPr>
-        </p:nvSpPr>
-        <p:spPr>
-          <a:xfrm>
-            <a:off x="457200" y="1219200"/>
-            <a:ext cx="7467600" cy="5254752"/>
-          </a:xfrm>
-        </p:spPr>
-        <p:txBody>
-          <a:bodyPr>
-            <a:normAutofit/>
-            <a:scene3d>
-              <a:camera prst="orthographicFront"/>
-              <a:lightRig rig="sunset" dir="t"/>
-            </a:scene3d>
-            <a:sp3d prstMaterial="dkEdge"/>
-          </a:bodyPr>
-          <a:lstStyle/>
-          <a:p>
-            <a:pPr marL="339725" indent="-339725">
-              <a:lnSpc>
-                <a:spcPct val="100000"/>
-              </a:lnSpc>
-              <a:spcBef>
-                <a:spcPct val="55000"/>
-              </a:spcBef>
-              <a:spcAft>
-                <a:spcPct val="0"/>
-              </a:spcAft>
-              <a:buClr>
-                <a:srgbClr val="1B79D7"/>
-              </a:buClr>
-              <a:buNone/>
-            </a:pPr>
-            <a:r>
-              <a:rPr lang="en-US" sz="4000" dirty="0" smtClean="0">
-                <a:solidFill>
-                  <a:schemeClr val="accent2">
-                    <a:lumMod val="75000"/>
-                  </a:schemeClr>
-                </a:solidFill>
-              </a:rPr>
-              <a:t>Google </a:t>
-            </a:r>
-            <a:r>
-              <a:rPr lang="en-US" sz="4000" dirty="0" smtClean="0">
-                <a:solidFill>
-                  <a:schemeClr val="accent2">
-                    <a:lumMod val="75000"/>
-                  </a:schemeClr>
-                </a:solidFill>
-              </a:rPr>
-              <a:t>has been ranked No.1 in Fortune's latest annual list of '100 Best Companies to Work </a:t>
-            </a:r>
-            <a:r>
-              <a:rPr lang="en-US" sz="4000" dirty="0" smtClean="0">
-                <a:solidFill>
-                  <a:schemeClr val="accent2">
-                    <a:lumMod val="75000"/>
-                  </a:schemeClr>
-                </a:solidFill>
-              </a:rPr>
-              <a:t>For</a:t>
-            </a:r>
-          </a:p>
-          <a:p>
-            <a:pPr marL="339725" indent="-339725">
-              <a:lnSpc>
-                <a:spcPct val="100000"/>
-              </a:lnSpc>
-              <a:spcBef>
-                <a:spcPct val="55000"/>
-              </a:spcBef>
-              <a:spcAft>
-                <a:spcPct val="0"/>
-              </a:spcAft>
-              <a:buClr>
-                <a:srgbClr val="1B79D7"/>
-              </a:buClr>
-              <a:buNone/>
-            </a:pPr>
-            <a:endParaRPr lang="en-US" sz="4000" dirty="0" smtClean="0">
-              <a:solidFill>
-                <a:schemeClr val="accent2">
-                  <a:lumMod val="75000"/>
-                </a:schemeClr>
-              </a:solidFill>
-            </a:endParaRPr>
-          </a:p>
-          <a:p>
-            <a:pPr marL="339725" indent="-339725">
-              <a:lnSpc>
-                <a:spcPct val="100000"/>
-              </a:lnSpc>
-              <a:spcBef>
-                <a:spcPct val="55000"/>
-              </a:spcBef>
-              <a:spcAft>
-                <a:spcPct val="0"/>
-              </a:spcAft>
-              <a:buClr>
-                <a:srgbClr val="1B79D7"/>
-              </a:buClr>
-              <a:buNone/>
-            </a:pPr>
-            <a:r>
-              <a:rPr lang="en-US" sz="4000" dirty="0" smtClean="0">
-                <a:solidFill>
-                  <a:schemeClr val="accent2">
-                    <a:lumMod val="75000"/>
-                  </a:schemeClr>
-                </a:solidFill>
-              </a:rPr>
-              <a:t>                   </a:t>
-            </a:r>
-            <a:r>
-              <a:rPr lang="en-US" sz="7200" dirty="0" smtClean="0">
-                <a:solidFill>
-                  <a:srgbClr val="C00000"/>
-                </a:solidFill>
-              </a:rPr>
-              <a:t>Why?</a:t>
-            </a:r>
-            <a:endParaRPr lang="en-US" dirty="0">
-              <a:solidFill>
-                <a:srgbClr val="C00000"/>
-              </a:solidFill>
-            </a:endParaRPr>
-          </a:p>
-        </p:txBody>
-      </p:sp>
-    </p:spTree>
-  </p:cSld>
-  <p:clrMapOvr>
-    <a:masterClrMapping/>
-  </p:clrMapOvr>
-  <p:timing>
-    <p:tnLst>
-      <p:par>
-        <p:cTn id="1" dur="indefinite" restart="never" nodeType="tmRoot"/>
-      </p:par>
-    </p:tnLst>
-  </p:timing>
-</p:sld>
-</file>
-
-<file path=ppt/slides/slide23.xml><?xml version="1.0" encoding="utf-8"?>
-<p:sld xmlns:a="http://schemas.openxmlformats.org/drawingml/2006/main" xmlns:r="http://schemas.openxmlformats.org/officeDocument/2006/relationships" xmlns:p="http://schemas.openxmlformats.org/presentationml/2006/main">
-  <p:cSld>
-    <p:spTree>
-      <p:nvGrpSpPr>
-        <p:cNvPr id="1" name=""/>
-        <p:cNvGrpSpPr/>
-        <p:nvPr/>
-      </p:nvGrpSpPr>
-      <p:grpSpPr>
-        <a:xfrm>
-          <a:off x="0" y="0"/>
-          <a:ext cx="0" cy="0"/>
-          <a:chOff x="0" y="0"/>
-          <a:chExt cx="0" cy="0"/>
-        </a:xfrm>
-      </p:grpSpPr>
-      <p:sp>
-        <p:nvSpPr>
-          <p:cNvPr id="11" name="Title 10"/>
-          <p:cNvSpPr>
-            <a:spLocks noGrp="1"/>
-          </p:cNvSpPr>
-          <p:nvPr>
-            <p:ph type="title"/>
-          </p:nvPr>
-        </p:nvSpPr>
-        <p:spPr>
-          <a:xfrm>
-            <a:off x="457200" y="274638"/>
-            <a:ext cx="7467600" cy="715962"/>
-          </a:xfrm>
-        </p:spPr>
-        <p:txBody>
-          <a:bodyPr>
-            <a:normAutofit/>
-          </a:bodyPr>
-          <a:lstStyle/>
-          <a:p>
-            <a:r>
-              <a:rPr lang="en-US" sz="3200" b="1" dirty="0" smtClean="0">
-                <a:solidFill>
-                  <a:schemeClr val="accent2"/>
-                </a:solidFill>
-              </a:rPr>
-              <a:t>G</a:t>
-            </a:r>
-            <a:r>
-              <a:rPr lang="en-US" sz="3200" b="1" dirty="0" smtClean="0">
-                <a:solidFill>
-                  <a:srgbClr val="FF0000"/>
-                </a:solidFill>
-              </a:rPr>
-              <a:t>o</a:t>
-            </a:r>
-            <a:r>
-              <a:rPr lang="en-US" sz="3200" b="1" dirty="0" smtClean="0">
-                <a:solidFill>
-                  <a:srgbClr val="FFF529"/>
-                </a:solidFill>
-              </a:rPr>
-              <a:t>o</a:t>
-            </a:r>
-            <a:r>
-              <a:rPr lang="en-US" sz="3200" b="1" dirty="0" smtClean="0">
-                <a:solidFill>
-                  <a:srgbClr val="1B79D7"/>
-                </a:solidFill>
-              </a:rPr>
-              <a:t>g</a:t>
-            </a:r>
-            <a:r>
-              <a:rPr lang="en-US" sz="3200" b="1" dirty="0" smtClean="0">
-                <a:solidFill>
-                  <a:srgbClr val="009900"/>
-                </a:solidFill>
-              </a:rPr>
-              <a:t>l</a:t>
-            </a:r>
-            <a:r>
-              <a:rPr lang="en-US" sz="3200" b="1" dirty="0" smtClean="0">
-                <a:solidFill>
-                  <a:srgbClr val="ED483D"/>
-                </a:solidFill>
-              </a:rPr>
-              <a:t>e</a:t>
-            </a:r>
-            <a:r>
-              <a:rPr lang="en-US" sz="3200" b="1" dirty="0" smtClean="0">
-                <a:solidFill>
-                  <a:schemeClr val="accent1"/>
-                </a:solidFill>
-              </a:rPr>
-              <a:t> </a:t>
-            </a:r>
-            <a:r>
-              <a:rPr lang="en-AU" sz="2400" b="1" dirty="0" smtClean="0">
-                <a:solidFill>
-                  <a:srgbClr val="1B79D7"/>
-                </a:solidFill>
-              </a:rPr>
-              <a:t>work culture</a:t>
-            </a:r>
-            <a:endParaRPr lang="en-US" dirty="0"/>
-          </a:p>
-        </p:txBody>
-      </p:sp>
-      <p:sp>
-        <p:nvSpPr>
-          <p:cNvPr id="6" name="Content Placeholder 5"/>
-          <p:cNvSpPr>
-            <a:spLocks noGrp="1"/>
-          </p:cNvSpPr>
-          <p:nvPr>
-            <p:ph sz="quarter" idx="1"/>
-          </p:nvPr>
-        </p:nvSpPr>
-        <p:spPr>
-          <a:xfrm>
-            <a:off x="457200" y="1219200"/>
-            <a:ext cx="7467600" cy="5254752"/>
-          </a:xfrm>
-        </p:spPr>
-        <p:txBody>
-          <a:bodyPr>
-            <a:normAutofit/>
-            <a:scene3d>
-              <a:camera prst="orthographicFront"/>
-              <a:lightRig rig="sunset" dir="t"/>
-            </a:scene3d>
-            <a:sp3d prstMaterial="dkEdge"/>
-          </a:bodyPr>
-          <a:lstStyle/>
-          <a:p>
-            <a:pPr marL="339725" indent="-339725">
-              <a:lnSpc>
-                <a:spcPct val="100000"/>
-              </a:lnSpc>
-              <a:spcBef>
-                <a:spcPct val="55000"/>
-              </a:spcBef>
-              <a:spcAft>
-                <a:spcPct val="0"/>
-              </a:spcAft>
-              <a:buClr>
-                <a:srgbClr val="1B79D7"/>
-              </a:buClr>
-              <a:buNone/>
-            </a:pPr>
-            <a:endParaRPr lang="en-US" dirty="0" smtClean="0">
-              <a:solidFill>
-                <a:schemeClr val="accent2">
-                  <a:lumMod val="75000"/>
-                </a:schemeClr>
-              </a:solidFill>
-            </a:endParaRPr>
-          </a:p>
-        </p:txBody>
-      </p:sp>
-    </p:spTree>
-  </p:cSld>
-  <p:clrMapOvr>
-    <a:masterClrMapping/>
-  </p:clrMapOvr>
-  <p:timing>
-    <p:tnLst>
-      <p:par>
-        <p:cTn id="1" dur="indefinite" restart="never" nodeType="tmRoot"/>
-      </p:par>
-    </p:tnLst>
-  </p:timing>
-</p:sld>
-</file>
-
 <file path=ppt/slides/slide3.xml><?xml version="1.0" encoding="utf-8"?>
 <p:sld xmlns:a="http://schemas.openxmlformats.org/drawingml/2006/main" xmlns:r="http://schemas.openxmlformats.org/officeDocument/2006/relationships" xmlns:p="http://schemas.openxmlformats.org/presentationml/2006/main">
   <p:cSld>
@@ -12928,27 +12318,8 @@
                   </a:schemeClr>
                 </a:solidFill>
               </a:rPr>
-              <a:t>    Google </a:t>
-            </a:r>
-            <a:r>
-              <a:rPr lang="en-US" dirty="0" smtClean="0">
-                <a:solidFill>
-                  <a:schemeClr val="tx1">
-                    <a:lumMod val="65000"/>
-                    <a:lumOff val="35000"/>
-                  </a:schemeClr>
-                </a:solidFill>
-              </a:rPr>
-              <a:t>beta version</a:t>
-            </a:r>
-            <a:endParaRPr lang="en-US" dirty="0" smtClean="0">
-              <a:solidFill>
-                <a:schemeClr val="tx1">
-                  <a:lumMod val="65000"/>
-                  <a:lumOff val="35000"/>
-                </a:schemeClr>
-              </a:solidFill>
-            </a:endParaRPr>
+              <a:t>    Google beta version</a:t>
+            </a:r>
           </a:p>
           <a:p>
             <a:pPr>
